--- a/Credit_Card_Fraud_Presentation.pptx
+++ b/Credit_Card_Fraud_Presentation.pptx
@@ -5599,6 +5599,14 @@
 <file path=ppt/slides/slide2.xml><?xml version="1.0" encoding="utf-8"?>
 <p:sld xmlns:a="http://schemas.openxmlformats.org/drawingml/2006/main" xmlns:r="http://schemas.openxmlformats.org/officeDocument/2006/relationships" xmlns:p="http://schemas.openxmlformats.org/presentationml/2006/main">
   <p:cSld>
+    <p:bg>
+      <p:bgPr>
+        <a:solidFill>
+          <a:schemeClr val="bg1"/>
+        </a:solidFill>
+        <a:effectLst/>
+      </p:bgPr>
+    </p:bg>
     <p:spTree>
       <p:nvGrpSpPr>
         <p:cNvPr id="1" name=""/>
@@ -5615,6 +5623,385 @@
       </p:grpSpPr>
       <p:sp>
         <p:nvSpPr>
+          <p:cNvPr id="11" name="Freeform 6">
+            <a:extLst>
+              <a:ext uri="{FF2B5EF4-FFF2-40B4-BE49-F238E27FC236}">
+                <a16:creationId xmlns:a16="http://schemas.microsoft.com/office/drawing/2014/main" id="{53576798-7F98-4C7F-B6C7-6D41B5A7E927}"/>
+              </a:ext>
+              <a:ext uri="{C183D7F6-B498-43B3-948B-1728B52AA6E4}">
+                <adec:decorative xmlns:adec="http://schemas.microsoft.com/office/drawing/2017/decorative" val="1"/>
+              </a:ext>
+            </a:extLst>
+          </p:cNvPr>
+          <p:cNvSpPr>
+            <a:spLocks noGrp="1" noRot="1" noChangeAspect="1" noMove="1" noResize="1" noEditPoints="1" noAdjustHandles="1" noChangeArrowheads="1" noChangeShapeType="1" noTextEdit="1"/>
+          </p:cNvSpPr>
+          <p:nvPr>
+            <p:extLst>
+              <p:ext uri="{386F3935-93C4-4BCD-93E2-E3B085C9AB24}">
+                <p16:designElem xmlns:p16="http://schemas.microsoft.com/office/powerpoint/2015/main" val="1"/>
+              </p:ext>
+            </p:extLst>
+          </p:nvPr>
+        </p:nvSpPr>
+        <p:spPr bwMode="auto">
+          <a:xfrm>
+            <a:off x="0" y="0"/>
+            <a:ext cx="12192000" cy="2185988"/>
+          </a:xfrm>
+          <a:custGeom>
+            <a:avLst/>
+            <a:gdLst/>
+            <a:ahLst/>
+            <a:cxnLst/>
+            <a:rect l="0" t="0" r="r" b="b"/>
+            <a:pathLst>
+              <a:path w="5760" h="1377">
+                <a:moveTo>
+                  <a:pt x="5760" y="0"/>
+                </a:moveTo>
+                <a:lnTo>
+                  <a:pt x="0" y="0"/>
+                </a:lnTo>
+                <a:lnTo>
+                  <a:pt x="0" y="1189"/>
+                </a:lnTo>
+                <a:lnTo>
+                  <a:pt x="943" y="1189"/>
+                </a:lnTo>
+                <a:lnTo>
+                  <a:pt x="1123" y="1369"/>
+                </a:lnTo>
+                <a:lnTo>
+                  <a:pt x="1123" y="1369"/>
+                </a:lnTo>
+                <a:lnTo>
+                  <a:pt x="1127" y="1371"/>
+                </a:lnTo>
+                <a:lnTo>
+                  <a:pt x="1133" y="1374"/>
+                </a:lnTo>
+                <a:lnTo>
+                  <a:pt x="1139" y="1377"/>
+                </a:lnTo>
+                <a:lnTo>
+                  <a:pt x="1144" y="1377"/>
+                </a:lnTo>
+                <a:lnTo>
+                  <a:pt x="1150" y="1377"/>
+                </a:lnTo>
+                <a:lnTo>
+                  <a:pt x="1155" y="1374"/>
+                </a:lnTo>
+                <a:lnTo>
+                  <a:pt x="1161" y="1371"/>
+                </a:lnTo>
+                <a:lnTo>
+                  <a:pt x="1165" y="1369"/>
+                </a:lnTo>
+                <a:lnTo>
+                  <a:pt x="1345" y="1189"/>
+                </a:lnTo>
+                <a:lnTo>
+                  <a:pt x="5760" y="1189"/>
+                </a:lnTo>
+                <a:lnTo>
+                  <a:pt x="5760" y="0"/>
+                </a:lnTo>
+                <a:close/>
+              </a:path>
+            </a:pathLst>
+          </a:custGeom>
+          <a:ln/>
+          <a:extLst>
+            <a:ext uri="{91240B29-F687-4f45-9708-019B960494DF}">
+              <a14:hiddenLine xmlns="" xmlns:a16="http://schemas.microsoft.com/office/drawing/2014/main" xmlns:p14="http://schemas.microsoft.com/office/powerpoint/2010/main" xmlns:a14="http://schemas.microsoft.com/office/drawing/2010/main" w="9525">
+                <a:solidFill>
+                  <a:srgbClr val="000000"/>
+                </a:solidFill>
+                <a:round/>
+                <a:headEnd/>
+                <a:tailEnd/>
+              </a14:hiddenLine>
+            </a:ext>
+          </a:extLst>
+        </p:spPr>
+        <p:style>
+          <a:lnRef idx="1">
+            <a:schemeClr val="accent1"/>
+          </a:lnRef>
+          <a:fillRef idx="3">
+            <a:schemeClr val="accent1"/>
+          </a:fillRef>
+          <a:effectRef idx="2">
+            <a:schemeClr val="accent1"/>
+          </a:effectRef>
+          <a:fontRef idx="minor">
+            <a:schemeClr val="lt1"/>
+          </a:fontRef>
+        </p:style>
+      </p:sp>
+      <p:sp>
+        <p:nvSpPr>
+          <p:cNvPr id="13" name="Rectangle 12">
+            <a:extLst>
+              <a:ext uri="{FF2B5EF4-FFF2-40B4-BE49-F238E27FC236}">
+                <a16:creationId xmlns:a16="http://schemas.microsoft.com/office/drawing/2014/main" id="{E2264E67-6F59-4D8D-8E5F-8245B0FEAE76}"/>
+              </a:ext>
+              <a:ext uri="{C183D7F6-B498-43B3-948B-1728B52AA6E4}">
+                <adec:decorative xmlns:adec="http://schemas.microsoft.com/office/drawing/2017/decorative" val="1"/>
+              </a:ext>
+            </a:extLst>
+          </p:cNvPr>
+          <p:cNvSpPr>
+            <a:spLocks noGrp="1" noRot="1" noChangeAspect="1" noMove="1" noResize="1" noEditPoints="1" noAdjustHandles="1" noChangeArrowheads="1" noChangeShapeType="1" noTextEdit="1"/>
+          </p:cNvSpPr>
+          <p:nvPr>
+            <p:extLst>
+              <p:ext uri="{386F3935-93C4-4BCD-93E2-E3B085C9AB24}">
+                <p16:designElem xmlns:p16="http://schemas.microsoft.com/office/powerpoint/2015/main" val="1"/>
+              </p:ext>
+            </p:extLst>
+          </p:nvPr>
+        </p:nvSpPr>
+        <p:spPr>
+          <a:xfrm>
+            <a:off x="4573" y="0"/>
+            <a:ext cx="12187427" cy="6858000"/>
+          </a:xfrm>
+          <a:prstGeom prst="rect">
+            <a:avLst/>
+          </a:prstGeom>
+          <a:solidFill>
+            <a:schemeClr val="bg1"/>
+          </a:solidFill>
+          <a:ln>
+            <a:noFill/>
+          </a:ln>
+        </p:spPr>
+        <p:style>
+          <a:lnRef idx="2">
+            <a:schemeClr val="accent1">
+              <a:shade val="50000"/>
+            </a:schemeClr>
+          </a:lnRef>
+          <a:fillRef idx="1">
+            <a:schemeClr val="accent1"/>
+          </a:fillRef>
+          <a:effectRef idx="0">
+            <a:schemeClr val="accent1"/>
+          </a:effectRef>
+          <a:fontRef idx="minor">
+            <a:schemeClr val="lt1"/>
+          </a:fontRef>
+        </p:style>
+        <p:txBody>
+          <a:bodyPr rtlCol="0" anchor="ctr"/>
+          <a:lstStyle/>
+          <a:p>
+            <a:pPr algn="ctr"/>
+            <a:endParaRPr lang="en-US"/>
+          </a:p>
+        </p:txBody>
+      </p:sp>
+      <p:sp>
+        <p:nvSpPr>
+          <p:cNvPr id="15" name="Freeform 23">
+            <a:extLst>
+              <a:ext uri="{FF2B5EF4-FFF2-40B4-BE49-F238E27FC236}">
+                <a16:creationId xmlns:a16="http://schemas.microsoft.com/office/drawing/2014/main" id="{158E1C6E-D299-4F5D-B15B-155EBF7F62FD}"/>
+              </a:ext>
+              <a:ext uri="{C183D7F6-B498-43B3-948B-1728B52AA6E4}">
+                <adec:decorative xmlns:adec="http://schemas.microsoft.com/office/drawing/2017/decorative" val="1"/>
+              </a:ext>
+            </a:extLst>
+          </p:cNvPr>
+          <p:cNvSpPr>
+            <a:spLocks noGrp="1" noRot="1" noChangeAspect="1" noMove="1" noResize="1" noEditPoints="1" noAdjustHandles="1" noChangeArrowheads="1" noChangeShapeType="1" noTextEdit="1"/>
+          </p:cNvSpPr>
+          <p:nvPr>
+            <p:extLst>
+              <p:ext uri="{386F3935-93C4-4BCD-93E2-E3B085C9AB24}">
+                <p16:designElem xmlns:p16="http://schemas.microsoft.com/office/powerpoint/2015/main" val="1"/>
+              </p:ext>
+            </p:extLst>
+          </p:nvPr>
+        </p:nvSpPr>
+        <p:spPr bwMode="white">
+          <a:xfrm>
+            <a:off x="0" y="0"/>
+            <a:ext cx="4637005" cy="6858000"/>
+          </a:xfrm>
+          <a:custGeom>
+            <a:avLst/>
+            <a:gdLst>
+              <a:gd name="connsiteX0" fmla="*/ 0 w 4637005"/>
+              <a:gd name="connsiteY0" fmla="*/ 0 h 6858000"/>
+              <a:gd name="connsiteX1" fmla="*/ 4637005 w 4637005"/>
+              <a:gd name="connsiteY1" fmla="*/ 0 h 6858000"/>
+              <a:gd name="connsiteX2" fmla="*/ 4637005 w 4637005"/>
+              <a:gd name="connsiteY2" fmla="*/ 1900238 h 6858000"/>
+              <a:gd name="connsiteX3" fmla="*/ 4266589 w 4637005"/>
+              <a:gd name="connsiteY3" fmla="*/ 2178050 h 6858000"/>
+              <a:gd name="connsiteX4" fmla="*/ 4262355 w 4637005"/>
+              <a:gd name="connsiteY4" fmla="*/ 2184400 h 6858000"/>
+              <a:gd name="connsiteX5" fmla="*/ 4256005 w 4637005"/>
+              <a:gd name="connsiteY5" fmla="*/ 2193925 h 6858000"/>
+              <a:gd name="connsiteX6" fmla="*/ 4249655 w 4637005"/>
+              <a:gd name="connsiteY6" fmla="*/ 2201863 h 6858000"/>
+              <a:gd name="connsiteX7" fmla="*/ 4249655 w 4637005"/>
+              <a:gd name="connsiteY7" fmla="*/ 2211388 h 6858000"/>
+              <a:gd name="connsiteX8" fmla="*/ 4249655 w 4637005"/>
+              <a:gd name="connsiteY8" fmla="*/ 2220913 h 6858000"/>
+              <a:gd name="connsiteX9" fmla="*/ 4256005 w 4637005"/>
+              <a:gd name="connsiteY9" fmla="*/ 2228850 h 6858000"/>
+              <a:gd name="connsiteX10" fmla="*/ 4262355 w 4637005"/>
+              <a:gd name="connsiteY10" fmla="*/ 2238375 h 6858000"/>
+              <a:gd name="connsiteX11" fmla="*/ 4266589 w 4637005"/>
+              <a:gd name="connsiteY11" fmla="*/ 2244725 h 6858000"/>
+              <a:gd name="connsiteX12" fmla="*/ 4637005 w 4637005"/>
+              <a:gd name="connsiteY12" fmla="*/ 2522538 h 6858000"/>
+              <a:gd name="connsiteX13" fmla="*/ 4637005 w 4637005"/>
+              <a:gd name="connsiteY13" fmla="*/ 6858000 h 6858000"/>
+              <a:gd name="connsiteX14" fmla="*/ 0 w 4637005"/>
+              <a:gd name="connsiteY14" fmla="*/ 6858000 h 6858000"/>
+            </a:gdLst>
+            <a:ahLst/>
+            <a:cxnLst>
+              <a:cxn ang="0">
+                <a:pos x="connsiteX0" y="connsiteY0"/>
+              </a:cxn>
+              <a:cxn ang="0">
+                <a:pos x="connsiteX1" y="connsiteY1"/>
+              </a:cxn>
+              <a:cxn ang="0">
+                <a:pos x="connsiteX2" y="connsiteY2"/>
+              </a:cxn>
+              <a:cxn ang="0">
+                <a:pos x="connsiteX3" y="connsiteY3"/>
+              </a:cxn>
+              <a:cxn ang="0">
+                <a:pos x="connsiteX4" y="connsiteY4"/>
+              </a:cxn>
+              <a:cxn ang="0">
+                <a:pos x="connsiteX5" y="connsiteY5"/>
+              </a:cxn>
+              <a:cxn ang="0">
+                <a:pos x="connsiteX6" y="connsiteY6"/>
+              </a:cxn>
+              <a:cxn ang="0">
+                <a:pos x="connsiteX7" y="connsiteY7"/>
+              </a:cxn>
+              <a:cxn ang="0">
+                <a:pos x="connsiteX8" y="connsiteY8"/>
+              </a:cxn>
+              <a:cxn ang="0">
+                <a:pos x="connsiteX9" y="connsiteY9"/>
+              </a:cxn>
+              <a:cxn ang="0">
+                <a:pos x="connsiteX10" y="connsiteY10"/>
+              </a:cxn>
+              <a:cxn ang="0">
+                <a:pos x="connsiteX11" y="connsiteY11"/>
+              </a:cxn>
+              <a:cxn ang="0">
+                <a:pos x="connsiteX12" y="connsiteY12"/>
+              </a:cxn>
+              <a:cxn ang="0">
+                <a:pos x="connsiteX13" y="connsiteY13"/>
+              </a:cxn>
+              <a:cxn ang="0">
+                <a:pos x="connsiteX14" y="connsiteY14"/>
+              </a:cxn>
+            </a:cxnLst>
+            <a:rect l="l" t="t" r="r" b="b"/>
+            <a:pathLst>
+              <a:path w="4637005" h="6858000">
+                <a:moveTo>
+                  <a:pt x="0" y="0"/>
+                </a:moveTo>
+                <a:lnTo>
+                  <a:pt x="4637005" y="0"/>
+                </a:lnTo>
+                <a:lnTo>
+                  <a:pt x="4637005" y="1900238"/>
+                </a:lnTo>
+                <a:lnTo>
+                  <a:pt x="4266589" y="2178050"/>
+                </a:lnTo>
+                <a:lnTo>
+                  <a:pt x="4262355" y="2184400"/>
+                </a:lnTo>
+                <a:lnTo>
+                  <a:pt x="4256005" y="2193925"/>
+                </a:lnTo>
+                <a:lnTo>
+                  <a:pt x="4249655" y="2201863"/>
+                </a:lnTo>
+                <a:lnTo>
+                  <a:pt x="4249655" y="2211388"/>
+                </a:lnTo>
+                <a:lnTo>
+                  <a:pt x="4249655" y="2220913"/>
+                </a:lnTo>
+                <a:lnTo>
+                  <a:pt x="4256005" y="2228850"/>
+                </a:lnTo>
+                <a:lnTo>
+                  <a:pt x="4262355" y="2238375"/>
+                </a:lnTo>
+                <a:lnTo>
+                  <a:pt x="4266589" y="2244725"/>
+                </a:lnTo>
+                <a:lnTo>
+                  <a:pt x="4637005" y="2522538"/>
+                </a:lnTo>
+                <a:lnTo>
+                  <a:pt x="4637005" y="6858000"/>
+                </a:lnTo>
+                <a:lnTo>
+                  <a:pt x="0" y="6858000"/>
+                </a:lnTo>
+                <a:close/>
+              </a:path>
+            </a:pathLst>
+          </a:custGeom>
+          <a:solidFill>
+            <a:srgbClr val="212121"/>
+          </a:solidFill>
+          <a:ln>
+            <a:noFill/>
+            <a:headEnd/>
+            <a:tailEnd/>
+          </a:ln>
+        </p:spPr>
+        <p:style>
+          <a:lnRef idx="1">
+            <a:schemeClr val="accent1"/>
+          </a:lnRef>
+          <a:fillRef idx="3">
+            <a:schemeClr val="accent1"/>
+          </a:fillRef>
+          <a:effectRef idx="2">
+            <a:schemeClr val="accent1"/>
+          </a:effectRef>
+          <a:fontRef idx="minor">
+            <a:schemeClr val="lt1"/>
+          </a:fontRef>
+        </p:style>
+        <p:txBody>
+          <a:bodyPr wrap="square" rtlCol="0" anchor="ctr">
+            <a:noAutofit/>
+          </a:bodyPr>
+          <a:lstStyle/>
+          <a:p>
+            <a:pPr algn="ctr"/>
+            <a:endParaRPr lang="en-US"/>
+          </a:p>
+        </p:txBody>
+      </p:sp>
+      <p:sp>
+        <p:nvSpPr>
           <p:cNvPr id="2" name="Title 1">
             <a:extLst>
               <a:ext uri="{FF2B5EF4-FFF2-40B4-BE49-F238E27FC236}">
@@ -5629,15 +6016,81 @@
             <p:ph type="title"/>
           </p:nvPr>
         </p:nvSpPr>
-        <p:spPr/>
-        <p:txBody>
-          <a:bodyPr/>
-          <a:lstStyle/>
-          <a:p>
-            <a:r>
-              <a:rPr lang="en-US" sz="2400" dirty="0"/>
+        <p:spPr>
+          <a:xfrm>
+            <a:off x="451514" y="457201"/>
+            <a:ext cx="3575737" cy="1332688"/>
+          </a:xfrm>
+        </p:spPr>
+        <p:txBody>
+          <a:bodyPr vert="horz" lIns="91440" tIns="45720" rIns="91440" bIns="45720" rtlCol="0" anchor="b">
+            <a:normAutofit/>
+          </a:bodyPr>
+          <a:lstStyle/>
+          <a:p>
+            <a:pPr algn="ctr"/>
+            <a:r>
+              <a:rPr lang="en-US" sz="3200">
+                <a:solidFill>
+                  <a:srgbClr val="FFFFFF"/>
+                </a:solidFill>
+              </a:rPr>
               <a:t>Project Proposal</a:t>
             </a:r>
+          </a:p>
+        </p:txBody>
+      </p:sp>
+      <p:sp>
+        <p:nvSpPr>
+          <p:cNvPr id="4" name="Text Placeholder 3">
+            <a:extLst>
+              <a:ext uri="{FF2B5EF4-FFF2-40B4-BE49-F238E27FC236}">
+                <a16:creationId xmlns:a16="http://schemas.microsoft.com/office/drawing/2014/main" id="{0C986EFB-13FF-2848-B30B-A13E88C18551}"/>
+              </a:ext>
+            </a:extLst>
+          </p:cNvPr>
+          <p:cNvSpPr>
+            <a:spLocks noGrp="1"/>
+          </p:cNvSpPr>
+          <p:nvPr>
+            <p:ph type="body" sz="half" idx="2"/>
+          </p:nvPr>
+        </p:nvSpPr>
+        <p:spPr>
+          <a:xfrm>
+            <a:off x="451514" y="2046514"/>
+            <a:ext cx="3575737" cy="3994848"/>
+          </a:xfrm>
+        </p:spPr>
+        <p:txBody>
+          <a:bodyPr vert="horz" lIns="91440" tIns="45720" rIns="91440" bIns="45720" rtlCol="0" anchor="ctr">
+            <a:normAutofit/>
+          </a:bodyPr>
+          <a:lstStyle/>
+          <a:p>
+            <a:pPr>
+              <a:buFont typeface="Wingdings 2" charset="2"/>
+              <a:buChar char=""/>
+            </a:pPr>
+            <a:r>
+              <a:rPr lang="en-US" sz="1600" dirty="0">
+                <a:solidFill>
+                  <a:srgbClr val="FFFFFF"/>
+                </a:solidFill>
+              </a:rPr>
+              <a:t>Create a user interactive interface that will utilize machine learning to identify whether a credit card purchase is fraudulent or not fraudulent</a:t>
+            </a:r>
+          </a:p>
+          <a:p>
+            <a:pPr>
+              <a:buFont typeface="Wingdings 2" charset="2"/>
+              <a:buChar char=""/>
+            </a:pPr>
+            <a:endParaRPr lang="en-US" sz="1600" dirty="0">
+              <a:solidFill>
+                <a:srgbClr val="FFFFFF"/>
+              </a:solidFill>
+            </a:endParaRPr>
           </a:p>
         </p:txBody>
       </p:sp>
@@ -5665,42 +6118,22 @@
         </p:blipFill>
         <p:spPr>
           <a:xfrm>
-            <a:off x="4856163" y="1368962"/>
-            <a:ext cx="6251575" cy="3569213"/>
+            <a:off x="5280790" y="1493371"/>
+            <a:ext cx="6267743" cy="3572613"/>
           </a:xfrm>
+          <a:prstGeom prst="roundRect">
+            <a:avLst>
+              <a:gd name="adj" fmla="val 3876"/>
+            </a:avLst>
+          </a:prstGeom>
+          <a:ln>
+            <a:solidFill>
+              <a:schemeClr val="accent1"/>
+            </a:solidFill>
+          </a:ln>
+          <a:effectLst/>
         </p:spPr>
       </p:pic>
-      <p:sp>
-        <p:nvSpPr>
-          <p:cNvPr id="4" name="Text Placeholder 3">
-            <a:extLst>
-              <a:ext uri="{FF2B5EF4-FFF2-40B4-BE49-F238E27FC236}">
-                <a16:creationId xmlns:a16="http://schemas.microsoft.com/office/drawing/2014/main" id="{0C986EFB-13FF-2848-B30B-A13E88C18551}"/>
-              </a:ext>
-            </a:extLst>
-          </p:cNvPr>
-          <p:cNvSpPr>
-            <a:spLocks noGrp="1"/>
-          </p:cNvSpPr>
-          <p:nvPr>
-            <p:ph type="body" sz="half" idx="2"/>
-          </p:nvPr>
-        </p:nvSpPr>
-        <p:spPr/>
-        <p:txBody>
-          <a:bodyPr/>
-          <a:lstStyle/>
-          <a:p>
-            <a:r>
-              <a:rPr lang="en-US" sz="1800" dirty="0"/>
-              <a:t>Create a user interactive interface that will utilize machine learning to identify whether a credit card purchase is fraudulent or not fraudulent</a:t>
-            </a:r>
-          </a:p>
-          <a:p>
-            <a:endParaRPr lang="en-US" dirty="0"/>
-          </a:p>
-        </p:txBody>
-      </p:sp>
     </p:spTree>
     <p:extLst>
       <p:ext uri="{BB962C8B-B14F-4D97-AF65-F5344CB8AC3E}">
@@ -5709,7 +6142,7 @@
     </p:extLst>
   </p:cSld>
   <p:clrMapOvr>
-    <a:masterClrMapping/>
+    <a:overrideClrMapping bg1="lt1" tx1="dk1" bg2="lt2" tx2="dk2" accent1="accent1" accent2="accent2" accent3="accent3" accent4="accent4" accent5="accent5" accent6="accent6" hlink="hlink" folHlink="folHlink"/>
   </p:clrMapOvr>
 </p:sld>
 </file>
@@ -6015,31 +6448,35 @@
           </a:p>
         </p:txBody>
       </p:sp>
-      <p:sp>
-        <p:nvSpPr>
-          <p:cNvPr id="3" name="Content Placeholder 2">
+      <p:pic>
+        <p:nvPicPr>
+          <p:cNvPr id="8" name="Content Placeholder 7" descr="A screenshot of a social media post&#10;&#10;Description automatically generated">
             <a:extLst>
               <a:ext uri="{FF2B5EF4-FFF2-40B4-BE49-F238E27FC236}">
-                <a16:creationId xmlns:a16="http://schemas.microsoft.com/office/drawing/2014/main" id="{1FF6E295-B802-194E-9F96-2873028D7484}"/>
+                <a16:creationId xmlns:a16="http://schemas.microsoft.com/office/drawing/2014/main" id="{7ABAFC6B-09E4-7049-9070-A9FB78633915}"/>
               </a:ext>
             </a:extLst>
           </p:cNvPr>
-          <p:cNvSpPr>
-            <a:spLocks noGrp="1"/>
-          </p:cNvSpPr>
+          <p:cNvPicPr>
+            <a:picLocks noGrp="1" noChangeAspect="1"/>
+          </p:cNvPicPr>
           <p:nvPr>
             <p:ph sz="half" idx="1"/>
           </p:nvPr>
-        </p:nvSpPr>
-        <p:spPr/>
-        <p:txBody>
-          <a:bodyPr/>
-          <a:lstStyle/>
-          <a:p>
-            <a:endParaRPr lang="en-US"/>
-          </a:p>
-        </p:txBody>
-      </p:sp>
+        </p:nvPicPr>
+        <p:blipFill>
+          <a:blip r:embed="rId2"/>
+          <a:stretch>
+            <a:fillRect/>
+          </a:stretch>
+        </p:blipFill>
+        <p:spPr>
+          <a:xfrm>
+            <a:off x="1181100" y="2348458"/>
+            <a:ext cx="3505200" cy="4062354"/>
+          </a:xfrm>
+        </p:spPr>
+      </p:pic>
       <p:pic>
         <p:nvPicPr>
           <p:cNvPr id="6" name="Content Placeholder 5" descr="A close up of a map&#10;&#10;Description automatically generated">
@@ -6057,7 +6494,7 @@
           </p:nvPr>
         </p:nvPicPr>
         <p:blipFill>
-          <a:blip r:embed="rId2"/>
+          <a:blip r:embed="rId3"/>
           <a:stretch>
             <a:fillRect/>
           </a:stretch>
@@ -6239,31 +6676,35 @@
           </a:p>
         </p:txBody>
       </p:sp>
-      <p:sp>
-        <p:nvSpPr>
-          <p:cNvPr id="3" name="Content Placeholder 2">
+      <p:pic>
+        <p:nvPicPr>
+          <p:cNvPr id="8" name="Content Placeholder 7" descr="A screenshot of a social media post&#10;&#10;Description automatically generated">
             <a:extLst>
               <a:ext uri="{FF2B5EF4-FFF2-40B4-BE49-F238E27FC236}">
-                <a16:creationId xmlns:a16="http://schemas.microsoft.com/office/drawing/2014/main" id="{4B2CFA63-2378-3941-8C02-A5C8FA4B2640}"/>
+                <a16:creationId xmlns:a16="http://schemas.microsoft.com/office/drawing/2014/main" id="{68445591-F119-9B4A-B98D-ECD1DD289230}"/>
               </a:ext>
             </a:extLst>
           </p:cNvPr>
-          <p:cNvSpPr>
-            <a:spLocks noGrp="1"/>
-          </p:cNvSpPr>
+          <p:cNvPicPr>
+            <a:picLocks noGrp="1" noChangeAspect="1"/>
+          </p:cNvPicPr>
           <p:nvPr>
             <p:ph sz="half" idx="1"/>
           </p:nvPr>
-        </p:nvSpPr>
-        <p:spPr/>
-        <p:txBody>
-          <a:bodyPr/>
-          <a:lstStyle/>
-          <a:p>
-            <a:endParaRPr lang="en-US"/>
-          </a:p>
-        </p:txBody>
-      </p:sp>
+        </p:nvPicPr>
+        <p:blipFill>
+          <a:blip r:embed="rId2"/>
+          <a:stretch>
+            <a:fillRect/>
+          </a:stretch>
+        </p:blipFill>
+        <p:spPr>
+          <a:xfrm>
+            <a:off x="819150" y="2435394"/>
+            <a:ext cx="5184775" cy="3212762"/>
+          </a:xfrm>
+        </p:spPr>
+      </p:pic>
       <p:pic>
         <p:nvPicPr>
           <p:cNvPr id="6" name="Content Placeholder 5" descr="A screenshot of a cell phone&#10;&#10;Description automatically generated">
@@ -6281,7 +6722,7 @@
           </p:nvPr>
         </p:nvPicPr>
         <p:blipFill>
-          <a:blip r:embed="rId2"/>
+          <a:blip r:embed="rId3"/>
           <a:stretch>
             <a:fillRect/>
           </a:stretch>

--- a/Credit_Card_Fraud_Presentation.pptx
+++ b/Credit_Card_Fraud_Presentation.pptx
@@ -6270,6 +6270,14 @@
 <file path=ppt/slides/slide4.xml><?xml version="1.0" encoding="utf-8"?>
 <p:sld xmlns:a="http://schemas.openxmlformats.org/drawingml/2006/main" xmlns:r="http://schemas.openxmlformats.org/officeDocument/2006/relationships" xmlns:p="http://schemas.openxmlformats.org/presentationml/2006/main">
   <p:cSld>
+    <p:bg>
+      <p:bgPr>
+        <a:solidFill>
+          <a:schemeClr val="bg2"/>
+        </a:solidFill>
+        <a:effectLst/>
+      </p:bgPr>
+    </p:bg>
     <p:spTree>
       <p:nvGrpSpPr>
         <p:cNvPr id="1" name=""/>
@@ -6286,6 +6294,126 @@
       </p:grpSpPr>
       <p:sp>
         <p:nvSpPr>
+          <p:cNvPr id="11" name="Freeform 6">
+            <a:extLst>
+              <a:ext uri="{FF2B5EF4-FFF2-40B4-BE49-F238E27FC236}">
+                <a16:creationId xmlns:a16="http://schemas.microsoft.com/office/drawing/2014/main" id="{53576798-7F98-4C7F-B6C7-6D41B5A7E927}"/>
+              </a:ext>
+              <a:ext uri="{C183D7F6-B498-43B3-948B-1728B52AA6E4}">
+                <adec:decorative xmlns:adec="http://schemas.microsoft.com/office/drawing/2017/decorative" val="1"/>
+              </a:ext>
+            </a:extLst>
+          </p:cNvPr>
+          <p:cNvSpPr>
+            <a:spLocks noGrp="1" noRot="1" noChangeAspect="1" noMove="1" noResize="1" noEditPoints="1" noAdjustHandles="1" noChangeArrowheads="1" noChangeShapeType="1" noTextEdit="1"/>
+          </p:cNvSpPr>
+          <p:nvPr>
+            <p:extLst>
+              <p:ext uri="{386F3935-93C4-4BCD-93E2-E3B085C9AB24}">
+                <p16:designElem xmlns:p16="http://schemas.microsoft.com/office/powerpoint/2015/main" val="1"/>
+              </p:ext>
+            </p:extLst>
+          </p:nvPr>
+        </p:nvSpPr>
+        <p:spPr bwMode="auto">
+          <a:xfrm>
+            <a:off x="0" y="0"/>
+            <a:ext cx="12192000" cy="2185988"/>
+          </a:xfrm>
+          <a:custGeom>
+            <a:avLst/>
+            <a:gdLst/>
+            <a:ahLst/>
+            <a:cxnLst/>
+            <a:rect l="0" t="0" r="r" b="b"/>
+            <a:pathLst>
+              <a:path w="5760" h="1377">
+                <a:moveTo>
+                  <a:pt x="5760" y="0"/>
+                </a:moveTo>
+                <a:lnTo>
+                  <a:pt x="0" y="0"/>
+                </a:lnTo>
+                <a:lnTo>
+                  <a:pt x="0" y="1189"/>
+                </a:lnTo>
+                <a:lnTo>
+                  <a:pt x="943" y="1189"/>
+                </a:lnTo>
+                <a:lnTo>
+                  <a:pt x="1123" y="1369"/>
+                </a:lnTo>
+                <a:lnTo>
+                  <a:pt x="1123" y="1369"/>
+                </a:lnTo>
+                <a:lnTo>
+                  <a:pt x="1127" y="1371"/>
+                </a:lnTo>
+                <a:lnTo>
+                  <a:pt x="1133" y="1374"/>
+                </a:lnTo>
+                <a:lnTo>
+                  <a:pt x="1139" y="1377"/>
+                </a:lnTo>
+                <a:lnTo>
+                  <a:pt x="1144" y="1377"/>
+                </a:lnTo>
+                <a:lnTo>
+                  <a:pt x="1150" y="1377"/>
+                </a:lnTo>
+                <a:lnTo>
+                  <a:pt x="1155" y="1374"/>
+                </a:lnTo>
+                <a:lnTo>
+                  <a:pt x="1161" y="1371"/>
+                </a:lnTo>
+                <a:lnTo>
+                  <a:pt x="1165" y="1369"/>
+                </a:lnTo>
+                <a:lnTo>
+                  <a:pt x="1345" y="1189"/>
+                </a:lnTo>
+                <a:lnTo>
+                  <a:pt x="5760" y="1189"/>
+                </a:lnTo>
+                <a:lnTo>
+                  <a:pt x="5760" y="0"/>
+                </a:lnTo>
+                <a:close/>
+              </a:path>
+            </a:pathLst>
+          </a:custGeom>
+          <a:ln/>
+          <a:extLst>
+            <a:ext uri="{91240B29-F687-4f45-9708-019B960494DF}">
+              <a14:hiddenLine xmlns="" xmlns:a16="http://schemas.microsoft.com/office/drawing/2014/main" xmlns:p14="http://schemas.microsoft.com/office/powerpoint/2010/main" xmlns:a14="http://schemas.microsoft.com/office/drawing/2010/main" w="9525">
+                <a:solidFill>
+                  <a:srgbClr val="000000"/>
+                </a:solidFill>
+                <a:round/>
+                <a:headEnd/>
+                <a:tailEnd/>
+              </a14:hiddenLine>
+            </a:ext>
+          </a:extLst>
+        </p:spPr>
+        <p:style>
+          <a:lnRef idx="1">
+            <a:schemeClr val="accent1"/>
+          </a:lnRef>
+          <a:fillRef idx="3">
+            <a:schemeClr val="accent1"/>
+          </a:fillRef>
+          <a:effectRef idx="2">
+            <a:schemeClr val="accent1"/>
+          </a:effectRef>
+          <a:fontRef idx="minor">
+            <a:schemeClr val="lt1"/>
+          </a:fontRef>
+        </p:style>
+      </p:sp>
+      <p:sp>
+        <p:nvSpPr>
           <p:cNvPr id="2" name="Title 1">
             <a:extLst>
               <a:ext uri="{FF2B5EF4-FFF2-40B4-BE49-F238E27FC236}">
@@ -6300,9 +6428,16 @@
             <p:ph type="title"/>
           </p:nvPr>
         </p:nvSpPr>
-        <p:spPr/>
-        <p:txBody>
-          <a:bodyPr/>
+        <p:spPr>
+          <a:xfrm>
+            <a:off x="810000" y="447188"/>
+            <a:ext cx="10571998" cy="970450"/>
+          </a:xfrm>
+        </p:spPr>
+        <p:txBody>
+          <a:bodyPr vert="horz" lIns="91440" tIns="45720" rIns="91440" bIns="45720" rtlCol="0" anchor="b">
+            <a:normAutofit/>
+          </a:bodyPr>
           <a:lstStyle/>
           <a:p>
             <a:r>
@@ -6328,36 +6463,64 @@
             <p:ph sz="half" idx="1"/>
           </p:nvPr>
         </p:nvSpPr>
-        <p:spPr/>
-        <p:txBody>
-          <a:bodyPr>
+        <p:spPr>
+          <a:xfrm>
+            <a:off x="818713" y="2413000"/>
+            <a:ext cx="3835583" cy="3632200"/>
+          </a:xfrm>
+        </p:spPr>
+        <p:txBody>
+          <a:bodyPr vert="horz" lIns="91440" tIns="45720" rIns="91440" bIns="45720" rtlCol="0" anchor="ctr">
             <a:normAutofit/>
           </a:bodyPr>
           <a:lstStyle/>
           <a:p>
+            <a:pPr>
+              <a:lnSpc>
+                <a:spcPct val="90000"/>
+              </a:lnSpc>
+            </a:pPr>
             <a:r>
               <a:rPr lang="en-US" sz="1600" dirty="0"/>
               <a:t>Data is extracted from a csv file provided by Kaggle</a:t>
             </a:r>
-          </a:p>
-          <a:p>
+            <a:endParaRPr lang="en-US" sz="1600"/>
+          </a:p>
+          <a:p>
+            <a:pPr>
+              <a:lnSpc>
+                <a:spcPct val="90000"/>
+              </a:lnSpc>
+            </a:pPr>
             <a:r>
               <a:rPr lang="en-US" sz="1600" dirty="0"/>
               <a:t>Roughly 280,000 transactions</a:t>
             </a:r>
-          </a:p>
-          <a:p>
+            <a:endParaRPr lang="en-US" sz="1600"/>
+          </a:p>
+          <a:p>
+            <a:pPr>
+              <a:lnSpc>
+                <a:spcPct val="90000"/>
+              </a:lnSpc>
+            </a:pPr>
             <a:r>
               <a:rPr lang="en-US" sz="1600" dirty="0"/>
               <a:t>Cut into snippets of equal cases of fraud &amp; not fraud transactions</a:t>
             </a:r>
-          </a:p>
-          <a:p>
+            <a:endParaRPr lang="en-US" sz="1600"/>
+          </a:p>
+          <a:p>
+            <a:pPr>
+              <a:lnSpc>
+                <a:spcPct val="90000"/>
+              </a:lnSpc>
+            </a:pPr>
             <a:r>
               <a:rPr lang="en-US" sz="1600" dirty="0"/>
               <a:t>V1-V28 were produced through an obfuscation process. For security reasons, we cannot backtrack these numbers to any values that would make sense to us, so our model will only be specific to the non-sensitive data here.</a:t>
             </a:r>
-            <a:endParaRPr lang="en-US" sz="1400" dirty="0"/>
+            <a:endParaRPr lang="en-US" sz="1600"/>
           </a:p>
         </p:txBody>
       </p:sp>
@@ -6385,9 +6548,20 @@
         </p:blipFill>
         <p:spPr>
           <a:xfrm>
-            <a:off x="6391275" y="3000375"/>
-            <a:ext cx="4787900" cy="2082800"/>
+            <a:off x="5101851" y="2905846"/>
+            <a:ext cx="6277349" cy="2730646"/>
           </a:xfrm>
+          <a:prstGeom prst="roundRect">
+            <a:avLst>
+              <a:gd name="adj" fmla="val 3876"/>
+            </a:avLst>
+          </a:prstGeom>
+          <a:ln>
+            <a:solidFill>
+              <a:schemeClr val="accent1"/>
+            </a:solidFill>
+          </a:ln>
+          <a:effectLst/>
         </p:spPr>
       </p:pic>
     </p:spTree>
@@ -6406,6 +6580,14 @@
 <file path=ppt/slides/slide5.xml><?xml version="1.0" encoding="utf-8"?>
 <p:sld xmlns:a="http://schemas.openxmlformats.org/drawingml/2006/main" xmlns:r="http://schemas.openxmlformats.org/officeDocument/2006/relationships" xmlns:p="http://schemas.openxmlformats.org/presentationml/2006/main">
   <p:cSld>
+    <p:bg>
+      <p:bgPr>
+        <a:solidFill>
+          <a:schemeClr val="bg2"/>
+        </a:solidFill>
+        <a:effectLst/>
+      </p:bgPr>
+    </p:bg>
     <p:spTree>
       <p:nvGrpSpPr>
         <p:cNvPr id="1" name=""/>
@@ -6422,6 +6604,388 @@
       </p:grpSpPr>
       <p:sp>
         <p:nvSpPr>
+          <p:cNvPr id="15" name="Freeform 6">
+            <a:extLst>
+              <a:ext uri="{FF2B5EF4-FFF2-40B4-BE49-F238E27FC236}">
+                <a16:creationId xmlns:a16="http://schemas.microsoft.com/office/drawing/2014/main" id="{1FCF5244-C62C-4E27-B395-14F26DFB1373}"/>
+              </a:ext>
+              <a:ext uri="{C183D7F6-B498-43B3-948B-1728B52AA6E4}">
+                <adec:decorative xmlns:adec="http://schemas.microsoft.com/office/drawing/2017/decorative" val="1"/>
+              </a:ext>
+            </a:extLst>
+          </p:cNvPr>
+          <p:cNvSpPr>
+            <a:spLocks noGrp="1" noRot="1" noChangeAspect="1" noMove="1" noResize="1" noEditPoints="1" noAdjustHandles="1" noChangeArrowheads="1" noChangeShapeType="1" noTextEdit="1"/>
+          </p:cNvSpPr>
+          <p:nvPr>
+            <p:extLst>
+              <p:ext uri="{386F3935-93C4-4BCD-93E2-E3B085C9AB24}">
+                <p16:designElem xmlns:p16="http://schemas.microsoft.com/office/powerpoint/2015/main" val="1"/>
+              </p:ext>
+            </p:extLst>
+          </p:nvPr>
+        </p:nvSpPr>
+        <p:spPr bwMode="auto">
+          <a:xfrm>
+            <a:off x="0" y="0"/>
+            <a:ext cx="12192000" cy="2185988"/>
+          </a:xfrm>
+          <a:custGeom>
+            <a:avLst/>
+            <a:gdLst/>
+            <a:ahLst/>
+            <a:cxnLst/>
+            <a:rect l="0" t="0" r="r" b="b"/>
+            <a:pathLst>
+              <a:path w="5760" h="1377">
+                <a:moveTo>
+                  <a:pt x="5760" y="0"/>
+                </a:moveTo>
+                <a:lnTo>
+                  <a:pt x="0" y="0"/>
+                </a:lnTo>
+                <a:lnTo>
+                  <a:pt x="0" y="1189"/>
+                </a:lnTo>
+                <a:lnTo>
+                  <a:pt x="943" y="1189"/>
+                </a:lnTo>
+                <a:lnTo>
+                  <a:pt x="1123" y="1369"/>
+                </a:lnTo>
+                <a:lnTo>
+                  <a:pt x="1123" y="1369"/>
+                </a:lnTo>
+                <a:lnTo>
+                  <a:pt x="1127" y="1371"/>
+                </a:lnTo>
+                <a:lnTo>
+                  <a:pt x="1133" y="1374"/>
+                </a:lnTo>
+                <a:lnTo>
+                  <a:pt x="1139" y="1377"/>
+                </a:lnTo>
+                <a:lnTo>
+                  <a:pt x="1144" y="1377"/>
+                </a:lnTo>
+                <a:lnTo>
+                  <a:pt x="1150" y="1377"/>
+                </a:lnTo>
+                <a:lnTo>
+                  <a:pt x="1155" y="1374"/>
+                </a:lnTo>
+                <a:lnTo>
+                  <a:pt x="1161" y="1371"/>
+                </a:lnTo>
+                <a:lnTo>
+                  <a:pt x="1165" y="1369"/>
+                </a:lnTo>
+                <a:lnTo>
+                  <a:pt x="1345" y="1189"/>
+                </a:lnTo>
+                <a:lnTo>
+                  <a:pt x="5760" y="1189"/>
+                </a:lnTo>
+                <a:lnTo>
+                  <a:pt x="5760" y="0"/>
+                </a:lnTo>
+                <a:close/>
+              </a:path>
+            </a:pathLst>
+          </a:custGeom>
+          <a:ln/>
+          <a:extLst>
+            <a:ext uri="{91240B29-F687-4f45-9708-019B960494DF}">
+              <a14:hiddenLine xmlns="" xmlns:a16="http://schemas.microsoft.com/office/drawing/2014/main" xmlns:p14="http://schemas.microsoft.com/office/powerpoint/2010/main" xmlns:a14="http://schemas.microsoft.com/office/drawing/2010/main" w="9525">
+                <a:solidFill>
+                  <a:srgbClr val="000000"/>
+                </a:solidFill>
+                <a:round/>
+                <a:headEnd/>
+                <a:tailEnd/>
+              </a14:hiddenLine>
+            </a:ext>
+          </a:extLst>
+        </p:spPr>
+        <p:style>
+          <a:lnRef idx="1">
+            <a:schemeClr val="accent1"/>
+          </a:lnRef>
+          <a:fillRef idx="3">
+            <a:schemeClr val="accent1"/>
+          </a:fillRef>
+          <a:effectRef idx="2">
+            <a:schemeClr val="accent1"/>
+          </a:effectRef>
+          <a:fontRef idx="minor">
+            <a:schemeClr val="lt1"/>
+          </a:fontRef>
+        </p:style>
+      </p:sp>
+      <p:sp>
+        <p:nvSpPr>
+          <p:cNvPr id="17" name="Rectangle 16">
+            <a:extLst>
+              <a:ext uri="{FF2B5EF4-FFF2-40B4-BE49-F238E27FC236}">
+                <a16:creationId xmlns:a16="http://schemas.microsoft.com/office/drawing/2014/main" id="{E158B155-2870-4844-B295-BF04F38497F2}"/>
+              </a:ext>
+              <a:ext uri="{C183D7F6-B498-43B3-948B-1728B52AA6E4}">
+                <adec:decorative xmlns:adec="http://schemas.microsoft.com/office/drawing/2017/decorative" val="1"/>
+              </a:ext>
+            </a:extLst>
+          </p:cNvPr>
+          <p:cNvSpPr>
+            <a:spLocks noGrp="1" noRot="1" noChangeAspect="1" noMove="1" noResize="1" noEditPoints="1" noAdjustHandles="1" noChangeArrowheads="1" noChangeShapeType="1" noTextEdit="1"/>
+          </p:cNvSpPr>
+          <p:nvPr>
+            <p:extLst>
+              <p:ext uri="{386F3935-93C4-4BCD-93E2-E3B085C9AB24}">
+                <p16:designElem xmlns:p16="http://schemas.microsoft.com/office/powerpoint/2015/main" val="1"/>
+              </p:ext>
+            </p:extLst>
+          </p:nvPr>
+        </p:nvSpPr>
+        <p:spPr>
+          <a:xfrm>
+            <a:off x="0" y="0"/>
+            <a:ext cx="12188952" cy="6858000"/>
+          </a:xfrm>
+          <a:prstGeom prst="rect">
+            <a:avLst/>
+          </a:prstGeom>
+          <a:solidFill>
+            <a:schemeClr val="tx1"/>
+          </a:solidFill>
+          <a:ln>
+            <a:noFill/>
+          </a:ln>
+        </p:spPr>
+        <p:style>
+          <a:lnRef idx="2">
+            <a:schemeClr val="accent1">
+              <a:shade val="50000"/>
+            </a:schemeClr>
+          </a:lnRef>
+          <a:fillRef idx="1">
+            <a:schemeClr val="accent1"/>
+          </a:fillRef>
+          <a:effectRef idx="0">
+            <a:schemeClr val="accent1"/>
+          </a:effectRef>
+          <a:fontRef idx="minor">
+            <a:schemeClr val="lt1"/>
+          </a:fontRef>
+        </p:style>
+        <p:txBody>
+          <a:bodyPr rtlCol="0" anchor="ctr"/>
+          <a:lstStyle/>
+          <a:p>
+            <a:pPr algn="ctr"/>
+            <a:endParaRPr lang="en-US"/>
+          </a:p>
+        </p:txBody>
+      </p:sp>
+      <p:sp>
+        <p:nvSpPr>
+          <p:cNvPr id="19" name="Freeform 23">
+            <a:extLst>
+              <a:ext uri="{FF2B5EF4-FFF2-40B4-BE49-F238E27FC236}">
+                <a16:creationId xmlns:a16="http://schemas.microsoft.com/office/drawing/2014/main" id="{8EC6859F-6DE0-454C-AF7C-3CEC5E54120D}"/>
+              </a:ext>
+              <a:ext uri="{C183D7F6-B498-43B3-948B-1728B52AA6E4}">
+                <adec:decorative xmlns:adec="http://schemas.microsoft.com/office/drawing/2017/decorative" val="1"/>
+              </a:ext>
+            </a:extLst>
+          </p:cNvPr>
+          <p:cNvSpPr>
+            <a:spLocks noGrp="1" noRot="1" noChangeAspect="1" noMove="1" noResize="1" noEditPoints="1" noAdjustHandles="1" noChangeArrowheads="1" noChangeShapeType="1" noTextEdit="1"/>
+          </p:cNvSpPr>
+          <p:nvPr>
+            <p:extLst>
+              <p:ext uri="{386F3935-93C4-4BCD-93E2-E3B085C9AB24}">
+                <p16:designElem xmlns:p16="http://schemas.microsoft.com/office/powerpoint/2015/main" val="1"/>
+              </p:ext>
+            </p:extLst>
+          </p:nvPr>
+        </p:nvSpPr>
+        <p:spPr bwMode="white">
+          <a:xfrm>
+            <a:off x="0" y="0"/>
+            <a:ext cx="4637005" cy="6858000"/>
+          </a:xfrm>
+          <a:custGeom>
+            <a:avLst/>
+            <a:gdLst>
+              <a:gd name="connsiteX0" fmla="*/ 0 w 4637005"/>
+              <a:gd name="connsiteY0" fmla="*/ 0 h 6858000"/>
+              <a:gd name="connsiteX1" fmla="*/ 4637005 w 4637005"/>
+              <a:gd name="connsiteY1" fmla="*/ 0 h 6858000"/>
+              <a:gd name="connsiteX2" fmla="*/ 4637005 w 4637005"/>
+              <a:gd name="connsiteY2" fmla="*/ 1900238 h 6858000"/>
+              <a:gd name="connsiteX3" fmla="*/ 4266589 w 4637005"/>
+              <a:gd name="connsiteY3" fmla="*/ 2178050 h 6858000"/>
+              <a:gd name="connsiteX4" fmla="*/ 4262355 w 4637005"/>
+              <a:gd name="connsiteY4" fmla="*/ 2184400 h 6858000"/>
+              <a:gd name="connsiteX5" fmla="*/ 4256005 w 4637005"/>
+              <a:gd name="connsiteY5" fmla="*/ 2193925 h 6858000"/>
+              <a:gd name="connsiteX6" fmla="*/ 4249655 w 4637005"/>
+              <a:gd name="connsiteY6" fmla="*/ 2201863 h 6858000"/>
+              <a:gd name="connsiteX7" fmla="*/ 4249655 w 4637005"/>
+              <a:gd name="connsiteY7" fmla="*/ 2211388 h 6858000"/>
+              <a:gd name="connsiteX8" fmla="*/ 4249655 w 4637005"/>
+              <a:gd name="connsiteY8" fmla="*/ 2220913 h 6858000"/>
+              <a:gd name="connsiteX9" fmla="*/ 4256005 w 4637005"/>
+              <a:gd name="connsiteY9" fmla="*/ 2228850 h 6858000"/>
+              <a:gd name="connsiteX10" fmla="*/ 4262355 w 4637005"/>
+              <a:gd name="connsiteY10" fmla="*/ 2238375 h 6858000"/>
+              <a:gd name="connsiteX11" fmla="*/ 4266589 w 4637005"/>
+              <a:gd name="connsiteY11" fmla="*/ 2244725 h 6858000"/>
+              <a:gd name="connsiteX12" fmla="*/ 4637005 w 4637005"/>
+              <a:gd name="connsiteY12" fmla="*/ 2522538 h 6858000"/>
+              <a:gd name="connsiteX13" fmla="*/ 4637005 w 4637005"/>
+              <a:gd name="connsiteY13" fmla="*/ 6858000 h 6858000"/>
+              <a:gd name="connsiteX14" fmla="*/ 0 w 4637005"/>
+              <a:gd name="connsiteY14" fmla="*/ 6858000 h 6858000"/>
+            </a:gdLst>
+            <a:ahLst/>
+            <a:cxnLst>
+              <a:cxn ang="0">
+                <a:pos x="connsiteX0" y="connsiteY0"/>
+              </a:cxn>
+              <a:cxn ang="0">
+                <a:pos x="connsiteX1" y="connsiteY1"/>
+              </a:cxn>
+              <a:cxn ang="0">
+                <a:pos x="connsiteX2" y="connsiteY2"/>
+              </a:cxn>
+              <a:cxn ang="0">
+                <a:pos x="connsiteX3" y="connsiteY3"/>
+              </a:cxn>
+              <a:cxn ang="0">
+                <a:pos x="connsiteX4" y="connsiteY4"/>
+              </a:cxn>
+              <a:cxn ang="0">
+                <a:pos x="connsiteX5" y="connsiteY5"/>
+              </a:cxn>
+              <a:cxn ang="0">
+                <a:pos x="connsiteX6" y="connsiteY6"/>
+              </a:cxn>
+              <a:cxn ang="0">
+                <a:pos x="connsiteX7" y="connsiteY7"/>
+              </a:cxn>
+              <a:cxn ang="0">
+                <a:pos x="connsiteX8" y="connsiteY8"/>
+              </a:cxn>
+              <a:cxn ang="0">
+                <a:pos x="connsiteX9" y="connsiteY9"/>
+              </a:cxn>
+              <a:cxn ang="0">
+                <a:pos x="connsiteX10" y="connsiteY10"/>
+              </a:cxn>
+              <a:cxn ang="0">
+                <a:pos x="connsiteX11" y="connsiteY11"/>
+              </a:cxn>
+              <a:cxn ang="0">
+                <a:pos x="connsiteX12" y="connsiteY12"/>
+              </a:cxn>
+              <a:cxn ang="0">
+                <a:pos x="connsiteX13" y="connsiteY13"/>
+              </a:cxn>
+              <a:cxn ang="0">
+                <a:pos x="connsiteX14" y="connsiteY14"/>
+              </a:cxn>
+            </a:cxnLst>
+            <a:rect l="l" t="t" r="r" b="b"/>
+            <a:pathLst>
+              <a:path w="4637005" h="6858000">
+                <a:moveTo>
+                  <a:pt x="0" y="0"/>
+                </a:moveTo>
+                <a:lnTo>
+                  <a:pt x="4637005" y="0"/>
+                </a:lnTo>
+                <a:lnTo>
+                  <a:pt x="4637005" y="1900238"/>
+                </a:lnTo>
+                <a:lnTo>
+                  <a:pt x="4266589" y="2178050"/>
+                </a:lnTo>
+                <a:lnTo>
+                  <a:pt x="4262355" y="2184400"/>
+                </a:lnTo>
+                <a:lnTo>
+                  <a:pt x="4256005" y="2193925"/>
+                </a:lnTo>
+                <a:lnTo>
+                  <a:pt x="4249655" y="2201863"/>
+                </a:lnTo>
+                <a:lnTo>
+                  <a:pt x="4249655" y="2211388"/>
+                </a:lnTo>
+                <a:lnTo>
+                  <a:pt x="4249655" y="2220913"/>
+                </a:lnTo>
+                <a:lnTo>
+                  <a:pt x="4256005" y="2228850"/>
+                </a:lnTo>
+                <a:lnTo>
+                  <a:pt x="4262355" y="2238375"/>
+                </a:lnTo>
+                <a:lnTo>
+                  <a:pt x="4266589" y="2244725"/>
+                </a:lnTo>
+                <a:lnTo>
+                  <a:pt x="4637005" y="2522538"/>
+                </a:lnTo>
+                <a:lnTo>
+                  <a:pt x="4637005" y="6858000"/>
+                </a:lnTo>
+                <a:lnTo>
+                  <a:pt x="0" y="6858000"/>
+                </a:lnTo>
+                <a:close/>
+              </a:path>
+            </a:pathLst>
+          </a:custGeom>
+          <a:solidFill>
+            <a:schemeClr val="bg1">
+              <a:lumMod val="85000"/>
+              <a:lumOff val="15000"/>
+            </a:schemeClr>
+          </a:solidFill>
+          <a:ln>
+            <a:noFill/>
+          </a:ln>
+        </p:spPr>
+        <p:style>
+          <a:lnRef idx="2">
+            <a:schemeClr val="accent1">
+              <a:shade val="50000"/>
+            </a:schemeClr>
+          </a:lnRef>
+          <a:fillRef idx="1">
+            <a:schemeClr val="accent1"/>
+          </a:fillRef>
+          <a:effectRef idx="0">
+            <a:schemeClr val="accent1"/>
+          </a:effectRef>
+          <a:fontRef idx="minor">
+            <a:schemeClr val="lt1"/>
+          </a:fontRef>
+        </p:style>
+        <p:txBody>
+          <a:bodyPr wrap="square" rtlCol="0" anchor="ctr">
+            <a:noAutofit/>
+          </a:bodyPr>
+          <a:lstStyle/>
+          <a:p>
+            <a:pPr algn="ctr"/>
+            <a:endParaRPr lang="en-US"/>
+          </a:p>
+        </p:txBody>
+      </p:sp>
+      <p:sp>
+        <p:nvSpPr>
           <p:cNvPr id="2" name="Title 1">
             <a:extLst>
               <a:ext uri="{FF2B5EF4-FFF2-40B4-BE49-F238E27FC236}">
@@ -6436,15 +7000,122 @@
             <p:ph type="title"/>
           </p:nvPr>
         </p:nvSpPr>
-        <p:spPr/>
-        <p:txBody>
-          <a:bodyPr/>
+        <p:spPr>
+          <a:xfrm>
+            <a:off x="810001" y="447188"/>
+            <a:ext cx="3413084" cy="1559412"/>
+          </a:xfrm>
+        </p:spPr>
+        <p:txBody>
+          <a:bodyPr vert="horz" lIns="91440" tIns="45720" rIns="91440" bIns="45720" rtlCol="0" anchor="b">
+            <a:normAutofit/>
+          </a:bodyPr>
           <a:lstStyle/>
           <a:p>
             <a:r>
-              <a:rPr lang="en-US" dirty="0"/>
+              <a:rPr lang="en-US" sz="3200"/>
               <a:t>K Nearest Neighbor</a:t>
             </a:r>
+          </a:p>
+        </p:txBody>
+      </p:sp>
+      <p:sp>
+        <p:nvSpPr>
+          <p:cNvPr id="12" name="Content Placeholder 11">
+            <a:extLst>
+              <a:ext uri="{FF2B5EF4-FFF2-40B4-BE49-F238E27FC236}">
+                <a16:creationId xmlns:a16="http://schemas.microsoft.com/office/drawing/2014/main" id="{32A026D1-174F-4BF9-A202-16A823FECE78}"/>
+              </a:ext>
+            </a:extLst>
+          </p:cNvPr>
+          <p:cNvSpPr>
+            <a:spLocks noGrp="1"/>
+          </p:cNvSpPr>
+          <p:nvPr>
+            <p:ph sz="half" idx="1"/>
+          </p:nvPr>
+        </p:nvSpPr>
+        <p:spPr>
+          <a:xfrm>
+            <a:off x="818713" y="2413000"/>
+            <a:ext cx="3404372" cy="3632200"/>
+          </a:xfrm>
+        </p:spPr>
+        <p:txBody>
+          <a:bodyPr vert="horz" lIns="91440" tIns="45720" rIns="91440" bIns="45720" rtlCol="0" anchor="ctr">
+            <a:normAutofit/>
+          </a:bodyPr>
+          <a:lstStyle/>
+          <a:p>
+            <a:endParaRPr lang="en-US" sz="1600"/>
+          </a:p>
+        </p:txBody>
+      </p:sp>
+      <p:sp>
+        <p:nvSpPr>
+          <p:cNvPr id="21" name="Rounded Rectangle 17">
+            <a:extLst>
+              <a:ext uri="{FF2B5EF4-FFF2-40B4-BE49-F238E27FC236}">
+                <a16:creationId xmlns:a16="http://schemas.microsoft.com/office/drawing/2014/main" id="{B54A185E-16AF-4E1A-9E7F-1414E2A34920}"/>
+              </a:ext>
+              <a:ext uri="{C183D7F6-B498-43B3-948B-1728B52AA6E4}">
+                <adec:decorative xmlns:adec="http://schemas.microsoft.com/office/drawing/2017/decorative" val="1"/>
+              </a:ext>
+            </a:extLst>
+          </p:cNvPr>
+          <p:cNvSpPr>
+            <a:spLocks noGrp="1" noRot="1" noChangeAspect="1" noMove="1" noResize="1" noEditPoints="1" noAdjustHandles="1" noChangeArrowheads="1" noChangeShapeType="1" noTextEdit="1"/>
+          </p:cNvSpPr>
+          <p:nvPr>
+            <p:extLst>
+              <p:ext uri="{386F3935-93C4-4BCD-93E2-E3B085C9AB24}">
+                <p16:designElem xmlns:p16="http://schemas.microsoft.com/office/powerpoint/2015/main" val="1"/>
+              </p:ext>
+            </p:extLst>
+          </p:nvPr>
+        </p:nvSpPr>
+        <p:spPr>
+          <a:xfrm>
+            <a:off x="5278945" y="958640"/>
+            <a:ext cx="6269591" cy="4945244"/>
+          </a:xfrm>
+          <a:prstGeom prst="roundRect">
+            <a:avLst>
+              <a:gd name="adj" fmla="val 3513"/>
+            </a:avLst>
+          </a:prstGeom>
+          <a:solidFill>
+            <a:schemeClr val="tx1"/>
+          </a:solidFill>
+          <a:ln>
+            <a:solidFill>
+              <a:schemeClr val="accent1"/>
+            </a:solidFill>
+          </a:ln>
+          <a:effectLst/>
+        </p:spPr>
+        <p:style>
+          <a:lnRef idx="2">
+            <a:schemeClr val="accent1">
+              <a:shade val="50000"/>
+            </a:schemeClr>
+          </a:lnRef>
+          <a:fillRef idx="1">
+            <a:schemeClr val="accent1"/>
+          </a:fillRef>
+          <a:effectRef idx="0">
+            <a:schemeClr val="accent1"/>
+          </a:effectRef>
+          <a:fontRef idx="minor">
+            <a:schemeClr val="lt1"/>
+          </a:fontRef>
+        </p:style>
+        <p:txBody>
+          <a:bodyPr rtlCol="0" anchor="ctr"/>
+          <a:lstStyle/>
+          <a:p>
+            <a:pPr algn="ctr"/>
+            <a:endParaRPr lang="en-US"/>
           </a:p>
         </p:txBody>
       </p:sp>
@@ -6458,11 +7129,9 @@
             </a:extLst>
           </p:cNvPr>
           <p:cNvPicPr>
-            <a:picLocks noGrp="1" noChangeAspect="1"/>
+            <a:picLocks noChangeAspect="1"/>
           </p:cNvPicPr>
-          <p:nvPr>
-            <p:ph sz="half" idx="1"/>
-          </p:nvPr>
+          <p:nvPr/>
         </p:nvPicPr>
         <p:blipFill>
           <a:blip r:embed="rId2"/>
@@ -6472,9 +7141,12 @@
         </p:blipFill>
         <p:spPr>
           <a:xfrm>
-            <a:off x="1181100" y="2348458"/>
-            <a:ext cx="3505200" cy="4062354"/>
+            <a:off x="5611035" y="1848580"/>
+            <a:ext cx="2724939" cy="3159349"/>
           </a:xfrm>
+          <a:prstGeom prst="rect">
+            <a:avLst/>
+          </a:prstGeom>
         </p:spPr>
       </p:pic>
       <p:pic>
@@ -6501,9 +7173,12 @@
         </p:blipFill>
         <p:spPr>
           <a:xfrm>
-            <a:off x="6188075" y="2483485"/>
-            <a:ext cx="5194300" cy="3116580"/>
+            <a:off x="8501865" y="2610448"/>
+            <a:ext cx="2726022" cy="1635613"/>
           </a:xfrm>
+          <a:prstGeom prst="rect">
+            <a:avLst/>
+          </a:prstGeom>
         </p:spPr>
       </p:pic>
     </p:spTree>
@@ -6522,6 +7197,14 @@
 <file path=ppt/slides/slide6.xml><?xml version="1.0" encoding="utf-8"?>
 <p:sld xmlns:a="http://schemas.openxmlformats.org/drawingml/2006/main" xmlns:r="http://schemas.openxmlformats.org/officeDocument/2006/relationships" xmlns:p="http://schemas.openxmlformats.org/presentationml/2006/main">
   <p:cSld>
+    <p:bg>
+      <p:bgPr>
+        <a:solidFill>
+          <a:schemeClr val="bg1"/>
+        </a:solidFill>
+        <a:effectLst/>
+      </p:bgPr>
+    </p:bg>
     <p:spTree>
       <p:nvGrpSpPr>
         <p:cNvPr id="1" name=""/>
@@ -6538,6 +7221,383 @@
       </p:grpSpPr>
       <p:sp>
         <p:nvSpPr>
+          <p:cNvPr id="11" name="Freeform 6">
+            <a:extLst>
+              <a:ext uri="{FF2B5EF4-FFF2-40B4-BE49-F238E27FC236}">
+                <a16:creationId xmlns:a16="http://schemas.microsoft.com/office/drawing/2014/main" id="{53576798-7F98-4C7F-B6C7-6D41B5A7E927}"/>
+              </a:ext>
+              <a:ext uri="{C183D7F6-B498-43B3-948B-1728B52AA6E4}">
+                <adec:decorative xmlns:adec="http://schemas.microsoft.com/office/drawing/2017/decorative" val="1"/>
+              </a:ext>
+            </a:extLst>
+          </p:cNvPr>
+          <p:cNvSpPr>
+            <a:spLocks noGrp="1" noRot="1" noChangeAspect="1" noMove="1" noResize="1" noEditPoints="1" noAdjustHandles="1" noChangeArrowheads="1" noChangeShapeType="1" noTextEdit="1"/>
+          </p:cNvSpPr>
+          <p:nvPr>
+            <p:extLst>
+              <p:ext uri="{386F3935-93C4-4BCD-93E2-E3B085C9AB24}">
+                <p16:designElem xmlns:p16="http://schemas.microsoft.com/office/powerpoint/2015/main" val="1"/>
+              </p:ext>
+            </p:extLst>
+          </p:nvPr>
+        </p:nvSpPr>
+        <p:spPr bwMode="auto">
+          <a:xfrm>
+            <a:off x="0" y="0"/>
+            <a:ext cx="12192000" cy="2185988"/>
+          </a:xfrm>
+          <a:custGeom>
+            <a:avLst/>
+            <a:gdLst/>
+            <a:ahLst/>
+            <a:cxnLst/>
+            <a:rect l="0" t="0" r="r" b="b"/>
+            <a:pathLst>
+              <a:path w="5760" h="1377">
+                <a:moveTo>
+                  <a:pt x="5760" y="0"/>
+                </a:moveTo>
+                <a:lnTo>
+                  <a:pt x="0" y="0"/>
+                </a:lnTo>
+                <a:lnTo>
+                  <a:pt x="0" y="1189"/>
+                </a:lnTo>
+                <a:lnTo>
+                  <a:pt x="943" y="1189"/>
+                </a:lnTo>
+                <a:lnTo>
+                  <a:pt x="1123" y="1369"/>
+                </a:lnTo>
+                <a:lnTo>
+                  <a:pt x="1123" y="1369"/>
+                </a:lnTo>
+                <a:lnTo>
+                  <a:pt x="1127" y="1371"/>
+                </a:lnTo>
+                <a:lnTo>
+                  <a:pt x="1133" y="1374"/>
+                </a:lnTo>
+                <a:lnTo>
+                  <a:pt x="1139" y="1377"/>
+                </a:lnTo>
+                <a:lnTo>
+                  <a:pt x="1144" y="1377"/>
+                </a:lnTo>
+                <a:lnTo>
+                  <a:pt x="1150" y="1377"/>
+                </a:lnTo>
+                <a:lnTo>
+                  <a:pt x="1155" y="1374"/>
+                </a:lnTo>
+                <a:lnTo>
+                  <a:pt x="1161" y="1371"/>
+                </a:lnTo>
+                <a:lnTo>
+                  <a:pt x="1165" y="1369"/>
+                </a:lnTo>
+                <a:lnTo>
+                  <a:pt x="1345" y="1189"/>
+                </a:lnTo>
+                <a:lnTo>
+                  <a:pt x="5760" y="1189"/>
+                </a:lnTo>
+                <a:lnTo>
+                  <a:pt x="5760" y="0"/>
+                </a:lnTo>
+                <a:close/>
+              </a:path>
+            </a:pathLst>
+          </a:custGeom>
+          <a:ln/>
+          <a:extLst>
+            <a:ext uri="{91240B29-F687-4f45-9708-019B960494DF}">
+              <a14:hiddenLine xmlns="" xmlns:a16="http://schemas.microsoft.com/office/drawing/2014/main" xmlns:p14="http://schemas.microsoft.com/office/powerpoint/2010/main" xmlns:a14="http://schemas.microsoft.com/office/drawing/2010/main" w="9525">
+                <a:solidFill>
+                  <a:srgbClr val="000000"/>
+                </a:solidFill>
+                <a:round/>
+                <a:headEnd/>
+                <a:tailEnd/>
+              </a14:hiddenLine>
+            </a:ext>
+          </a:extLst>
+        </p:spPr>
+        <p:style>
+          <a:lnRef idx="1">
+            <a:schemeClr val="accent1"/>
+          </a:lnRef>
+          <a:fillRef idx="3">
+            <a:schemeClr val="accent1"/>
+          </a:fillRef>
+          <a:effectRef idx="2">
+            <a:schemeClr val="accent1"/>
+          </a:effectRef>
+          <a:fontRef idx="minor">
+            <a:schemeClr val="lt1"/>
+          </a:fontRef>
+        </p:style>
+      </p:sp>
+      <p:sp>
+        <p:nvSpPr>
+          <p:cNvPr id="13" name="Rectangle 12">
+            <a:extLst>
+              <a:ext uri="{FF2B5EF4-FFF2-40B4-BE49-F238E27FC236}">
+                <a16:creationId xmlns:a16="http://schemas.microsoft.com/office/drawing/2014/main" id="{A5BA3AE5-0FB8-4948-A421-5CEE1A5E8A61}"/>
+              </a:ext>
+              <a:ext uri="{C183D7F6-B498-43B3-948B-1728B52AA6E4}">
+                <adec:decorative xmlns:adec="http://schemas.microsoft.com/office/drawing/2017/decorative" val="1"/>
+              </a:ext>
+            </a:extLst>
+          </p:cNvPr>
+          <p:cNvSpPr>
+            <a:spLocks noGrp="1" noRot="1" noChangeAspect="1" noMove="1" noResize="1" noEditPoints="1" noAdjustHandles="1" noChangeArrowheads="1" noChangeShapeType="1" noTextEdit="1"/>
+          </p:cNvSpPr>
+          <p:nvPr>
+            <p:extLst>
+              <p:ext uri="{386F3935-93C4-4BCD-93E2-E3B085C9AB24}">
+                <p16:designElem xmlns:p16="http://schemas.microsoft.com/office/powerpoint/2015/main" val="1"/>
+              </p:ext>
+            </p:extLst>
+          </p:nvPr>
+        </p:nvSpPr>
+        <p:spPr>
+          <a:xfrm>
+            <a:off x="0" y="0"/>
+            <a:ext cx="12188952" cy="6858000"/>
+          </a:xfrm>
+          <a:prstGeom prst="rect">
+            <a:avLst/>
+          </a:prstGeom>
+          <a:solidFill>
+            <a:schemeClr val="bg1"/>
+          </a:solidFill>
+          <a:ln>
+            <a:noFill/>
+          </a:ln>
+        </p:spPr>
+        <p:style>
+          <a:lnRef idx="2">
+            <a:schemeClr val="accent1">
+              <a:shade val="50000"/>
+            </a:schemeClr>
+          </a:lnRef>
+          <a:fillRef idx="1">
+            <a:schemeClr val="accent1"/>
+          </a:fillRef>
+          <a:effectRef idx="0">
+            <a:schemeClr val="accent1"/>
+          </a:effectRef>
+          <a:fontRef idx="minor">
+            <a:schemeClr val="lt1"/>
+          </a:fontRef>
+        </p:style>
+        <p:txBody>
+          <a:bodyPr rtlCol="0" anchor="ctr"/>
+          <a:lstStyle/>
+          <a:p>
+            <a:pPr algn="ctr"/>
+            <a:endParaRPr lang="en-US"/>
+          </a:p>
+        </p:txBody>
+      </p:sp>
+      <p:sp>
+        <p:nvSpPr>
+          <p:cNvPr id="15" name="Freeform 9">
+            <a:extLst>
+              <a:ext uri="{FF2B5EF4-FFF2-40B4-BE49-F238E27FC236}">
+                <a16:creationId xmlns:a16="http://schemas.microsoft.com/office/drawing/2014/main" id="{615FFFBF-F0D2-4BB8-BB9E-3ADC47E3B69A}"/>
+              </a:ext>
+              <a:ext uri="{C183D7F6-B498-43B3-948B-1728B52AA6E4}">
+                <adec:decorative xmlns:adec="http://schemas.microsoft.com/office/drawing/2017/decorative" val="1"/>
+              </a:ext>
+            </a:extLst>
+          </p:cNvPr>
+          <p:cNvSpPr>
+            <a:spLocks noGrp="1" noRot="1" noChangeAspect="1" noMove="1" noResize="1" noEditPoints="1" noAdjustHandles="1" noChangeArrowheads="1" noChangeShapeType="1" noTextEdit="1"/>
+          </p:cNvSpPr>
+          <p:nvPr>
+            <p:extLst>
+              <p:ext uri="{386F3935-93C4-4BCD-93E2-E3B085C9AB24}">
+                <p16:designElem xmlns:p16="http://schemas.microsoft.com/office/powerpoint/2015/main" val="1"/>
+              </p:ext>
+            </p:extLst>
+          </p:nvPr>
+        </p:nvSpPr>
+        <p:spPr bwMode="white">
+          <a:xfrm>
+            <a:off x="0" y="0"/>
+            <a:ext cx="6485467" cy="6858000"/>
+          </a:xfrm>
+          <a:custGeom>
+            <a:avLst/>
+            <a:gdLst>
+              <a:gd name="connsiteX0" fmla="*/ 0 w 6485467"/>
+              <a:gd name="connsiteY0" fmla="*/ 0 h 6858000"/>
+              <a:gd name="connsiteX1" fmla="*/ 6485467 w 6485467"/>
+              <a:gd name="connsiteY1" fmla="*/ 0 h 6858000"/>
+              <a:gd name="connsiteX2" fmla="*/ 6485467 w 6485467"/>
+              <a:gd name="connsiteY2" fmla="*/ 1900238 h 6858000"/>
+              <a:gd name="connsiteX3" fmla="*/ 6115051 w 6485467"/>
+              <a:gd name="connsiteY3" fmla="*/ 2178050 h 6858000"/>
+              <a:gd name="connsiteX4" fmla="*/ 6110817 w 6485467"/>
+              <a:gd name="connsiteY4" fmla="*/ 2184400 h 6858000"/>
+              <a:gd name="connsiteX5" fmla="*/ 6104467 w 6485467"/>
+              <a:gd name="connsiteY5" fmla="*/ 2193925 h 6858000"/>
+              <a:gd name="connsiteX6" fmla="*/ 6098117 w 6485467"/>
+              <a:gd name="connsiteY6" fmla="*/ 2201863 h 6858000"/>
+              <a:gd name="connsiteX7" fmla="*/ 6098117 w 6485467"/>
+              <a:gd name="connsiteY7" fmla="*/ 2211388 h 6858000"/>
+              <a:gd name="connsiteX8" fmla="*/ 6098117 w 6485467"/>
+              <a:gd name="connsiteY8" fmla="*/ 2220913 h 6858000"/>
+              <a:gd name="connsiteX9" fmla="*/ 6104467 w 6485467"/>
+              <a:gd name="connsiteY9" fmla="*/ 2228850 h 6858000"/>
+              <a:gd name="connsiteX10" fmla="*/ 6110817 w 6485467"/>
+              <a:gd name="connsiteY10" fmla="*/ 2238375 h 6858000"/>
+              <a:gd name="connsiteX11" fmla="*/ 6115051 w 6485467"/>
+              <a:gd name="connsiteY11" fmla="*/ 2244725 h 6858000"/>
+              <a:gd name="connsiteX12" fmla="*/ 6485467 w 6485467"/>
+              <a:gd name="connsiteY12" fmla="*/ 2522538 h 6858000"/>
+              <a:gd name="connsiteX13" fmla="*/ 6485467 w 6485467"/>
+              <a:gd name="connsiteY13" fmla="*/ 6858000 h 6858000"/>
+              <a:gd name="connsiteX14" fmla="*/ 0 w 6485467"/>
+              <a:gd name="connsiteY14" fmla="*/ 6858000 h 6858000"/>
+            </a:gdLst>
+            <a:ahLst/>
+            <a:cxnLst>
+              <a:cxn ang="0">
+                <a:pos x="connsiteX0" y="connsiteY0"/>
+              </a:cxn>
+              <a:cxn ang="0">
+                <a:pos x="connsiteX1" y="connsiteY1"/>
+              </a:cxn>
+              <a:cxn ang="0">
+                <a:pos x="connsiteX2" y="connsiteY2"/>
+              </a:cxn>
+              <a:cxn ang="0">
+                <a:pos x="connsiteX3" y="connsiteY3"/>
+              </a:cxn>
+              <a:cxn ang="0">
+                <a:pos x="connsiteX4" y="connsiteY4"/>
+              </a:cxn>
+              <a:cxn ang="0">
+                <a:pos x="connsiteX5" y="connsiteY5"/>
+              </a:cxn>
+              <a:cxn ang="0">
+                <a:pos x="connsiteX6" y="connsiteY6"/>
+              </a:cxn>
+              <a:cxn ang="0">
+                <a:pos x="connsiteX7" y="connsiteY7"/>
+              </a:cxn>
+              <a:cxn ang="0">
+                <a:pos x="connsiteX8" y="connsiteY8"/>
+              </a:cxn>
+              <a:cxn ang="0">
+                <a:pos x="connsiteX9" y="connsiteY9"/>
+              </a:cxn>
+              <a:cxn ang="0">
+                <a:pos x="connsiteX10" y="connsiteY10"/>
+              </a:cxn>
+              <a:cxn ang="0">
+                <a:pos x="connsiteX11" y="connsiteY11"/>
+              </a:cxn>
+              <a:cxn ang="0">
+                <a:pos x="connsiteX12" y="connsiteY12"/>
+              </a:cxn>
+              <a:cxn ang="0">
+                <a:pos x="connsiteX13" y="connsiteY13"/>
+              </a:cxn>
+              <a:cxn ang="0">
+                <a:pos x="connsiteX14" y="connsiteY14"/>
+              </a:cxn>
+            </a:cxnLst>
+            <a:rect l="l" t="t" r="r" b="b"/>
+            <a:pathLst>
+              <a:path w="6485467" h="6858000">
+                <a:moveTo>
+                  <a:pt x="0" y="0"/>
+                </a:moveTo>
+                <a:lnTo>
+                  <a:pt x="6485467" y="0"/>
+                </a:lnTo>
+                <a:lnTo>
+                  <a:pt x="6485467" y="1900238"/>
+                </a:lnTo>
+                <a:lnTo>
+                  <a:pt x="6115051" y="2178050"/>
+                </a:lnTo>
+                <a:lnTo>
+                  <a:pt x="6110817" y="2184400"/>
+                </a:lnTo>
+                <a:lnTo>
+                  <a:pt x="6104467" y="2193925"/>
+                </a:lnTo>
+                <a:lnTo>
+                  <a:pt x="6098117" y="2201863"/>
+                </a:lnTo>
+                <a:lnTo>
+                  <a:pt x="6098117" y="2211388"/>
+                </a:lnTo>
+                <a:lnTo>
+                  <a:pt x="6098117" y="2220913"/>
+                </a:lnTo>
+                <a:lnTo>
+                  <a:pt x="6104467" y="2228850"/>
+                </a:lnTo>
+                <a:lnTo>
+                  <a:pt x="6110817" y="2238375"/>
+                </a:lnTo>
+                <a:lnTo>
+                  <a:pt x="6115051" y="2244725"/>
+                </a:lnTo>
+                <a:lnTo>
+                  <a:pt x="6485467" y="2522538"/>
+                </a:lnTo>
+                <a:lnTo>
+                  <a:pt x="6485467" y="6858000"/>
+                </a:lnTo>
+                <a:lnTo>
+                  <a:pt x="0" y="6858000"/>
+                </a:lnTo>
+                <a:close/>
+              </a:path>
+            </a:pathLst>
+          </a:custGeom>
+          <a:solidFill>
+            <a:srgbClr val="262626"/>
+          </a:solidFill>
+          <a:ln>
+            <a:noFill/>
+          </a:ln>
+        </p:spPr>
+        <p:style>
+          <a:lnRef idx="2">
+            <a:schemeClr val="accent1">
+              <a:shade val="50000"/>
+            </a:schemeClr>
+          </a:lnRef>
+          <a:fillRef idx="1">
+            <a:schemeClr val="accent1"/>
+          </a:fillRef>
+          <a:effectRef idx="0">
+            <a:schemeClr val="accent1"/>
+          </a:effectRef>
+          <a:fontRef idx="minor">
+            <a:schemeClr val="lt1"/>
+          </a:fontRef>
+        </p:style>
+        <p:txBody>
+          <a:bodyPr rtlCol="0" anchor="ctr"/>
+          <a:lstStyle/>
+          <a:p>
+            <a:pPr algn="ctr"/>
+            <a:endParaRPr lang="en-US"/>
+          </a:p>
+        </p:txBody>
+      </p:sp>
+      <p:sp>
+        <p:nvSpPr>
           <p:cNvPr id="2" name="Title 1">
             <a:extLst>
               <a:ext uri="{FF2B5EF4-FFF2-40B4-BE49-F238E27FC236}">
@@ -6552,9 +7612,16 @@
             <p:ph type="title"/>
           </p:nvPr>
         </p:nvSpPr>
-        <p:spPr/>
-        <p:txBody>
-          <a:bodyPr/>
+        <p:spPr>
+          <a:xfrm>
+            <a:off x="810000" y="447188"/>
+            <a:ext cx="5039035" cy="1559412"/>
+          </a:xfrm>
+        </p:spPr>
+        <p:txBody>
+          <a:bodyPr vert="horz" lIns="91440" tIns="45720" rIns="91440" bIns="45720" rtlCol="0" anchor="b">
+            <a:normAutofit/>
+          </a:bodyPr>
           <a:lstStyle/>
           <a:p>
             <a:r>
@@ -6580,11 +7647,90 @@
             <p:ph sz="half" idx="1"/>
           </p:nvPr>
         </p:nvSpPr>
-        <p:spPr/>
-        <p:txBody>
-          <a:bodyPr/>
+        <p:spPr>
+          <a:xfrm>
+            <a:off x="818712" y="2413000"/>
+            <a:ext cx="5016259" cy="3632200"/>
+          </a:xfrm>
+        </p:spPr>
+        <p:txBody>
+          <a:bodyPr vert="horz" lIns="91440" tIns="45720" rIns="91440" bIns="45720" rtlCol="0" anchor="ctr">
+            <a:normAutofit/>
+          </a:bodyPr>
           <a:lstStyle/>
           <a:p>
+            <a:endParaRPr lang="en-US">
+              <a:solidFill>
+                <a:srgbClr val="FFFFFF"/>
+              </a:solidFill>
+            </a:endParaRPr>
+          </a:p>
+        </p:txBody>
+      </p:sp>
+      <p:sp>
+        <p:nvSpPr>
+          <p:cNvPr id="17" name="Rounded Rectangle 17">
+            <a:extLst>
+              <a:ext uri="{FF2B5EF4-FFF2-40B4-BE49-F238E27FC236}">
+                <a16:creationId xmlns:a16="http://schemas.microsoft.com/office/drawing/2014/main" id="{FD056B7E-FBD7-4858-966D-9C4DEDA7EF3C}"/>
+              </a:ext>
+              <a:ext uri="{C183D7F6-B498-43B3-948B-1728B52AA6E4}">
+                <adec:decorative xmlns:adec="http://schemas.microsoft.com/office/drawing/2017/decorative" val="1"/>
+              </a:ext>
+            </a:extLst>
+          </p:cNvPr>
+          <p:cNvSpPr>
+            <a:spLocks noGrp="1" noRot="1" noChangeAspect="1" noMove="1" noResize="1" noEditPoints="1" noAdjustHandles="1" noChangeArrowheads="1" noChangeShapeType="1" noTextEdit="1"/>
+          </p:cNvSpPr>
+          <p:nvPr>
+            <p:extLst>
+              <p:ext uri="{386F3935-93C4-4BCD-93E2-E3B085C9AB24}">
+                <p16:designElem xmlns:p16="http://schemas.microsoft.com/office/powerpoint/2015/main" val="1"/>
+              </p:ext>
+            </p:extLst>
+          </p:nvPr>
+        </p:nvSpPr>
+        <p:spPr>
+          <a:xfrm>
+            <a:off x="7128932" y="958640"/>
+            <a:ext cx="4419604" cy="4945244"/>
+          </a:xfrm>
+          <a:prstGeom prst="roundRect">
+            <a:avLst>
+              <a:gd name="adj" fmla="val 3513"/>
+            </a:avLst>
+          </a:prstGeom>
+          <a:solidFill>
+            <a:schemeClr val="bg1"/>
+          </a:solidFill>
+          <a:ln>
+            <a:solidFill>
+              <a:schemeClr val="accent1"/>
+            </a:solidFill>
+          </a:ln>
+          <a:effectLst/>
+        </p:spPr>
+        <p:style>
+          <a:lnRef idx="2">
+            <a:schemeClr val="accent1">
+              <a:shade val="50000"/>
+            </a:schemeClr>
+          </a:lnRef>
+          <a:fillRef idx="1">
+            <a:schemeClr val="accent1"/>
+          </a:fillRef>
+          <a:effectRef idx="0">
+            <a:schemeClr val="accent1"/>
+          </a:effectRef>
+          <a:fontRef idx="minor">
+            <a:schemeClr val="lt1"/>
+          </a:fontRef>
+        </p:style>
+        <p:txBody>
+          <a:bodyPr rtlCol="0" anchor="ctr"/>
+          <a:lstStyle/>
+          <a:p>
+            <a:pPr algn="ctr"/>
             <a:endParaRPr lang="en-US"/>
           </a:p>
         </p:txBody>
@@ -6613,9 +7759,12 @@
         </p:blipFill>
         <p:spPr>
           <a:xfrm>
-            <a:off x="6188075" y="2310342"/>
-            <a:ext cx="5194300" cy="3462866"/>
+            <a:off x="7410517" y="2146284"/>
+            <a:ext cx="3832042" cy="2554694"/>
           </a:xfrm>
+          <a:prstGeom prst="rect">
+            <a:avLst/>
+          </a:prstGeom>
         </p:spPr>
       </p:pic>
     </p:spTree>
@@ -6626,7 +7775,7 @@
     </p:extLst>
   </p:cSld>
   <p:clrMapOvr>
-    <a:masterClrMapping/>
+    <a:overrideClrMapping bg1="lt1" tx1="dk1" bg2="lt2" tx2="dk2" accent1="accent1" accent2="accent2" accent3="accent3" accent4="accent4" accent5="accent5" accent6="accent6" hlink="hlink" folHlink="folHlink"/>
   </p:clrMapOvr>
 </p:sld>
 </file>
@@ -6634,6 +7783,14 @@
 <file path=ppt/slides/slide7.xml><?xml version="1.0" encoding="utf-8"?>
 <p:sld xmlns:a="http://schemas.openxmlformats.org/drawingml/2006/main" xmlns:r="http://schemas.openxmlformats.org/officeDocument/2006/relationships" xmlns:p="http://schemas.openxmlformats.org/presentationml/2006/main">
   <p:cSld>
+    <p:bg>
+      <p:bgPr>
+        <a:solidFill>
+          <a:schemeClr val="bg2"/>
+        </a:solidFill>
+        <a:effectLst/>
+      </p:bgPr>
+    </p:bg>
     <p:spTree>
       <p:nvGrpSpPr>
         <p:cNvPr id="1" name=""/>
@@ -6650,6 +7807,386 @@
       </p:grpSpPr>
       <p:sp>
         <p:nvSpPr>
+          <p:cNvPr id="15" name="Freeform 6">
+            <a:extLst>
+              <a:ext uri="{FF2B5EF4-FFF2-40B4-BE49-F238E27FC236}">
+                <a16:creationId xmlns:a16="http://schemas.microsoft.com/office/drawing/2014/main" id="{1FCF5244-C62C-4E27-B395-14F26DFB1373}"/>
+              </a:ext>
+              <a:ext uri="{C183D7F6-B498-43B3-948B-1728B52AA6E4}">
+                <adec:decorative xmlns:adec="http://schemas.microsoft.com/office/drawing/2017/decorative" val="1"/>
+              </a:ext>
+            </a:extLst>
+          </p:cNvPr>
+          <p:cNvSpPr>
+            <a:spLocks noGrp="1" noRot="1" noChangeAspect="1" noMove="1" noResize="1" noEditPoints="1" noAdjustHandles="1" noChangeArrowheads="1" noChangeShapeType="1" noTextEdit="1"/>
+          </p:cNvSpPr>
+          <p:nvPr>
+            <p:extLst>
+              <p:ext uri="{386F3935-93C4-4BCD-93E2-E3B085C9AB24}">
+                <p16:designElem xmlns:p16="http://schemas.microsoft.com/office/powerpoint/2015/main" val="1"/>
+              </p:ext>
+            </p:extLst>
+          </p:nvPr>
+        </p:nvSpPr>
+        <p:spPr bwMode="auto">
+          <a:xfrm>
+            <a:off x="0" y="0"/>
+            <a:ext cx="12192000" cy="2185988"/>
+          </a:xfrm>
+          <a:custGeom>
+            <a:avLst/>
+            <a:gdLst/>
+            <a:ahLst/>
+            <a:cxnLst/>
+            <a:rect l="0" t="0" r="r" b="b"/>
+            <a:pathLst>
+              <a:path w="5760" h="1377">
+                <a:moveTo>
+                  <a:pt x="5760" y="0"/>
+                </a:moveTo>
+                <a:lnTo>
+                  <a:pt x="0" y="0"/>
+                </a:lnTo>
+                <a:lnTo>
+                  <a:pt x="0" y="1189"/>
+                </a:lnTo>
+                <a:lnTo>
+                  <a:pt x="943" y="1189"/>
+                </a:lnTo>
+                <a:lnTo>
+                  <a:pt x="1123" y="1369"/>
+                </a:lnTo>
+                <a:lnTo>
+                  <a:pt x="1123" y="1369"/>
+                </a:lnTo>
+                <a:lnTo>
+                  <a:pt x="1127" y="1371"/>
+                </a:lnTo>
+                <a:lnTo>
+                  <a:pt x="1133" y="1374"/>
+                </a:lnTo>
+                <a:lnTo>
+                  <a:pt x="1139" y="1377"/>
+                </a:lnTo>
+                <a:lnTo>
+                  <a:pt x="1144" y="1377"/>
+                </a:lnTo>
+                <a:lnTo>
+                  <a:pt x="1150" y="1377"/>
+                </a:lnTo>
+                <a:lnTo>
+                  <a:pt x="1155" y="1374"/>
+                </a:lnTo>
+                <a:lnTo>
+                  <a:pt x="1161" y="1371"/>
+                </a:lnTo>
+                <a:lnTo>
+                  <a:pt x="1165" y="1369"/>
+                </a:lnTo>
+                <a:lnTo>
+                  <a:pt x="1345" y="1189"/>
+                </a:lnTo>
+                <a:lnTo>
+                  <a:pt x="5760" y="1189"/>
+                </a:lnTo>
+                <a:lnTo>
+                  <a:pt x="5760" y="0"/>
+                </a:lnTo>
+                <a:close/>
+              </a:path>
+            </a:pathLst>
+          </a:custGeom>
+          <a:ln/>
+          <a:extLst>
+            <a:ext uri="{91240B29-F687-4f45-9708-019B960494DF}">
+              <a14:hiddenLine xmlns="" xmlns:a16="http://schemas.microsoft.com/office/drawing/2014/main" xmlns:p14="http://schemas.microsoft.com/office/powerpoint/2010/main" xmlns:a14="http://schemas.microsoft.com/office/drawing/2010/main" w="9525">
+                <a:solidFill>
+                  <a:srgbClr val="000000"/>
+                </a:solidFill>
+                <a:round/>
+                <a:headEnd/>
+                <a:tailEnd/>
+              </a14:hiddenLine>
+            </a:ext>
+          </a:extLst>
+        </p:spPr>
+        <p:style>
+          <a:lnRef idx="1">
+            <a:schemeClr val="accent1"/>
+          </a:lnRef>
+          <a:fillRef idx="3">
+            <a:schemeClr val="accent1"/>
+          </a:fillRef>
+          <a:effectRef idx="2">
+            <a:schemeClr val="accent1"/>
+          </a:effectRef>
+          <a:fontRef idx="minor">
+            <a:schemeClr val="lt1"/>
+          </a:fontRef>
+        </p:style>
+      </p:sp>
+      <p:sp>
+        <p:nvSpPr>
+          <p:cNvPr id="17" name="Rectangle 16">
+            <a:extLst>
+              <a:ext uri="{FF2B5EF4-FFF2-40B4-BE49-F238E27FC236}">
+                <a16:creationId xmlns:a16="http://schemas.microsoft.com/office/drawing/2014/main" id="{27E4CA8E-5CC0-4B96-8E67-040FB5673FA6}"/>
+              </a:ext>
+              <a:ext uri="{C183D7F6-B498-43B3-948B-1728B52AA6E4}">
+                <adec:decorative xmlns:adec="http://schemas.microsoft.com/office/drawing/2017/decorative" val="1"/>
+              </a:ext>
+            </a:extLst>
+          </p:cNvPr>
+          <p:cNvSpPr>
+            <a:spLocks noGrp="1" noRot="1" noChangeAspect="1" noMove="1" noResize="1" noEditPoints="1" noAdjustHandles="1" noChangeArrowheads="1" noChangeShapeType="1" noTextEdit="1"/>
+          </p:cNvSpPr>
+          <p:nvPr>
+            <p:extLst>
+              <p:ext uri="{386F3935-93C4-4BCD-93E2-E3B085C9AB24}">
+                <p16:designElem xmlns:p16="http://schemas.microsoft.com/office/powerpoint/2015/main" val="1"/>
+              </p:ext>
+            </p:extLst>
+          </p:nvPr>
+        </p:nvSpPr>
+        <p:spPr>
+          <a:xfrm>
+            <a:off x="0" y="0"/>
+            <a:ext cx="12188952" cy="6858000"/>
+          </a:xfrm>
+          <a:prstGeom prst="rect">
+            <a:avLst/>
+          </a:prstGeom>
+          <a:solidFill>
+            <a:schemeClr val="tx1"/>
+          </a:solidFill>
+          <a:ln>
+            <a:noFill/>
+          </a:ln>
+        </p:spPr>
+        <p:style>
+          <a:lnRef idx="2">
+            <a:schemeClr val="accent1">
+              <a:shade val="50000"/>
+            </a:schemeClr>
+          </a:lnRef>
+          <a:fillRef idx="1">
+            <a:schemeClr val="accent1"/>
+          </a:fillRef>
+          <a:effectRef idx="0">
+            <a:schemeClr val="accent1"/>
+          </a:effectRef>
+          <a:fontRef idx="minor">
+            <a:schemeClr val="lt1"/>
+          </a:fontRef>
+        </p:style>
+        <p:txBody>
+          <a:bodyPr rtlCol="0" anchor="ctr"/>
+          <a:lstStyle/>
+          <a:p>
+            <a:pPr algn="ctr"/>
+            <a:endParaRPr lang="en-US"/>
+          </a:p>
+        </p:txBody>
+      </p:sp>
+      <p:sp>
+        <p:nvSpPr>
+          <p:cNvPr id="19" name="Freeform 9">
+            <a:extLst>
+              <a:ext uri="{FF2B5EF4-FFF2-40B4-BE49-F238E27FC236}">
+                <a16:creationId xmlns:a16="http://schemas.microsoft.com/office/drawing/2014/main" id="{E9E16A42-F4F8-425E-9DA6-3237A0CBDC1D}"/>
+              </a:ext>
+              <a:ext uri="{C183D7F6-B498-43B3-948B-1728B52AA6E4}">
+                <adec:decorative xmlns:adec="http://schemas.microsoft.com/office/drawing/2017/decorative" val="1"/>
+              </a:ext>
+            </a:extLst>
+          </p:cNvPr>
+          <p:cNvSpPr>
+            <a:spLocks noGrp="1" noRot="1" noChangeAspect="1" noMove="1" noResize="1" noEditPoints="1" noAdjustHandles="1" noChangeArrowheads="1" noChangeShapeType="1" noTextEdit="1"/>
+          </p:cNvSpPr>
+          <p:nvPr>
+            <p:extLst>
+              <p:ext uri="{386F3935-93C4-4BCD-93E2-E3B085C9AB24}">
+                <p16:designElem xmlns:p16="http://schemas.microsoft.com/office/powerpoint/2015/main" val="1"/>
+              </p:ext>
+            </p:extLst>
+          </p:nvPr>
+        </p:nvSpPr>
+        <p:spPr bwMode="white">
+          <a:xfrm>
+            <a:off x="0" y="0"/>
+            <a:ext cx="6485467" cy="6858000"/>
+          </a:xfrm>
+          <a:custGeom>
+            <a:avLst/>
+            <a:gdLst>
+              <a:gd name="connsiteX0" fmla="*/ 0 w 6485467"/>
+              <a:gd name="connsiteY0" fmla="*/ 0 h 6858000"/>
+              <a:gd name="connsiteX1" fmla="*/ 6485467 w 6485467"/>
+              <a:gd name="connsiteY1" fmla="*/ 0 h 6858000"/>
+              <a:gd name="connsiteX2" fmla="*/ 6485467 w 6485467"/>
+              <a:gd name="connsiteY2" fmla="*/ 1900238 h 6858000"/>
+              <a:gd name="connsiteX3" fmla="*/ 6115051 w 6485467"/>
+              <a:gd name="connsiteY3" fmla="*/ 2178050 h 6858000"/>
+              <a:gd name="connsiteX4" fmla="*/ 6110817 w 6485467"/>
+              <a:gd name="connsiteY4" fmla="*/ 2184400 h 6858000"/>
+              <a:gd name="connsiteX5" fmla="*/ 6104467 w 6485467"/>
+              <a:gd name="connsiteY5" fmla="*/ 2193925 h 6858000"/>
+              <a:gd name="connsiteX6" fmla="*/ 6098117 w 6485467"/>
+              <a:gd name="connsiteY6" fmla="*/ 2201863 h 6858000"/>
+              <a:gd name="connsiteX7" fmla="*/ 6098117 w 6485467"/>
+              <a:gd name="connsiteY7" fmla="*/ 2211388 h 6858000"/>
+              <a:gd name="connsiteX8" fmla="*/ 6098117 w 6485467"/>
+              <a:gd name="connsiteY8" fmla="*/ 2220913 h 6858000"/>
+              <a:gd name="connsiteX9" fmla="*/ 6104467 w 6485467"/>
+              <a:gd name="connsiteY9" fmla="*/ 2228850 h 6858000"/>
+              <a:gd name="connsiteX10" fmla="*/ 6110817 w 6485467"/>
+              <a:gd name="connsiteY10" fmla="*/ 2238375 h 6858000"/>
+              <a:gd name="connsiteX11" fmla="*/ 6115051 w 6485467"/>
+              <a:gd name="connsiteY11" fmla="*/ 2244725 h 6858000"/>
+              <a:gd name="connsiteX12" fmla="*/ 6485467 w 6485467"/>
+              <a:gd name="connsiteY12" fmla="*/ 2522538 h 6858000"/>
+              <a:gd name="connsiteX13" fmla="*/ 6485467 w 6485467"/>
+              <a:gd name="connsiteY13" fmla="*/ 6858000 h 6858000"/>
+              <a:gd name="connsiteX14" fmla="*/ 0 w 6485467"/>
+              <a:gd name="connsiteY14" fmla="*/ 6858000 h 6858000"/>
+            </a:gdLst>
+            <a:ahLst/>
+            <a:cxnLst>
+              <a:cxn ang="0">
+                <a:pos x="connsiteX0" y="connsiteY0"/>
+              </a:cxn>
+              <a:cxn ang="0">
+                <a:pos x="connsiteX1" y="connsiteY1"/>
+              </a:cxn>
+              <a:cxn ang="0">
+                <a:pos x="connsiteX2" y="connsiteY2"/>
+              </a:cxn>
+              <a:cxn ang="0">
+                <a:pos x="connsiteX3" y="connsiteY3"/>
+              </a:cxn>
+              <a:cxn ang="0">
+                <a:pos x="connsiteX4" y="connsiteY4"/>
+              </a:cxn>
+              <a:cxn ang="0">
+                <a:pos x="connsiteX5" y="connsiteY5"/>
+              </a:cxn>
+              <a:cxn ang="0">
+                <a:pos x="connsiteX6" y="connsiteY6"/>
+              </a:cxn>
+              <a:cxn ang="0">
+                <a:pos x="connsiteX7" y="connsiteY7"/>
+              </a:cxn>
+              <a:cxn ang="0">
+                <a:pos x="connsiteX8" y="connsiteY8"/>
+              </a:cxn>
+              <a:cxn ang="0">
+                <a:pos x="connsiteX9" y="connsiteY9"/>
+              </a:cxn>
+              <a:cxn ang="0">
+                <a:pos x="connsiteX10" y="connsiteY10"/>
+              </a:cxn>
+              <a:cxn ang="0">
+                <a:pos x="connsiteX11" y="connsiteY11"/>
+              </a:cxn>
+              <a:cxn ang="0">
+                <a:pos x="connsiteX12" y="connsiteY12"/>
+              </a:cxn>
+              <a:cxn ang="0">
+                <a:pos x="connsiteX13" y="connsiteY13"/>
+              </a:cxn>
+              <a:cxn ang="0">
+                <a:pos x="connsiteX14" y="connsiteY14"/>
+              </a:cxn>
+            </a:cxnLst>
+            <a:rect l="l" t="t" r="r" b="b"/>
+            <a:pathLst>
+              <a:path w="6485467" h="6858000">
+                <a:moveTo>
+                  <a:pt x="0" y="0"/>
+                </a:moveTo>
+                <a:lnTo>
+                  <a:pt x="6485467" y="0"/>
+                </a:lnTo>
+                <a:lnTo>
+                  <a:pt x="6485467" y="1900238"/>
+                </a:lnTo>
+                <a:lnTo>
+                  <a:pt x="6115051" y="2178050"/>
+                </a:lnTo>
+                <a:lnTo>
+                  <a:pt x="6110817" y="2184400"/>
+                </a:lnTo>
+                <a:lnTo>
+                  <a:pt x="6104467" y="2193925"/>
+                </a:lnTo>
+                <a:lnTo>
+                  <a:pt x="6098117" y="2201863"/>
+                </a:lnTo>
+                <a:lnTo>
+                  <a:pt x="6098117" y="2211388"/>
+                </a:lnTo>
+                <a:lnTo>
+                  <a:pt x="6098117" y="2220913"/>
+                </a:lnTo>
+                <a:lnTo>
+                  <a:pt x="6104467" y="2228850"/>
+                </a:lnTo>
+                <a:lnTo>
+                  <a:pt x="6110817" y="2238375"/>
+                </a:lnTo>
+                <a:lnTo>
+                  <a:pt x="6115051" y="2244725"/>
+                </a:lnTo>
+                <a:lnTo>
+                  <a:pt x="6485467" y="2522538"/>
+                </a:lnTo>
+                <a:lnTo>
+                  <a:pt x="6485467" y="6858000"/>
+                </a:lnTo>
+                <a:lnTo>
+                  <a:pt x="0" y="6858000"/>
+                </a:lnTo>
+                <a:close/>
+              </a:path>
+            </a:pathLst>
+          </a:custGeom>
+          <a:solidFill>
+            <a:schemeClr val="bg1">
+              <a:lumMod val="85000"/>
+              <a:lumOff val="15000"/>
+            </a:schemeClr>
+          </a:solidFill>
+          <a:ln>
+            <a:noFill/>
+          </a:ln>
+        </p:spPr>
+        <p:style>
+          <a:lnRef idx="2">
+            <a:schemeClr val="accent1">
+              <a:shade val="50000"/>
+            </a:schemeClr>
+          </a:lnRef>
+          <a:fillRef idx="1">
+            <a:schemeClr val="accent1"/>
+          </a:fillRef>
+          <a:effectRef idx="0">
+            <a:schemeClr val="accent1"/>
+          </a:effectRef>
+          <a:fontRef idx="minor">
+            <a:schemeClr val="lt1"/>
+          </a:fontRef>
+        </p:style>
+        <p:txBody>
+          <a:bodyPr rtlCol="0" anchor="ctr"/>
+          <a:lstStyle/>
+          <a:p>
+            <a:pPr algn="ctr"/>
+            <a:endParaRPr lang="en-US"/>
+          </a:p>
+        </p:txBody>
+      </p:sp>
+      <p:sp>
+        <p:nvSpPr>
           <p:cNvPr id="2" name="Title 1">
             <a:extLst>
               <a:ext uri="{FF2B5EF4-FFF2-40B4-BE49-F238E27FC236}">
@@ -6664,15 +8201,122 @@
             <p:ph type="title"/>
           </p:nvPr>
         </p:nvSpPr>
-        <p:spPr/>
-        <p:txBody>
-          <a:bodyPr/>
+        <p:spPr>
+          <a:xfrm>
+            <a:off x="810000" y="447188"/>
+            <a:ext cx="5039035" cy="1559412"/>
+          </a:xfrm>
+        </p:spPr>
+        <p:txBody>
+          <a:bodyPr vert="horz" lIns="91440" tIns="45720" rIns="91440" bIns="45720" rtlCol="0" anchor="b">
+            <a:normAutofit/>
+          </a:bodyPr>
           <a:lstStyle/>
           <a:p>
             <a:r>
               <a:rPr lang="en-US" dirty="0"/>
               <a:t>Logistic Regression</a:t>
             </a:r>
+          </a:p>
+        </p:txBody>
+      </p:sp>
+      <p:sp>
+        <p:nvSpPr>
+          <p:cNvPr id="12" name="Content Placeholder 11">
+            <a:extLst>
+              <a:ext uri="{FF2B5EF4-FFF2-40B4-BE49-F238E27FC236}">
+                <a16:creationId xmlns:a16="http://schemas.microsoft.com/office/drawing/2014/main" id="{5AB30B9B-BEDB-40DE-92A6-F7E6FA79C495}"/>
+              </a:ext>
+            </a:extLst>
+          </p:cNvPr>
+          <p:cNvSpPr>
+            <a:spLocks noGrp="1"/>
+          </p:cNvSpPr>
+          <p:nvPr>
+            <p:ph sz="half" idx="1"/>
+          </p:nvPr>
+        </p:nvSpPr>
+        <p:spPr>
+          <a:xfrm>
+            <a:off x="818712" y="2413000"/>
+            <a:ext cx="5016259" cy="3632200"/>
+          </a:xfrm>
+        </p:spPr>
+        <p:txBody>
+          <a:bodyPr vert="horz" lIns="91440" tIns="45720" rIns="91440" bIns="45720" rtlCol="0" anchor="ctr">
+            <a:normAutofit/>
+          </a:bodyPr>
+          <a:lstStyle/>
+          <a:p>
+            <a:endParaRPr lang="en-US"/>
+          </a:p>
+        </p:txBody>
+      </p:sp>
+      <p:sp>
+        <p:nvSpPr>
+          <p:cNvPr id="21" name="Rounded Rectangle 17">
+            <a:extLst>
+              <a:ext uri="{FF2B5EF4-FFF2-40B4-BE49-F238E27FC236}">
+                <a16:creationId xmlns:a16="http://schemas.microsoft.com/office/drawing/2014/main" id="{15285B77-8322-4381-BE3F-F6FE0271B955}"/>
+              </a:ext>
+              <a:ext uri="{C183D7F6-B498-43B3-948B-1728B52AA6E4}">
+                <adec:decorative xmlns:adec="http://schemas.microsoft.com/office/drawing/2017/decorative" val="1"/>
+              </a:ext>
+            </a:extLst>
+          </p:cNvPr>
+          <p:cNvSpPr>
+            <a:spLocks noGrp="1" noRot="1" noChangeAspect="1" noMove="1" noResize="1" noEditPoints="1" noAdjustHandles="1" noChangeArrowheads="1" noChangeShapeType="1" noTextEdit="1"/>
+          </p:cNvSpPr>
+          <p:nvPr>
+            <p:extLst>
+              <p:ext uri="{386F3935-93C4-4BCD-93E2-E3B085C9AB24}">
+                <p16:designElem xmlns:p16="http://schemas.microsoft.com/office/powerpoint/2015/main" val="1"/>
+              </p:ext>
+            </p:extLst>
+          </p:nvPr>
+        </p:nvSpPr>
+        <p:spPr>
+          <a:xfrm>
+            <a:off x="7128932" y="958640"/>
+            <a:ext cx="4419604" cy="4945244"/>
+          </a:xfrm>
+          <a:prstGeom prst="roundRect">
+            <a:avLst>
+              <a:gd name="adj" fmla="val 3513"/>
+            </a:avLst>
+          </a:prstGeom>
+          <a:solidFill>
+            <a:schemeClr val="tx1"/>
+          </a:solidFill>
+          <a:ln>
+            <a:solidFill>
+              <a:schemeClr val="accent1"/>
+            </a:solidFill>
+          </a:ln>
+          <a:effectLst/>
+        </p:spPr>
+        <p:style>
+          <a:lnRef idx="2">
+            <a:schemeClr val="accent1">
+              <a:shade val="50000"/>
+            </a:schemeClr>
+          </a:lnRef>
+          <a:fillRef idx="1">
+            <a:schemeClr val="accent1"/>
+          </a:fillRef>
+          <a:effectRef idx="0">
+            <a:schemeClr val="accent1"/>
+          </a:effectRef>
+          <a:fontRef idx="minor">
+            <a:schemeClr val="lt1"/>
+          </a:fontRef>
+        </p:style>
+        <p:txBody>
+          <a:bodyPr rtlCol="0" anchor="ctr"/>
+          <a:lstStyle/>
+          <a:p>
+            <a:pPr algn="ctr"/>
+            <a:endParaRPr lang="en-US"/>
           </a:p>
         </p:txBody>
       </p:sp>
@@ -6686,11 +8330,9 @@
             </a:extLst>
           </p:cNvPr>
           <p:cNvPicPr>
-            <a:picLocks noGrp="1" noChangeAspect="1"/>
+            <a:picLocks noChangeAspect="1"/>
           </p:cNvPicPr>
-          <p:nvPr>
-            <p:ph sz="half" idx="1"/>
-          </p:nvPr>
+          <p:nvPr/>
         </p:nvPicPr>
         <p:blipFill>
           <a:blip r:embed="rId2"/>
@@ -6700,9 +8342,12 @@
         </p:blipFill>
         <p:spPr>
           <a:xfrm>
-            <a:off x="819150" y="2435394"/>
-            <a:ext cx="5184775" cy="3212762"/>
+            <a:off x="7679960" y="1274970"/>
+            <a:ext cx="3317547" cy="2056879"/>
           </a:xfrm>
+          <a:prstGeom prst="rect">
+            <a:avLst/>
+          </a:prstGeom>
         </p:spPr>
       </p:pic>
       <p:pic>
@@ -6729,9 +8374,12 @@
         </p:blipFill>
         <p:spPr>
           <a:xfrm>
-            <a:off x="6561667" y="2222500"/>
-            <a:ext cx="4447116" cy="3638550"/>
+            <a:off x="8058361" y="3496441"/>
+            <a:ext cx="2560745" cy="2093408"/>
           </a:xfrm>
+          <a:prstGeom prst="rect">
+            <a:avLst/>
+          </a:prstGeom>
         </p:spPr>
       </p:pic>
     </p:spTree>
@@ -6750,6 +8398,14 @@
 <file path=ppt/slides/slide8.xml><?xml version="1.0" encoding="utf-8"?>
 <p:sld xmlns:a="http://schemas.openxmlformats.org/drawingml/2006/main" xmlns:r="http://schemas.openxmlformats.org/officeDocument/2006/relationships" xmlns:p="http://schemas.openxmlformats.org/presentationml/2006/main">
   <p:cSld>
+    <p:bg>
+      <p:bgPr>
+        <a:solidFill>
+          <a:schemeClr val="bg1"/>
+        </a:solidFill>
+        <a:effectLst/>
+      </p:bgPr>
+    </p:bg>
     <p:spTree>
       <p:nvGrpSpPr>
         <p:cNvPr id="1" name=""/>
@@ -6766,6 +8422,385 @@
       </p:grpSpPr>
       <p:sp>
         <p:nvSpPr>
+          <p:cNvPr id="11" name="Freeform 6">
+            <a:extLst>
+              <a:ext uri="{FF2B5EF4-FFF2-40B4-BE49-F238E27FC236}">
+                <a16:creationId xmlns:a16="http://schemas.microsoft.com/office/drawing/2014/main" id="{53576798-7F98-4C7F-B6C7-6D41B5A7E927}"/>
+              </a:ext>
+              <a:ext uri="{C183D7F6-B498-43B3-948B-1728B52AA6E4}">
+                <adec:decorative xmlns:adec="http://schemas.microsoft.com/office/drawing/2017/decorative" val="1"/>
+              </a:ext>
+            </a:extLst>
+          </p:cNvPr>
+          <p:cNvSpPr>
+            <a:spLocks noGrp="1" noRot="1" noChangeAspect="1" noMove="1" noResize="1" noEditPoints="1" noAdjustHandles="1" noChangeArrowheads="1" noChangeShapeType="1" noTextEdit="1"/>
+          </p:cNvSpPr>
+          <p:nvPr>
+            <p:extLst>
+              <p:ext uri="{386F3935-93C4-4BCD-93E2-E3B085C9AB24}">
+                <p16:designElem xmlns:p16="http://schemas.microsoft.com/office/powerpoint/2015/main" val="1"/>
+              </p:ext>
+            </p:extLst>
+          </p:nvPr>
+        </p:nvSpPr>
+        <p:spPr bwMode="auto">
+          <a:xfrm>
+            <a:off x="0" y="0"/>
+            <a:ext cx="12192000" cy="2185988"/>
+          </a:xfrm>
+          <a:custGeom>
+            <a:avLst/>
+            <a:gdLst/>
+            <a:ahLst/>
+            <a:cxnLst/>
+            <a:rect l="0" t="0" r="r" b="b"/>
+            <a:pathLst>
+              <a:path w="5760" h="1377">
+                <a:moveTo>
+                  <a:pt x="5760" y="0"/>
+                </a:moveTo>
+                <a:lnTo>
+                  <a:pt x="0" y="0"/>
+                </a:lnTo>
+                <a:lnTo>
+                  <a:pt x="0" y="1189"/>
+                </a:lnTo>
+                <a:lnTo>
+                  <a:pt x="943" y="1189"/>
+                </a:lnTo>
+                <a:lnTo>
+                  <a:pt x="1123" y="1369"/>
+                </a:lnTo>
+                <a:lnTo>
+                  <a:pt x="1123" y="1369"/>
+                </a:lnTo>
+                <a:lnTo>
+                  <a:pt x="1127" y="1371"/>
+                </a:lnTo>
+                <a:lnTo>
+                  <a:pt x="1133" y="1374"/>
+                </a:lnTo>
+                <a:lnTo>
+                  <a:pt x="1139" y="1377"/>
+                </a:lnTo>
+                <a:lnTo>
+                  <a:pt x="1144" y="1377"/>
+                </a:lnTo>
+                <a:lnTo>
+                  <a:pt x="1150" y="1377"/>
+                </a:lnTo>
+                <a:lnTo>
+                  <a:pt x="1155" y="1374"/>
+                </a:lnTo>
+                <a:lnTo>
+                  <a:pt x="1161" y="1371"/>
+                </a:lnTo>
+                <a:lnTo>
+                  <a:pt x="1165" y="1369"/>
+                </a:lnTo>
+                <a:lnTo>
+                  <a:pt x="1345" y="1189"/>
+                </a:lnTo>
+                <a:lnTo>
+                  <a:pt x="5760" y="1189"/>
+                </a:lnTo>
+                <a:lnTo>
+                  <a:pt x="5760" y="0"/>
+                </a:lnTo>
+                <a:close/>
+              </a:path>
+            </a:pathLst>
+          </a:custGeom>
+          <a:ln/>
+          <a:extLst>
+            <a:ext uri="{91240B29-F687-4f45-9708-019B960494DF}">
+              <a14:hiddenLine xmlns="" xmlns:a16="http://schemas.microsoft.com/office/drawing/2014/main" xmlns:p14="http://schemas.microsoft.com/office/powerpoint/2010/main" xmlns:a14="http://schemas.microsoft.com/office/drawing/2010/main" w="9525">
+                <a:solidFill>
+                  <a:srgbClr val="000000"/>
+                </a:solidFill>
+                <a:round/>
+                <a:headEnd/>
+                <a:tailEnd/>
+              </a14:hiddenLine>
+            </a:ext>
+          </a:extLst>
+        </p:spPr>
+        <p:style>
+          <a:lnRef idx="1">
+            <a:schemeClr val="accent1"/>
+          </a:lnRef>
+          <a:fillRef idx="3">
+            <a:schemeClr val="accent1"/>
+          </a:fillRef>
+          <a:effectRef idx="2">
+            <a:schemeClr val="accent1"/>
+          </a:effectRef>
+          <a:fontRef idx="minor">
+            <a:schemeClr val="lt1"/>
+          </a:fontRef>
+        </p:style>
+      </p:sp>
+      <p:sp>
+        <p:nvSpPr>
+          <p:cNvPr id="13" name="Rectangle 12">
+            <a:extLst>
+              <a:ext uri="{FF2B5EF4-FFF2-40B4-BE49-F238E27FC236}">
+                <a16:creationId xmlns:a16="http://schemas.microsoft.com/office/drawing/2014/main" id="{8C1FC8BA-94E6-44F7-B346-6A2215E66D2E}"/>
+              </a:ext>
+              <a:ext uri="{C183D7F6-B498-43B3-948B-1728B52AA6E4}">
+                <adec:decorative xmlns:adec="http://schemas.microsoft.com/office/drawing/2017/decorative" val="1"/>
+              </a:ext>
+            </a:extLst>
+          </p:cNvPr>
+          <p:cNvSpPr>
+            <a:spLocks noGrp="1" noRot="1" noChangeAspect="1" noMove="1" noResize="1" noEditPoints="1" noAdjustHandles="1" noChangeArrowheads="1" noChangeShapeType="1" noTextEdit="1"/>
+          </p:cNvSpPr>
+          <p:nvPr>
+            <p:extLst>
+              <p:ext uri="{386F3935-93C4-4BCD-93E2-E3B085C9AB24}">
+                <p16:designElem xmlns:p16="http://schemas.microsoft.com/office/powerpoint/2015/main" val="1"/>
+              </p:ext>
+            </p:extLst>
+          </p:nvPr>
+        </p:nvSpPr>
+        <p:spPr>
+          <a:xfrm>
+            <a:off x="0" y="0"/>
+            <a:ext cx="12188952" cy="6858000"/>
+          </a:xfrm>
+          <a:prstGeom prst="rect">
+            <a:avLst/>
+          </a:prstGeom>
+          <a:solidFill>
+            <a:schemeClr val="bg1"/>
+          </a:solidFill>
+          <a:ln>
+            <a:noFill/>
+          </a:ln>
+        </p:spPr>
+        <p:style>
+          <a:lnRef idx="2">
+            <a:schemeClr val="accent1">
+              <a:shade val="50000"/>
+            </a:schemeClr>
+          </a:lnRef>
+          <a:fillRef idx="1">
+            <a:schemeClr val="accent1"/>
+          </a:fillRef>
+          <a:effectRef idx="0">
+            <a:schemeClr val="accent1"/>
+          </a:effectRef>
+          <a:fontRef idx="minor">
+            <a:schemeClr val="lt1"/>
+          </a:fontRef>
+        </p:style>
+        <p:txBody>
+          <a:bodyPr rtlCol="0" anchor="ctr"/>
+          <a:lstStyle/>
+          <a:p>
+            <a:pPr algn="ctr"/>
+            <a:endParaRPr lang="en-US"/>
+          </a:p>
+        </p:txBody>
+      </p:sp>
+      <p:sp>
+        <p:nvSpPr>
+          <p:cNvPr id="15" name="Freeform 23">
+            <a:extLst>
+              <a:ext uri="{FF2B5EF4-FFF2-40B4-BE49-F238E27FC236}">
+                <a16:creationId xmlns:a16="http://schemas.microsoft.com/office/drawing/2014/main" id="{A8329D92-4903-43FF-90F4-878F5D3F1D22}"/>
+              </a:ext>
+              <a:ext uri="{C183D7F6-B498-43B3-948B-1728B52AA6E4}">
+                <adec:decorative xmlns:adec="http://schemas.microsoft.com/office/drawing/2017/decorative" val="1"/>
+              </a:ext>
+            </a:extLst>
+          </p:cNvPr>
+          <p:cNvSpPr>
+            <a:spLocks noGrp="1" noRot="1" noChangeAspect="1" noMove="1" noResize="1" noEditPoints="1" noAdjustHandles="1" noChangeArrowheads="1" noChangeShapeType="1" noTextEdit="1"/>
+          </p:cNvSpPr>
+          <p:nvPr>
+            <p:extLst>
+              <p:ext uri="{386F3935-93C4-4BCD-93E2-E3B085C9AB24}">
+                <p16:designElem xmlns:p16="http://schemas.microsoft.com/office/powerpoint/2015/main" val="1"/>
+              </p:ext>
+            </p:extLst>
+          </p:nvPr>
+        </p:nvSpPr>
+        <p:spPr bwMode="white">
+          <a:xfrm>
+            <a:off x="0" y="0"/>
+            <a:ext cx="4637005" cy="6858000"/>
+          </a:xfrm>
+          <a:custGeom>
+            <a:avLst/>
+            <a:gdLst>
+              <a:gd name="connsiteX0" fmla="*/ 0 w 4637005"/>
+              <a:gd name="connsiteY0" fmla="*/ 0 h 6858000"/>
+              <a:gd name="connsiteX1" fmla="*/ 4637005 w 4637005"/>
+              <a:gd name="connsiteY1" fmla="*/ 0 h 6858000"/>
+              <a:gd name="connsiteX2" fmla="*/ 4637005 w 4637005"/>
+              <a:gd name="connsiteY2" fmla="*/ 1900238 h 6858000"/>
+              <a:gd name="connsiteX3" fmla="*/ 4266589 w 4637005"/>
+              <a:gd name="connsiteY3" fmla="*/ 2178050 h 6858000"/>
+              <a:gd name="connsiteX4" fmla="*/ 4262355 w 4637005"/>
+              <a:gd name="connsiteY4" fmla="*/ 2184400 h 6858000"/>
+              <a:gd name="connsiteX5" fmla="*/ 4256005 w 4637005"/>
+              <a:gd name="connsiteY5" fmla="*/ 2193925 h 6858000"/>
+              <a:gd name="connsiteX6" fmla="*/ 4249655 w 4637005"/>
+              <a:gd name="connsiteY6" fmla="*/ 2201863 h 6858000"/>
+              <a:gd name="connsiteX7" fmla="*/ 4249655 w 4637005"/>
+              <a:gd name="connsiteY7" fmla="*/ 2211388 h 6858000"/>
+              <a:gd name="connsiteX8" fmla="*/ 4249655 w 4637005"/>
+              <a:gd name="connsiteY8" fmla="*/ 2220913 h 6858000"/>
+              <a:gd name="connsiteX9" fmla="*/ 4256005 w 4637005"/>
+              <a:gd name="connsiteY9" fmla="*/ 2228850 h 6858000"/>
+              <a:gd name="connsiteX10" fmla="*/ 4262355 w 4637005"/>
+              <a:gd name="connsiteY10" fmla="*/ 2238375 h 6858000"/>
+              <a:gd name="connsiteX11" fmla="*/ 4266589 w 4637005"/>
+              <a:gd name="connsiteY11" fmla="*/ 2244725 h 6858000"/>
+              <a:gd name="connsiteX12" fmla="*/ 4637005 w 4637005"/>
+              <a:gd name="connsiteY12" fmla="*/ 2522538 h 6858000"/>
+              <a:gd name="connsiteX13" fmla="*/ 4637005 w 4637005"/>
+              <a:gd name="connsiteY13" fmla="*/ 6858000 h 6858000"/>
+              <a:gd name="connsiteX14" fmla="*/ 0 w 4637005"/>
+              <a:gd name="connsiteY14" fmla="*/ 6858000 h 6858000"/>
+            </a:gdLst>
+            <a:ahLst/>
+            <a:cxnLst>
+              <a:cxn ang="0">
+                <a:pos x="connsiteX0" y="connsiteY0"/>
+              </a:cxn>
+              <a:cxn ang="0">
+                <a:pos x="connsiteX1" y="connsiteY1"/>
+              </a:cxn>
+              <a:cxn ang="0">
+                <a:pos x="connsiteX2" y="connsiteY2"/>
+              </a:cxn>
+              <a:cxn ang="0">
+                <a:pos x="connsiteX3" y="connsiteY3"/>
+              </a:cxn>
+              <a:cxn ang="0">
+                <a:pos x="connsiteX4" y="connsiteY4"/>
+              </a:cxn>
+              <a:cxn ang="0">
+                <a:pos x="connsiteX5" y="connsiteY5"/>
+              </a:cxn>
+              <a:cxn ang="0">
+                <a:pos x="connsiteX6" y="connsiteY6"/>
+              </a:cxn>
+              <a:cxn ang="0">
+                <a:pos x="connsiteX7" y="connsiteY7"/>
+              </a:cxn>
+              <a:cxn ang="0">
+                <a:pos x="connsiteX8" y="connsiteY8"/>
+              </a:cxn>
+              <a:cxn ang="0">
+                <a:pos x="connsiteX9" y="connsiteY9"/>
+              </a:cxn>
+              <a:cxn ang="0">
+                <a:pos x="connsiteX10" y="connsiteY10"/>
+              </a:cxn>
+              <a:cxn ang="0">
+                <a:pos x="connsiteX11" y="connsiteY11"/>
+              </a:cxn>
+              <a:cxn ang="0">
+                <a:pos x="connsiteX12" y="connsiteY12"/>
+              </a:cxn>
+              <a:cxn ang="0">
+                <a:pos x="connsiteX13" y="connsiteY13"/>
+              </a:cxn>
+              <a:cxn ang="0">
+                <a:pos x="connsiteX14" y="connsiteY14"/>
+              </a:cxn>
+            </a:cxnLst>
+            <a:rect l="l" t="t" r="r" b="b"/>
+            <a:pathLst>
+              <a:path w="4637005" h="6858000">
+                <a:moveTo>
+                  <a:pt x="0" y="0"/>
+                </a:moveTo>
+                <a:lnTo>
+                  <a:pt x="4637005" y="0"/>
+                </a:lnTo>
+                <a:lnTo>
+                  <a:pt x="4637005" y="1900238"/>
+                </a:lnTo>
+                <a:lnTo>
+                  <a:pt x="4266589" y="2178050"/>
+                </a:lnTo>
+                <a:lnTo>
+                  <a:pt x="4262355" y="2184400"/>
+                </a:lnTo>
+                <a:lnTo>
+                  <a:pt x="4256005" y="2193925"/>
+                </a:lnTo>
+                <a:lnTo>
+                  <a:pt x="4249655" y="2201863"/>
+                </a:lnTo>
+                <a:lnTo>
+                  <a:pt x="4249655" y="2211388"/>
+                </a:lnTo>
+                <a:lnTo>
+                  <a:pt x="4249655" y="2220913"/>
+                </a:lnTo>
+                <a:lnTo>
+                  <a:pt x="4256005" y="2228850"/>
+                </a:lnTo>
+                <a:lnTo>
+                  <a:pt x="4262355" y="2238375"/>
+                </a:lnTo>
+                <a:lnTo>
+                  <a:pt x="4266589" y="2244725"/>
+                </a:lnTo>
+                <a:lnTo>
+                  <a:pt x="4637005" y="2522538"/>
+                </a:lnTo>
+                <a:lnTo>
+                  <a:pt x="4637005" y="6858000"/>
+                </a:lnTo>
+                <a:lnTo>
+                  <a:pt x="0" y="6858000"/>
+                </a:lnTo>
+                <a:close/>
+              </a:path>
+            </a:pathLst>
+          </a:custGeom>
+          <a:solidFill>
+            <a:srgbClr val="262626"/>
+          </a:solidFill>
+          <a:ln>
+            <a:noFill/>
+          </a:ln>
+        </p:spPr>
+        <p:style>
+          <a:lnRef idx="2">
+            <a:schemeClr val="accent1">
+              <a:shade val="50000"/>
+            </a:schemeClr>
+          </a:lnRef>
+          <a:fillRef idx="1">
+            <a:schemeClr val="accent1"/>
+          </a:fillRef>
+          <a:effectRef idx="0">
+            <a:schemeClr val="accent1"/>
+          </a:effectRef>
+          <a:fontRef idx="minor">
+            <a:schemeClr val="lt1"/>
+          </a:fontRef>
+        </p:style>
+        <p:txBody>
+          <a:bodyPr wrap="square" rtlCol="0" anchor="ctr">
+            <a:noAutofit/>
+          </a:bodyPr>
+          <a:lstStyle/>
+          <a:p>
+            <a:pPr algn="ctr"/>
+            <a:endParaRPr lang="en-US"/>
+          </a:p>
+        </p:txBody>
+      </p:sp>
+      <p:sp>
+        <p:nvSpPr>
           <p:cNvPr id="2" name="Title 1">
             <a:extLst>
               <a:ext uri="{FF2B5EF4-FFF2-40B4-BE49-F238E27FC236}">
@@ -6780,13 +8815,20 @@
             <p:ph type="title"/>
           </p:nvPr>
         </p:nvSpPr>
-        <p:spPr/>
-        <p:txBody>
-          <a:bodyPr/>
+        <p:spPr>
+          <a:xfrm>
+            <a:off x="810001" y="447188"/>
+            <a:ext cx="3413084" cy="1559412"/>
+          </a:xfrm>
+        </p:spPr>
+        <p:txBody>
+          <a:bodyPr vert="horz" lIns="91440" tIns="45720" rIns="91440" bIns="45720" rtlCol="0" anchor="b">
+            <a:normAutofit/>
+          </a:bodyPr>
           <a:lstStyle/>
           <a:p>
             <a:r>
-              <a:rPr lang="en-US" dirty="0"/>
+              <a:rPr lang="en-US" sz="3200"/>
               <a:t>Neural Network</a:t>
             </a:r>
           </a:p>
@@ -6808,11 +8850,90 @@
             <p:ph sz="half" idx="1"/>
           </p:nvPr>
         </p:nvSpPr>
-        <p:spPr/>
-        <p:txBody>
-          <a:bodyPr/>
+        <p:spPr>
+          <a:xfrm>
+            <a:off x="818713" y="2413000"/>
+            <a:ext cx="3404372" cy="3632200"/>
+          </a:xfrm>
+        </p:spPr>
+        <p:txBody>
+          <a:bodyPr vert="horz" lIns="91440" tIns="45720" rIns="91440" bIns="45720" rtlCol="0" anchor="ctr">
+            <a:normAutofit/>
+          </a:bodyPr>
           <a:lstStyle/>
           <a:p>
+            <a:endParaRPr lang="en-US" sz="1600">
+              <a:solidFill>
+                <a:srgbClr val="FFFFFF"/>
+              </a:solidFill>
+            </a:endParaRPr>
+          </a:p>
+        </p:txBody>
+      </p:sp>
+      <p:sp>
+        <p:nvSpPr>
+          <p:cNvPr id="17" name="Rounded Rectangle 17">
+            <a:extLst>
+              <a:ext uri="{FF2B5EF4-FFF2-40B4-BE49-F238E27FC236}">
+                <a16:creationId xmlns:a16="http://schemas.microsoft.com/office/drawing/2014/main" id="{567B1EEF-AB32-40F7-AD5F-41E0EA001EBE}"/>
+              </a:ext>
+              <a:ext uri="{C183D7F6-B498-43B3-948B-1728B52AA6E4}">
+                <adec:decorative xmlns:adec="http://schemas.microsoft.com/office/drawing/2017/decorative" val="1"/>
+              </a:ext>
+            </a:extLst>
+          </p:cNvPr>
+          <p:cNvSpPr>
+            <a:spLocks noGrp="1" noRot="1" noChangeAspect="1" noMove="1" noResize="1" noEditPoints="1" noAdjustHandles="1" noChangeArrowheads="1" noChangeShapeType="1" noTextEdit="1"/>
+          </p:cNvSpPr>
+          <p:nvPr>
+            <p:extLst>
+              <p:ext uri="{386F3935-93C4-4BCD-93E2-E3B085C9AB24}">
+                <p16:designElem xmlns:p16="http://schemas.microsoft.com/office/powerpoint/2015/main" val="1"/>
+              </p:ext>
+            </p:extLst>
+          </p:nvPr>
+        </p:nvSpPr>
+        <p:spPr>
+          <a:xfrm>
+            <a:off x="5278945" y="958640"/>
+            <a:ext cx="6269591" cy="4945244"/>
+          </a:xfrm>
+          <a:prstGeom prst="roundRect">
+            <a:avLst>
+              <a:gd name="adj" fmla="val 3513"/>
+            </a:avLst>
+          </a:prstGeom>
+          <a:solidFill>
+            <a:schemeClr val="bg1"/>
+          </a:solidFill>
+          <a:ln>
+            <a:solidFill>
+              <a:schemeClr val="accent1"/>
+            </a:solidFill>
+          </a:ln>
+          <a:effectLst/>
+        </p:spPr>
+        <p:style>
+          <a:lnRef idx="2">
+            <a:schemeClr val="accent1">
+              <a:shade val="50000"/>
+            </a:schemeClr>
+          </a:lnRef>
+          <a:fillRef idx="1">
+            <a:schemeClr val="accent1"/>
+          </a:fillRef>
+          <a:effectRef idx="0">
+            <a:schemeClr val="accent1"/>
+          </a:effectRef>
+          <a:fontRef idx="minor">
+            <a:schemeClr val="lt1"/>
+          </a:fontRef>
+        </p:style>
+        <p:txBody>
+          <a:bodyPr rtlCol="0" anchor="ctr"/>
+          <a:lstStyle/>
+          <a:p>
+            <a:pPr algn="ctr"/>
             <a:endParaRPr lang="en-US"/>
           </a:p>
         </p:txBody>
@@ -6841,9 +8962,12 @@
         </p:blipFill>
         <p:spPr>
           <a:xfrm>
-            <a:off x="6188075" y="2743200"/>
-            <a:ext cx="5194300" cy="2597150"/>
+            <a:off x="5603706" y="2013918"/>
+            <a:ext cx="5638853" cy="2819426"/>
           </a:xfrm>
+          <a:prstGeom prst="rect">
+            <a:avLst/>
+          </a:prstGeom>
         </p:spPr>
       </p:pic>
     </p:spTree>
@@ -6854,7 +8978,7 @@
     </p:extLst>
   </p:cSld>
   <p:clrMapOvr>
-    <a:masterClrMapping/>
+    <a:overrideClrMapping bg1="lt1" tx1="dk1" bg2="lt2" tx2="dk2" accent1="accent1" accent2="accent2" accent3="accent3" accent4="accent4" accent5="accent5" accent6="accent6" hlink="hlink" folHlink="folHlink"/>
   </p:clrMapOvr>
 </p:sld>
 </file>

--- a/Credit_Card_Fraud_Presentation.pptx
+++ b/Credit_Card_Fraud_Presentation.pptx
@@ -7200,7 +7200,7 @@
     <p:bg>
       <p:bgPr>
         <a:solidFill>
-          <a:schemeClr val="bg1"/>
+          <a:schemeClr val="bg2"/>
         </a:solidFill>
         <a:effectLst/>
       </p:bgPr>
@@ -7221,10 +7221,10 @@
       </p:grpSpPr>
       <p:sp>
         <p:nvSpPr>
-          <p:cNvPr id="11" name="Freeform 6">
+          <p:cNvPr id="29" name="Freeform 6">
             <a:extLst>
               <a:ext uri="{FF2B5EF4-FFF2-40B4-BE49-F238E27FC236}">
-                <a16:creationId xmlns:a16="http://schemas.microsoft.com/office/drawing/2014/main" id="{53576798-7F98-4C7F-B6C7-6D41B5A7E927}"/>
+                <a16:creationId xmlns:a16="http://schemas.microsoft.com/office/drawing/2014/main" id="{1FCF5244-C62C-4E27-B395-14F26DFB1373}"/>
               </a:ext>
               <a:ext uri="{C183D7F6-B498-43B3-948B-1728B52AA6E4}">
                 <adec:decorative xmlns:adec="http://schemas.microsoft.com/office/drawing/2017/decorative" val="1"/>
@@ -7341,10 +7341,10 @@
       </p:sp>
       <p:sp>
         <p:nvSpPr>
-          <p:cNvPr id="13" name="Rectangle 12">
+          <p:cNvPr id="19" name="Rectangle 18">
             <a:extLst>
               <a:ext uri="{FF2B5EF4-FFF2-40B4-BE49-F238E27FC236}">
-                <a16:creationId xmlns:a16="http://schemas.microsoft.com/office/drawing/2014/main" id="{A5BA3AE5-0FB8-4948-A421-5CEE1A5E8A61}"/>
+                <a16:creationId xmlns:a16="http://schemas.microsoft.com/office/drawing/2014/main" id="{E158B155-2870-4844-B295-BF04F38497F2}"/>
               </a:ext>
               <a:ext uri="{C183D7F6-B498-43B3-948B-1728B52AA6E4}">
                 <adec:decorative xmlns:adec="http://schemas.microsoft.com/office/drawing/2017/decorative" val="1"/>
@@ -7371,7 +7371,7 @@
             <a:avLst/>
           </a:prstGeom>
           <a:solidFill>
-            <a:schemeClr val="bg1"/>
+            <a:schemeClr val="tx1"/>
           </a:solidFill>
           <a:ln>
             <a:noFill/>
@@ -7404,10 +7404,10 @@
       </p:sp>
       <p:sp>
         <p:nvSpPr>
-          <p:cNvPr id="15" name="Freeform 9">
+          <p:cNvPr id="21" name="Freeform 23">
             <a:extLst>
               <a:ext uri="{FF2B5EF4-FFF2-40B4-BE49-F238E27FC236}">
-                <a16:creationId xmlns:a16="http://schemas.microsoft.com/office/drawing/2014/main" id="{615FFFBF-F0D2-4BB8-BB9E-3ADC47E3B69A}"/>
+                <a16:creationId xmlns:a16="http://schemas.microsoft.com/office/drawing/2014/main" id="{8EC6859F-6DE0-454C-AF7C-3CEC5E54120D}"/>
               </a:ext>
               <a:ext uri="{C183D7F6-B498-43B3-948B-1728B52AA6E4}">
                 <adec:decorative xmlns:adec="http://schemas.microsoft.com/office/drawing/2017/decorative" val="1"/>
@@ -7428,40 +7428,40 @@
         <p:spPr bwMode="white">
           <a:xfrm>
             <a:off x="0" y="0"/>
-            <a:ext cx="6485467" cy="6858000"/>
+            <a:ext cx="4637005" cy="6858000"/>
           </a:xfrm>
           <a:custGeom>
             <a:avLst/>
             <a:gdLst>
-              <a:gd name="connsiteX0" fmla="*/ 0 w 6485467"/>
+              <a:gd name="connsiteX0" fmla="*/ 0 w 4637005"/>
               <a:gd name="connsiteY0" fmla="*/ 0 h 6858000"/>
-              <a:gd name="connsiteX1" fmla="*/ 6485467 w 6485467"/>
+              <a:gd name="connsiteX1" fmla="*/ 4637005 w 4637005"/>
               <a:gd name="connsiteY1" fmla="*/ 0 h 6858000"/>
-              <a:gd name="connsiteX2" fmla="*/ 6485467 w 6485467"/>
+              <a:gd name="connsiteX2" fmla="*/ 4637005 w 4637005"/>
               <a:gd name="connsiteY2" fmla="*/ 1900238 h 6858000"/>
-              <a:gd name="connsiteX3" fmla="*/ 6115051 w 6485467"/>
+              <a:gd name="connsiteX3" fmla="*/ 4266589 w 4637005"/>
               <a:gd name="connsiteY3" fmla="*/ 2178050 h 6858000"/>
-              <a:gd name="connsiteX4" fmla="*/ 6110817 w 6485467"/>
+              <a:gd name="connsiteX4" fmla="*/ 4262355 w 4637005"/>
               <a:gd name="connsiteY4" fmla="*/ 2184400 h 6858000"/>
-              <a:gd name="connsiteX5" fmla="*/ 6104467 w 6485467"/>
+              <a:gd name="connsiteX5" fmla="*/ 4256005 w 4637005"/>
               <a:gd name="connsiteY5" fmla="*/ 2193925 h 6858000"/>
-              <a:gd name="connsiteX6" fmla="*/ 6098117 w 6485467"/>
+              <a:gd name="connsiteX6" fmla="*/ 4249655 w 4637005"/>
               <a:gd name="connsiteY6" fmla="*/ 2201863 h 6858000"/>
-              <a:gd name="connsiteX7" fmla="*/ 6098117 w 6485467"/>
+              <a:gd name="connsiteX7" fmla="*/ 4249655 w 4637005"/>
               <a:gd name="connsiteY7" fmla="*/ 2211388 h 6858000"/>
-              <a:gd name="connsiteX8" fmla="*/ 6098117 w 6485467"/>
+              <a:gd name="connsiteX8" fmla="*/ 4249655 w 4637005"/>
               <a:gd name="connsiteY8" fmla="*/ 2220913 h 6858000"/>
-              <a:gd name="connsiteX9" fmla="*/ 6104467 w 6485467"/>
+              <a:gd name="connsiteX9" fmla="*/ 4256005 w 4637005"/>
               <a:gd name="connsiteY9" fmla="*/ 2228850 h 6858000"/>
-              <a:gd name="connsiteX10" fmla="*/ 6110817 w 6485467"/>
+              <a:gd name="connsiteX10" fmla="*/ 4262355 w 4637005"/>
               <a:gd name="connsiteY10" fmla="*/ 2238375 h 6858000"/>
-              <a:gd name="connsiteX11" fmla="*/ 6115051 w 6485467"/>
+              <a:gd name="connsiteX11" fmla="*/ 4266589 w 4637005"/>
               <a:gd name="connsiteY11" fmla="*/ 2244725 h 6858000"/>
-              <a:gd name="connsiteX12" fmla="*/ 6485467 w 6485467"/>
+              <a:gd name="connsiteX12" fmla="*/ 4637005 w 4637005"/>
               <a:gd name="connsiteY12" fmla="*/ 2522538 h 6858000"/>
-              <a:gd name="connsiteX13" fmla="*/ 6485467 w 6485467"/>
+              <a:gd name="connsiteX13" fmla="*/ 4637005 w 4637005"/>
               <a:gd name="connsiteY13" fmla="*/ 6858000 h 6858000"/>
-              <a:gd name="connsiteX14" fmla="*/ 0 w 6485467"/>
+              <a:gd name="connsiteX14" fmla="*/ 0 w 4637005"/>
               <a:gd name="connsiteY14" fmla="*/ 6858000 h 6858000"/>
             </a:gdLst>
             <a:ahLst/>
@@ -7514,48 +7514,48 @@
             </a:cxnLst>
             <a:rect l="l" t="t" r="r" b="b"/>
             <a:pathLst>
-              <a:path w="6485467" h="6858000">
+              <a:path w="4637005" h="6858000">
                 <a:moveTo>
                   <a:pt x="0" y="0"/>
                 </a:moveTo>
                 <a:lnTo>
-                  <a:pt x="6485467" y="0"/>
-                </a:lnTo>
-                <a:lnTo>
-                  <a:pt x="6485467" y="1900238"/>
-                </a:lnTo>
-                <a:lnTo>
-                  <a:pt x="6115051" y="2178050"/>
-                </a:lnTo>
-                <a:lnTo>
-                  <a:pt x="6110817" y="2184400"/>
-                </a:lnTo>
-                <a:lnTo>
-                  <a:pt x="6104467" y="2193925"/>
-                </a:lnTo>
-                <a:lnTo>
-                  <a:pt x="6098117" y="2201863"/>
-                </a:lnTo>
-                <a:lnTo>
-                  <a:pt x="6098117" y="2211388"/>
-                </a:lnTo>
-                <a:lnTo>
-                  <a:pt x="6098117" y="2220913"/>
-                </a:lnTo>
-                <a:lnTo>
-                  <a:pt x="6104467" y="2228850"/>
-                </a:lnTo>
-                <a:lnTo>
-                  <a:pt x="6110817" y="2238375"/>
-                </a:lnTo>
-                <a:lnTo>
-                  <a:pt x="6115051" y="2244725"/>
-                </a:lnTo>
-                <a:lnTo>
-                  <a:pt x="6485467" y="2522538"/>
-                </a:lnTo>
-                <a:lnTo>
-                  <a:pt x="6485467" y="6858000"/>
+                  <a:pt x="4637005" y="0"/>
+                </a:lnTo>
+                <a:lnTo>
+                  <a:pt x="4637005" y="1900238"/>
+                </a:lnTo>
+                <a:lnTo>
+                  <a:pt x="4266589" y="2178050"/>
+                </a:lnTo>
+                <a:lnTo>
+                  <a:pt x="4262355" y="2184400"/>
+                </a:lnTo>
+                <a:lnTo>
+                  <a:pt x="4256005" y="2193925"/>
+                </a:lnTo>
+                <a:lnTo>
+                  <a:pt x="4249655" y="2201863"/>
+                </a:lnTo>
+                <a:lnTo>
+                  <a:pt x="4249655" y="2211388"/>
+                </a:lnTo>
+                <a:lnTo>
+                  <a:pt x="4249655" y="2220913"/>
+                </a:lnTo>
+                <a:lnTo>
+                  <a:pt x="4256005" y="2228850"/>
+                </a:lnTo>
+                <a:lnTo>
+                  <a:pt x="4262355" y="2238375"/>
+                </a:lnTo>
+                <a:lnTo>
+                  <a:pt x="4266589" y="2244725"/>
+                </a:lnTo>
+                <a:lnTo>
+                  <a:pt x="4637005" y="2522538"/>
+                </a:lnTo>
+                <a:lnTo>
+                  <a:pt x="4637005" y="6858000"/>
                 </a:lnTo>
                 <a:lnTo>
                   <a:pt x="0" y="6858000"/>
@@ -7565,7 +7565,10 @@
             </a:pathLst>
           </a:custGeom>
           <a:solidFill>
-            <a:srgbClr val="262626"/>
+            <a:schemeClr val="bg1">
+              <a:lumMod val="85000"/>
+              <a:lumOff val="15000"/>
+            </a:schemeClr>
           </a:solidFill>
           <a:ln>
             <a:noFill/>
@@ -7588,7 +7591,9 @@
           </a:fontRef>
         </p:style>
         <p:txBody>
-          <a:bodyPr rtlCol="0" anchor="ctr"/>
+          <a:bodyPr wrap="square" rtlCol="0" anchor="ctr">
+            <a:noAutofit/>
+          </a:bodyPr>
           <a:lstStyle/>
           <a:p>
             <a:pPr algn="ctr"/>
@@ -7614,8 +7619,8 @@
         </p:nvSpPr>
         <p:spPr>
           <a:xfrm>
-            <a:off x="810000" y="447188"/>
-            <a:ext cx="5039035" cy="1559412"/>
+            <a:off x="810001" y="447188"/>
+            <a:ext cx="3413084" cy="1559412"/>
           </a:xfrm>
         </p:spPr>
         <p:txBody>
@@ -7625,7 +7630,7 @@
           <a:lstStyle/>
           <a:p>
             <a:r>
-              <a:rPr lang="en-US" dirty="0"/>
+              <a:rPr lang="en-US" sz="3200"/>
               <a:t>SVM</a:t>
             </a:r>
           </a:p>
@@ -7633,10 +7638,10 @@
       </p:sp>
       <p:sp>
         <p:nvSpPr>
-          <p:cNvPr id="3" name="Content Placeholder 2">
+          <p:cNvPr id="14" name="Content Placeholder 13">
             <a:extLst>
               <a:ext uri="{FF2B5EF4-FFF2-40B4-BE49-F238E27FC236}">
-                <a16:creationId xmlns:a16="http://schemas.microsoft.com/office/drawing/2014/main" id="{2D972C3F-45B9-3D46-879E-158401234DC3}"/>
+                <a16:creationId xmlns:a16="http://schemas.microsoft.com/office/drawing/2014/main" id="{86B54E83-B279-484C-9DFB-58353493980A}"/>
               </a:ext>
             </a:extLst>
           </p:cNvPr>
@@ -7649,8 +7654,8 @@
         </p:nvSpPr>
         <p:spPr>
           <a:xfrm>
-            <a:off x="818712" y="2413000"/>
-            <a:ext cx="5016259" cy="3632200"/>
+            <a:off x="818713" y="2413000"/>
+            <a:ext cx="3404372" cy="3632200"/>
           </a:xfrm>
         </p:spPr>
         <p:txBody>
@@ -7659,20 +7664,16 @@
           </a:bodyPr>
           <a:lstStyle/>
           <a:p>
-            <a:endParaRPr lang="en-US">
-              <a:solidFill>
-                <a:srgbClr val="FFFFFF"/>
-              </a:solidFill>
-            </a:endParaRPr>
-          </a:p>
-        </p:txBody>
-      </p:sp>
-      <p:sp>
-        <p:nvSpPr>
-          <p:cNvPr id="17" name="Rounded Rectangle 17">
+            <a:endParaRPr lang="en-US" sz="1600"/>
+          </a:p>
+        </p:txBody>
+      </p:sp>
+      <p:sp>
+        <p:nvSpPr>
+          <p:cNvPr id="30" name="Rounded Rectangle 17">
             <a:extLst>
               <a:ext uri="{FF2B5EF4-FFF2-40B4-BE49-F238E27FC236}">
-                <a16:creationId xmlns:a16="http://schemas.microsoft.com/office/drawing/2014/main" id="{FD056B7E-FBD7-4858-966D-9C4DEDA7EF3C}"/>
+                <a16:creationId xmlns:a16="http://schemas.microsoft.com/office/drawing/2014/main" id="{B54A185E-16AF-4E1A-9E7F-1414E2A34920}"/>
               </a:ext>
               <a:ext uri="{C183D7F6-B498-43B3-948B-1728B52AA6E4}">
                 <adec:decorative xmlns:adec="http://schemas.microsoft.com/office/drawing/2017/decorative" val="1"/>
@@ -7692,8 +7693,8 @@
         </p:nvSpPr>
         <p:spPr>
           <a:xfrm>
-            <a:off x="7128932" y="958640"/>
-            <a:ext cx="4419604" cy="4945244"/>
+            <a:off x="5278945" y="958640"/>
+            <a:ext cx="6269591" cy="4945244"/>
           </a:xfrm>
           <a:prstGeom prst="roundRect">
             <a:avLst>
@@ -7701,7 +7702,7 @@
             </a:avLst>
           </a:prstGeom>
           <a:solidFill>
-            <a:schemeClr val="bg1"/>
+            <a:schemeClr val="tx1"/>
           </a:solidFill>
           <a:ln>
             <a:solidFill>
@@ -7737,6 +7738,36 @@
       </p:sp>
       <p:pic>
         <p:nvPicPr>
+          <p:cNvPr id="10" name="Content Placeholder 9" descr="A screenshot of a social media post&#10;&#10;Description automatically generated">
+            <a:extLst>
+              <a:ext uri="{FF2B5EF4-FFF2-40B4-BE49-F238E27FC236}">
+                <a16:creationId xmlns:a16="http://schemas.microsoft.com/office/drawing/2014/main" id="{351F0B50-6E38-AB4A-A690-B7E4B630A1BB}"/>
+              </a:ext>
+            </a:extLst>
+          </p:cNvPr>
+          <p:cNvPicPr>
+            <a:picLocks noChangeAspect="1"/>
+          </p:cNvPicPr>
+          <p:nvPr/>
+        </p:nvPicPr>
+        <p:blipFill>
+          <a:blip r:embed="rId2"/>
+          <a:stretch>
+            <a:fillRect/>
+          </a:stretch>
+        </p:blipFill>
+        <p:spPr>
+          <a:xfrm>
+            <a:off x="5611035" y="1853145"/>
+            <a:ext cx="2724939" cy="3150218"/>
+          </a:xfrm>
+          <a:prstGeom prst="rect">
+            <a:avLst/>
+          </a:prstGeom>
+        </p:spPr>
+      </p:pic>
+      <p:pic>
+        <p:nvPicPr>
           <p:cNvPr id="6" name="Content Placeholder 5" descr="A close up of a map&#10;&#10;Description automatically generated">
             <a:extLst>
               <a:ext uri="{FF2B5EF4-FFF2-40B4-BE49-F238E27FC236}">
@@ -7752,15 +7783,15 @@
           </p:nvPr>
         </p:nvPicPr>
         <p:blipFill>
-          <a:blip r:embed="rId2"/>
+          <a:blip r:embed="rId3"/>
           <a:stretch>
             <a:fillRect/>
           </a:stretch>
         </p:blipFill>
         <p:spPr>
           <a:xfrm>
-            <a:off x="7410517" y="2146284"/>
-            <a:ext cx="3832042" cy="2554694"/>
+            <a:off x="8501865" y="2519581"/>
+            <a:ext cx="2726022" cy="1817347"/>
           </a:xfrm>
           <a:prstGeom prst="rect">
             <a:avLst/>
@@ -7775,7 +7806,7 @@
     </p:extLst>
   </p:cSld>
   <p:clrMapOvr>
-    <a:overrideClrMapping bg1="lt1" tx1="dk1" bg2="lt2" tx2="dk2" accent1="accent1" accent2="accent2" accent3="accent3" accent4="accent4" accent5="accent5" accent6="accent6" hlink="hlink" folHlink="folHlink"/>
+    <a:masterClrMapping/>
   </p:clrMapOvr>
 </p:sld>
 </file>

--- a/Credit_Card_Fraud_Presentation.pptx
+++ b/Credit_Card_Fraud_Presentation.pptx
@@ -13,9 +13,10 @@
     <p:sldId id="263" r:id="rId7"/>
     <p:sldId id="264" r:id="rId8"/>
     <p:sldId id="265" r:id="rId9"/>
-    <p:sldId id="261" r:id="rId10"/>
-    <p:sldId id="266" r:id="rId11"/>
-    <p:sldId id="267" r:id="rId12"/>
+    <p:sldId id="268" r:id="rId10"/>
+    <p:sldId id="261" r:id="rId11"/>
+    <p:sldId id="266" r:id="rId12"/>
+    <p:sldId id="267" r:id="rId13"/>
   </p:sldIdLst>
   <p:sldSz cx="12192000" cy="6858000"/>
   <p:notesSz cx="6858000" cy="9144000"/>
@@ -114,6 +115,11 @@
       </a:defRPr>
     </a:lvl9pPr>
   </p:defaultTextStyle>
+  <p:extLst>
+    <p:ext uri="{EFAFB233-063F-42B5-8137-9DF3F51BA10A}">
+      <p15:sldGuideLst xmlns:p15="http://schemas.microsoft.com/office/powerpoint/2012/main"/>
+    </p:ext>
+  </p:extLst>
 </p:presentation>
 </file>
 
@@ -212,7 +218,7 @@
           <a:effectLst/>
           <a:extLst>
             <a:ext uri="{91240B29-F687-4f45-9708-019B960494DF}">
-              <a14:hiddenLine xmlns:a14="http://schemas.microsoft.com/office/drawing/2010/main" xmlns="" w="9525">
+              <a14:hiddenLine xmlns="" xmlns:a14="http://schemas.microsoft.com/office/drawing/2010/main" w="9525">
                 <a:solidFill>
                   <a:srgbClr val="000000"/>
                 </a:solidFill>
@@ -405,7 +411,7 @@
             <a:fld id="{08B9EBBA-996F-894A-B54A-D6246ED52CEA}" type="datetimeFigureOut">
               <a:rPr lang="en-US" dirty="0"/>
               <a:pPr/>
-              <a:t>7/21/20</a:t>
+              <a:t>7/21/2020</a:t>
             </a:fld>
             <a:endParaRPr lang="en-US" dirty="0"/>
           </a:p>
@@ -720,7 +726,7 @@
             <a:fld id="{18C79C5D-2A6F-F04D-97DA-BEF2467B64E4}" type="datetimeFigureOut">
               <a:rPr lang="en-US" dirty="0"/>
               <a:pPr/>
-              <a:t>7/21/20</a:t>
+              <a:t>7/21/2020</a:t>
             </a:fld>
             <a:endParaRPr lang="en-US" dirty="0"/>
           </a:p>
@@ -1205,7 +1211,7 @@
             <a:fld id="{8DFA1846-DA80-1C48-A609-854EA85C59AD}" type="datetimeFigureOut">
               <a:rPr lang="en-US" dirty="0"/>
               <a:pPr/>
-              <a:t>7/21/20</a:t>
+              <a:t>7/21/2020</a:t>
             </a:fld>
             <a:endParaRPr lang="en-US" dirty="0"/>
           </a:p>
@@ -1571,7 +1577,7 @@
             <a:fld id="{FBF54567-0DE4-3F47-BF90-CB84690072F9}" type="datetimeFigureOut">
               <a:rPr lang="en-US" dirty="0"/>
               <a:pPr/>
-              <a:t>7/21/20</a:t>
+              <a:t>7/21/2020</a:t>
             </a:fld>
             <a:endParaRPr lang="en-US" dirty="0"/>
           </a:p>
@@ -1722,7 +1728,7 @@
           <a:ln/>
           <a:extLst>
             <a:ext uri="{91240B29-F687-4f45-9708-019B960494DF}">
-              <a14:hiddenLine xmlns:a14="http://schemas.microsoft.com/office/drawing/2010/main" xmlns="" w="9525">
+              <a14:hiddenLine xmlns="" xmlns:a14="http://schemas.microsoft.com/office/drawing/2010/main" w="9525">
                 <a:solidFill>
                   <a:srgbClr val="000000"/>
                 </a:solidFill>
@@ -1841,7 +1847,7 @@
             <a:fld id="{C6C52C72-DE31-F449-A4ED-4C594FD91407}" type="datetimeFigureOut">
               <a:rPr lang="en-US" dirty="0"/>
               <a:pPr/>
-              <a:t>7/21/20</a:t>
+              <a:t>7/21/2020</a:t>
             </a:fld>
             <a:endParaRPr lang="en-US" dirty="0"/>
           </a:p>
@@ -1994,7 +2000,7 @@
           <a:ln/>
           <a:extLst>
             <a:ext uri="{91240B29-F687-4f45-9708-019B960494DF}">
-              <a14:hiddenLine xmlns:a14="http://schemas.microsoft.com/office/drawing/2010/main" xmlns="" w="9525">
+              <a14:hiddenLine xmlns="" xmlns:a14="http://schemas.microsoft.com/office/drawing/2010/main" w="9525">
                 <a:solidFill>
                   <a:srgbClr val="000000"/>
                 </a:solidFill>
@@ -2123,7 +2129,7 @@
             <a:fld id="{ED62726E-379B-B349-9EED-81ED093FA806}" type="datetimeFigureOut">
               <a:rPr lang="en-US" dirty="0"/>
               <a:pPr/>
-              <a:t>7/21/20</a:t>
+              <a:t>7/21/2020</a:t>
             </a:fld>
             <a:endParaRPr lang="en-US" dirty="0"/>
           </a:p>
@@ -2274,7 +2280,7 @@
           <a:ln/>
           <a:extLst>
             <a:ext uri="{91240B29-F687-4f45-9708-019B960494DF}">
-              <a14:hiddenLine xmlns:a14="http://schemas.microsoft.com/office/drawing/2010/main" xmlns="" w="9525">
+              <a14:hiddenLine xmlns="" xmlns:a14="http://schemas.microsoft.com/office/drawing/2010/main" w="9525">
                 <a:solidFill>
                   <a:srgbClr val="000000"/>
                 </a:solidFill>
@@ -2403,7 +2409,7 @@
             <a:fld id="{9B3A1323-8D79-1946-B0D7-40001CF92E9D}" type="datetimeFigureOut">
               <a:rPr lang="en-US" dirty="0"/>
               <a:pPr/>
-              <a:t>7/21/20</a:t>
+              <a:t>7/21/2020</a:t>
             </a:fld>
             <a:endParaRPr lang="en-US" dirty="0"/>
           </a:p>
@@ -2743,7 +2749,7 @@
             <a:fld id="{8DFA1846-DA80-1C48-A609-854EA85C59AD}" type="datetimeFigureOut">
               <a:rPr lang="en-US" dirty="0"/>
               <a:pPr/>
-              <a:t>7/21/20</a:t>
+              <a:t>7/21/2020</a:t>
             </a:fld>
             <a:endParaRPr lang="en-US" dirty="0"/>
           </a:p>
@@ -2894,7 +2900,7 @@
           <a:ln/>
           <a:extLst>
             <a:ext uri="{91240B29-F687-4f45-9708-019B960494DF}">
-              <a14:hiddenLine xmlns:a14="http://schemas.microsoft.com/office/drawing/2010/main" xmlns="" w="9525">
+              <a14:hiddenLine xmlns="" xmlns:a14="http://schemas.microsoft.com/office/drawing/2010/main" w="9525">
                 <a:solidFill>
                   <a:srgbClr val="000000"/>
                 </a:solidFill>
@@ -3079,7 +3085,7 @@
             <a:fld id="{57302355-E14B-8545-A8F8-0FE83CC9D524}" type="datetimeFigureOut">
               <a:rPr lang="en-US" dirty="0"/>
               <a:pPr/>
-              <a:t>7/21/20</a:t>
+              <a:t>7/21/2020</a:t>
             </a:fld>
             <a:endParaRPr lang="en-US" dirty="0"/>
           </a:p>
@@ -3230,7 +3236,7 @@
           <a:ln/>
           <a:extLst>
             <a:ext uri="{91240B29-F687-4f45-9708-019B960494DF}">
-              <a14:hiddenLine xmlns:a14="http://schemas.microsoft.com/office/drawing/2010/main" xmlns="" w="9525">
+              <a14:hiddenLine xmlns="" xmlns:a14="http://schemas.microsoft.com/office/drawing/2010/main" w="9525">
                 <a:solidFill>
                   <a:srgbClr val="000000"/>
                 </a:solidFill>
@@ -3553,7 +3559,7 @@
             <a:fld id="{02640F58-564D-2B4F-AE67-E407BA4FCF45}" type="datetimeFigureOut">
               <a:rPr lang="en-US" dirty="0"/>
               <a:pPr/>
-              <a:t>7/21/20</a:t>
+              <a:t>7/21/2020</a:t>
             </a:fld>
             <a:endParaRPr lang="en-US" dirty="0"/>
           </a:p>
@@ -3704,7 +3710,7 @@
           <a:ln/>
           <a:extLst>
             <a:ext uri="{91240B29-F687-4f45-9708-019B960494DF}">
-              <a14:hiddenLine xmlns:a14="http://schemas.microsoft.com/office/drawing/2010/main" xmlns="" w="9525">
+              <a14:hiddenLine xmlns="" xmlns:a14="http://schemas.microsoft.com/office/drawing/2010/main" w="9525">
                 <a:solidFill>
                   <a:srgbClr val="000000"/>
                 </a:solidFill>
@@ -3771,7 +3777,7 @@
             <a:fld id="{F13A34C8-038E-2045-AF43-DF7DBB8E0E9E}" type="datetimeFigureOut">
               <a:rPr lang="en-US" dirty="0"/>
               <a:pPr/>
-              <a:t>7/21/20</a:t>
+              <a:t>7/21/2020</a:t>
             </a:fld>
             <a:endParaRPr lang="en-US" dirty="0"/>
           </a:p>
@@ -3863,7 +3869,7 @@
             <a:fld id="{8818C68F-D26B-8F47-958C-23B49CF8A634}" type="datetimeFigureOut">
               <a:rPr lang="en-US" dirty="0"/>
               <a:pPr/>
-              <a:t>7/21/20</a:t>
+              <a:t>7/21/2020</a:t>
             </a:fld>
             <a:endParaRPr lang="en-US" dirty="0"/>
           </a:p>
@@ -4127,7 +4133,7 @@
           <a:ln/>
           <a:extLst>
             <a:ext uri="{91240B29-F687-4f45-9708-019B960494DF}">
-              <a14:hiddenLine xmlns:a14="http://schemas.microsoft.com/office/drawing/2010/main" xmlns="" w="9525">
+              <a14:hiddenLine xmlns="" xmlns:a14="http://schemas.microsoft.com/office/drawing/2010/main" w="9525">
                 <a:solidFill>
                   <a:srgbClr val="000000"/>
                 </a:solidFill>
@@ -4327,7 +4333,7 @@
             <a:fld id="{D0DF5E60-9974-AC48-9591-99C2BB44B7CF}" type="datetimeFigureOut">
               <a:rPr lang="en-US" dirty="0"/>
               <a:pPr/>
-              <a:t>7/21/20</a:t>
+              <a:t>7/21/2020</a:t>
             </a:fld>
             <a:endParaRPr lang="en-US" dirty="0"/>
           </a:p>
@@ -4637,7 +4643,7 @@
             <a:fld id="{18C79C5D-2A6F-F04D-97DA-BEF2467B64E4}" type="datetimeFigureOut">
               <a:rPr lang="en-US" dirty="0"/>
               <a:pPr/>
-              <a:t>7/21/20</a:t>
+              <a:t>7/21/2020</a:t>
             </a:fld>
             <a:endParaRPr lang="en-US" dirty="0"/>
           </a:p>
@@ -4904,7 +4910,7 @@
             <a:fld id="{09B482E8-6E0E-1B4F-B1FD-C69DB9E858D9}" type="datetimeFigureOut">
               <a:rPr lang="en-US" dirty="0"/>
               <a:pPr/>
-              <a:t>7/21/20</a:t>
+              <a:t>7/21/2020</a:t>
             </a:fld>
             <a:endParaRPr lang="en-US" dirty="0"/>
           </a:p>
@@ -5446,6 +5452,65 @@
       </p:grpSpPr>
       <p:sp>
         <p:nvSpPr>
+          <p:cNvPr id="4" name="Title 3">
+            <a:extLst>
+              <a:ext uri="{FF2B5EF4-FFF2-40B4-BE49-F238E27FC236}">
+                <a16:creationId xmlns:a16="http://schemas.microsoft.com/office/drawing/2014/main" id="{B99AD5D2-7C2E-5740-91AE-EFA55A6C3494}"/>
+              </a:ext>
+            </a:extLst>
+          </p:cNvPr>
+          <p:cNvSpPr>
+            <a:spLocks noGrp="1"/>
+          </p:cNvSpPr>
+          <p:nvPr>
+            <p:ph type="title"/>
+          </p:nvPr>
+        </p:nvSpPr>
+        <p:spPr/>
+        <p:txBody>
+          <a:bodyPr/>
+          <a:lstStyle/>
+          <a:p>
+            <a:pPr algn="ctr"/>
+            <a:r>
+              <a:rPr lang="en-US" dirty="0"/>
+              <a:t>Project Demonstration</a:t>
+            </a:r>
+          </a:p>
+        </p:txBody>
+      </p:sp>
+    </p:spTree>
+    <p:extLst>
+      <p:ext uri="{BB962C8B-B14F-4D97-AF65-F5344CB8AC3E}">
+        <p14:creationId xmlns:p14="http://schemas.microsoft.com/office/powerpoint/2010/main" val="2841442587"/>
+      </p:ext>
+    </p:extLst>
+  </p:cSld>
+  <p:clrMapOvr>
+    <a:masterClrMapping/>
+  </p:clrMapOvr>
+</p:sld>
+</file>
+
+<file path=ppt/slides/slide11.xml><?xml version="1.0" encoding="utf-8"?>
+<p:sld xmlns:a="http://schemas.openxmlformats.org/drawingml/2006/main" xmlns:r="http://schemas.openxmlformats.org/officeDocument/2006/relationships" xmlns:p="http://schemas.openxmlformats.org/presentationml/2006/main">
+  <p:cSld>
+    <p:spTree>
+      <p:nvGrpSpPr>
+        <p:cNvPr id="1" name=""/>
+        <p:cNvGrpSpPr/>
+        <p:nvPr/>
+      </p:nvGrpSpPr>
+      <p:grpSpPr>
+        <a:xfrm>
+          <a:off x="0" y="0"/>
+          <a:ext cx="0" cy="0"/>
+          <a:chOff x="0" y="0"/>
+          <a:chExt cx="0" cy="0"/>
+        </a:xfrm>
+      </p:grpSpPr>
+      <p:sp>
+        <p:nvSpPr>
           <p:cNvPr id="2" name="Title 1">
             <a:extLst>
               <a:ext uri="{FF2B5EF4-FFF2-40B4-BE49-F238E27FC236}">
@@ -5510,7 +5575,7 @@
 </p:sld>
 </file>
 
-<file path=ppt/slides/slide11.xml><?xml version="1.0" encoding="utf-8"?>
+<file path=ppt/slides/slide12.xml><?xml version="1.0" encoding="utf-8"?>
 <p:sld xmlns:a="http://schemas.openxmlformats.org/drawingml/2006/main" xmlns:r="http://schemas.openxmlformats.org/officeDocument/2006/relationships" xmlns:p="http://schemas.openxmlformats.org/presentationml/2006/main">
   <p:cSld>
     <p:spTree>
@@ -5715,7 +5780,7 @@
           <a:ln/>
           <a:extLst>
             <a:ext uri="{91240B29-F687-4f45-9708-019B960494DF}">
-              <a14:hiddenLine xmlns="" xmlns:a16="http://schemas.microsoft.com/office/drawing/2014/main" xmlns:p14="http://schemas.microsoft.com/office/powerpoint/2010/main" xmlns:a14="http://schemas.microsoft.com/office/drawing/2010/main" w="9525">
+              <a14:hiddenLine xmlns:a14="http://schemas.microsoft.com/office/drawing/2010/main" xmlns:p14="http://schemas.microsoft.com/office/powerpoint/2010/main" xmlns:a16="http://schemas.microsoft.com/office/drawing/2014/main" xmlns="" w="9525">
                 <a:solidFill>
                   <a:srgbClr val="000000"/>
                 </a:solidFill>
@@ -6386,7 +6451,7 @@
           <a:ln/>
           <a:extLst>
             <a:ext uri="{91240B29-F687-4f45-9708-019B960494DF}">
-              <a14:hiddenLine xmlns="" xmlns:a16="http://schemas.microsoft.com/office/drawing/2014/main" xmlns:p14="http://schemas.microsoft.com/office/powerpoint/2010/main" xmlns:a14="http://schemas.microsoft.com/office/drawing/2010/main" w="9525">
+              <a14:hiddenLine xmlns:a14="http://schemas.microsoft.com/office/drawing/2010/main" xmlns:p14="http://schemas.microsoft.com/office/powerpoint/2010/main" xmlns:a16="http://schemas.microsoft.com/office/drawing/2014/main" xmlns="" w="9525">
                 <a:solidFill>
                   <a:srgbClr val="000000"/>
                 </a:solidFill>
@@ -6696,7 +6761,7 @@
           <a:ln/>
           <a:extLst>
             <a:ext uri="{91240B29-F687-4f45-9708-019B960494DF}">
-              <a14:hiddenLine xmlns="" xmlns:a16="http://schemas.microsoft.com/office/drawing/2014/main" xmlns:p14="http://schemas.microsoft.com/office/powerpoint/2010/main" xmlns:a14="http://schemas.microsoft.com/office/drawing/2010/main" w="9525">
+              <a14:hiddenLine xmlns:a14="http://schemas.microsoft.com/office/drawing/2010/main" xmlns:p14="http://schemas.microsoft.com/office/powerpoint/2010/main" xmlns:a16="http://schemas.microsoft.com/office/drawing/2014/main" xmlns="" w="9525">
                 <a:solidFill>
                   <a:srgbClr val="000000"/>
                 </a:solidFill>
@@ -7313,7 +7378,7 @@
           <a:ln/>
           <a:extLst>
             <a:ext uri="{91240B29-F687-4f45-9708-019B960494DF}">
-              <a14:hiddenLine xmlns="" xmlns:a16="http://schemas.microsoft.com/office/drawing/2014/main" xmlns:p14="http://schemas.microsoft.com/office/powerpoint/2010/main" xmlns:a14="http://schemas.microsoft.com/office/drawing/2010/main" w="9525">
+              <a14:hiddenLine xmlns:a14="http://schemas.microsoft.com/office/drawing/2010/main" xmlns:p14="http://schemas.microsoft.com/office/powerpoint/2010/main" xmlns:a16="http://schemas.microsoft.com/office/drawing/2014/main" xmlns="" w="9525">
                 <a:solidFill>
                   <a:srgbClr val="000000"/>
                 </a:solidFill>
@@ -7930,7 +7995,7 @@
           <a:ln/>
           <a:extLst>
             <a:ext uri="{91240B29-F687-4f45-9708-019B960494DF}">
-              <a14:hiddenLine xmlns="" xmlns:a16="http://schemas.microsoft.com/office/drawing/2014/main" xmlns:p14="http://schemas.microsoft.com/office/powerpoint/2010/main" xmlns:a14="http://schemas.microsoft.com/office/drawing/2010/main" w="9525">
+              <a14:hiddenLine xmlns:a14="http://schemas.microsoft.com/office/drawing/2010/main" xmlns:p14="http://schemas.microsoft.com/office/powerpoint/2010/main" xmlns:a16="http://schemas.microsoft.com/office/drawing/2014/main" xmlns="" w="9525">
                 <a:solidFill>
                   <a:srgbClr val="000000"/>
                 </a:solidFill>
@@ -8545,7 +8610,7 @@
           <a:ln/>
           <a:extLst>
             <a:ext uri="{91240B29-F687-4f45-9708-019B960494DF}">
-              <a14:hiddenLine xmlns="" xmlns:a16="http://schemas.microsoft.com/office/drawing/2014/main" xmlns:p14="http://schemas.microsoft.com/office/powerpoint/2010/main" xmlns:a14="http://schemas.microsoft.com/office/drawing/2010/main" w="9525">
+              <a14:hiddenLine xmlns:a14="http://schemas.microsoft.com/office/drawing/2010/main" xmlns:p14="http://schemas.microsoft.com/office/powerpoint/2010/main" xmlns:a16="http://schemas.microsoft.com/office/drawing/2014/main" xmlns="" w="9525">
                 <a:solidFill>
                   <a:srgbClr val="000000"/>
                 </a:solidFill>
@@ -8971,10 +9036,10 @@
       </p:sp>
       <p:pic>
         <p:nvPicPr>
-          <p:cNvPr id="6" name="Content Placeholder 5" descr="A screenshot of a cell phone&#10;&#10;Description automatically generated">
+          <p:cNvPr id="14" name="Content Placeholder 13">
             <a:extLst>
               <a:ext uri="{FF2B5EF4-FFF2-40B4-BE49-F238E27FC236}">
-                <a16:creationId xmlns:a16="http://schemas.microsoft.com/office/drawing/2014/main" id="{615F2977-D27B-974F-BE90-ED821DE186FB}"/>
+                <a16:creationId xmlns:a16="http://schemas.microsoft.com/office/drawing/2014/main" id="{D40ED0DE-A141-48F6-B217-9904A0729940}"/>
               </a:ext>
             </a:extLst>
           </p:cNvPr>
@@ -8993,12 +9058,9 @@
         </p:blipFill>
         <p:spPr>
           <a:xfrm>
-            <a:off x="5603706" y="2013918"/>
-            <a:ext cx="5638853" cy="2819426"/>
+            <a:off x="5828420" y="2166743"/>
+            <a:ext cx="5194300" cy="2524513"/>
           </a:xfrm>
-          <a:prstGeom prst="rect">
-            <a:avLst/>
-          </a:prstGeom>
         </p:spPr>
       </p:pic>
     </p:spTree>
@@ -9033,10 +9095,10 @@
       </p:grpSpPr>
       <p:sp>
         <p:nvSpPr>
-          <p:cNvPr id="4" name="Title 3">
+          <p:cNvPr id="2" name="Title 1">
             <a:extLst>
               <a:ext uri="{FF2B5EF4-FFF2-40B4-BE49-F238E27FC236}">
-                <a16:creationId xmlns:a16="http://schemas.microsoft.com/office/drawing/2014/main" id="{B99AD5D2-7C2E-5740-91AE-EFA55A6C3494}"/>
+                <a16:creationId xmlns:a16="http://schemas.microsoft.com/office/drawing/2014/main" id="{D2F0C450-C043-493E-B842-86F876D0E592}"/>
               </a:ext>
             </a:extLst>
           </p:cNvPr>
@@ -9052,18 +9114,64 @@
           <a:bodyPr/>
           <a:lstStyle/>
           <a:p>
-            <a:pPr algn="ctr"/>
-            <a:r>
-              <a:rPr lang="en-US" dirty="0"/>
-              <a:t>Project Demonstration</a:t>
-            </a:r>
+            <a:endParaRPr lang="en-US"/>
+          </a:p>
+        </p:txBody>
+      </p:sp>
+      <p:sp>
+        <p:nvSpPr>
+          <p:cNvPr id="8" name="Content Placeholder 7">
+            <a:extLst>
+              <a:ext uri="{FF2B5EF4-FFF2-40B4-BE49-F238E27FC236}">
+                <a16:creationId xmlns:a16="http://schemas.microsoft.com/office/drawing/2014/main" id="{C00DC9C2-4D36-4686-85DA-E077187BC2CE}"/>
+              </a:ext>
+            </a:extLst>
+          </p:cNvPr>
+          <p:cNvSpPr>
+            <a:spLocks noGrp="1"/>
+          </p:cNvSpPr>
+          <p:nvPr>
+            <p:ph sz="half" idx="1"/>
+          </p:nvPr>
+        </p:nvSpPr>
+        <p:spPr/>
+        <p:txBody>
+          <a:bodyPr/>
+          <a:lstStyle/>
+          <a:p>
+            <a:endParaRPr lang="en-US"/>
+          </a:p>
+        </p:txBody>
+      </p:sp>
+      <p:sp>
+        <p:nvSpPr>
+          <p:cNvPr id="16" name="Content Placeholder 15">
+            <a:extLst>
+              <a:ext uri="{FF2B5EF4-FFF2-40B4-BE49-F238E27FC236}">
+                <a16:creationId xmlns:a16="http://schemas.microsoft.com/office/drawing/2014/main" id="{AE08FDE6-E9CC-4EBC-AB93-C84D0675A5DE}"/>
+              </a:ext>
+            </a:extLst>
+          </p:cNvPr>
+          <p:cNvSpPr>
+            <a:spLocks noGrp="1"/>
+          </p:cNvSpPr>
+          <p:nvPr>
+            <p:ph sz="half" idx="2"/>
+          </p:nvPr>
+        </p:nvSpPr>
+        <p:spPr/>
+        <p:txBody>
+          <a:bodyPr/>
+          <a:lstStyle/>
+          <a:p>
+            <a:endParaRPr lang="en-US"/>
           </a:p>
         </p:txBody>
       </p:sp>
     </p:spTree>
     <p:extLst>
       <p:ext uri="{BB962C8B-B14F-4D97-AF65-F5344CB8AC3E}">
-        <p14:creationId xmlns:p14="http://schemas.microsoft.com/office/powerpoint/2010/main" val="2841442587"/>
+        <p14:creationId xmlns:p14="http://schemas.microsoft.com/office/powerpoint/2010/main" val="3207258468"/>
       </p:ext>
     </p:extLst>
   </p:cSld>

--- a/Credit_Card_Fraud_Presentation.pptx
+++ b/Credit_Card_Fraud_Presentation.pptx
@@ -218,7 +218,7 @@
           <a:effectLst/>
           <a:extLst>
             <a:ext uri="{91240B29-F687-4f45-9708-019B960494DF}">
-              <a14:hiddenLine xmlns="" xmlns:a14="http://schemas.microsoft.com/office/drawing/2010/main" w="9525">
+              <a14:hiddenLine xmlns:a14="http://schemas.microsoft.com/office/drawing/2010/main" xmlns="" w="9525">
                 <a:solidFill>
                   <a:srgbClr val="000000"/>
                 </a:solidFill>
@@ -411,7 +411,7 @@
             <a:fld id="{08B9EBBA-996F-894A-B54A-D6246ED52CEA}" type="datetimeFigureOut">
               <a:rPr lang="en-US" dirty="0"/>
               <a:pPr/>
-              <a:t>7/21/2020</a:t>
+              <a:t>7/21/20</a:t>
             </a:fld>
             <a:endParaRPr lang="en-US" dirty="0"/>
           </a:p>
@@ -726,7 +726,7 @@
             <a:fld id="{18C79C5D-2A6F-F04D-97DA-BEF2467B64E4}" type="datetimeFigureOut">
               <a:rPr lang="en-US" dirty="0"/>
               <a:pPr/>
-              <a:t>7/21/2020</a:t>
+              <a:t>7/21/20</a:t>
             </a:fld>
             <a:endParaRPr lang="en-US" dirty="0"/>
           </a:p>
@@ -1211,7 +1211,7 @@
             <a:fld id="{8DFA1846-DA80-1C48-A609-854EA85C59AD}" type="datetimeFigureOut">
               <a:rPr lang="en-US" dirty="0"/>
               <a:pPr/>
-              <a:t>7/21/2020</a:t>
+              <a:t>7/21/20</a:t>
             </a:fld>
             <a:endParaRPr lang="en-US" dirty="0"/>
           </a:p>
@@ -1577,7 +1577,7 @@
             <a:fld id="{FBF54567-0DE4-3F47-BF90-CB84690072F9}" type="datetimeFigureOut">
               <a:rPr lang="en-US" dirty="0"/>
               <a:pPr/>
-              <a:t>7/21/2020</a:t>
+              <a:t>7/21/20</a:t>
             </a:fld>
             <a:endParaRPr lang="en-US" dirty="0"/>
           </a:p>
@@ -1728,7 +1728,7 @@
           <a:ln/>
           <a:extLst>
             <a:ext uri="{91240B29-F687-4f45-9708-019B960494DF}">
-              <a14:hiddenLine xmlns="" xmlns:a14="http://schemas.microsoft.com/office/drawing/2010/main" w="9525">
+              <a14:hiddenLine xmlns:a14="http://schemas.microsoft.com/office/drawing/2010/main" xmlns="" w="9525">
                 <a:solidFill>
                   <a:srgbClr val="000000"/>
                 </a:solidFill>
@@ -1847,7 +1847,7 @@
             <a:fld id="{C6C52C72-DE31-F449-A4ED-4C594FD91407}" type="datetimeFigureOut">
               <a:rPr lang="en-US" dirty="0"/>
               <a:pPr/>
-              <a:t>7/21/2020</a:t>
+              <a:t>7/21/20</a:t>
             </a:fld>
             <a:endParaRPr lang="en-US" dirty="0"/>
           </a:p>
@@ -2000,7 +2000,7 @@
           <a:ln/>
           <a:extLst>
             <a:ext uri="{91240B29-F687-4f45-9708-019B960494DF}">
-              <a14:hiddenLine xmlns="" xmlns:a14="http://schemas.microsoft.com/office/drawing/2010/main" w="9525">
+              <a14:hiddenLine xmlns:a14="http://schemas.microsoft.com/office/drawing/2010/main" xmlns="" w="9525">
                 <a:solidFill>
                   <a:srgbClr val="000000"/>
                 </a:solidFill>
@@ -2129,7 +2129,7 @@
             <a:fld id="{ED62726E-379B-B349-9EED-81ED093FA806}" type="datetimeFigureOut">
               <a:rPr lang="en-US" dirty="0"/>
               <a:pPr/>
-              <a:t>7/21/2020</a:t>
+              <a:t>7/21/20</a:t>
             </a:fld>
             <a:endParaRPr lang="en-US" dirty="0"/>
           </a:p>
@@ -2280,7 +2280,7 @@
           <a:ln/>
           <a:extLst>
             <a:ext uri="{91240B29-F687-4f45-9708-019B960494DF}">
-              <a14:hiddenLine xmlns="" xmlns:a14="http://schemas.microsoft.com/office/drawing/2010/main" w="9525">
+              <a14:hiddenLine xmlns:a14="http://schemas.microsoft.com/office/drawing/2010/main" xmlns="" w="9525">
                 <a:solidFill>
                   <a:srgbClr val="000000"/>
                 </a:solidFill>
@@ -2409,7 +2409,7 @@
             <a:fld id="{9B3A1323-8D79-1946-B0D7-40001CF92E9D}" type="datetimeFigureOut">
               <a:rPr lang="en-US" dirty="0"/>
               <a:pPr/>
-              <a:t>7/21/2020</a:t>
+              <a:t>7/21/20</a:t>
             </a:fld>
             <a:endParaRPr lang="en-US" dirty="0"/>
           </a:p>
@@ -2749,7 +2749,7 @@
             <a:fld id="{8DFA1846-DA80-1C48-A609-854EA85C59AD}" type="datetimeFigureOut">
               <a:rPr lang="en-US" dirty="0"/>
               <a:pPr/>
-              <a:t>7/21/2020</a:t>
+              <a:t>7/21/20</a:t>
             </a:fld>
             <a:endParaRPr lang="en-US" dirty="0"/>
           </a:p>
@@ -2900,7 +2900,7 @@
           <a:ln/>
           <a:extLst>
             <a:ext uri="{91240B29-F687-4f45-9708-019B960494DF}">
-              <a14:hiddenLine xmlns="" xmlns:a14="http://schemas.microsoft.com/office/drawing/2010/main" w="9525">
+              <a14:hiddenLine xmlns:a14="http://schemas.microsoft.com/office/drawing/2010/main" xmlns="" w="9525">
                 <a:solidFill>
                   <a:srgbClr val="000000"/>
                 </a:solidFill>
@@ -3085,7 +3085,7 @@
             <a:fld id="{57302355-E14B-8545-A8F8-0FE83CC9D524}" type="datetimeFigureOut">
               <a:rPr lang="en-US" dirty="0"/>
               <a:pPr/>
-              <a:t>7/21/2020</a:t>
+              <a:t>7/21/20</a:t>
             </a:fld>
             <a:endParaRPr lang="en-US" dirty="0"/>
           </a:p>
@@ -3236,7 +3236,7 @@
           <a:ln/>
           <a:extLst>
             <a:ext uri="{91240B29-F687-4f45-9708-019B960494DF}">
-              <a14:hiddenLine xmlns="" xmlns:a14="http://schemas.microsoft.com/office/drawing/2010/main" w="9525">
+              <a14:hiddenLine xmlns:a14="http://schemas.microsoft.com/office/drawing/2010/main" xmlns="" w="9525">
                 <a:solidFill>
                   <a:srgbClr val="000000"/>
                 </a:solidFill>
@@ -3559,7 +3559,7 @@
             <a:fld id="{02640F58-564D-2B4F-AE67-E407BA4FCF45}" type="datetimeFigureOut">
               <a:rPr lang="en-US" dirty="0"/>
               <a:pPr/>
-              <a:t>7/21/2020</a:t>
+              <a:t>7/21/20</a:t>
             </a:fld>
             <a:endParaRPr lang="en-US" dirty="0"/>
           </a:p>
@@ -3710,7 +3710,7 @@
           <a:ln/>
           <a:extLst>
             <a:ext uri="{91240B29-F687-4f45-9708-019B960494DF}">
-              <a14:hiddenLine xmlns="" xmlns:a14="http://schemas.microsoft.com/office/drawing/2010/main" w="9525">
+              <a14:hiddenLine xmlns:a14="http://schemas.microsoft.com/office/drawing/2010/main" xmlns="" w="9525">
                 <a:solidFill>
                   <a:srgbClr val="000000"/>
                 </a:solidFill>
@@ -3777,7 +3777,7 @@
             <a:fld id="{F13A34C8-038E-2045-AF43-DF7DBB8E0E9E}" type="datetimeFigureOut">
               <a:rPr lang="en-US" dirty="0"/>
               <a:pPr/>
-              <a:t>7/21/2020</a:t>
+              <a:t>7/21/20</a:t>
             </a:fld>
             <a:endParaRPr lang="en-US" dirty="0"/>
           </a:p>
@@ -3869,7 +3869,7 @@
             <a:fld id="{8818C68F-D26B-8F47-958C-23B49CF8A634}" type="datetimeFigureOut">
               <a:rPr lang="en-US" dirty="0"/>
               <a:pPr/>
-              <a:t>7/21/2020</a:t>
+              <a:t>7/21/20</a:t>
             </a:fld>
             <a:endParaRPr lang="en-US" dirty="0"/>
           </a:p>
@@ -4133,7 +4133,7 @@
           <a:ln/>
           <a:extLst>
             <a:ext uri="{91240B29-F687-4f45-9708-019B960494DF}">
-              <a14:hiddenLine xmlns="" xmlns:a14="http://schemas.microsoft.com/office/drawing/2010/main" w="9525">
+              <a14:hiddenLine xmlns:a14="http://schemas.microsoft.com/office/drawing/2010/main" xmlns="" w="9525">
                 <a:solidFill>
                   <a:srgbClr val="000000"/>
                 </a:solidFill>
@@ -4333,7 +4333,7 @@
             <a:fld id="{D0DF5E60-9974-AC48-9591-99C2BB44B7CF}" type="datetimeFigureOut">
               <a:rPr lang="en-US" dirty="0"/>
               <a:pPr/>
-              <a:t>7/21/2020</a:t>
+              <a:t>7/21/20</a:t>
             </a:fld>
             <a:endParaRPr lang="en-US" dirty="0"/>
           </a:p>
@@ -4643,7 +4643,7 @@
             <a:fld id="{18C79C5D-2A6F-F04D-97DA-BEF2467B64E4}" type="datetimeFigureOut">
               <a:rPr lang="en-US" dirty="0"/>
               <a:pPr/>
-              <a:t>7/21/2020</a:t>
+              <a:t>7/21/20</a:t>
             </a:fld>
             <a:endParaRPr lang="en-US" dirty="0"/>
           </a:p>
@@ -4910,7 +4910,7 @@
             <a:fld id="{09B482E8-6E0E-1B4F-B1FD-C69DB9E858D9}" type="datetimeFigureOut">
               <a:rPr lang="en-US" dirty="0"/>
               <a:pPr/>
-              <a:t>7/21/2020</a:t>
+              <a:t>7/21/20</a:t>
             </a:fld>
             <a:endParaRPr lang="en-US" dirty="0"/>
           </a:p>
@@ -5780,7 +5780,7 @@
           <a:ln/>
           <a:extLst>
             <a:ext uri="{91240B29-F687-4f45-9708-019B960494DF}">
-              <a14:hiddenLine xmlns:a14="http://schemas.microsoft.com/office/drawing/2010/main" xmlns:p14="http://schemas.microsoft.com/office/powerpoint/2010/main" xmlns:a16="http://schemas.microsoft.com/office/drawing/2014/main" xmlns="" w="9525">
+              <a14:hiddenLine xmlns="" xmlns:a16="http://schemas.microsoft.com/office/drawing/2014/main" xmlns:p14="http://schemas.microsoft.com/office/powerpoint/2010/main" xmlns:a14="http://schemas.microsoft.com/office/drawing/2010/main" w="9525">
                 <a:solidFill>
                   <a:srgbClr val="000000"/>
                 </a:solidFill>
@@ -6451,7 +6451,7 @@
           <a:ln/>
           <a:extLst>
             <a:ext uri="{91240B29-F687-4f45-9708-019B960494DF}">
-              <a14:hiddenLine xmlns:a14="http://schemas.microsoft.com/office/drawing/2010/main" xmlns:p14="http://schemas.microsoft.com/office/powerpoint/2010/main" xmlns:a16="http://schemas.microsoft.com/office/drawing/2014/main" xmlns="" w="9525">
+              <a14:hiddenLine xmlns="" xmlns:a16="http://schemas.microsoft.com/office/drawing/2014/main" xmlns:p14="http://schemas.microsoft.com/office/powerpoint/2010/main" xmlns:a14="http://schemas.microsoft.com/office/drawing/2010/main" w="9525">
                 <a:solidFill>
                   <a:srgbClr val="000000"/>
                 </a:solidFill>
@@ -6761,7 +6761,7 @@
           <a:ln/>
           <a:extLst>
             <a:ext uri="{91240B29-F687-4f45-9708-019B960494DF}">
-              <a14:hiddenLine xmlns:a14="http://schemas.microsoft.com/office/drawing/2010/main" xmlns:p14="http://schemas.microsoft.com/office/powerpoint/2010/main" xmlns:a16="http://schemas.microsoft.com/office/drawing/2014/main" xmlns="" w="9525">
+              <a14:hiddenLine xmlns="" xmlns:a16="http://schemas.microsoft.com/office/drawing/2014/main" xmlns:p14="http://schemas.microsoft.com/office/powerpoint/2010/main" xmlns:a14="http://schemas.microsoft.com/office/drawing/2010/main" w="9525">
                 <a:solidFill>
                   <a:srgbClr val="000000"/>
                 </a:solidFill>
@@ -7378,7 +7378,7 @@
           <a:ln/>
           <a:extLst>
             <a:ext uri="{91240B29-F687-4f45-9708-019B960494DF}">
-              <a14:hiddenLine xmlns:a14="http://schemas.microsoft.com/office/drawing/2010/main" xmlns:p14="http://schemas.microsoft.com/office/powerpoint/2010/main" xmlns:a16="http://schemas.microsoft.com/office/drawing/2014/main" xmlns="" w="9525">
+              <a14:hiddenLine xmlns="" xmlns:a16="http://schemas.microsoft.com/office/drawing/2014/main" xmlns:p14="http://schemas.microsoft.com/office/powerpoint/2010/main" xmlns:a14="http://schemas.microsoft.com/office/drawing/2010/main" w="9525">
                 <a:solidFill>
                   <a:srgbClr val="000000"/>
                 </a:solidFill>
@@ -7995,7 +7995,7 @@
           <a:ln/>
           <a:extLst>
             <a:ext uri="{91240B29-F687-4f45-9708-019B960494DF}">
-              <a14:hiddenLine xmlns:a14="http://schemas.microsoft.com/office/drawing/2010/main" xmlns:p14="http://schemas.microsoft.com/office/powerpoint/2010/main" xmlns:a16="http://schemas.microsoft.com/office/drawing/2014/main" xmlns="" w="9525">
+              <a14:hiddenLine xmlns="" xmlns:a16="http://schemas.microsoft.com/office/drawing/2014/main" xmlns:p14="http://schemas.microsoft.com/office/powerpoint/2010/main" xmlns:a14="http://schemas.microsoft.com/office/drawing/2010/main" w="9525">
                 <a:solidFill>
                   <a:srgbClr val="000000"/>
                 </a:solidFill>
@@ -8497,7 +8497,7 @@
     <p:bg>
       <p:bgPr>
         <a:solidFill>
-          <a:schemeClr val="bg1"/>
+          <a:schemeClr val="bg2"/>
         </a:solidFill>
         <a:effectLst/>
       </p:bgPr>
@@ -8518,10 +8518,10 @@
       </p:grpSpPr>
       <p:sp>
         <p:nvSpPr>
-          <p:cNvPr id="11" name="Freeform 6">
+          <p:cNvPr id="32" name="Freeform 6">
             <a:extLst>
               <a:ext uri="{FF2B5EF4-FFF2-40B4-BE49-F238E27FC236}">
-                <a16:creationId xmlns:a16="http://schemas.microsoft.com/office/drawing/2014/main" id="{53576798-7F98-4C7F-B6C7-6D41B5A7E927}"/>
+                <a16:creationId xmlns:a16="http://schemas.microsoft.com/office/drawing/2014/main" id="{1FCF5244-C62C-4E27-B395-14F26DFB1373}"/>
               </a:ext>
               <a:ext uri="{C183D7F6-B498-43B3-948B-1728B52AA6E4}">
                 <adec:decorative xmlns:adec="http://schemas.microsoft.com/office/drawing/2017/decorative" val="1"/>
@@ -8610,7 +8610,7 @@
           <a:ln/>
           <a:extLst>
             <a:ext uri="{91240B29-F687-4f45-9708-019B960494DF}">
-              <a14:hiddenLine xmlns:a14="http://schemas.microsoft.com/office/drawing/2010/main" xmlns:p14="http://schemas.microsoft.com/office/powerpoint/2010/main" xmlns:a16="http://schemas.microsoft.com/office/drawing/2014/main" xmlns="" w="9525">
+              <a14:hiddenLine xmlns="" xmlns:a16="http://schemas.microsoft.com/office/drawing/2014/main" xmlns:p14="http://schemas.microsoft.com/office/powerpoint/2010/main" xmlns:a14="http://schemas.microsoft.com/office/drawing/2010/main" w="9525">
                 <a:solidFill>
                   <a:srgbClr val="000000"/>
                 </a:solidFill>
@@ -8638,10 +8638,10 @@
       </p:sp>
       <p:sp>
         <p:nvSpPr>
-          <p:cNvPr id="13" name="Rectangle 12">
+          <p:cNvPr id="33" name="Rectangle 25">
             <a:extLst>
               <a:ext uri="{FF2B5EF4-FFF2-40B4-BE49-F238E27FC236}">
-                <a16:creationId xmlns:a16="http://schemas.microsoft.com/office/drawing/2014/main" id="{8C1FC8BA-94E6-44F7-B346-6A2215E66D2E}"/>
+                <a16:creationId xmlns:a16="http://schemas.microsoft.com/office/drawing/2014/main" id="{27E4CA8E-5CC0-4B96-8E67-040FB5673FA6}"/>
               </a:ext>
               <a:ext uri="{C183D7F6-B498-43B3-948B-1728B52AA6E4}">
                 <adec:decorative xmlns:adec="http://schemas.microsoft.com/office/drawing/2017/decorative" val="1"/>
@@ -8668,7 +8668,7 @@
             <a:avLst/>
           </a:prstGeom>
           <a:solidFill>
-            <a:schemeClr val="bg1"/>
+            <a:schemeClr val="tx1"/>
           </a:solidFill>
           <a:ln>
             <a:noFill/>
@@ -8701,10 +8701,10 @@
       </p:sp>
       <p:sp>
         <p:nvSpPr>
-          <p:cNvPr id="15" name="Freeform 23">
+          <p:cNvPr id="34" name="Freeform 9">
             <a:extLst>
               <a:ext uri="{FF2B5EF4-FFF2-40B4-BE49-F238E27FC236}">
-                <a16:creationId xmlns:a16="http://schemas.microsoft.com/office/drawing/2014/main" id="{A8329D92-4903-43FF-90F4-878F5D3F1D22}"/>
+                <a16:creationId xmlns:a16="http://schemas.microsoft.com/office/drawing/2014/main" id="{E9E16A42-F4F8-425E-9DA6-3237A0CBDC1D}"/>
               </a:ext>
               <a:ext uri="{C183D7F6-B498-43B3-948B-1728B52AA6E4}">
                 <adec:decorative xmlns:adec="http://schemas.microsoft.com/office/drawing/2017/decorative" val="1"/>
@@ -8725,40 +8725,40 @@
         <p:spPr bwMode="white">
           <a:xfrm>
             <a:off x="0" y="0"/>
-            <a:ext cx="4637005" cy="6858000"/>
+            <a:ext cx="6485467" cy="6858000"/>
           </a:xfrm>
           <a:custGeom>
             <a:avLst/>
             <a:gdLst>
-              <a:gd name="connsiteX0" fmla="*/ 0 w 4637005"/>
+              <a:gd name="connsiteX0" fmla="*/ 0 w 6485467"/>
               <a:gd name="connsiteY0" fmla="*/ 0 h 6858000"/>
-              <a:gd name="connsiteX1" fmla="*/ 4637005 w 4637005"/>
+              <a:gd name="connsiteX1" fmla="*/ 6485467 w 6485467"/>
               <a:gd name="connsiteY1" fmla="*/ 0 h 6858000"/>
-              <a:gd name="connsiteX2" fmla="*/ 4637005 w 4637005"/>
+              <a:gd name="connsiteX2" fmla="*/ 6485467 w 6485467"/>
               <a:gd name="connsiteY2" fmla="*/ 1900238 h 6858000"/>
-              <a:gd name="connsiteX3" fmla="*/ 4266589 w 4637005"/>
+              <a:gd name="connsiteX3" fmla="*/ 6115051 w 6485467"/>
               <a:gd name="connsiteY3" fmla="*/ 2178050 h 6858000"/>
-              <a:gd name="connsiteX4" fmla="*/ 4262355 w 4637005"/>
+              <a:gd name="connsiteX4" fmla="*/ 6110817 w 6485467"/>
               <a:gd name="connsiteY4" fmla="*/ 2184400 h 6858000"/>
-              <a:gd name="connsiteX5" fmla="*/ 4256005 w 4637005"/>
+              <a:gd name="connsiteX5" fmla="*/ 6104467 w 6485467"/>
               <a:gd name="connsiteY5" fmla="*/ 2193925 h 6858000"/>
-              <a:gd name="connsiteX6" fmla="*/ 4249655 w 4637005"/>
+              <a:gd name="connsiteX6" fmla="*/ 6098117 w 6485467"/>
               <a:gd name="connsiteY6" fmla="*/ 2201863 h 6858000"/>
-              <a:gd name="connsiteX7" fmla="*/ 4249655 w 4637005"/>
+              <a:gd name="connsiteX7" fmla="*/ 6098117 w 6485467"/>
               <a:gd name="connsiteY7" fmla="*/ 2211388 h 6858000"/>
-              <a:gd name="connsiteX8" fmla="*/ 4249655 w 4637005"/>
+              <a:gd name="connsiteX8" fmla="*/ 6098117 w 6485467"/>
               <a:gd name="connsiteY8" fmla="*/ 2220913 h 6858000"/>
-              <a:gd name="connsiteX9" fmla="*/ 4256005 w 4637005"/>
+              <a:gd name="connsiteX9" fmla="*/ 6104467 w 6485467"/>
               <a:gd name="connsiteY9" fmla="*/ 2228850 h 6858000"/>
-              <a:gd name="connsiteX10" fmla="*/ 4262355 w 4637005"/>
+              <a:gd name="connsiteX10" fmla="*/ 6110817 w 6485467"/>
               <a:gd name="connsiteY10" fmla="*/ 2238375 h 6858000"/>
-              <a:gd name="connsiteX11" fmla="*/ 4266589 w 4637005"/>
+              <a:gd name="connsiteX11" fmla="*/ 6115051 w 6485467"/>
               <a:gd name="connsiteY11" fmla="*/ 2244725 h 6858000"/>
-              <a:gd name="connsiteX12" fmla="*/ 4637005 w 4637005"/>
+              <a:gd name="connsiteX12" fmla="*/ 6485467 w 6485467"/>
               <a:gd name="connsiteY12" fmla="*/ 2522538 h 6858000"/>
-              <a:gd name="connsiteX13" fmla="*/ 4637005 w 4637005"/>
+              <a:gd name="connsiteX13" fmla="*/ 6485467 w 6485467"/>
               <a:gd name="connsiteY13" fmla="*/ 6858000 h 6858000"/>
-              <a:gd name="connsiteX14" fmla="*/ 0 w 4637005"/>
+              <a:gd name="connsiteX14" fmla="*/ 0 w 6485467"/>
               <a:gd name="connsiteY14" fmla="*/ 6858000 h 6858000"/>
             </a:gdLst>
             <a:ahLst/>
@@ -8811,48 +8811,48 @@
             </a:cxnLst>
             <a:rect l="l" t="t" r="r" b="b"/>
             <a:pathLst>
-              <a:path w="4637005" h="6858000">
+              <a:path w="6485467" h="6858000">
                 <a:moveTo>
                   <a:pt x="0" y="0"/>
                 </a:moveTo>
                 <a:lnTo>
-                  <a:pt x="4637005" y="0"/>
-                </a:lnTo>
-                <a:lnTo>
-                  <a:pt x="4637005" y="1900238"/>
-                </a:lnTo>
-                <a:lnTo>
-                  <a:pt x="4266589" y="2178050"/>
-                </a:lnTo>
-                <a:lnTo>
-                  <a:pt x="4262355" y="2184400"/>
-                </a:lnTo>
-                <a:lnTo>
-                  <a:pt x="4256005" y="2193925"/>
-                </a:lnTo>
-                <a:lnTo>
-                  <a:pt x="4249655" y="2201863"/>
-                </a:lnTo>
-                <a:lnTo>
-                  <a:pt x="4249655" y="2211388"/>
-                </a:lnTo>
-                <a:lnTo>
-                  <a:pt x="4249655" y="2220913"/>
-                </a:lnTo>
-                <a:lnTo>
-                  <a:pt x="4256005" y="2228850"/>
-                </a:lnTo>
-                <a:lnTo>
-                  <a:pt x="4262355" y="2238375"/>
-                </a:lnTo>
-                <a:lnTo>
-                  <a:pt x="4266589" y="2244725"/>
-                </a:lnTo>
-                <a:lnTo>
-                  <a:pt x="4637005" y="2522538"/>
-                </a:lnTo>
-                <a:lnTo>
-                  <a:pt x="4637005" y="6858000"/>
+                  <a:pt x="6485467" y="0"/>
+                </a:lnTo>
+                <a:lnTo>
+                  <a:pt x="6485467" y="1900238"/>
+                </a:lnTo>
+                <a:lnTo>
+                  <a:pt x="6115051" y="2178050"/>
+                </a:lnTo>
+                <a:lnTo>
+                  <a:pt x="6110817" y="2184400"/>
+                </a:lnTo>
+                <a:lnTo>
+                  <a:pt x="6104467" y="2193925"/>
+                </a:lnTo>
+                <a:lnTo>
+                  <a:pt x="6098117" y="2201863"/>
+                </a:lnTo>
+                <a:lnTo>
+                  <a:pt x="6098117" y="2211388"/>
+                </a:lnTo>
+                <a:lnTo>
+                  <a:pt x="6098117" y="2220913"/>
+                </a:lnTo>
+                <a:lnTo>
+                  <a:pt x="6104467" y="2228850"/>
+                </a:lnTo>
+                <a:lnTo>
+                  <a:pt x="6110817" y="2238375"/>
+                </a:lnTo>
+                <a:lnTo>
+                  <a:pt x="6115051" y="2244725"/>
+                </a:lnTo>
+                <a:lnTo>
+                  <a:pt x="6485467" y="2522538"/>
+                </a:lnTo>
+                <a:lnTo>
+                  <a:pt x="6485467" y="6858000"/>
                 </a:lnTo>
                 <a:lnTo>
                   <a:pt x="0" y="6858000"/>
@@ -8862,7 +8862,10 @@
             </a:pathLst>
           </a:custGeom>
           <a:solidFill>
-            <a:srgbClr val="262626"/>
+            <a:schemeClr val="bg1">
+              <a:lumMod val="85000"/>
+              <a:lumOff val="15000"/>
+            </a:schemeClr>
           </a:solidFill>
           <a:ln>
             <a:noFill/>
@@ -8885,9 +8888,7 @@
           </a:fontRef>
         </p:style>
         <p:txBody>
-          <a:bodyPr wrap="square" rtlCol="0" anchor="ctr">
-            <a:noAutofit/>
-          </a:bodyPr>
+          <a:bodyPr rtlCol="0" anchor="ctr"/>
           <a:lstStyle/>
           <a:p>
             <a:pPr algn="ctr"/>
@@ -8913,8 +8914,8 @@
         </p:nvSpPr>
         <p:spPr>
           <a:xfrm>
-            <a:off x="810001" y="447188"/>
-            <a:ext cx="3413084" cy="1559412"/>
+            <a:off x="810000" y="447188"/>
+            <a:ext cx="5039035" cy="1559412"/>
           </a:xfrm>
         </p:spPr>
         <p:txBody>
@@ -8924,7 +8925,7 @@
           <a:lstStyle/>
           <a:p>
             <a:r>
-              <a:rPr lang="en-US" sz="3200"/>
+              <a:rPr lang="en-US"/>
               <a:t>Neural Network</a:t>
             </a:r>
           </a:p>
@@ -8932,10 +8933,10 @@
       </p:sp>
       <p:sp>
         <p:nvSpPr>
-          <p:cNvPr id="3" name="Content Placeholder 2">
+          <p:cNvPr id="35" name="Content Placeholder 20">
             <a:extLst>
               <a:ext uri="{FF2B5EF4-FFF2-40B4-BE49-F238E27FC236}">
-                <a16:creationId xmlns:a16="http://schemas.microsoft.com/office/drawing/2014/main" id="{B33BCCD4-3D4C-9441-9A10-67474F94D0DB}"/>
+                <a16:creationId xmlns:a16="http://schemas.microsoft.com/office/drawing/2014/main" id="{4C864DAF-6630-4C94-AC47-3F49F5B74566}"/>
               </a:ext>
             </a:extLst>
           </p:cNvPr>
@@ -8948,8 +8949,8 @@
         </p:nvSpPr>
         <p:spPr>
           <a:xfrm>
-            <a:off x="818713" y="2413000"/>
-            <a:ext cx="3404372" cy="3632200"/>
+            <a:off x="818712" y="2413000"/>
+            <a:ext cx="5016259" cy="3632200"/>
           </a:xfrm>
         </p:spPr>
         <p:txBody>
@@ -8958,20 +8959,16 @@
           </a:bodyPr>
           <a:lstStyle/>
           <a:p>
-            <a:endParaRPr lang="en-US" sz="1600">
-              <a:solidFill>
-                <a:srgbClr val="FFFFFF"/>
-              </a:solidFill>
-            </a:endParaRPr>
-          </a:p>
-        </p:txBody>
-      </p:sp>
-      <p:sp>
-        <p:nvSpPr>
-          <p:cNvPr id="17" name="Rounded Rectangle 17">
+            <a:endParaRPr lang="en-US"/>
+          </a:p>
+        </p:txBody>
+      </p:sp>
+      <p:sp>
+        <p:nvSpPr>
+          <p:cNvPr id="36" name="Rounded Rectangle 17">
             <a:extLst>
               <a:ext uri="{FF2B5EF4-FFF2-40B4-BE49-F238E27FC236}">
-                <a16:creationId xmlns:a16="http://schemas.microsoft.com/office/drawing/2014/main" id="{567B1EEF-AB32-40F7-AD5F-41E0EA001EBE}"/>
+                <a16:creationId xmlns:a16="http://schemas.microsoft.com/office/drawing/2014/main" id="{15285B77-8322-4381-BE3F-F6FE0271B955}"/>
               </a:ext>
               <a:ext uri="{C183D7F6-B498-43B3-948B-1728B52AA6E4}">
                 <adec:decorative xmlns:adec="http://schemas.microsoft.com/office/drawing/2017/decorative" val="1"/>
@@ -8991,8 +8988,8 @@
         </p:nvSpPr>
         <p:spPr>
           <a:xfrm>
-            <a:off x="5278945" y="958640"/>
-            <a:ext cx="6269591" cy="4945244"/>
+            <a:off x="7128932" y="958640"/>
+            <a:ext cx="4419604" cy="4945244"/>
           </a:xfrm>
           <a:prstGeom prst="roundRect">
             <a:avLst>
@@ -9000,7 +8997,7 @@
             </a:avLst>
           </a:prstGeom>
           <a:solidFill>
-            <a:schemeClr val="bg1"/>
+            <a:schemeClr val="tx1"/>
           </a:solidFill>
           <a:ln>
             <a:solidFill>
@@ -9058,9 +9055,42 @@
         </p:blipFill>
         <p:spPr>
           <a:xfrm>
-            <a:off x="5828420" y="2166743"/>
-            <a:ext cx="5194300" cy="2524513"/>
+            <a:off x="7594982" y="3757371"/>
+            <a:ext cx="3778306" cy="1832478"/>
           </a:xfrm>
+          <a:prstGeom prst="rect">
+            <a:avLst/>
+          </a:prstGeom>
+        </p:spPr>
+      </p:pic>
+      <p:pic>
+        <p:nvPicPr>
+          <p:cNvPr id="5" name="Content Placeholder 4" descr="A screenshot of a cell phone&#10;&#10;Description automatically generated">
+            <a:extLst>
+              <a:ext uri="{FF2B5EF4-FFF2-40B4-BE49-F238E27FC236}">
+                <a16:creationId xmlns:a16="http://schemas.microsoft.com/office/drawing/2014/main" id="{2B4A19D0-DC70-8541-A1B4-829B097476E7}"/>
+              </a:ext>
+            </a:extLst>
+          </p:cNvPr>
+          <p:cNvPicPr>
+            <a:picLocks noChangeAspect="1"/>
+          </p:cNvPicPr>
+          <p:nvPr/>
+        </p:nvPicPr>
+        <p:blipFill>
+          <a:blip r:embed="rId3"/>
+          <a:stretch>
+            <a:fillRect/>
+          </a:stretch>
+        </p:blipFill>
+        <p:spPr>
+          <a:xfrm>
+            <a:off x="8095280" y="1268151"/>
+            <a:ext cx="2483858" cy="2175185"/>
+          </a:xfrm>
+          <a:prstGeom prst="rect">
+            <a:avLst/>
+          </a:prstGeom>
         </p:spPr>
       </p:pic>
     </p:spTree>
@@ -9071,7 +9101,7 @@
     </p:extLst>
   </p:cSld>
   <p:clrMapOvr>
-    <a:overrideClrMapping bg1="lt1" tx1="dk1" bg2="lt2" tx2="dk2" accent1="accent1" accent2="accent2" accent3="accent3" accent4="accent4" accent5="accent5" accent6="accent6" hlink="hlink" folHlink="folHlink"/>
+    <a:masterClrMapping/>
   </p:clrMapOvr>
 </p:sld>
 </file>
@@ -9079,6 +9109,14 @@
 <file path=ppt/slides/slide9.xml><?xml version="1.0" encoding="utf-8"?>
 <p:sld xmlns:a="http://schemas.openxmlformats.org/drawingml/2006/main" xmlns:r="http://schemas.openxmlformats.org/officeDocument/2006/relationships" xmlns:p="http://schemas.openxmlformats.org/presentationml/2006/main">
   <p:cSld>
+    <p:bg>
+      <p:bgPr>
+        <a:solidFill>
+          <a:schemeClr val="bg2"/>
+        </a:solidFill>
+        <a:effectLst/>
+      </p:bgPr>
+    </p:bg>
     <p:spTree>
       <p:nvGrpSpPr>
         <p:cNvPr id="1" name=""/>
@@ -9095,6 +9133,386 @@
       </p:grpSpPr>
       <p:sp>
         <p:nvSpPr>
+          <p:cNvPr id="34" name="Freeform 6">
+            <a:extLst>
+              <a:ext uri="{FF2B5EF4-FFF2-40B4-BE49-F238E27FC236}">
+                <a16:creationId xmlns:a16="http://schemas.microsoft.com/office/drawing/2014/main" id="{1FCF5244-C62C-4E27-B395-14F26DFB1373}"/>
+              </a:ext>
+              <a:ext uri="{C183D7F6-B498-43B3-948B-1728B52AA6E4}">
+                <adec:decorative xmlns:adec="http://schemas.microsoft.com/office/drawing/2017/decorative" val="1"/>
+              </a:ext>
+            </a:extLst>
+          </p:cNvPr>
+          <p:cNvSpPr>
+            <a:spLocks noGrp="1" noRot="1" noChangeAspect="1" noMove="1" noResize="1" noEditPoints="1" noAdjustHandles="1" noChangeArrowheads="1" noChangeShapeType="1" noTextEdit="1"/>
+          </p:cNvSpPr>
+          <p:nvPr>
+            <p:extLst>
+              <p:ext uri="{386F3935-93C4-4BCD-93E2-E3B085C9AB24}">
+                <p16:designElem xmlns:p16="http://schemas.microsoft.com/office/powerpoint/2015/main" val="1"/>
+              </p:ext>
+            </p:extLst>
+          </p:nvPr>
+        </p:nvSpPr>
+        <p:spPr bwMode="auto">
+          <a:xfrm>
+            <a:off x="0" y="0"/>
+            <a:ext cx="12192000" cy="2185988"/>
+          </a:xfrm>
+          <a:custGeom>
+            <a:avLst/>
+            <a:gdLst/>
+            <a:ahLst/>
+            <a:cxnLst/>
+            <a:rect l="0" t="0" r="r" b="b"/>
+            <a:pathLst>
+              <a:path w="5760" h="1377">
+                <a:moveTo>
+                  <a:pt x="5760" y="0"/>
+                </a:moveTo>
+                <a:lnTo>
+                  <a:pt x="0" y="0"/>
+                </a:lnTo>
+                <a:lnTo>
+                  <a:pt x="0" y="1189"/>
+                </a:lnTo>
+                <a:lnTo>
+                  <a:pt x="943" y="1189"/>
+                </a:lnTo>
+                <a:lnTo>
+                  <a:pt x="1123" y="1369"/>
+                </a:lnTo>
+                <a:lnTo>
+                  <a:pt x="1123" y="1369"/>
+                </a:lnTo>
+                <a:lnTo>
+                  <a:pt x="1127" y="1371"/>
+                </a:lnTo>
+                <a:lnTo>
+                  <a:pt x="1133" y="1374"/>
+                </a:lnTo>
+                <a:lnTo>
+                  <a:pt x="1139" y="1377"/>
+                </a:lnTo>
+                <a:lnTo>
+                  <a:pt x="1144" y="1377"/>
+                </a:lnTo>
+                <a:lnTo>
+                  <a:pt x="1150" y="1377"/>
+                </a:lnTo>
+                <a:lnTo>
+                  <a:pt x="1155" y="1374"/>
+                </a:lnTo>
+                <a:lnTo>
+                  <a:pt x="1161" y="1371"/>
+                </a:lnTo>
+                <a:lnTo>
+                  <a:pt x="1165" y="1369"/>
+                </a:lnTo>
+                <a:lnTo>
+                  <a:pt x="1345" y="1189"/>
+                </a:lnTo>
+                <a:lnTo>
+                  <a:pt x="5760" y="1189"/>
+                </a:lnTo>
+                <a:lnTo>
+                  <a:pt x="5760" y="0"/>
+                </a:lnTo>
+                <a:close/>
+              </a:path>
+            </a:pathLst>
+          </a:custGeom>
+          <a:ln/>
+          <a:extLst>
+            <a:ext uri="{91240B29-F687-4f45-9708-019B960494DF}">
+              <a14:hiddenLine xmlns="" xmlns:a16="http://schemas.microsoft.com/office/drawing/2014/main" xmlns:p14="http://schemas.microsoft.com/office/powerpoint/2010/main" xmlns:a14="http://schemas.microsoft.com/office/drawing/2010/main" w="9525">
+                <a:solidFill>
+                  <a:srgbClr val="000000"/>
+                </a:solidFill>
+                <a:round/>
+                <a:headEnd/>
+                <a:tailEnd/>
+              </a14:hiddenLine>
+            </a:ext>
+          </a:extLst>
+        </p:spPr>
+        <p:style>
+          <a:lnRef idx="1">
+            <a:schemeClr val="accent1"/>
+          </a:lnRef>
+          <a:fillRef idx="3">
+            <a:schemeClr val="accent1"/>
+          </a:fillRef>
+          <a:effectRef idx="2">
+            <a:schemeClr val="accent1"/>
+          </a:effectRef>
+          <a:fontRef idx="minor">
+            <a:schemeClr val="lt1"/>
+          </a:fontRef>
+        </p:style>
+      </p:sp>
+      <p:sp>
+        <p:nvSpPr>
+          <p:cNvPr id="35" name="Rectangle 27">
+            <a:extLst>
+              <a:ext uri="{FF2B5EF4-FFF2-40B4-BE49-F238E27FC236}">
+                <a16:creationId xmlns:a16="http://schemas.microsoft.com/office/drawing/2014/main" id="{27E4CA8E-5CC0-4B96-8E67-040FB5673FA6}"/>
+              </a:ext>
+              <a:ext uri="{C183D7F6-B498-43B3-948B-1728B52AA6E4}">
+                <adec:decorative xmlns:adec="http://schemas.microsoft.com/office/drawing/2017/decorative" val="1"/>
+              </a:ext>
+            </a:extLst>
+          </p:cNvPr>
+          <p:cNvSpPr>
+            <a:spLocks noGrp="1" noRot="1" noChangeAspect="1" noMove="1" noResize="1" noEditPoints="1" noAdjustHandles="1" noChangeArrowheads="1" noChangeShapeType="1" noTextEdit="1"/>
+          </p:cNvSpPr>
+          <p:nvPr>
+            <p:extLst>
+              <p:ext uri="{386F3935-93C4-4BCD-93E2-E3B085C9AB24}">
+                <p16:designElem xmlns:p16="http://schemas.microsoft.com/office/powerpoint/2015/main" val="1"/>
+              </p:ext>
+            </p:extLst>
+          </p:nvPr>
+        </p:nvSpPr>
+        <p:spPr>
+          <a:xfrm>
+            <a:off x="0" y="0"/>
+            <a:ext cx="12188952" cy="6858000"/>
+          </a:xfrm>
+          <a:prstGeom prst="rect">
+            <a:avLst/>
+          </a:prstGeom>
+          <a:solidFill>
+            <a:schemeClr val="tx1"/>
+          </a:solidFill>
+          <a:ln>
+            <a:noFill/>
+          </a:ln>
+        </p:spPr>
+        <p:style>
+          <a:lnRef idx="2">
+            <a:schemeClr val="accent1">
+              <a:shade val="50000"/>
+            </a:schemeClr>
+          </a:lnRef>
+          <a:fillRef idx="1">
+            <a:schemeClr val="accent1"/>
+          </a:fillRef>
+          <a:effectRef idx="0">
+            <a:schemeClr val="accent1"/>
+          </a:effectRef>
+          <a:fontRef idx="minor">
+            <a:schemeClr val="lt1"/>
+          </a:fontRef>
+        </p:style>
+        <p:txBody>
+          <a:bodyPr rtlCol="0" anchor="ctr"/>
+          <a:lstStyle/>
+          <a:p>
+            <a:pPr algn="ctr"/>
+            <a:endParaRPr lang="en-US"/>
+          </a:p>
+        </p:txBody>
+      </p:sp>
+      <p:sp>
+        <p:nvSpPr>
+          <p:cNvPr id="36" name="Freeform 9">
+            <a:extLst>
+              <a:ext uri="{FF2B5EF4-FFF2-40B4-BE49-F238E27FC236}">
+                <a16:creationId xmlns:a16="http://schemas.microsoft.com/office/drawing/2014/main" id="{E9E16A42-F4F8-425E-9DA6-3237A0CBDC1D}"/>
+              </a:ext>
+              <a:ext uri="{C183D7F6-B498-43B3-948B-1728B52AA6E4}">
+                <adec:decorative xmlns:adec="http://schemas.microsoft.com/office/drawing/2017/decorative" val="1"/>
+              </a:ext>
+            </a:extLst>
+          </p:cNvPr>
+          <p:cNvSpPr>
+            <a:spLocks noGrp="1" noRot="1" noChangeAspect="1" noMove="1" noResize="1" noEditPoints="1" noAdjustHandles="1" noChangeArrowheads="1" noChangeShapeType="1" noTextEdit="1"/>
+          </p:cNvSpPr>
+          <p:nvPr>
+            <p:extLst>
+              <p:ext uri="{386F3935-93C4-4BCD-93E2-E3B085C9AB24}">
+                <p16:designElem xmlns:p16="http://schemas.microsoft.com/office/powerpoint/2015/main" val="1"/>
+              </p:ext>
+            </p:extLst>
+          </p:nvPr>
+        </p:nvSpPr>
+        <p:spPr bwMode="white">
+          <a:xfrm>
+            <a:off x="0" y="0"/>
+            <a:ext cx="6485467" cy="6858000"/>
+          </a:xfrm>
+          <a:custGeom>
+            <a:avLst/>
+            <a:gdLst>
+              <a:gd name="connsiteX0" fmla="*/ 0 w 6485467"/>
+              <a:gd name="connsiteY0" fmla="*/ 0 h 6858000"/>
+              <a:gd name="connsiteX1" fmla="*/ 6485467 w 6485467"/>
+              <a:gd name="connsiteY1" fmla="*/ 0 h 6858000"/>
+              <a:gd name="connsiteX2" fmla="*/ 6485467 w 6485467"/>
+              <a:gd name="connsiteY2" fmla="*/ 1900238 h 6858000"/>
+              <a:gd name="connsiteX3" fmla="*/ 6115051 w 6485467"/>
+              <a:gd name="connsiteY3" fmla="*/ 2178050 h 6858000"/>
+              <a:gd name="connsiteX4" fmla="*/ 6110817 w 6485467"/>
+              <a:gd name="connsiteY4" fmla="*/ 2184400 h 6858000"/>
+              <a:gd name="connsiteX5" fmla="*/ 6104467 w 6485467"/>
+              <a:gd name="connsiteY5" fmla="*/ 2193925 h 6858000"/>
+              <a:gd name="connsiteX6" fmla="*/ 6098117 w 6485467"/>
+              <a:gd name="connsiteY6" fmla="*/ 2201863 h 6858000"/>
+              <a:gd name="connsiteX7" fmla="*/ 6098117 w 6485467"/>
+              <a:gd name="connsiteY7" fmla="*/ 2211388 h 6858000"/>
+              <a:gd name="connsiteX8" fmla="*/ 6098117 w 6485467"/>
+              <a:gd name="connsiteY8" fmla="*/ 2220913 h 6858000"/>
+              <a:gd name="connsiteX9" fmla="*/ 6104467 w 6485467"/>
+              <a:gd name="connsiteY9" fmla="*/ 2228850 h 6858000"/>
+              <a:gd name="connsiteX10" fmla="*/ 6110817 w 6485467"/>
+              <a:gd name="connsiteY10" fmla="*/ 2238375 h 6858000"/>
+              <a:gd name="connsiteX11" fmla="*/ 6115051 w 6485467"/>
+              <a:gd name="connsiteY11" fmla="*/ 2244725 h 6858000"/>
+              <a:gd name="connsiteX12" fmla="*/ 6485467 w 6485467"/>
+              <a:gd name="connsiteY12" fmla="*/ 2522538 h 6858000"/>
+              <a:gd name="connsiteX13" fmla="*/ 6485467 w 6485467"/>
+              <a:gd name="connsiteY13" fmla="*/ 6858000 h 6858000"/>
+              <a:gd name="connsiteX14" fmla="*/ 0 w 6485467"/>
+              <a:gd name="connsiteY14" fmla="*/ 6858000 h 6858000"/>
+            </a:gdLst>
+            <a:ahLst/>
+            <a:cxnLst>
+              <a:cxn ang="0">
+                <a:pos x="connsiteX0" y="connsiteY0"/>
+              </a:cxn>
+              <a:cxn ang="0">
+                <a:pos x="connsiteX1" y="connsiteY1"/>
+              </a:cxn>
+              <a:cxn ang="0">
+                <a:pos x="connsiteX2" y="connsiteY2"/>
+              </a:cxn>
+              <a:cxn ang="0">
+                <a:pos x="connsiteX3" y="connsiteY3"/>
+              </a:cxn>
+              <a:cxn ang="0">
+                <a:pos x="connsiteX4" y="connsiteY4"/>
+              </a:cxn>
+              <a:cxn ang="0">
+                <a:pos x="connsiteX5" y="connsiteY5"/>
+              </a:cxn>
+              <a:cxn ang="0">
+                <a:pos x="connsiteX6" y="connsiteY6"/>
+              </a:cxn>
+              <a:cxn ang="0">
+                <a:pos x="connsiteX7" y="connsiteY7"/>
+              </a:cxn>
+              <a:cxn ang="0">
+                <a:pos x="connsiteX8" y="connsiteY8"/>
+              </a:cxn>
+              <a:cxn ang="0">
+                <a:pos x="connsiteX9" y="connsiteY9"/>
+              </a:cxn>
+              <a:cxn ang="0">
+                <a:pos x="connsiteX10" y="connsiteY10"/>
+              </a:cxn>
+              <a:cxn ang="0">
+                <a:pos x="connsiteX11" y="connsiteY11"/>
+              </a:cxn>
+              <a:cxn ang="0">
+                <a:pos x="connsiteX12" y="connsiteY12"/>
+              </a:cxn>
+              <a:cxn ang="0">
+                <a:pos x="connsiteX13" y="connsiteY13"/>
+              </a:cxn>
+              <a:cxn ang="0">
+                <a:pos x="connsiteX14" y="connsiteY14"/>
+              </a:cxn>
+            </a:cxnLst>
+            <a:rect l="l" t="t" r="r" b="b"/>
+            <a:pathLst>
+              <a:path w="6485467" h="6858000">
+                <a:moveTo>
+                  <a:pt x="0" y="0"/>
+                </a:moveTo>
+                <a:lnTo>
+                  <a:pt x="6485467" y="0"/>
+                </a:lnTo>
+                <a:lnTo>
+                  <a:pt x="6485467" y="1900238"/>
+                </a:lnTo>
+                <a:lnTo>
+                  <a:pt x="6115051" y="2178050"/>
+                </a:lnTo>
+                <a:lnTo>
+                  <a:pt x="6110817" y="2184400"/>
+                </a:lnTo>
+                <a:lnTo>
+                  <a:pt x="6104467" y="2193925"/>
+                </a:lnTo>
+                <a:lnTo>
+                  <a:pt x="6098117" y="2201863"/>
+                </a:lnTo>
+                <a:lnTo>
+                  <a:pt x="6098117" y="2211388"/>
+                </a:lnTo>
+                <a:lnTo>
+                  <a:pt x="6098117" y="2220913"/>
+                </a:lnTo>
+                <a:lnTo>
+                  <a:pt x="6104467" y="2228850"/>
+                </a:lnTo>
+                <a:lnTo>
+                  <a:pt x="6110817" y="2238375"/>
+                </a:lnTo>
+                <a:lnTo>
+                  <a:pt x="6115051" y="2244725"/>
+                </a:lnTo>
+                <a:lnTo>
+                  <a:pt x="6485467" y="2522538"/>
+                </a:lnTo>
+                <a:lnTo>
+                  <a:pt x="6485467" y="6858000"/>
+                </a:lnTo>
+                <a:lnTo>
+                  <a:pt x="0" y="6858000"/>
+                </a:lnTo>
+                <a:close/>
+              </a:path>
+            </a:pathLst>
+          </a:custGeom>
+          <a:solidFill>
+            <a:schemeClr val="bg1">
+              <a:lumMod val="85000"/>
+              <a:lumOff val="15000"/>
+            </a:schemeClr>
+          </a:solidFill>
+          <a:ln>
+            <a:noFill/>
+          </a:ln>
+        </p:spPr>
+        <p:style>
+          <a:lnRef idx="2">
+            <a:schemeClr val="accent1">
+              <a:shade val="50000"/>
+            </a:schemeClr>
+          </a:lnRef>
+          <a:fillRef idx="1">
+            <a:schemeClr val="accent1"/>
+          </a:fillRef>
+          <a:effectRef idx="0">
+            <a:schemeClr val="accent1"/>
+          </a:effectRef>
+          <a:fontRef idx="minor">
+            <a:schemeClr val="lt1"/>
+          </a:fontRef>
+        </p:style>
+        <p:txBody>
+          <a:bodyPr rtlCol="0" anchor="ctr"/>
+          <a:lstStyle/>
+          <a:p>
+            <a:pPr algn="ctr"/>
+            <a:endParaRPr lang="en-US"/>
+          </a:p>
+        </p:txBody>
+      </p:sp>
+      <p:sp>
+        <p:nvSpPr>
           <p:cNvPr id="2" name="Title 1">
             <a:extLst>
               <a:ext uri="{FF2B5EF4-FFF2-40B4-BE49-F238E27FC236}">
@@ -9109,21 +9527,31 @@
             <p:ph type="title"/>
           </p:nvPr>
         </p:nvSpPr>
-        <p:spPr/>
-        <p:txBody>
-          <a:bodyPr/>
+        <p:spPr>
+          <a:xfrm>
+            <a:off x="810000" y="447188"/>
+            <a:ext cx="5039035" cy="1559412"/>
+          </a:xfrm>
+        </p:spPr>
+        <p:txBody>
+          <a:bodyPr vert="horz" lIns="91440" tIns="45720" rIns="91440" bIns="45720" rtlCol="0" anchor="b">
+            <a:normAutofit/>
+          </a:bodyPr>
           <a:lstStyle/>
           <a:p>
-            <a:endParaRPr lang="en-US"/>
-          </a:p>
-        </p:txBody>
-      </p:sp>
-      <p:sp>
-        <p:nvSpPr>
-          <p:cNvPr id="8" name="Content Placeholder 7">
+            <a:r>
+              <a:rPr lang="en-US"/>
+              <a:t>Deep Neural Network</a:t>
+            </a:r>
+          </a:p>
+        </p:txBody>
+      </p:sp>
+      <p:sp>
+        <p:nvSpPr>
+          <p:cNvPr id="37" name="Content Placeholder 22">
             <a:extLst>
               <a:ext uri="{FF2B5EF4-FFF2-40B4-BE49-F238E27FC236}">
-                <a16:creationId xmlns:a16="http://schemas.microsoft.com/office/drawing/2014/main" id="{C00DC9C2-4D36-4686-85DA-E077187BC2CE}"/>
+                <a16:creationId xmlns:a16="http://schemas.microsoft.com/office/drawing/2014/main" id="{BB036B6C-8527-4A78-A345-DF7D3CBD38DE}"/>
               </a:ext>
             </a:extLst>
           </p:cNvPr>
@@ -9134,9 +9562,16 @@
             <p:ph sz="half" idx="1"/>
           </p:nvPr>
         </p:nvSpPr>
-        <p:spPr/>
-        <p:txBody>
-          <a:bodyPr/>
+        <p:spPr>
+          <a:xfrm>
+            <a:off x="818712" y="2413000"/>
+            <a:ext cx="5016259" cy="3632200"/>
+          </a:xfrm>
+        </p:spPr>
+        <p:txBody>
+          <a:bodyPr vert="horz" lIns="91440" tIns="45720" rIns="91440" bIns="45720" rtlCol="0" anchor="ctr">
+            <a:normAutofit/>
+          </a:bodyPr>
           <a:lstStyle/>
           <a:p>
             <a:endParaRPr lang="en-US"/>
@@ -9145,29 +9580,134 @@
       </p:sp>
       <p:sp>
         <p:nvSpPr>
-          <p:cNvPr id="16" name="Content Placeholder 15">
+          <p:cNvPr id="38" name="Rounded Rectangle 17">
             <a:extLst>
               <a:ext uri="{FF2B5EF4-FFF2-40B4-BE49-F238E27FC236}">
-                <a16:creationId xmlns:a16="http://schemas.microsoft.com/office/drawing/2014/main" id="{AE08FDE6-E9CC-4EBC-AB93-C84D0675A5DE}"/>
+                <a16:creationId xmlns:a16="http://schemas.microsoft.com/office/drawing/2014/main" id="{15285B77-8322-4381-BE3F-F6FE0271B955}"/>
+              </a:ext>
+              <a:ext uri="{C183D7F6-B498-43B3-948B-1728B52AA6E4}">
+                <adec:decorative xmlns:adec="http://schemas.microsoft.com/office/drawing/2017/decorative" val="1"/>
               </a:ext>
             </a:extLst>
           </p:cNvPr>
           <p:cNvSpPr>
-            <a:spLocks noGrp="1"/>
-          </p:cNvSpPr>
+            <a:spLocks noGrp="1" noRot="1" noChangeAspect="1" noMove="1" noResize="1" noEditPoints="1" noAdjustHandles="1" noChangeArrowheads="1" noChangeShapeType="1" noTextEdit="1"/>
+          </p:cNvSpPr>
+          <p:nvPr>
+            <p:extLst>
+              <p:ext uri="{386F3935-93C4-4BCD-93E2-E3B085C9AB24}">
+                <p16:designElem xmlns:p16="http://schemas.microsoft.com/office/powerpoint/2015/main" val="1"/>
+              </p:ext>
+            </p:extLst>
+          </p:nvPr>
+        </p:nvSpPr>
+        <p:spPr>
+          <a:xfrm>
+            <a:off x="7128932" y="958640"/>
+            <a:ext cx="4419604" cy="4945244"/>
+          </a:xfrm>
+          <a:prstGeom prst="roundRect">
+            <a:avLst>
+              <a:gd name="adj" fmla="val 3513"/>
+            </a:avLst>
+          </a:prstGeom>
+          <a:solidFill>
+            <a:schemeClr val="tx1"/>
+          </a:solidFill>
+          <a:ln>
+            <a:solidFill>
+              <a:schemeClr val="accent1"/>
+            </a:solidFill>
+          </a:ln>
+          <a:effectLst/>
+        </p:spPr>
+        <p:style>
+          <a:lnRef idx="2">
+            <a:schemeClr val="accent1">
+              <a:shade val="50000"/>
+            </a:schemeClr>
+          </a:lnRef>
+          <a:fillRef idx="1">
+            <a:schemeClr val="accent1"/>
+          </a:fillRef>
+          <a:effectRef idx="0">
+            <a:schemeClr val="accent1"/>
+          </a:effectRef>
+          <a:fontRef idx="minor">
+            <a:schemeClr val="lt1"/>
+          </a:fontRef>
+        </p:style>
+        <p:txBody>
+          <a:bodyPr rtlCol="0" anchor="ctr"/>
+          <a:lstStyle/>
+          <a:p>
+            <a:pPr algn="ctr"/>
+            <a:endParaRPr lang="en-US"/>
+          </a:p>
+        </p:txBody>
+      </p:sp>
+      <p:pic>
+        <p:nvPicPr>
+          <p:cNvPr id="4" name="Content Placeholder 3" descr="A screenshot of a cell phone&#10;&#10;Description automatically generated">
+            <a:extLst>
+              <a:ext uri="{FF2B5EF4-FFF2-40B4-BE49-F238E27FC236}">
+                <a16:creationId xmlns:a16="http://schemas.microsoft.com/office/drawing/2014/main" id="{DE3F69BA-3BB1-3C41-9928-BE8096AAB0F2}"/>
+              </a:ext>
+            </a:extLst>
+          </p:cNvPr>
+          <p:cNvPicPr>
+            <a:picLocks noGrp="1" noChangeAspect="1"/>
+          </p:cNvPicPr>
           <p:nvPr>
             <p:ph sz="half" idx="2"/>
           </p:nvPr>
-        </p:nvSpPr>
-        <p:spPr/>
-        <p:txBody>
-          <a:bodyPr/>
-          <a:lstStyle/>
-          <a:p>
-            <a:endParaRPr lang="en-US"/>
-          </a:p>
-        </p:txBody>
-      </p:sp>
+        </p:nvPicPr>
+        <p:blipFill>
+          <a:blip r:embed="rId2"/>
+          <a:stretch>
+            <a:fillRect/>
+          </a:stretch>
+        </p:blipFill>
+        <p:spPr>
+          <a:xfrm>
+            <a:off x="7448056" y="3649334"/>
+            <a:ext cx="3778306" cy="1936381"/>
+          </a:xfrm>
+          <a:prstGeom prst="rect">
+            <a:avLst/>
+          </a:prstGeom>
+        </p:spPr>
+      </p:pic>
+      <p:pic>
+        <p:nvPicPr>
+          <p:cNvPr id="6" name="Content Placeholder 5" descr="A screenshot of a cell phone&#10;&#10;Description automatically generated">
+            <a:extLst>
+              <a:ext uri="{FF2B5EF4-FFF2-40B4-BE49-F238E27FC236}">
+                <a16:creationId xmlns:a16="http://schemas.microsoft.com/office/drawing/2014/main" id="{33DA14DE-3334-9C41-BB1F-2F5378BBC0CC}"/>
+              </a:ext>
+            </a:extLst>
+          </p:cNvPr>
+          <p:cNvPicPr>
+            <a:picLocks noChangeAspect="1"/>
+          </p:cNvPicPr>
+          <p:nvPr/>
+        </p:nvPicPr>
+        <p:blipFill>
+          <a:blip r:embed="rId3"/>
+          <a:stretch>
+            <a:fillRect/>
+          </a:stretch>
+        </p:blipFill>
+        <p:spPr>
+          <a:xfrm>
+            <a:off x="8211924" y="1272285"/>
+            <a:ext cx="2262993" cy="2058880"/>
+          </a:xfrm>
+          <a:prstGeom prst="rect">
+            <a:avLst/>
+          </a:prstGeom>
+        </p:spPr>
+      </p:pic>
     </p:spTree>
     <p:extLst>
       <p:ext uri="{BB962C8B-B14F-4D97-AF65-F5344CB8AC3E}">

--- a/Credit_Card_Fraud_Presentation.pptx
+++ b/Credit_Card_Fraud_Presentation.pptx
@@ -9055,7 +9055,7 @@
         </p:blipFill>
         <p:spPr>
           <a:xfrm>
-            <a:off x="7594982" y="3757371"/>
+            <a:off x="7448056" y="3757371"/>
             <a:ext cx="3778306" cy="1832478"/>
           </a:xfrm>
           <a:prstGeom prst="rect">

--- a/Credit_Card_Fraud_Presentation.pptx
+++ b/Credit_Card_Fraud_Presentation.pptx
@@ -218,7 +218,7 @@
           <a:effectLst/>
           <a:extLst>
             <a:ext uri="{91240B29-F687-4f45-9708-019B960494DF}">
-              <a14:hiddenLine xmlns:a14="http://schemas.microsoft.com/office/drawing/2010/main" xmlns="" w="9525">
+              <a14:hiddenLine xmlns="" xmlns:a14="http://schemas.microsoft.com/office/drawing/2010/main" w="9525">
                 <a:solidFill>
                   <a:srgbClr val="000000"/>
                 </a:solidFill>
@@ -411,7 +411,7 @@
             <a:fld id="{08B9EBBA-996F-894A-B54A-D6246ED52CEA}" type="datetimeFigureOut">
               <a:rPr lang="en-US" dirty="0"/>
               <a:pPr/>
-              <a:t>7/21/20</a:t>
+              <a:t>7/23/2020</a:t>
             </a:fld>
             <a:endParaRPr lang="en-US" dirty="0"/>
           </a:p>
@@ -726,7 +726,7 @@
             <a:fld id="{18C79C5D-2A6F-F04D-97DA-BEF2467B64E4}" type="datetimeFigureOut">
               <a:rPr lang="en-US" dirty="0"/>
               <a:pPr/>
-              <a:t>7/21/20</a:t>
+              <a:t>7/23/2020</a:t>
             </a:fld>
             <a:endParaRPr lang="en-US" dirty="0"/>
           </a:p>
@@ -1211,7 +1211,7 @@
             <a:fld id="{8DFA1846-DA80-1C48-A609-854EA85C59AD}" type="datetimeFigureOut">
               <a:rPr lang="en-US" dirty="0"/>
               <a:pPr/>
-              <a:t>7/21/20</a:t>
+              <a:t>7/23/2020</a:t>
             </a:fld>
             <a:endParaRPr lang="en-US" dirty="0"/>
           </a:p>
@@ -1577,7 +1577,7 @@
             <a:fld id="{FBF54567-0DE4-3F47-BF90-CB84690072F9}" type="datetimeFigureOut">
               <a:rPr lang="en-US" dirty="0"/>
               <a:pPr/>
-              <a:t>7/21/20</a:t>
+              <a:t>7/23/2020</a:t>
             </a:fld>
             <a:endParaRPr lang="en-US" dirty="0"/>
           </a:p>
@@ -1728,7 +1728,7 @@
           <a:ln/>
           <a:extLst>
             <a:ext uri="{91240B29-F687-4f45-9708-019B960494DF}">
-              <a14:hiddenLine xmlns:a14="http://schemas.microsoft.com/office/drawing/2010/main" xmlns="" w="9525">
+              <a14:hiddenLine xmlns="" xmlns:a14="http://schemas.microsoft.com/office/drawing/2010/main" w="9525">
                 <a:solidFill>
                   <a:srgbClr val="000000"/>
                 </a:solidFill>
@@ -1847,7 +1847,7 @@
             <a:fld id="{C6C52C72-DE31-F449-A4ED-4C594FD91407}" type="datetimeFigureOut">
               <a:rPr lang="en-US" dirty="0"/>
               <a:pPr/>
-              <a:t>7/21/20</a:t>
+              <a:t>7/23/2020</a:t>
             </a:fld>
             <a:endParaRPr lang="en-US" dirty="0"/>
           </a:p>
@@ -2000,7 +2000,7 @@
           <a:ln/>
           <a:extLst>
             <a:ext uri="{91240B29-F687-4f45-9708-019B960494DF}">
-              <a14:hiddenLine xmlns:a14="http://schemas.microsoft.com/office/drawing/2010/main" xmlns="" w="9525">
+              <a14:hiddenLine xmlns="" xmlns:a14="http://schemas.microsoft.com/office/drawing/2010/main" w="9525">
                 <a:solidFill>
                   <a:srgbClr val="000000"/>
                 </a:solidFill>
@@ -2129,7 +2129,7 @@
             <a:fld id="{ED62726E-379B-B349-9EED-81ED093FA806}" type="datetimeFigureOut">
               <a:rPr lang="en-US" dirty="0"/>
               <a:pPr/>
-              <a:t>7/21/20</a:t>
+              <a:t>7/23/2020</a:t>
             </a:fld>
             <a:endParaRPr lang="en-US" dirty="0"/>
           </a:p>
@@ -2280,7 +2280,7 @@
           <a:ln/>
           <a:extLst>
             <a:ext uri="{91240B29-F687-4f45-9708-019B960494DF}">
-              <a14:hiddenLine xmlns:a14="http://schemas.microsoft.com/office/drawing/2010/main" xmlns="" w="9525">
+              <a14:hiddenLine xmlns="" xmlns:a14="http://schemas.microsoft.com/office/drawing/2010/main" w="9525">
                 <a:solidFill>
                   <a:srgbClr val="000000"/>
                 </a:solidFill>
@@ -2409,7 +2409,7 @@
             <a:fld id="{9B3A1323-8D79-1946-B0D7-40001CF92E9D}" type="datetimeFigureOut">
               <a:rPr lang="en-US" dirty="0"/>
               <a:pPr/>
-              <a:t>7/21/20</a:t>
+              <a:t>7/23/2020</a:t>
             </a:fld>
             <a:endParaRPr lang="en-US" dirty="0"/>
           </a:p>
@@ -2749,7 +2749,7 @@
             <a:fld id="{8DFA1846-DA80-1C48-A609-854EA85C59AD}" type="datetimeFigureOut">
               <a:rPr lang="en-US" dirty="0"/>
               <a:pPr/>
-              <a:t>7/21/20</a:t>
+              <a:t>7/23/2020</a:t>
             </a:fld>
             <a:endParaRPr lang="en-US" dirty="0"/>
           </a:p>
@@ -2900,7 +2900,7 @@
           <a:ln/>
           <a:extLst>
             <a:ext uri="{91240B29-F687-4f45-9708-019B960494DF}">
-              <a14:hiddenLine xmlns:a14="http://schemas.microsoft.com/office/drawing/2010/main" xmlns="" w="9525">
+              <a14:hiddenLine xmlns="" xmlns:a14="http://schemas.microsoft.com/office/drawing/2010/main" w="9525">
                 <a:solidFill>
                   <a:srgbClr val="000000"/>
                 </a:solidFill>
@@ -3085,7 +3085,7 @@
             <a:fld id="{57302355-E14B-8545-A8F8-0FE83CC9D524}" type="datetimeFigureOut">
               <a:rPr lang="en-US" dirty="0"/>
               <a:pPr/>
-              <a:t>7/21/20</a:t>
+              <a:t>7/23/2020</a:t>
             </a:fld>
             <a:endParaRPr lang="en-US" dirty="0"/>
           </a:p>
@@ -3236,7 +3236,7 @@
           <a:ln/>
           <a:extLst>
             <a:ext uri="{91240B29-F687-4f45-9708-019B960494DF}">
-              <a14:hiddenLine xmlns:a14="http://schemas.microsoft.com/office/drawing/2010/main" xmlns="" w="9525">
+              <a14:hiddenLine xmlns="" xmlns:a14="http://schemas.microsoft.com/office/drawing/2010/main" w="9525">
                 <a:solidFill>
                   <a:srgbClr val="000000"/>
                 </a:solidFill>
@@ -3559,7 +3559,7 @@
             <a:fld id="{02640F58-564D-2B4F-AE67-E407BA4FCF45}" type="datetimeFigureOut">
               <a:rPr lang="en-US" dirty="0"/>
               <a:pPr/>
-              <a:t>7/21/20</a:t>
+              <a:t>7/23/2020</a:t>
             </a:fld>
             <a:endParaRPr lang="en-US" dirty="0"/>
           </a:p>
@@ -3710,7 +3710,7 @@
           <a:ln/>
           <a:extLst>
             <a:ext uri="{91240B29-F687-4f45-9708-019B960494DF}">
-              <a14:hiddenLine xmlns:a14="http://schemas.microsoft.com/office/drawing/2010/main" xmlns="" w="9525">
+              <a14:hiddenLine xmlns="" xmlns:a14="http://schemas.microsoft.com/office/drawing/2010/main" w="9525">
                 <a:solidFill>
                   <a:srgbClr val="000000"/>
                 </a:solidFill>
@@ -3777,7 +3777,7 @@
             <a:fld id="{F13A34C8-038E-2045-AF43-DF7DBB8E0E9E}" type="datetimeFigureOut">
               <a:rPr lang="en-US" dirty="0"/>
               <a:pPr/>
-              <a:t>7/21/20</a:t>
+              <a:t>7/23/2020</a:t>
             </a:fld>
             <a:endParaRPr lang="en-US" dirty="0"/>
           </a:p>
@@ -3869,7 +3869,7 @@
             <a:fld id="{8818C68F-D26B-8F47-958C-23B49CF8A634}" type="datetimeFigureOut">
               <a:rPr lang="en-US" dirty="0"/>
               <a:pPr/>
-              <a:t>7/21/20</a:t>
+              <a:t>7/23/2020</a:t>
             </a:fld>
             <a:endParaRPr lang="en-US" dirty="0"/>
           </a:p>
@@ -4133,7 +4133,7 @@
           <a:ln/>
           <a:extLst>
             <a:ext uri="{91240B29-F687-4f45-9708-019B960494DF}">
-              <a14:hiddenLine xmlns:a14="http://schemas.microsoft.com/office/drawing/2010/main" xmlns="" w="9525">
+              <a14:hiddenLine xmlns="" xmlns:a14="http://schemas.microsoft.com/office/drawing/2010/main" w="9525">
                 <a:solidFill>
                   <a:srgbClr val="000000"/>
                 </a:solidFill>
@@ -4333,7 +4333,7 @@
             <a:fld id="{D0DF5E60-9974-AC48-9591-99C2BB44B7CF}" type="datetimeFigureOut">
               <a:rPr lang="en-US" dirty="0"/>
               <a:pPr/>
-              <a:t>7/21/20</a:t>
+              <a:t>7/23/2020</a:t>
             </a:fld>
             <a:endParaRPr lang="en-US" dirty="0"/>
           </a:p>
@@ -4643,7 +4643,7 @@
             <a:fld id="{18C79C5D-2A6F-F04D-97DA-BEF2467B64E4}" type="datetimeFigureOut">
               <a:rPr lang="en-US" dirty="0"/>
               <a:pPr/>
-              <a:t>7/21/20</a:t>
+              <a:t>7/23/2020</a:t>
             </a:fld>
             <a:endParaRPr lang="en-US" dirty="0"/>
           </a:p>
@@ -4910,7 +4910,7 @@
             <a:fld id="{09B482E8-6E0E-1B4F-B1FD-C69DB9E858D9}" type="datetimeFigureOut">
               <a:rPr lang="en-US" dirty="0"/>
               <a:pPr/>
-              <a:t>7/21/20</a:t>
+              <a:t>7/23/2020</a:t>
             </a:fld>
             <a:endParaRPr lang="en-US" dirty="0"/>
           </a:p>
@@ -5780,7 +5780,7 @@
           <a:ln/>
           <a:extLst>
             <a:ext uri="{91240B29-F687-4f45-9708-019B960494DF}">
-              <a14:hiddenLine xmlns="" xmlns:a16="http://schemas.microsoft.com/office/drawing/2014/main" xmlns:p14="http://schemas.microsoft.com/office/powerpoint/2010/main" xmlns:a14="http://schemas.microsoft.com/office/drawing/2010/main" w="9525">
+              <a14:hiddenLine xmlns:a14="http://schemas.microsoft.com/office/drawing/2010/main" xmlns:p14="http://schemas.microsoft.com/office/powerpoint/2010/main" xmlns:a16="http://schemas.microsoft.com/office/drawing/2014/main" xmlns="" w="9525">
                 <a:solidFill>
                   <a:srgbClr val="000000"/>
                 </a:solidFill>
@@ -6451,7 +6451,7 @@
           <a:ln/>
           <a:extLst>
             <a:ext uri="{91240B29-F687-4f45-9708-019B960494DF}">
-              <a14:hiddenLine xmlns="" xmlns:a16="http://schemas.microsoft.com/office/drawing/2014/main" xmlns:p14="http://schemas.microsoft.com/office/powerpoint/2010/main" xmlns:a14="http://schemas.microsoft.com/office/drawing/2010/main" w="9525">
+              <a14:hiddenLine xmlns:a14="http://schemas.microsoft.com/office/drawing/2010/main" xmlns:p14="http://schemas.microsoft.com/office/powerpoint/2010/main" xmlns:a16="http://schemas.microsoft.com/office/drawing/2014/main" xmlns="" w="9525">
                 <a:solidFill>
                   <a:srgbClr val="000000"/>
                 </a:solidFill>
@@ -6761,7 +6761,7 @@
           <a:ln/>
           <a:extLst>
             <a:ext uri="{91240B29-F687-4f45-9708-019B960494DF}">
-              <a14:hiddenLine xmlns="" xmlns:a16="http://schemas.microsoft.com/office/drawing/2014/main" xmlns:p14="http://schemas.microsoft.com/office/powerpoint/2010/main" xmlns:a14="http://schemas.microsoft.com/office/drawing/2010/main" w="9525">
+              <a14:hiddenLine xmlns:a14="http://schemas.microsoft.com/office/drawing/2010/main" xmlns:p14="http://schemas.microsoft.com/office/powerpoint/2010/main" xmlns:a16="http://schemas.microsoft.com/office/drawing/2014/main" xmlns="" w="9525">
                 <a:solidFill>
                   <a:srgbClr val="000000"/>
                 </a:solidFill>
@@ -7378,7 +7378,7 @@
           <a:ln/>
           <a:extLst>
             <a:ext uri="{91240B29-F687-4f45-9708-019B960494DF}">
-              <a14:hiddenLine xmlns="" xmlns:a16="http://schemas.microsoft.com/office/drawing/2014/main" xmlns:p14="http://schemas.microsoft.com/office/powerpoint/2010/main" xmlns:a14="http://schemas.microsoft.com/office/drawing/2010/main" w="9525">
+              <a14:hiddenLine xmlns:a14="http://schemas.microsoft.com/office/drawing/2010/main" xmlns:p14="http://schemas.microsoft.com/office/powerpoint/2010/main" xmlns:a16="http://schemas.microsoft.com/office/drawing/2014/main" xmlns="" w="9525">
                 <a:solidFill>
                   <a:srgbClr val="000000"/>
                 </a:solidFill>
@@ -7995,7 +7995,7 @@
           <a:ln/>
           <a:extLst>
             <a:ext uri="{91240B29-F687-4f45-9708-019B960494DF}">
-              <a14:hiddenLine xmlns="" xmlns:a16="http://schemas.microsoft.com/office/drawing/2014/main" xmlns:p14="http://schemas.microsoft.com/office/powerpoint/2010/main" xmlns:a14="http://schemas.microsoft.com/office/drawing/2010/main" w="9525">
+              <a14:hiddenLine xmlns:a14="http://schemas.microsoft.com/office/drawing/2010/main" xmlns:p14="http://schemas.microsoft.com/office/powerpoint/2010/main" xmlns:a16="http://schemas.microsoft.com/office/drawing/2014/main" xmlns="" w="9525">
                 <a:solidFill>
                   <a:srgbClr val="000000"/>
                 </a:solidFill>
@@ -8610,7 +8610,7 @@
           <a:ln/>
           <a:extLst>
             <a:ext uri="{91240B29-F687-4f45-9708-019B960494DF}">
-              <a14:hiddenLine xmlns="" xmlns:a16="http://schemas.microsoft.com/office/drawing/2014/main" xmlns:p14="http://schemas.microsoft.com/office/powerpoint/2010/main" xmlns:a14="http://schemas.microsoft.com/office/drawing/2010/main" w="9525">
+              <a14:hiddenLine xmlns:a14="http://schemas.microsoft.com/office/drawing/2010/main" xmlns:p14="http://schemas.microsoft.com/office/powerpoint/2010/main" xmlns:a16="http://schemas.microsoft.com/office/drawing/2014/main" xmlns="" w="9525">
                 <a:solidFill>
                   <a:srgbClr val="000000"/>
                 </a:solidFill>
@@ -8959,7 +8959,28 @@
           </a:bodyPr>
           <a:lstStyle/>
           <a:p>
-            <a:endParaRPr lang="en-US"/>
+            <a:r>
+              <a:rPr lang="en-US" dirty="0"/>
+              <a:t>Our first Neural Model has a single hidden layer.</a:t>
+            </a:r>
+          </a:p>
+          <a:p>
+            <a:r>
+              <a:rPr lang="en-US" dirty="0"/>
+              <a:t>We used all 28 V values in our data and the Amount column.</a:t>
+            </a:r>
+          </a:p>
+          <a:p>
+            <a:r>
+              <a:rPr lang="en-US" dirty="0"/>
+              <a:t>The model’s predictive accuracy rounded out to 94.7%.</a:t>
+            </a:r>
+          </a:p>
+          <a:p>
+            <a:r>
+              <a:rPr lang="en-US" dirty="0"/>
+              <a:t>Compared to the actual values, the model returned 3 False Positive values and missed 10 cases of fraud out of 246 points of data.</a:t>
+            </a:r>
           </a:p>
         </p:txBody>
       </p:sp>
@@ -9225,7 +9246,7 @@
           <a:ln/>
           <a:extLst>
             <a:ext uri="{91240B29-F687-4f45-9708-019B960494DF}">
-              <a14:hiddenLine xmlns="" xmlns:a16="http://schemas.microsoft.com/office/drawing/2014/main" xmlns:p14="http://schemas.microsoft.com/office/powerpoint/2010/main" xmlns:a14="http://schemas.microsoft.com/office/drawing/2010/main" w="9525">
+              <a14:hiddenLine xmlns:a14="http://schemas.microsoft.com/office/drawing/2010/main" xmlns:p14="http://schemas.microsoft.com/office/powerpoint/2010/main" xmlns:a16="http://schemas.microsoft.com/office/drawing/2014/main" xmlns="" w="9525">
                 <a:solidFill>
                   <a:srgbClr val="000000"/>
                 </a:solidFill>
@@ -9570,11 +9591,43 @@
         </p:spPr>
         <p:txBody>
           <a:bodyPr vert="horz" lIns="91440" tIns="45720" rIns="91440" bIns="45720" rtlCol="0" anchor="ctr">
-            <a:normAutofit/>
+            <a:normAutofit lnSpcReduction="10000"/>
           </a:bodyPr>
           <a:lstStyle/>
           <a:p>
-            <a:endParaRPr lang="en-US"/>
+            <a:r>
+              <a:rPr lang="en-US" dirty="0"/>
+              <a:t>Our second Neural Model has 2 hidden layers.</a:t>
+            </a:r>
+          </a:p>
+          <a:p>
+            <a:r>
+              <a:rPr lang="en-US" dirty="0"/>
+              <a:t>We used the same distribution of data for both models. </a:t>
+            </a:r>
+          </a:p>
+          <a:p>
+            <a:r>
+              <a:rPr lang="en-US" dirty="0"/>
+              <a:t>The Deep Model’s predictive accuracy rounded out to 95.1%.</a:t>
+            </a:r>
+          </a:p>
+          <a:p>
+            <a:r>
+              <a:rPr lang="en-US" dirty="0"/>
+              <a:t>Compared to the actual values, the Deep Model did not return any False Positives and missed 12 cases of fraud.</a:t>
+            </a:r>
+          </a:p>
+          <a:p>
+            <a:r>
+              <a:rPr lang="en-US" dirty="0"/>
+              <a:t>Despite higher accuracy than the first model, this model missed more cases of </a:t>
+            </a:r>
+            <a:r>
+              <a:rPr lang="en-US"/>
+              <a:t>actual fraud.</a:t>
+            </a:r>
+            <a:endParaRPr lang="en-US" dirty="0"/>
           </a:p>
         </p:txBody>
       </p:sp>

--- a/Credit_Card_Fraud_Presentation.pptx
+++ b/Credit_Card_Fraud_Presentation.pptx
@@ -9,14 +9,13 @@
     <p:sldId id="257" r:id="rId3"/>
     <p:sldId id="258" r:id="rId4"/>
     <p:sldId id="260" r:id="rId5"/>
-    <p:sldId id="262" r:id="rId6"/>
-    <p:sldId id="263" r:id="rId7"/>
+    <p:sldId id="263" r:id="rId6"/>
+    <p:sldId id="262" r:id="rId7"/>
     <p:sldId id="264" r:id="rId8"/>
     <p:sldId id="265" r:id="rId9"/>
     <p:sldId id="268" r:id="rId10"/>
-    <p:sldId id="261" r:id="rId11"/>
-    <p:sldId id="266" r:id="rId12"/>
-    <p:sldId id="267" r:id="rId13"/>
+    <p:sldId id="269" r:id="rId11"/>
+    <p:sldId id="267" r:id="rId12"/>
   </p:sldIdLst>
   <p:sldSz cx="12192000" cy="6858000"/>
   <p:notesSz cx="6858000" cy="9144000"/>
@@ -218,7 +217,7 @@
           <a:effectLst/>
           <a:extLst>
             <a:ext uri="{91240B29-F687-4f45-9708-019B960494DF}">
-              <a14:hiddenLine xmlns="" xmlns:a14="http://schemas.microsoft.com/office/drawing/2010/main" w="9525">
+              <a14:hiddenLine xmlns:a14="http://schemas.microsoft.com/office/drawing/2010/main" xmlns="" w="9525">
                 <a:solidFill>
                   <a:srgbClr val="000000"/>
                 </a:solidFill>
@@ -411,7 +410,7 @@
             <a:fld id="{08B9EBBA-996F-894A-B54A-D6246ED52CEA}" type="datetimeFigureOut">
               <a:rPr lang="en-US" dirty="0"/>
               <a:pPr/>
-              <a:t>7/23/2020</a:t>
+              <a:t>7/23/20</a:t>
             </a:fld>
             <a:endParaRPr lang="en-US" dirty="0"/>
           </a:p>
@@ -726,7 +725,7 @@
             <a:fld id="{18C79C5D-2A6F-F04D-97DA-BEF2467B64E4}" type="datetimeFigureOut">
               <a:rPr lang="en-US" dirty="0"/>
               <a:pPr/>
-              <a:t>7/23/2020</a:t>
+              <a:t>7/23/20</a:t>
             </a:fld>
             <a:endParaRPr lang="en-US" dirty="0"/>
           </a:p>
@@ -1211,7 +1210,7 @@
             <a:fld id="{8DFA1846-DA80-1C48-A609-854EA85C59AD}" type="datetimeFigureOut">
               <a:rPr lang="en-US" dirty="0"/>
               <a:pPr/>
-              <a:t>7/23/2020</a:t>
+              <a:t>7/23/20</a:t>
             </a:fld>
             <a:endParaRPr lang="en-US" dirty="0"/>
           </a:p>
@@ -1577,7 +1576,7 @@
             <a:fld id="{FBF54567-0DE4-3F47-BF90-CB84690072F9}" type="datetimeFigureOut">
               <a:rPr lang="en-US" dirty="0"/>
               <a:pPr/>
-              <a:t>7/23/2020</a:t>
+              <a:t>7/23/20</a:t>
             </a:fld>
             <a:endParaRPr lang="en-US" dirty="0"/>
           </a:p>
@@ -1728,7 +1727,7 @@
           <a:ln/>
           <a:extLst>
             <a:ext uri="{91240B29-F687-4f45-9708-019B960494DF}">
-              <a14:hiddenLine xmlns="" xmlns:a14="http://schemas.microsoft.com/office/drawing/2010/main" w="9525">
+              <a14:hiddenLine xmlns:a14="http://schemas.microsoft.com/office/drawing/2010/main" xmlns="" w="9525">
                 <a:solidFill>
                   <a:srgbClr val="000000"/>
                 </a:solidFill>
@@ -1847,7 +1846,7 @@
             <a:fld id="{C6C52C72-DE31-F449-A4ED-4C594FD91407}" type="datetimeFigureOut">
               <a:rPr lang="en-US" dirty="0"/>
               <a:pPr/>
-              <a:t>7/23/2020</a:t>
+              <a:t>7/23/20</a:t>
             </a:fld>
             <a:endParaRPr lang="en-US" dirty="0"/>
           </a:p>
@@ -2000,7 +1999,7 @@
           <a:ln/>
           <a:extLst>
             <a:ext uri="{91240B29-F687-4f45-9708-019B960494DF}">
-              <a14:hiddenLine xmlns="" xmlns:a14="http://schemas.microsoft.com/office/drawing/2010/main" w="9525">
+              <a14:hiddenLine xmlns:a14="http://schemas.microsoft.com/office/drawing/2010/main" xmlns="" w="9525">
                 <a:solidFill>
                   <a:srgbClr val="000000"/>
                 </a:solidFill>
@@ -2129,7 +2128,7 @@
             <a:fld id="{ED62726E-379B-B349-9EED-81ED093FA806}" type="datetimeFigureOut">
               <a:rPr lang="en-US" dirty="0"/>
               <a:pPr/>
-              <a:t>7/23/2020</a:t>
+              <a:t>7/23/20</a:t>
             </a:fld>
             <a:endParaRPr lang="en-US" dirty="0"/>
           </a:p>
@@ -2280,7 +2279,7 @@
           <a:ln/>
           <a:extLst>
             <a:ext uri="{91240B29-F687-4f45-9708-019B960494DF}">
-              <a14:hiddenLine xmlns="" xmlns:a14="http://schemas.microsoft.com/office/drawing/2010/main" w="9525">
+              <a14:hiddenLine xmlns:a14="http://schemas.microsoft.com/office/drawing/2010/main" xmlns="" w="9525">
                 <a:solidFill>
                   <a:srgbClr val="000000"/>
                 </a:solidFill>
@@ -2409,7 +2408,7 @@
             <a:fld id="{9B3A1323-8D79-1946-B0D7-40001CF92E9D}" type="datetimeFigureOut">
               <a:rPr lang="en-US" dirty="0"/>
               <a:pPr/>
-              <a:t>7/23/2020</a:t>
+              <a:t>7/23/20</a:t>
             </a:fld>
             <a:endParaRPr lang="en-US" dirty="0"/>
           </a:p>
@@ -2749,7 +2748,7 @@
             <a:fld id="{8DFA1846-DA80-1C48-A609-854EA85C59AD}" type="datetimeFigureOut">
               <a:rPr lang="en-US" dirty="0"/>
               <a:pPr/>
-              <a:t>7/23/2020</a:t>
+              <a:t>7/23/20</a:t>
             </a:fld>
             <a:endParaRPr lang="en-US" dirty="0"/>
           </a:p>
@@ -2900,7 +2899,7 @@
           <a:ln/>
           <a:extLst>
             <a:ext uri="{91240B29-F687-4f45-9708-019B960494DF}">
-              <a14:hiddenLine xmlns="" xmlns:a14="http://schemas.microsoft.com/office/drawing/2010/main" w="9525">
+              <a14:hiddenLine xmlns:a14="http://schemas.microsoft.com/office/drawing/2010/main" xmlns="" w="9525">
                 <a:solidFill>
                   <a:srgbClr val="000000"/>
                 </a:solidFill>
@@ -3085,7 +3084,7 @@
             <a:fld id="{57302355-E14B-8545-A8F8-0FE83CC9D524}" type="datetimeFigureOut">
               <a:rPr lang="en-US" dirty="0"/>
               <a:pPr/>
-              <a:t>7/23/2020</a:t>
+              <a:t>7/23/20</a:t>
             </a:fld>
             <a:endParaRPr lang="en-US" dirty="0"/>
           </a:p>
@@ -3236,7 +3235,7 @@
           <a:ln/>
           <a:extLst>
             <a:ext uri="{91240B29-F687-4f45-9708-019B960494DF}">
-              <a14:hiddenLine xmlns="" xmlns:a14="http://schemas.microsoft.com/office/drawing/2010/main" w="9525">
+              <a14:hiddenLine xmlns:a14="http://schemas.microsoft.com/office/drawing/2010/main" xmlns="" w="9525">
                 <a:solidFill>
                   <a:srgbClr val="000000"/>
                 </a:solidFill>
@@ -3559,7 +3558,7 @@
             <a:fld id="{02640F58-564D-2B4F-AE67-E407BA4FCF45}" type="datetimeFigureOut">
               <a:rPr lang="en-US" dirty="0"/>
               <a:pPr/>
-              <a:t>7/23/2020</a:t>
+              <a:t>7/23/20</a:t>
             </a:fld>
             <a:endParaRPr lang="en-US" dirty="0"/>
           </a:p>
@@ -3710,7 +3709,7 @@
           <a:ln/>
           <a:extLst>
             <a:ext uri="{91240B29-F687-4f45-9708-019B960494DF}">
-              <a14:hiddenLine xmlns="" xmlns:a14="http://schemas.microsoft.com/office/drawing/2010/main" w="9525">
+              <a14:hiddenLine xmlns:a14="http://schemas.microsoft.com/office/drawing/2010/main" xmlns="" w="9525">
                 <a:solidFill>
                   <a:srgbClr val="000000"/>
                 </a:solidFill>
@@ -3777,7 +3776,7 @@
             <a:fld id="{F13A34C8-038E-2045-AF43-DF7DBB8E0E9E}" type="datetimeFigureOut">
               <a:rPr lang="en-US" dirty="0"/>
               <a:pPr/>
-              <a:t>7/23/2020</a:t>
+              <a:t>7/23/20</a:t>
             </a:fld>
             <a:endParaRPr lang="en-US" dirty="0"/>
           </a:p>
@@ -3869,7 +3868,7 @@
             <a:fld id="{8818C68F-D26B-8F47-958C-23B49CF8A634}" type="datetimeFigureOut">
               <a:rPr lang="en-US" dirty="0"/>
               <a:pPr/>
-              <a:t>7/23/2020</a:t>
+              <a:t>7/23/20</a:t>
             </a:fld>
             <a:endParaRPr lang="en-US" dirty="0"/>
           </a:p>
@@ -4133,7 +4132,7 @@
           <a:ln/>
           <a:extLst>
             <a:ext uri="{91240B29-F687-4f45-9708-019B960494DF}">
-              <a14:hiddenLine xmlns="" xmlns:a14="http://schemas.microsoft.com/office/drawing/2010/main" w="9525">
+              <a14:hiddenLine xmlns:a14="http://schemas.microsoft.com/office/drawing/2010/main" xmlns="" w="9525">
                 <a:solidFill>
                   <a:srgbClr val="000000"/>
                 </a:solidFill>
@@ -4333,7 +4332,7 @@
             <a:fld id="{D0DF5E60-9974-AC48-9591-99C2BB44B7CF}" type="datetimeFigureOut">
               <a:rPr lang="en-US" dirty="0"/>
               <a:pPr/>
-              <a:t>7/23/2020</a:t>
+              <a:t>7/23/20</a:t>
             </a:fld>
             <a:endParaRPr lang="en-US" dirty="0"/>
           </a:p>
@@ -4643,7 +4642,7 @@
             <a:fld id="{18C79C5D-2A6F-F04D-97DA-BEF2467B64E4}" type="datetimeFigureOut">
               <a:rPr lang="en-US" dirty="0"/>
               <a:pPr/>
-              <a:t>7/23/2020</a:t>
+              <a:t>7/23/20</a:t>
             </a:fld>
             <a:endParaRPr lang="en-US" dirty="0"/>
           </a:p>
@@ -4910,7 +4909,7 @@
             <a:fld id="{09B482E8-6E0E-1B4F-B1FD-C69DB9E858D9}" type="datetimeFigureOut">
               <a:rPr lang="en-US" dirty="0"/>
               <a:pPr/>
-              <a:t>7/23/2020</a:t>
+              <a:t>7/23/20</a:t>
             </a:fld>
             <a:endParaRPr lang="en-US" dirty="0"/>
           </a:p>
@@ -5452,10 +5451,10 @@
       </p:grpSpPr>
       <p:sp>
         <p:nvSpPr>
-          <p:cNvPr id="4" name="Title 3">
+          <p:cNvPr id="2" name="Title 1">
             <a:extLst>
               <a:ext uri="{FF2B5EF4-FFF2-40B4-BE49-F238E27FC236}">
-                <a16:creationId xmlns:a16="http://schemas.microsoft.com/office/drawing/2014/main" id="{B99AD5D2-7C2E-5740-91AE-EFA55A6C3494}"/>
+                <a16:creationId xmlns:a16="http://schemas.microsoft.com/office/drawing/2014/main" id="{B6E9991B-5FDC-7C4A-9F13-6B93B27A1E91}"/>
               </a:ext>
             </a:extLst>
           </p:cNvPr>
@@ -5471,18 +5470,165 @@
           <a:bodyPr/>
           <a:lstStyle/>
           <a:p>
-            <a:pPr algn="ctr"/>
             <a:r>
               <a:rPr lang="en-US" dirty="0"/>
-              <a:t>Project Demonstration</a:t>
-            </a:r>
+              <a:t>Improvements/Limitations</a:t>
+            </a:r>
+          </a:p>
+        </p:txBody>
+      </p:sp>
+      <p:sp>
+        <p:nvSpPr>
+          <p:cNvPr id="3" name="Text Placeholder 2">
+            <a:extLst>
+              <a:ext uri="{FF2B5EF4-FFF2-40B4-BE49-F238E27FC236}">
+                <a16:creationId xmlns:a16="http://schemas.microsoft.com/office/drawing/2014/main" id="{C1481C42-266C-F24B-88BB-E1F8E34CB871}"/>
+              </a:ext>
+            </a:extLst>
+          </p:cNvPr>
+          <p:cNvSpPr>
+            <a:spLocks noGrp="1"/>
+          </p:cNvSpPr>
+          <p:nvPr>
+            <p:ph type="body" idx="1"/>
+          </p:nvPr>
+        </p:nvSpPr>
+        <p:spPr/>
+        <p:txBody>
+          <a:bodyPr/>
+          <a:lstStyle/>
+          <a:p>
+            <a:r>
+              <a:rPr lang="en-US" dirty="0"/>
+              <a:t>Improvements</a:t>
+            </a:r>
+          </a:p>
+        </p:txBody>
+      </p:sp>
+      <p:sp>
+        <p:nvSpPr>
+          <p:cNvPr id="4" name="Content Placeholder 3">
+            <a:extLst>
+              <a:ext uri="{FF2B5EF4-FFF2-40B4-BE49-F238E27FC236}">
+                <a16:creationId xmlns:a16="http://schemas.microsoft.com/office/drawing/2014/main" id="{66FE1A43-AD60-CE40-B184-B83EEFA9FC99}"/>
+              </a:ext>
+            </a:extLst>
+          </p:cNvPr>
+          <p:cNvSpPr>
+            <a:spLocks noGrp="1"/>
+          </p:cNvSpPr>
+          <p:nvPr>
+            <p:ph sz="half" idx="2"/>
+          </p:nvPr>
+        </p:nvSpPr>
+        <p:spPr/>
+        <p:txBody>
+          <a:bodyPr/>
+          <a:lstStyle/>
+          <a:p>
+            <a:pPr marL="0" indent="0">
+              <a:buNone/>
+            </a:pPr>
+            <a:endParaRPr lang="en-US" dirty="0"/>
+          </a:p>
+          <a:p>
+            <a:pPr marL="0" indent="0">
+              <a:buNone/>
+            </a:pPr>
+            <a:endParaRPr lang="en-US" dirty="0"/>
+          </a:p>
+          <a:p>
+            <a:r>
+              <a:rPr lang="en-US" dirty="0"/>
+              <a:t>Create a user interactive webpage to demonstrate our model</a:t>
+            </a:r>
+          </a:p>
+          <a:p>
+            <a:r>
+              <a:rPr lang="en-US" dirty="0"/>
+              <a:t>Apply &amp; train our models with datasets that contain more fraudulent transactions</a:t>
+            </a:r>
+          </a:p>
+          <a:p>
+            <a:endParaRPr lang="en-US" dirty="0"/>
+          </a:p>
+        </p:txBody>
+      </p:sp>
+      <p:sp>
+        <p:nvSpPr>
+          <p:cNvPr id="5" name="Text Placeholder 4">
+            <a:extLst>
+              <a:ext uri="{FF2B5EF4-FFF2-40B4-BE49-F238E27FC236}">
+                <a16:creationId xmlns:a16="http://schemas.microsoft.com/office/drawing/2014/main" id="{AF89962B-6076-0846-9329-4F616D2C7FEC}"/>
+              </a:ext>
+            </a:extLst>
+          </p:cNvPr>
+          <p:cNvSpPr>
+            <a:spLocks noGrp="1"/>
+          </p:cNvSpPr>
+          <p:nvPr>
+            <p:ph type="body" sz="quarter" idx="3"/>
+          </p:nvPr>
+        </p:nvSpPr>
+        <p:spPr/>
+        <p:txBody>
+          <a:bodyPr/>
+          <a:lstStyle/>
+          <a:p>
+            <a:r>
+              <a:rPr lang="en-US" dirty="0"/>
+              <a:t>Limitations</a:t>
+            </a:r>
+          </a:p>
+        </p:txBody>
+      </p:sp>
+      <p:sp>
+        <p:nvSpPr>
+          <p:cNvPr id="6" name="Content Placeholder 5">
+            <a:extLst>
+              <a:ext uri="{FF2B5EF4-FFF2-40B4-BE49-F238E27FC236}">
+                <a16:creationId xmlns:a16="http://schemas.microsoft.com/office/drawing/2014/main" id="{1BC2AB5E-E5AD-9A40-93E5-E1B1B2E965C6}"/>
+              </a:ext>
+            </a:extLst>
+          </p:cNvPr>
+          <p:cNvSpPr>
+            <a:spLocks noGrp="1"/>
+          </p:cNvSpPr>
+          <p:nvPr>
+            <p:ph sz="quarter" idx="4"/>
+          </p:nvPr>
+        </p:nvSpPr>
+        <p:spPr/>
+        <p:txBody>
+          <a:bodyPr/>
+          <a:lstStyle/>
+          <a:p>
+            <a:endParaRPr lang="en-US" dirty="0"/>
+          </a:p>
+          <a:p>
+            <a:endParaRPr lang="en-US" dirty="0"/>
+          </a:p>
+          <a:p>
+            <a:r>
+              <a:rPr lang="en-US" dirty="0"/>
+              <a:t>Our features (V’s) came from sensitive information and therefore could not be backtracked to any values that would make sense to us</a:t>
+            </a:r>
+          </a:p>
+          <a:p>
+            <a:r>
+              <a:rPr lang="en-US" dirty="0"/>
+              <a:t>Original data was unbalanced &amp; had to be trimmed down to be worked with</a:t>
+            </a:r>
+          </a:p>
+          <a:p>
+            <a:endParaRPr lang="en-US" dirty="0"/>
           </a:p>
         </p:txBody>
       </p:sp>
     </p:spTree>
     <p:extLst>
       <p:ext uri="{BB962C8B-B14F-4D97-AF65-F5344CB8AC3E}">
-        <p14:creationId xmlns:p14="http://schemas.microsoft.com/office/powerpoint/2010/main" val="2841442587"/>
+        <p14:creationId xmlns:p14="http://schemas.microsoft.com/office/powerpoint/2010/main" val="3367471342"/>
       </p:ext>
     </p:extLst>
   </p:cSld>
@@ -5493,89 +5639,6 @@
 </file>
 
 <file path=ppt/slides/slide11.xml><?xml version="1.0" encoding="utf-8"?>
-<p:sld xmlns:a="http://schemas.openxmlformats.org/drawingml/2006/main" xmlns:r="http://schemas.openxmlformats.org/officeDocument/2006/relationships" xmlns:p="http://schemas.openxmlformats.org/presentationml/2006/main">
-  <p:cSld>
-    <p:spTree>
-      <p:nvGrpSpPr>
-        <p:cNvPr id="1" name=""/>
-        <p:cNvGrpSpPr/>
-        <p:nvPr/>
-      </p:nvGrpSpPr>
-      <p:grpSpPr>
-        <a:xfrm>
-          <a:off x="0" y="0"/>
-          <a:ext cx="0" cy="0"/>
-          <a:chOff x="0" y="0"/>
-          <a:chExt cx="0" cy="0"/>
-        </a:xfrm>
-      </p:grpSpPr>
-      <p:sp>
-        <p:nvSpPr>
-          <p:cNvPr id="2" name="Title 1">
-            <a:extLst>
-              <a:ext uri="{FF2B5EF4-FFF2-40B4-BE49-F238E27FC236}">
-                <a16:creationId xmlns:a16="http://schemas.microsoft.com/office/drawing/2014/main" id="{EECE6607-330D-954F-9CEA-8740884EDA46}"/>
-              </a:ext>
-            </a:extLst>
-          </p:cNvPr>
-          <p:cNvSpPr>
-            <a:spLocks noGrp="1"/>
-          </p:cNvSpPr>
-          <p:nvPr>
-            <p:ph type="title"/>
-          </p:nvPr>
-        </p:nvSpPr>
-        <p:spPr/>
-        <p:txBody>
-          <a:bodyPr/>
-          <a:lstStyle/>
-          <a:p>
-            <a:r>
-              <a:rPr lang="en-US" dirty="0"/>
-              <a:t>Improvements</a:t>
-            </a:r>
-          </a:p>
-        </p:txBody>
-      </p:sp>
-      <p:sp>
-        <p:nvSpPr>
-          <p:cNvPr id="3" name="Content Placeholder 2">
-            <a:extLst>
-              <a:ext uri="{FF2B5EF4-FFF2-40B4-BE49-F238E27FC236}">
-                <a16:creationId xmlns:a16="http://schemas.microsoft.com/office/drawing/2014/main" id="{B7A21184-016F-4B4C-BA29-6AD2B34DD291}"/>
-              </a:ext>
-            </a:extLst>
-          </p:cNvPr>
-          <p:cNvSpPr>
-            <a:spLocks noGrp="1"/>
-          </p:cNvSpPr>
-          <p:nvPr>
-            <p:ph idx="1"/>
-          </p:nvPr>
-        </p:nvSpPr>
-        <p:spPr/>
-        <p:txBody>
-          <a:bodyPr/>
-          <a:lstStyle/>
-          <a:p>
-            <a:endParaRPr lang="en-US"/>
-          </a:p>
-        </p:txBody>
-      </p:sp>
-    </p:spTree>
-    <p:extLst>
-      <p:ext uri="{BB962C8B-B14F-4D97-AF65-F5344CB8AC3E}">
-        <p14:creationId xmlns:p14="http://schemas.microsoft.com/office/powerpoint/2010/main" val="3813911428"/>
-      </p:ext>
-    </p:extLst>
-  </p:cSld>
-  <p:clrMapOvr>
-    <a:masterClrMapping/>
-  </p:clrMapOvr>
-</p:sld>
-</file>
-
-<file path=ppt/slides/slide12.xml><?xml version="1.0" encoding="utf-8"?>
 <p:sld xmlns:a="http://schemas.openxmlformats.org/drawingml/2006/main" xmlns:r="http://schemas.openxmlformats.org/officeDocument/2006/relationships" xmlns:p="http://schemas.openxmlformats.org/presentationml/2006/main">
   <p:cSld>
     <p:spTree>
@@ -5780,7 +5843,7 @@
           <a:ln/>
           <a:extLst>
             <a:ext uri="{91240B29-F687-4f45-9708-019B960494DF}">
-              <a14:hiddenLine xmlns:a14="http://schemas.microsoft.com/office/drawing/2010/main" xmlns:p14="http://schemas.microsoft.com/office/powerpoint/2010/main" xmlns:a16="http://schemas.microsoft.com/office/drawing/2014/main" xmlns="" w="9525">
+              <a14:hiddenLine xmlns="" xmlns:a16="http://schemas.microsoft.com/office/drawing/2014/main" xmlns:p14="http://schemas.microsoft.com/office/powerpoint/2010/main" xmlns:a14="http://schemas.microsoft.com/office/drawing/2010/main" w="9525">
                 <a:solidFill>
                   <a:srgbClr val="000000"/>
                 </a:solidFill>
@@ -6143,7 +6206,7 @@
                   <a:srgbClr val="FFFFFF"/>
                 </a:solidFill>
               </a:rPr>
-              <a:t>Create a user interactive interface that will utilize machine learning to identify whether a credit card purchase is fraudulent or not fraudulent</a:t>
+              <a:t> Utilize multiple machine learning modeling techniques to identify whether a credit card purchase is fraudulent or not fraudulent</a:t>
             </a:r>
           </a:p>
           <a:p>
@@ -6286,7 +6349,23 @@
           <a:p>
             <a:r>
               <a:rPr lang="en-US" dirty="0"/>
-              <a:t>Python for data acquisition, data cleaning, &amp; machine learning modeling</a:t>
+              <a:t>Pandas for data acquisition &amp; data cleaning</a:t>
+            </a:r>
+          </a:p>
+          <a:p>
+            <a:r>
+              <a:rPr lang="en-US" dirty="0"/>
+              <a:t>Matplotlib &amp; Seaborn for data visualization</a:t>
+            </a:r>
+          </a:p>
+          <a:p>
+            <a:r>
+              <a:rPr lang="en-US" dirty="0" err="1"/>
+              <a:t>SciKit</a:t>
+            </a:r>
+            <a:r>
+              <a:rPr lang="en-US" dirty="0"/>
+              <a:t> learn for machine learning modeling &amp; scaling</a:t>
             </a:r>
           </a:p>
           <a:p>
@@ -6297,24 +6376,6 @@
             <a:r>
               <a:rPr lang="en-US" dirty="0"/>
               <a:t> for Neural Network</a:t>
-            </a:r>
-          </a:p>
-          <a:p>
-            <a:r>
-              <a:rPr lang="en-US" dirty="0"/>
-              <a:t>HTML/CSS to create webpage</a:t>
-            </a:r>
-          </a:p>
-          <a:p>
-            <a:r>
-              <a:rPr lang="en-US" dirty="0"/>
-              <a:t>JavaScript</a:t>
-            </a:r>
-          </a:p>
-          <a:p>
-            <a:r>
-              <a:rPr lang="en-US" dirty="0"/>
-              <a:t>Flask Server</a:t>
             </a:r>
           </a:p>
         </p:txBody>
@@ -6451,7 +6512,7 @@
           <a:ln/>
           <a:extLst>
             <a:ext uri="{91240B29-F687-4f45-9708-019B960494DF}">
-              <a14:hiddenLine xmlns:a14="http://schemas.microsoft.com/office/drawing/2010/main" xmlns:p14="http://schemas.microsoft.com/office/powerpoint/2010/main" xmlns:a16="http://schemas.microsoft.com/office/drawing/2014/main" xmlns="" w="9525">
+              <a14:hiddenLine xmlns="" xmlns:a16="http://schemas.microsoft.com/office/drawing/2014/main" xmlns:p14="http://schemas.microsoft.com/office/powerpoint/2010/main" xmlns:a14="http://schemas.microsoft.com/office/drawing/2010/main" w="9525">
                 <a:solidFill>
                   <a:srgbClr val="000000"/>
                 </a:solidFill>
@@ -6549,7 +6610,6 @@
               <a:rPr lang="en-US" sz="1600" dirty="0"/>
               <a:t>Data is extracted from a csv file provided by Kaggle</a:t>
             </a:r>
-            <a:endParaRPr lang="en-US" sz="1600"/>
           </a:p>
           <a:p>
             <a:pPr>
@@ -6561,7 +6621,6 @@
               <a:rPr lang="en-US" sz="1600" dirty="0"/>
               <a:t>Roughly 280,000 transactions</a:t>
             </a:r>
-            <a:endParaRPr lang="en-US" sz="1600"/>
           </a:p>
           <a:p>
             <a:pPr>
@@ -6573,7 +6632,6 @@
               <a:rPr lang="en-US" sz="1600" dirty="0"/>
               <a:t>Cut into snippets of equal cases of fraud &amp; not fraud transactions</a:t>
             </a:r>
-            <a:endParaRPr lang="en-US" sz="1600"/>
           </a:p>
           <a:p>
             <a:pPr>
@@ -6583,9 +6641,8 @@
             </a:pPr>
             <a:r>
               <a:rPr lang="en-US" sz="1600" dirty="0"/>
-              <a:t>V1-V28 were produced through an obfuscation process. For security reasons, we cannot backtrack these numbers to any values that would make sense to us, so our model will only be specific to the non-sensitive data here.</a:t>
-            </a:r>
-            <a:endParaRPr lang="en-US" sz="1600"/>
+              <a:t>V1-V28 were produced through an obfuscation process. For security reasons, we cannot backtrack these numbers to any values that would make sense to us, so our model will only be specific to the non-sensitive data here</a:t>
+            </a:r>
           </a:p>
         </p:txBody>
       </p:sp>
@@ -6669,7 +6726,7 @@
       </p:grpSpPr>
       <p:sp>
         <p:nvSpPr>
-          <p:cNvPr id="15" name="Freeform 6">
+          <p:cNvPr id="29" name="Freeform 6">
             <a:extLst>
               <a:ext uri="{FF2B5EF4-FFF2-40B4-BE49-F238E27FC236}">
                 <a16:creationId xmlns:a16="http://schemas.microsoft.com/office/drawing/2014/main" id="{1FCF5244-C62C-4E27-B395-14F26DFB1373}"/>
@@ -6761,7 +6818,7 @@
           <a:ln/>
           <a:extLst>
             <a:ext uri="{91240B29-F687-4f45-9708-019B960494DF}">
-              <a14:hiddenLine xmlns:a14="http://schemas.microsoft.com/office/drawing/2010/main" xmlns:p14="http://schemas.microsoft.com/office/powerpoint/2010/main" xmlns:a16="http://schemas.microsoft.com/office/drawing/2014/main" xmlns="" w="9525">
+              <a14:hiddenLine xmlns="" xmlns:a16="http://schemas.microsoft.com/office/drawing/2014/main" xmlns:p14="http://schemas.microsoft.com/office/powerpoint/2010/main" xmlns:a14="http://schemas.microsoft.com/office/drawing/2010/main" w="9525">
                 <a:solidFill>
                   <a:srgbClr val="000000"/>
                 </a:solidFill>
@@ -6789,7 +6846,7 @@
       </p:sp>
       <p:sp>
         <p:nvSpPr>
-          <p:cNvPr id="17" name="Rectangle 16">
+          <p:cNvPr id="19" name="Rectangle 18">
             <a:extLst>
               <a:ext uri="{FF2B5EF4-FFF2-40B4-BE49-F238E27FC236}">
                 <a16:creationId xmlns:a16="http://schemas.microsoft.com/office/drawing/2014/main" id="{E158B155-2870-4844-B295-BF04F38497F2}"/>
@@ -6852,7 +6909,7 @@
       </p:sp>
       <p:sp>
         <p:nvSpPr>
-          <p:cNvPr id="19" name="Freeform 23">
+          <p:cNvPr id="21" name="Freeform 23">
             <a:extLst>
               <a:ext uri="{FF2B5EF4-FFF2-40B4-BE49-F238E27FC236}">
                 <a16:creationId xmlns:a16="http://schemas.microsoft.com/office/drawing/2014/main" id="{8EC6859F-6DE0-454C-AF7C-3CEC5E54120D}"/>
@@ -7054,7 +7111,7 @@
           <p:cNvPr id="2" name="Title 1">
             <a:extLst>
               <a:ext uri="{FF2B5EF4-FFF2-40B4-BE49-F238E27FC236}">
-                <a16:creationId xmlns:a16="http://schemas.microsoft.com/office/drawing/2014/main" id="{89D703BD-4EF0-4C41-9DF8-D5BB4E4DCEA6}"/>
+                <a16:creationId xmlns:a16="http://schemas.microsoft.com/office/drawing/2014/main" id="{70D6A617-608B-A548-9AB8-CC939F4A8205}"/>
               </a:ext>
             </a:extLst>
           </p:cNvPr>
@@ -7079,17 +7136,17 @@
           <a:p>
             <a:r>
               <a:rPr lang="en-US" sz="3200"/>
-              <a:t>K Nearest Neighbor</a:t>
-            </a:r>
-          </a:p>
-        </p:txBody>
-      </p:sp>
-      <p:sp>
-        <p:nvSpPr>
-          <p:cNvPr id="12" name="Content Placeholder 11">
+              <a:t>SVM</a:t>
+            </a:r>
+          </a:p>
+        </p:txBody>
+      </p:sp>
+      <p:sp>
+        <p:nvSpPr>
+          <p:cNvPr id="14" name="Content Placeholder 13">
             <a:extLst>
               <a:ext uri="{FF2B5EF4-FFF2-40B4-BE49-F238E27FC236}">
-                <a16:creationId xmlns:a16="http://schemas.microsoft.com/office/drawing/2014/main" id="{32A026D1-174F-4BF9-A202-16A823FECE78}"/>
+                <a16:creationId xmlns:a16="http://schemas.microsoft.com/office/drawing/2014/main" id="{86B54E83-B279-484C-9DFB-58353493980A}"/>
               </a:ext>
             </a:extLst>
           </p:cNvPr>
@@ -7118,7 +7175,7 @@
       </p:sp>
       <p:sp>
         <p:nvSpPr>
-          <p:cNvPr id="21" name="Rounded Rectangle 17">
+          <p:cNvPr id="30" name="Rounded Rectangle 17">
             <a:extLst>
               <a:ext uri="{FF2B5EF4-FFF2-40B4-BE49-F238E27FC236}">
                 <a16:creationId xmlns:a16="http://schemas.microsoft.com/office/drawing/2014/main" id="{B54A185E-16AF-4E1A-9E7F-1414E2A34920}"/>
@@ -7186,10 +7243,10 @@
       </p:sp>
       <p:pic>
         <p:nvPicPr>
-          <p:cNvPr id="8" name="Content Placeholder 7" descr="A screenshot of a social media post&#10;&#10;Description automatically generated">
+          <p:cNvPr id="10" name="Content Placeholder 9" descr="A screenshot of a social media post&#10;&#10;Description automatically generated">
             <a:extLst>
               <a:ext uri="{FF2B5EF4-FFF2-40B4-BE49-F238E27FC236}">
-                <a16:creationId xmlns:a16="http://schemas.microsoft.com/office/drawing/2014/main" id="{7ABAFC6B-09E4-7049-9070-A9FB78633915}"/>
+                <a16:creationId xmlns:a16="http://schemas.microsoft.com/office/drawing/2014/main" id="{351F0B50-6E38-AB4A-A690-B7E4B630A1BB}"/>
               </a:ext>
             </a:extLst>
           </p:cNvPr>
@@ -7206,8 +7263,8 @@
         </p:blipFill>
         <p:spPr>
           <a:xfrm>
-            <a:off x="5611035" y="1848580"/>
-            <a:ext cx="2724939" cy="3159349"/>
+            <a:off x="5611035" y="1853145"/>
+            <a:ext cx="2724939" cy="3150218"/>
           </a:xfrm>
           <a:prstGeom prst="rect">
             <a:avLst/>
@@ -7219,7 +7276,7 @@
           <p:cNvPr id="6" name="Content Placeholder 5" descr="A close up of a map&#10;&#10;Description automatically generated">
             <a:extLst>
               <a:ext uri="{FF2B5EF4-FFF2-40B4-BE49-F238E27FC236}">
-                <a16:creationId xmlns:a16="http://schemas.microsoft.com/office/drawing/2014/main" id="{02251A04-79C5-3B43-84A6-9CA1F11BE87E}"/>
+                <a16:creationId xmlns:a16="http://schemas.microsoft.com/office/drawing/2014/main" id="{3DB59171-2B55-214D-A121-F5BC72308DB9}"/>
               </a:ext>
             </a:extLst>
           </p:cNvPr>
@@ -7238,8 +7295,8 @@
         </p:blipFill>
         <p:spPr>
           <a:xfrm>
-            <a:off x="8501865" y="2610448"/>
-            <a:ext cx="2726022" cy="1635613"/>
+            <a:off x="8501865" y="2519581"/>
+            <a:ext cx="2726022" cy="1817347"/>
           </a:xfrm>
           <a:prstGeom prst="rect">
             <a:avLst/>
@@ -7249,7 +7306,7 @@
     </p:spTree>
     <p:extLst>
       <p:ext uri="{BB962C8B-B14F-4D97-AF65-F5344CB8AC3E}">
-        <p14:creationId xmlns:p14="http://schemas.microsoft.com/office/powerpoint/2010/main" val="3955814935"/>
+        <p14:creationId xmlns:p14="http://schemas.microsoft.com/office/powerpoint/2010/main" val="1029427168"/>
       </p:ext>
     </p:extLst>
   </p:cSld>
@@ -7286,7 +7343,7 @@
       </p:grpSpPr>
       <p:sp>
         <p:nvSpPr>
-          <p:cNvPr id="29" name="Freeform 6">
+          <p:cNvPr id="15" name="Freeform 6">
             <a:extLst>
               <a:ext uri="{FF2B5EF4-FFF2-40B4-BE49-F238E27FC236}">
                 <a16:creationId xmlns:a16="http://schemas.microsoft.com/office/drawing/2014/main" id="{1FCF5244-C62C-4E27-B395-14F26DFB1373}"/>
@@ -7378,7 +7435,7 @@
           <a:ln/>
           <a:extLst>
             <a:ext uri="{91240B29-F687-4f45-9708-019B960494DF}">
-              <a14:hiddenLine xmlns:a14="http://schemas.microsoft.com/office/drawing/2010/main" xmlns:p14="http://schemas.microsoft.com/office/powerpoint/2010/main" xmlns:a16="http://schemas.microsoft.com/office/drawing/2014/main" xmlns="" w="9525">
+              <a14:hiddenLine xmlns="" xmlns:a16="http://schemas.microsoft.com/office/drawing/2014/main" xmlns:p14="http://schemas.microsoft.com/office/powerpoint/2010/main" xmlns:a14="http://schemas.microsoft.com/office/drawing/2010/main" w="9525">
                 <a:solidFill>
                   <a:srgbClr val="000000"/>
                 </a:solidFill>
@@ -7406,7 +7463,7 @@
       </p:sp>
       <p:sp>
         <p:nvSpPr>
-          <p:cNvPr id="19" name="Rectangle 18">
+          <p:cNvPr id="17" name="Rectangle 16">
             <a:extLst>
               <a:ext uri="{FF2B5EF4-FFF2-40B4-BE49-F238E27FC236}">
                 <a16:creationId xmlns:a16="http://schemas.microsoft.com/office/drawing/2014/main" id="{E158B155-2870-4844-B295-BF04F38497F2}"/>
@@ -7469,7 +7526,7 @@
       </p:sp>
       <p:sp>
         <p:nvSpPr>
-          <p:cNvPr id="21" name="Freeform 23">
+          <p:cNvPr id="19" name="Freeform 23">
             <a:extLst>
               <a:ext uri="{FF2B5EF4-FFF2-40B4-BE49-F238E27FC236}">
                 <a16:creationId xmlns:a16="http://schemas.microsoft.com/office/drawing/2014/main" id="{8EC6859F-6DE0-454C-AF7C-3CEC5E54120D}"/>
@@ -7671,7 +7728,7 @@
           <p:cNvPr id="2" name="Title 1">
             <a:extLst>
               <a:ext uri="{FF2B5EF4-FFF2-40B4-BE49-F238E27FC236}">
-                <a16:creationId xmlns:a16="http://schemas.microsoft.com/office/drawing/2014/main" id="{70D6A617-608B-A548-9AB8-CC939F4A8205}"/>
+                <a16:creationId xmlns:a16="http://schemas.microsoft.com/office/drawing/2014/main" id="{89D703BD-4EF0-4C41-9DF8-D5BB4E4DCEA6}"/>
               </a:ext>
             </a:extLst>
           </p:cNvPr>
@@ -7696,17 +7753,17 @@
           <a:p>
             <a:r>
               <a:rPr lang="en-US" sz="3200"/>
-              <a:t>SVM</a:t>
-            </a:r>
-          </a:p>
-        </p:txBody>
-      </p:sp>
-      <p:sp>
-        <p:nvSpPr>
-          <p:cNvPr id="14" name="Content Placeholder 13">
+              <a:t>K Nearest Neighbor</a:t>
+            </a:r>
+          </a:p>
+        </p:txBody>
+      </p:sp>
+      <p:sp>
+        <p:nvSpPr>
+          <p:cNvPr id="12" name="Content Placeholder 11">
             <a:extLst>
               <a:ext uri="{FF2B5EF4-FFF2-40B4-BE49-F238E27FC236}">
-                <a16:creationId xmlns:a16="http://schemas.microsoft.com/office/drawing/2014/main" id="{86B54E83-B279-484C-9DFB-58353493980A}"/>
+                <a16:creationId xmlns:a16="http://schemas.microsoft.com/office/drawing/2014/main" id="{32A026D1-174F-4BF9-A202-16A823FECE78}"/>
               </a:ext>
             </a:extLst>
           </p:cNvPr>
@@ -7735,7 +7792,7 @@
       </p:sp>
       <p:sp>
         <p:nvSpPr>
-          <p:cNvPr id="30" name="Rounded Rectangle 17">
+          <p:cNvPr id="21" name="Rounded Rectangle 17">
             <a:extLst>
               <a:ext uri="{FF2B5EF4-FFF2-40B4-BE49-F238E27FC236}">
                 <a16:creationId xmlns:a16="http://schemas.microsoft.com/office/drawing/2014/main" id="{B54A185E-16AF-4E1A-9E7F-1414E2A34920}"/>
@@ -7803,10 +7860,10 @@
       </p:sp>
       <p:pic>
         <p:nvPicPr>
-          <p:cNvPr id="10" name="Content Placeholder 9" descr="A screenshot of a social media post&#10;&#10;Description automatically generated">
+          <p:cNvPr id="8" name="Content Placeholder 7" descr="A screenshot of a social media post&#10;&#10;Description automatically generated">
             <a:extLst>
               <a:ext uri="{FF2B5EF4-FFF2-40B4-BE49-F238E27FC236}">
-                <a16:creationId xmlns:a16="http://schemas.microsoft.com/office/drawing/2014/main" id="{351F0B50-6E38-AB4A-A690-B7E4B630A1BB}"/>
+                <a16:creationId xmlns:a16="http://schemas.microsoft.com/office/drawing/2014/main" id="{7ABAFC6B-09E4-7049-9070-A9FB78633915}"/>
               </a:ext>
             </a:extLst>
           </p:cNvPr>
@@ -7823,8 +7880,8 @@
         </p:blipFill>
         <p:spPr>
           <a:xfrm>
-            <a:off x="5611035" y="1853145"/>
-            <a:ext cx="2724939" cy="3150218"/>
+            <a:off x="5611035" y="1848580"/>
+            <a:ext cx="2724939" cy="3159349"/>
           </a:xfrm>
           <a:prstGeom prst="rect">
             <a:avLst/>
@@ -7836,7 +7893,7 @@
           <p:cNvPr id="6" name="Content Placeholder 5" descr="A close up of a map&#10;&#10;Description automatically generated">
             <a:extLst>
               <a:ext uri="{FF2B5EF4-FFF2-40B4-BE49-F238E27FC236}">
-                <a16:creationId xmlns:a16="http://schemas.microsoft.com/office/drawing/2014/main" id="{3DB59171-2B55-214D-A121-F5BC72308DB9}"/>
+                <a16:creationId xmlns:a16="http://schemas.microsoft.com/office/drawing/2014/main" id="{02251A04-79C5-3B43-84A6-9CA1F11BE87E}"/>
               </a:ext>
             </a:extLst>
           </p:cNvPr>
@@ -7855,8 +7912,8 @@
         </p:blipFill>
         <p:spPr>
           <a:xfrm>
-            <a:off x="8501865" y="2519581"/>
-            <a:ext cx="2726022" cy="1817347"/>
+            <a:off x="8501865" y="2610448"/>
+            <a:ext cx="2726022" cy="1635613"/>
           </a:xfrm>
           <a:prstGeom prst="rect">
             <a:avLst/>
@@ -7866,7 +7923,7 @@
     </p:spTree>
     <p:extLst>
       <p:ext uri="{BB962C8B-B14F-4D97-AF65-F5344CB8AC3E}">
-        <p14:creationId xmlns:p14="http://schemas.microsoft.com/office/powerpoint/2010/main" val="1029427168"/>
+        <p14:creationId xmlns:p14="http://schemas.microsoft.com/office/powerpoint/2010/main" val="3955814935"/>
       </p:ext>
     </p:extLst>
   </p:cSld>
@@ -7995,7 +8052,7 @@
           <a:ln/>
           <a:extLst>
             <a:ext uri="{91240B29-F687-4f45-9708-019B960494DF}">
-              <a14:hiddenLine xmlns:a14="http://schemas.microsoft.com/office/drawing/2010/main" xmlns:p14="http://schemas.microsoft.com/office/powerpoint/2010/main" xmlns:a16="http://schemas.microsoft.com/office/drawing/2014/main" xmlns="" w="9525">
+              <a14:hiddenLine xmlns="" xmlns:a16="http://schemas.microsoft.com/office/drawing/2014/main" xmlns:p14="http://schemas.microsoft.com/office/powerpoint/2010/main" xmlns:a14="http://schemas.microsoft.com/office/drawing/2010/main" w="9525">
                 <a:solidFill>
                   <a:srgbClr val="000000"/>
                 </a:solidFill>
@@ -8610,7 +8667,7 @@
           <a:ln/>
           <a:extLst>
             <a:ext uri="{91240B29-F687-4f45-9708-019B960494DF}">
-              <a14:hiddenLine xmlns:a14="http://schemas.microsoft.com/office/drawing/2010/main" xmlns:p14="http://schemas.microsoft.com/office/powerpoint/2010/main" xmlns:a16="http://schemas.microsoft.com/office/drawing/2014/main" xmlns="" w="9525">
+              <a14:hiddenLine xmlns="" xmlns:a16="http://schemas.microsoft.com/office/drawing/2014/main" xmlns:p14="http://schemas.microsoft.com/office/powerpoint/2010/main" xmlns:a14="http://schemas.microsoft.com/office/drawing/2010/main" w="9525">
                 <a:solidFill>
                   <a:srgbClr val="000000"/>
                 </a:solidFill>
@@ -8961,25 +9018,25 @@
           <a:p>
             <a:r>
               <a:rPr lang="en-US" dirty="0"/>
-              <a:t>Our first Neural Model has a single hidden layer.</a:t>
+              <a:t>Our first Neural Model has a single hidden layer</a:t>
             </a:r>
           </a:p>
           <a:p>
             <a:r>
               <a:rPr lang="en-US" dirty="0"/>
-              <a:t>We used all 28 V values in our data and the Amount column.</a:t>
+              <a:t>We used all 28 V values in our data and the Amount column</a:t>
             </a:r>
           </a:p>
           <a:p>
             <a:r>
               <a:rPr lang="en-US" dirty="0"/>
-              <a:t>The model’s predictive accuracy rounded out to 94.7%.</a:t>
+              <a:t>The model’s predictive accuracy rounded out to 94.7%</a:t>
             </a:r>
           </a:p>
           <a:p>
             <a:r>
               <a:rPr lang="en-US" dirty="0"/>
-              <a:t>Compared to the actual values, the model returned 3 False Positive values and missed 10 cases of fraud out of 246 points of data.</a:t>
+              <a:t>Compared to the actual values, the model returned 3 False Positive values and missed 10 cases of fraud out of 246 points of data</a:t>
             </a:r>
           </a:p>
         </p:txBody>
@@ -9246,7 +9303,7 @@
           <a:ln/>
           <a:extLst>
             <a:ext uri="{91240B29-F687-4f45-9708-019B960494DF}">
-              <a14:hiddenLine xmlns:a14="http://schemas.microsoft.com/office/drawing/2010/main" xmlns:p14="http://schemas.microsoft.com/office/powerpoint/2010/main" xmlns:a16="http://schemas.microsoft.com/office/drawing/2014/main" xmlns="" w="9525">
+              <a14:hiddenLine xmlns="" xmlns:a16="http://schemas.microsoft.com/office/drawing/2014/main" xmlns:p14="http://schemas.microsoft.com/office/powerpoint/2010/main" xmlns:a14="http://schemas.microsoft.com/office/drawing/2010/main" w="9525">
                 <a:solidFill>
                   <a:srgbClr val="000000"/>
                 </a:solidFill>
@@ -9597,37 +9654,32 @@
           <a:p>
             <a:r>
               <a:rPr lang="en-US" dirty="0"/>
-              <a:t>Our second Neural Model has 2 hidden layers.</a:t>
+              <a:t>Our second Neural Model has 2 hidden layers</a:t>
             </a:r>
           </a:p>
           <a:p>
             <a:r>
               <a:rPr lang="en-US" dirty="0"/>
-              <a:t>We used the same distribution of data for both models. </a:t>
+              <a:t>We used the same distribution of data for both models </a:t>
             </a:r>
           </a:p>
           <a:p>
             <a:r>
               <a:rPr lang="en-US" dirty="0"/>
-              <a:t>The Deep Model’s predictive accuracy rounded out to 95.1%.</a:t>
+              <a:t>The Deep Model’s predictive accuracy rounded out to 95.1%</a:t>
             </a:r>
           </a:p>
           <a:p>
             <a:r>
               <a:rPr lang="en-US" dirty="0"/>
-              <a:t>Compared to the actual values, the Deep Model did not return any False Positives and missed 12 cases of fraud.</a:t>
+              <a:t>Compared to the actual values, the Deep Model did not return any False Positives and missed 12 cases of fraud</a:t>
             </a:r>
           </a:p>
           <a:p>
             <a:r>
               <a:rPr lang="en-US" dirty="0"/>
-              <a:t>Despite higher accuracy than the first model, this model missed more cases of </a:t>
-            </a:r>
-            <a:r>
-              <a:rPr lang="en-US"/>
-              <a:t>actual fraud.</a:t>
-            </a:r>
-            <a:endParaRPr lang="en-US" dirty="0"/>
+              <a:t>Despite higher accuracy than the first model, this model missed more cases of actual fraud</a:t>
+            </a:r>
           </a:p>
         </p:txBody>
       </p:sp>

--- a/Credit_Card_Fraud_Presentation.pptx
+++ b/Credit_Card_Fraud_Presentation.pptx
@@ -7752,8 +7752,8 @@
           <a:lstStyle/>
           <a:p>
             <a:r>
-              <a:rPr lang="en-US" sz="3200"/>
-              <a:t>K Nearest Neighbor</a:t>
+              <a:rPr lang="en-US" sz="3200" dirty="0"/>
+              <a:t>K Nearest Neighbors</a:t>
             </a:r>
           </a:p>
         </p:txBody>
@@ -7786,7 +7786,28 @@
           </a:bodyPr>
           <a:lstStyle/>
           <a:p>
-            <a:endParaRPr lang="en-US" sz="1600"/>
+            <a:r>
+              <a:rPr lang="en-US" sz="1600" dirty="0"/>
+              <a:t>Tested a 75/25 train/test split of balanced fraud to not fraud transactions</a:t>
+            </a:r>
+          </a:p>
+          <a:p>
+            <a:r>
+              <a:rPr lang="en-US" sz="1600" dirty="0"/>
+              <a:t>Plotted K1-K19</a:t>
+            </a:r>
+          </a:p>
+          <a:p>
+            <a:r>
+              <a:rPr lang="en-US" sz="1600" dirty="0"/>
+              <a:t>Closest accuracy was using K=3 at 0.944/0.947</a:t>
+            </a:r>
+          </a:p>
+          <a:p>
+            <a:r>
+              <a:rPr lang="en-US" sz="1600" dirty="0"/>
+              <a:t>Highest test accuracy was at K=5 with an accuracy of 0.951</a:t>
+            </a:r>
           </a:p>
         </p:txBody>
       </p:sp>
@@ -8401,7 +8422,28 @@
           </a:bodyPr>
           <a:lstStyle/>
           <a:p>
-            <a:endParaRPr lang="en-US"/>
+            <a:r>
+              <a:rPr lang="en-US" dirty="0"/>
+              <a:t>Used a balanced snippet of our dataset</a:t>
+            </a:r>
+          </a:p>
+          <a:p>
+            <a:r>
+              <a:rPr lang="en-US" dirty="0"/>
+              <a:t>Confusion Matrix shows 8 false positives</a:t>
+            </a:r>
+          </a:p>
+          <a:p>
+            <a:r>
+              <a:rPr lang="en-US" dirty="0"/>
+              <a:t>Achieved an accuracy of 0.934 with a standard deviation of 0.012</a:t>
+            </a:r>
+          </a:p>
+          <a:p>
+            <a:r>
+              <a:rPr lang="en-US" dirty="0"/>
+              <a:t>Heat map shows strong correlations between features 1 thru 20 but drops off after </a:t>
+            </a:r>
           </a:p>
         </p:txBody>
       </p:sp>

--- a/Credit_Card_Fraud_Presentation.pptx
+++ b/Credit_Card_Fraud_Presentation.pptx
@@ -14,8 +14,9 @@
     <p:sldId id="264" r:id="rId8"/>
     <p:sldId id="265" r:id="rId9"/>
     <p:sldId id="268" r:id="rId10"/>
-    <p:sldId id="269" r:id="rId11"/>
-    <p:sldId id="267" r:id="rId12"/>
+    <p:sldId id="270" r:id="rId11"/>
+    <p:sldId id="269" r:id="rId12"/>
+    <p:sldId id="267" r:id="rId13"/>
   </p:sldIdLst>
   <p:sldSz cx="12192000" cy="6858000"/>
   <p:notesSz cx="6858000" cy="9144000"/>
@@ -5454,6 +5455,321 @@
           <p:cNvPr id="2" name="Title 1">
             <a:extLst>
               <a:ext uri="{FF2B5EF4-FFF2-40B4-BE49-F238E27FC236}">
+                <a16:creationId xmlns:a16="http://schemas.microsoft.com/office/drawing/2014/main" id="{B39B46C8-CE0E-A449-A4E1-A18A54AA9A9C}"/>
+              </a:ext>
+            </a:extLst>
+          </p:cNvPr>
+          <p:cNvSpPr>
+            <a:spLocks noGrp="1"/>
+          </p:cNvSpPr>
+          <p:nvPr>
+            <p:ph type="title"/>
+          </p:nvPr>
+        </p:nvSpPr>
+        <p:spPr/>
+        <p:txBody>
+          <a:bodyPr/>
+          <a:lstStyle/>
+          <a:p>
+            <a:r>
+              <a:rPr lang="en-US" dirty="0"/>
+              <a:t>Comparison of Model Accuracies</a:t>
+            </a:r>
+          </a:p>
+        </p:txBody>
+      </p:sp>
+      <p:graphicFrame>
+        <p:nvGraphicFramePr>
+          <p:cNvPr id="5" name="Table 4">
+            <a:extLst>
+              <a:ext uri="{FF2B5EF4-FFF2-40B4-BE49-F238E27FC236}">
+                <a16:creationId xmlns:a16="http://schemas.microsoft.com/office/drawing/2014/main" id="{07567000-2419-8C46-953E-6E1EEDE45309}"/>
+              </a:ext>
+            </a:extLst>
+          </p:cNvPr>
+          <p:cNvGraphicFramePr>
+            <a:graphicFrameLocks noGrp="1"/>
+          </p:cNvGraphicFramePr>
+          <p:nvPr>
+            <p:extLst>
+              <p:ext uri="{D42A27DB-BD31-4B8C-83A1-F6EECF244321}">
+                <p14:modId xmlns:p14="http://schemas.microsoft.com/office/powerpoint/2010/main" val="1586622494"/>
+              </p:ext>
+            </p:extLst>
+          </p:nvPr>
+        </p:nvGraphicFramePr>
+        <p:xfrm>
+          <a:off x="1141412" y="3443287"/>
+          <a:ext cx="9909173" cy="1225031"/>
+        </p:xfrm>
+        <a:graphic>
+          <a:graphicData uri="http://schemas.openxmlformats.org/drawingml/2006/table">
+            <a:tbl>
+              <a:tblPr firstRow="1" bandRow="1">
+                <a:tableStyleId>{5C22544A-7EE6-4342-B048-85BDC9FD1C3A}</a:tableStyleId>
+              </a:tblPr>
+              <a:tblGrid>
+                <a:gridCol w="1385886">
+                  <a:extLst>
+                    <a:ext uri="{9D8B030D-6E8A-4147-A177-3AD203B41FA5}">
+                      <a16:colId xmlns:a16="http://schemas.microsoft.com/office/drawing/2014/main" val="1537926376"/>
+                    </a:ext>
+                  </a:extLst>
+                </a:gridCol>
+                <a:gridCol w="1439119">
+                  <a:extLst>
+                    <a:ext uri="{9D8B030D-6E8A-4147-A177-3AD203B41FA5}">
+                      <a16:colId xmlns:a16="http://schemas.microsoft.com/office/drawing/2014/main" val="289090238"/>
+                    </a:ext>
+                  </a:extLst>
+                </a:gridCol>
+                <a:gridCol w="1771042">
+                  <a:extLst>
+                    <a:ext uri="{9D8B030D-6E8A-4147-A177-3AD203B41FA5}">
+                      <a16:colId xmlns:a16="http://schemas.microsoft.com/office/drawing/2014/main" val="2628097267"/>
+                    </a:ext>
+                  </a:extLst>
+                </a:gridCol>
+                <a:gridCol w="1771042">
+                  <a:extLst>
+                    <a:ext uri="{9D8B030D-6E8A-4147-A177-3AD203B41FA5}">
+                      <a16:colId xmlns:a16="http://schemas.microsoft.com/office/drawing/2014/main" val="3388743988"/>
+                    </a:ext>
+                  </a:extLst>
+                </a:gridCol>
+                <a:gridCol w="1771042">
+                  <a:extLst>
+                    <a:ext uri="{9D8B030D-6E8A-4147-A177-3AD203B41FA5}">
+                      <a16:colId xmlns:a16="http://schemas.microsoft.com/office/drawing/2014/main" val="2170388826"/>
+                    </a:ext>
+                  </a:extLst>
+                </a:gridCol>
+                <a:gridCol w="1771042">
+                  <a:extLst>
+                    <a:ext uri="{9D8B030D-6E8A-4147-A177-3AD203B41FA5}">
+                      <a16:colId xmlns:a16="http://schemas.microsoft.com/office/drawing/2014/main" val="462321652"/>
+                    </a:ext>
+                  </a:extLst>
+                </a:gridCol>
+              </a:tblGrid>
+              <a:tr h="685800">
+                <a:tc>
+                  <a:txBody>
+                    <a:bodyPr/>
+                    <a:lstStyle/>
+                    <a:p>
+                      <a:pPr algn="ctr"/>
+                      <a:endParaRPr lang="en-US" dirty="0"/>
+                    </a:p>
+                  </a:txBody>
+                  <a:tcPr/>
+                </a:tc>
+                <a:tc>
+                  <a:txBody>
+                    <a:bodyPr/>
+                    <a:lstStyle/>
+                    <a:p>
+                      <a:pPr algn="ctr"/>
+                      <a:r>
+                        <a:rPr lang="en-US" dirty="0"/>
+                        <a:t>SVM</a:t>
+                      </a:r>
+                    </a:p>
+                  </a:txBody>
+                  <a:tcPr/>
+                </a:tc>
+                <a:tc>
+                  <a:txBody>
+                    <a:bodyPr/>
+                    <a:lstStyle/>
+                    <a:p>
+                      <a:pPr algn="ctr"/>
+                      <a:r>
+                        <a:rPr lang="en-US" dirty="0"/>
+                        <a:t>K Nearest Neighbors</a:t>
+                      </a:r>
+                    </a:p>
+                  </a:txBody>
+                  <a:tcPr/>
+                </a:tc>
+                <a:tc>
+                  <a:txBody>
+                    <a:bodyPr/>
+                    <a:lstStyle/>
+                    <a:p>
+                      <a:pPr algn="ctr"/>
+                      <a:r>
+                        <a:rPr lang="en-US" dirty="0"/>
+                        <a:t>Logistic Regression</a:t>
+                      </a:r>
+                    </a:p>
+                  </a:txBody>
+                  <a:tcPr/>
+                </a:tc>
+                <a:tc>
+                  <a:txBody>
+                    <a:bodyPr/>
+                    <a:lstStyle/>
+                    <a:p>
+                      <a:pPr algn="ctr"/>
+                      <a:r>
+                        <a:rPr lang="en-US" dirty="0"/>
+                        <a:t>Neural Network</a:t>
+                      </a:r>
+                    </a:p>
+                  </a:txBody>
+                  <a:tcPr/>
+                </a:tc>
+                <a:tc>
+                  <a:txBody>
+                    <a:bodyPr/>
+                    <a:lstStyle/>
+                    <a:p>
+                      <a:pPr algn="ctr"/>
+                      <a:r>
+                        <a:rPr lang="en-US" dirty="0"/>
+                        <a:t>Deep Neural Network</a:t>
+                      </a:r>
+                    </a:p>
+                  </a:txBody>
+                  <a:tcPr/>
+                </a:tc>
+                <a:extLst>
+                  <a:ext uri="{0D108BD9-81ED-4DB2-BD59-A6C34878D82A}">
+                    <a16:rowId xmlns:a16="http://schemas.microsoft.com/office/drawing/2014/main" val="4162868522"/>
+                  </a:ext>
+                </a:extLst>
+              </a:tr>
+              <a:tr h="539231">
+                <a:tc>
+                  <a:txBody>
+                    <a:bodyPr/>
+                    <a:lstStyle/>
+                    <a:p>
+                      <a:pPr algn="ctr"/>
+                      <a:r>
+                        <a:rPr lang="en-US" dirty="0"/>
+                        <a:t>Accuracy</a:t>
+                      </a:r>
+                    </a:p>
+                  </a:txBody>
+                  <a:tcPr/>
+                </a:tc>
+                <a:tc>
+                  <a:txBody>
+                    <a:bodyPr/>
+                    <a:lstStyle/>
+                    <a:p>
+                      <a:pPr algn="ctr"/>
+                      <a:r>
+                        <a:rPr lang="en-US" dirty="0"/>
+                        <a:t>0.919</a:t>
+                      </a:r>
+                    </a:p>
+                  </a:txBody>
+                  <a:tcPr/>
+                </a:tc>
+                <a:tc>
+                  <a:txBody>
+                    <a:bodyPr/>
+                    <a:lstStyle/>
+                    <a:p>
+                      <a:pPr algn="ctr"/>
+                      <a:r>
+                        <a:rPr lang="en-US" dirty="0"/>
+                        <a:t>0.951</a:t>
+                      </a:r>
+                    </a:p>
+                  </a:txBody>
+                  <a:tcPr/>
+                </a:tc>
+                <a:tc>
+                  <a:txBody>
+                    <a:bodyPr/>
+                    <a:lstStyle/>
+                    <a:p>
+                      <a:pPr algn="ctr"/>
+                      <a:r>
+                        <a:rPr lang="en-US" dirty="0"/>
+                        <a:t>0.934</a:t>
+                      </a:r>
+                    </a:p>
+                  </a:txBody>
+                  <a:tcPr/>
+                </a:tc>
+                <a:tc>
+                  <a:txBody>
+                    <a:bodyPr/>
+                    <a:lstStyle/>
+                    <a:p>
+                      <a:pPr algn="ctr"/>
+                      <a:r>
+                        <a:rPr lang="en-US" dirty="0"/>
+                        <a:t>0.947</a:t>
+                      </a:r>
+                    </a:p>
+                  </a:txBody>
+                  <a:tcPr/>
+                </a:tc>
+                <a:tc>
+                  <a:txBody>
+                    <a:bodyPr/>
+                    <a:lstStyle/>
+                    <a:p>
+                      <a:pPr algn="ctr"/>
+                      <a:r>
+                        <a:rPr lang="en-US" dirty="0"/>
+                        <a:t>0.951</a:t>
+                      </a:r>
+                    </a:p>
+                  </a:txBody>
+                  <a:tcPr/>
+                </a:tc>
+                <a:extLst>
+                  <a:ext uri="{0D108BD9-81ED-4DB2-BD59-A6C34878D82A}">
+                    <a16:rowId xmlns:a16="http://schemas.microsoft.com/office/drawing/2014/main" val="2598976169"/>
+                  </a:ext>
+                </a:extLst>
+              </a:tr>
+            </a:tbl>
+          </a:graphicData>
+        </a:graphic>
+      </p:graphicFrame>
+    </p:spTree>
+    <p:extLst>
+      <p:ext uri="{BB962C8B-B14F-4D97-AF65-F5344CB8AC3E}">
+        <p14:creationId xmlns:p14="http://schemas.microsoft.com/office/powerpoint/2010/main" val="3723301017"/>
+      </p:ext>
+    </p:extLst>
+  </p:cSld>
+  <p:clrMapOvr>
+    <a:masterClrMapping/>
+  </p:clrMapOvr>
+</p:sld>
+</file>
+
+<file path=ppt/slides/slide11.xml><?xml version="1.0" encoding="utf-8"?>
+<p:sld xmlns:a="http://schemas.openxmlformats.org/drawingml/2006/main" xmlns:r="http://schemas.openxmlformats.org/officeDocument/2006/relationships" xmlns:p="http://schemas.openxmlformats.org/presentationml/2006/main">
+  <p:cSld>
+    <p:spTree>
+      <p:nvGrpSpPr>
+        <p:cNvPr id="1" name=""/>
+        <p:cNvGrpSpPr/>
+        <p:nvPr/>
+      </p:nvGrpSpPr>
+      <p:grpSpPr>
+        <a:xfrm>
+          <a:off x="0" y="0"/>
+          <a:ext cx="0" cy="0"/>
+          <a:chOff x="0" y="0"/>
+          <a:chExt cx="0" cy="0"/>
+        </a:xfrm>
+      </p:grpSpPr>
+      <p:sp>
+        <p:nvSpPr>
+          <p:cNvPr id="2" name="Title 1">
+            <a:extLst>
+              <a:ext uri="{FF2B5EF4-FFF2-40B4-BE49-F238E27FC236}">
                 <a16:creationId xmlns:a16="http://schemas.microsoft.com/office/drawing/2014/main" id="{B6E9991B-5FDC-7C4A-9F13-6B93B27A1E91}"/>
               </a:ext>
             </a:extLst>
@@ -5638,7 +5954,7 @@
 </p:sld>
 </file>
 
-<file path=ppt/slides/slide11.xml><?xml version="1.0" encoding="utf-8"?>
+<file path=ppt/slides/slide12.xml><?xml version="1.0" encoding="utf-8"?>
 <p:sld xmlns:a="http://schemas.openxmlformats.org/drawingml/2006/main" xmlns:r="http://schemas.openxmlformats.org/officeDocument/2006/relationships" xmlns:p="http://schemas.openxmlformats.org/presentationml/2006/main">
   <p:cSld>
     <p:spTree>

--- a/Credit_Card_Fraud_Presentation.pptx
+++ b/Credit_Card_Fraud_Presentation.pptx
@@ -10,13 +10,14 @@
     <p:sldId id="258" r:id="rId4"/>
     <p:sldId id="260" r:id="rId5"/>
     <p:sldId id="263" r:id="rId6"/>
-    <p:sldId id="262" r:id="rId7"/>
-    <p:sldId id="264" r:id="rId8"/>
-    <p:sldId id="265" r:id="rId9"/>
-    <p:sldId id="268" r:id="rId10"/>
-    <p:sldId id="270" r:id="rId11"/>
-    <p:sldId id="269" r:id="rId12"/>
-    <p:sldId id="267" r:id="rId13"/>
+    <p:sldId id="271" r:id="rId7"/>
+    <p:sldId id="262" r:id="rId8"/>
+    <p:sldId id="264" r:id="rId9"/>
+    <p:sldId id="265" r:id="rId10"/>
+    <p:sldId id="268" r:id="rId11"/>
+    <p:sldId id="270" r:id="rId12"/>
+    <p:sldId id="269" r:id="rId13"/>
+    <p:sldId id="267" r:id="rId14"/>
   </p:sldIdLst>
   <p:sldSz cx="12192000" cy="6858000"/>
   <p:notesSz cx="6858000" cy="9144000"/>
@@ -218,7 +219,7 @@
           <a:effectLst/>
           <a:extLst>
             <a:ext uri="{91240B29-F687-4f45-9708-019B960494DF}">
-              <a14:hiddenLine xmlns:a14="http://schemas.microsoft.com/office/drawing/2010/main" xmlns="" w="9525">
+              <a14:hiddenLine xmlns="" xmlns:a14="http://schemas.microsoft.com/office/drawing/2010/main" w="9525">
                 <a:solidFill>
                   <a:srgbClr val="000000"/>
                 </a:solidFill>
@@ -411,7 +412,7 @@
             <a:fld id="{08B9EBBA-996F-894A-B54A-D6246ED52CEA}" type="datetimeFigureOut">
               <a:rPr lang="en-US" dirty="0"/>
               <a:pPr/>
-              <a:t>7/23/20</a:t>
+              <a:t>7/23/2020</a:t>
             </a:fld>
             <a:endParaRPr lang="en-US" dirty="0"/>
           </a:p>
@@ -726,7 +727,7 @@
             <a:fld id="{18C79C5D-2A6F-F04D-97DA-BEF2467B64E4}" type="datetimeFigureOut">
               <a:rPr lang="en-US" dirty="0"/>
               <a:pPr/>
-              <a:t>7/23/20</a:t>
+              <a:t>7/23/2020</a:t>
             </a:fld>
             <a:endParaRPr lang="en-US" dirty="0"/>
           </a:p>
@@ -1211,7 +1212,7 @@
             <a:fld id="{8DFA1846-DA80-1C48-A609-854EA85C59AD}" type="datetimeFigureOut">
               <a:rPr lang="en-US" dirty="0"/>
               <a:pPr/>
-              <a:t>7/23/20</a:t>
+              <a:t>7/23/2020</a:t>
             </a:fld>
             <a:endParaRPr lang="en-US" dirty="0"/>
           </a:p>
@@ -1577,7 +1578,7 @@
             <a:fld id="{FBF54567-0DE4-3F47-BF90-CB84690072F9}" type="datetimeFigureOut">
               <a:rPr lang="en-US" dirty="0"/>
               <a:pPr/>
-              <a:t>7/23/20</a:t>
+              <a:t>7/23/2020</a:t>
             </a:fld>
             <a:endParaRPr lang="en-US" dirty="0"/>
           </a:p>
@@ -1728,7 +1729,7 @@
           <a:ln/>
           <a:extLst>
             <a:ext uri="{91240B29-F687-4f45-9708-019B960494DF}">
-              <a14:hiddenLine xmlns:a14="http://schemas.microsoft.com/office/drawing/2010/main" xmlns="" w="9525">
+              <a14:hiddenLine xmlns="" xmlns:a14="http://schemas.microsoft.com/office/drawing/2010/main" w="9525">
                 <a:solidFill>
                   <a:srgbClr val="000000"/>
                 </a:solidFill>
@@ -1847,7 +1848,7 @@
             <a:fld id="{C6C52C72-DE31-F449-A4ED-4C594FD91407}" type="datetimeFigureOut">
               <a:rPr lang="en-US" dirty="0"/>
               <a:pPr/>
-              <a:t>7/23/20</a:t>
+              <a:t>7/23/2020</a:t>
             </a:fld>
             <a:endParaRPr lang="en-US" dirty="0"/>
           </a:p>
@@ -2000,7 +2001,7 @@
           <a:ln/>
           <a:extLst>
             <a:ext uri="{91240B29-F687-4f45-9708-019B960494DF}">
-              <a14:hiddenLine xmlns:a14="http://schemas.microsoft.com/office/drawing/2010/main" xmlns="" w="9525">
+              <a14:hiddenLine xmlns="" xmlns:a14="http://schemas.microsoft.com/office/drawing/2010/main" w="9525">
                 <a:solidFill>
                   <a:srgbClr val="000000"/>
                 </a:solidFill>
@@ -2129,7 +2130,7 @@
             <a:fld id="{ED62726E-379B-B349-9EED-81ED093FA806}" type="datetimeFigureOut">
               <a:rPr lang="en-US" dirty="0"/>
               <a:pPr/>
-              <a:t>7/23/20</a:t>
+              <a:t>7/23/2020</a:t>
             </a:fld>
             <a:endParaRPr lang="en-US" dirty="0"/>
           </a:p>
@@ -2280,7 +2281,7 @@
           <a:ln/>
           <a:extLst>
             <a:ext uri="{91240B29-F687-4f45-9708-019B960494DF}">
-              <a14:hiddenLine xmlns:a14="http://schemas.microsoft.com/office/drawing/2010/main" xmlns="" w="9525">
+              <a14:hiddenLine xmlns="" xmlns:a14="http://schemas.microsoft.com/office/drawing/2010/main" w="9525">
                 <a:solidFill>
                   <a:srgbClr val="000000"/>
                 </a:solidFill>
@@ -2409,7 +2410,7 @@
             <a:fld id="{9B3A1323-8D79-1946-B0D7-40001CF92E9D}" type="datetimeFigureOut">
               <a:rPr lang="en-US" dirty="0"/>
               <a:pPr/>
-              <a:t>7/23/20</a:t>
+              <a:t>7/23/2020</a:t>
             </a:fld>
             <a:endParaRPr lang="en-US" dirty="0"/>
           </a:p>
@@ -2749,7 +2750,7 @@
             <a:fld id="{8DFA1846-DA80-1C48-A609-854EA85C59AD}" type="datetimeFigureOut">
               <a:rPr lang="en-US" dirty="0"/>
               <a:pPr/>
-              <a:t>7/23/20</a:t>
+              <a:t>7/23/2020</a:t>
             </a:fld>
             <a:endParaRPr lang="en-US" dirty="0"/>
           </a:p>
@@ -2900,7 +2901,7 @@
           <a:ln/>
           <a:extLst>
             <a:ext uri="{91240B29-F687-4f45-9708-019B960494DF}">
-              <a14:hiddenLine xmlns:a14="http://schemas.microsoft.com/office/drawing/2010/main" xmlns="" w="9525">
+              <a14:hiddenLine xmlns="" xmlns:a14="http://schemas.microsoft.com/office/drawing/2010/main" w="9525">
                 <a:solidFill>
                   <a:srgbClr val="000000"/>
                 </a:solidFill>
@@ -3085,7 +3086,7 @@
             <a:fld id="{57302355-E14B-8545-A8F8-0FE83CC9D524}" type="datetimeFigureOut">
               <a:rPr lang="en-US" dirty="0"/>
               <a:pPr/>
-              <a:t>7/23/20</a:t>
+              <a:t>7/23/2020</a:t>
             </a:fld>
             <a:endParaRPr lang="en-US" dirty="0"/>
           </a:p>
@@ -3236,7 +3237,7 @@
           <a:ln/>
           <a:extLst>
             <a:ext uri="{91240B29-F687-4f45-9708-019B960494DF}">
-              <a14:hiddenLine xmlns:a14="http://schemas.microsoft.com/office/drawing/2010/main" xmlns="" w="9525">
+              <a14:hiddenLine xmlns="" xmlns:a14="http://schemas.microsoft.com/office/drawing/2010/main" w="9525">
                 <a:solidFill>
                   <a:srgbClr val="000000"/>
                 </a:solidFill>
@@ -3559,7 +3560,7 @@
             <a:fld id="{02640F58-564D-2B4F-AE67-E407BA4FCF45}" type="datetimeFigureOut">
               <a:rPr lang="en-US" dirty="0"/>
               <a:pPr/>
-              <a:t>7/23/20</a:t>
+              <a:t>7/23/2020</a:t>
             </a:fld>
             <a:endParaRPr lang="en-US" dirty="0"/>
           </a:p>
@@ -3710,7 +3711,7 @@
           <a:ln/>
           <a:extLst>
             <a:ext uri="{91240B29-F687-4f45-9708-019B960494DF}">
-              <a14:hiddenLine xmlns:a14="http://schemas.microsoft.com/office/drawing/2010/main" xmlns="" w="9525">
+              <a14:hiddenLine xmlns="" xmlns:a14="http://schemas.microsoft.com/office/drawing/2010/main" w="9525">
                 <a:solidFill>
                   <a:srgbClr val="000000"/>
                 </a:solidFill>
@@ -3777,7 +3778,7 @@
             <a:fld id="{F13A34C8-038E-2045-AF43-DF7DBB8E0E9E}" type="datetimeFigureOut">
               <a:rPr lang="en-US" dirty="0"/>
               <a:pPr/>
-              <a:t>7/23/20</a:t>
+              <a:t>7/23/2020</a:t>
             </a:fld>
             <a:endParaRPr lang="en-US" dirty="0"/>
           </a:p>
@@ -3869,7 +3870,7 @@
             <a:fld id="{8818C68F-D26B-8F47-958C-23B49CF8A634}" type="datetimeFigureOut">
               <a:rPr lang="en-US" dirty="0"/>
               <a:pPr/>
-              <a:t>7/23/20</a:t>
+              <a:t>7/23/2020</a:t>
             </a:fld>
             <a:endParaRPr lang="en-US" dirty="0"/>
           </a:p>
@@ -4133,7 +4134,7 @@
           <a:ln/>
           <a:extLst>
             <a:ext uri="{91240B29-F687-4f45-9708-019B960494DF}">
-              <a14:hiddenLine xmlns:a14="http://schemas.microsoft.com/office/drawing/2010/main" xmlns="" w="9525">
+              <a14:hiddenLine xmlns="" xmlns:a14="http://schemas.microsoft.com/office/drawing/2010/main" w="9525">
                 <a:solidFill>
                   <a:srgbClr val="000000"/>
                 </a:solidFill>
@@ -4333,7 +4334,7 @@
             <a:fld id="{D0DF5E60-9974-AC48-9591-99C2BB44B7CF}" type="datetimeFigureOut">
               <a:rPr lang="en-US" dirty="0"/>
               <a:pPr/>
-              <a:t>7/23/20</a:t>
+              <a:t>7/23/2020</a:t>
             </a:fld>
             <a:endParaRPr lang="en-US" dirty="0"/>
           </a:p>
@@ -4643,7 +4644,7 @@
             <a:fld id="{18C79C5D-2A6F-F04D-97DA-BEF2467B64E4}" type="datetimeFigureOut">
               <a:rPr lang="en-US" dirty="0"/>
               <a:pPr/>
-              <a:t>7/23/20</a:t>
+              <a:t>7/23/2020</a:t>
             </a:fld>
             <a:endParaRPr lang="en-US" dirty="0"/>
           </a:p>
@@ -4910,7 +4911,7 @@
             <a:fld id="{09B482E8-6E0E-1B4F-B1FD-C69DB9E858D9}" type="datetimeFigureOut">
               <a:rPr lang="en-US" dirty="0"/>
               <a:pPr/>
-              <a:t>7/23/20</a:t>
+              <a:t>7/23/2020</a:t>
             </a:fld>
             <a:endParaRPr lang="en-US" dirty="0"/>
           </a:p>
@@ -5436,6 +5437,648 @@
 <file path=ppt/slides/slide10.xml><?xml version="1.0" encoding="utf-8"?>
 <p:sld xmlns:a="http://schemas.openxmlformats.org/drawingml/2006/main" xmlns:r="http://schemas.openxmlformats.org/officeDocument/2006/relationships" xmlns:p="http://schemas.openxmlformats.org/presentationml/2006/main">
   <p:cSld>
+    <p:bg>
+      <p:bgPr>
+        <a:solidFill>
+          <a:schemeClr val="bg2"/>
+        </a:solidFill>
+        <a:effectLst/>
+      </p:bgPr>
+    </p:bg>
+    <p:spTree>
+      <p:nvGrpSpPr>
+        <p:cNvPr id="1" name=""/>
+        <p:cNvGrpSpPr/>
+        <p:nvPr/>
+      </p:nvGrpSpPr>
+      <p:grpSpPr>
+        <a:xfrm>
+          <a:off x="0" y="0"/>
+          <a:ext cx="0" cy="0"/>
+          <a:chOff x="0" y="0"/>
+          <a:chExt cx="0" cy="0"/>
+        </a:xfrm>
+      </p:grpSpPr>
+      <p:sp>
+        <p:nvSpPr>
+          <p:cNvPr id="34" name="Freeform 6">
+            <a:extLst>
+              <a:ext uri="{FF2B5EF4-FFF2-40B4-BE49-F238E27FC236}">
+                <a16:creationId xmlns:a16="http://schemas.microsoft.com/office/drawing/2014/main" id="{1FCF5244-C62C-4E27-B395-14F26DFB1373}"/>
+              </a:ext>
+              <a:ext uri="{C183D7F6-B498-43B3-948B-1728B52AA6E4}">
+                <adec:decorative xmlns:adec="http://schemas.microsoft.com/office/drawing/2017/decorative" val="1"/>
+              </a:ext>
+            </a:extLst>
+          </p:cNvPr>
+          <p:cNvSpPr>
+            <a:spLocks noGrp="1" noRot="1" noChangeAspect="1" noMove="1" noResize="1" noEditPoints="1" noAdjustHandles="1" noChangeArrowheads="1" noChangeShapeType="1" noTextEdit="1"/>
+          </p:cNvSpPr>
+          <p:nvPr>
+            <p:extLst>
+              <p:ext uri="{386F3935-93C4-4BCD-93E2-E3B085C9AB24}">
+                <p16:designElem xmlns:p16="http://schemas.microsoft.com/office/powerpoint/2015/main" val="1"/>
+              </p:ext>
+            </p:extLst>
+          </p:nvPr>
+        </p:nvSpPr>
+        <p:spPr bwMode="auto">
+          <a:xfrm>
+            <a:off x="0" y="0"/>
+            <a:ext cx="12192000" cy="2185988"/>
+          </a:xfrm>
+          <a:custGeom>
+            <a:avLst/>
+            <a:gdLst/>
+            <a:ahLst/>
+            <a:cxnLst/>
+            <a:rect l="0" t="0" r="r" b="b"/>
+            <a:pathLst>
+              <a:path w="5760" h="1377">
+                <a:moveTo>
+                  <a:pt x="5760" y="0"/>
+                </a:moveTo>
+                <a:lnTo>
+                  <a:pt x="0" y="0"/>
+                </a:lnTo>
+                <a:lnTo>
+                  <a:pt x="0" y="1189"/>
+                </a:lnTo>
+                <a:lnTo>
+                  <a:pt x="943" y="1189"/>
+                </a:lnTo>
+                <a:lnTo>
+                  <a:pt x="1123" y="1369"/>
+                </a:lnTo>
+                <a:lnTo>
+                  <a:pt x="1123" y="1369"/>
+                </a:lnTo>
+                <a:lnTo>
+                  <a:pt x="1127" y="1371"/>
+                </a:lnTo>
+                <a:lnTo>
+                  <a:pt x="1133" y="1374"/>
+                </a:lnTo>
+                <a:lnTo>
+                  <a:pt x="1139" y="1377"/>
+                </a:lnTo>
+                <a:lnTo>
+                  <a:pt x="1144" y="1377"/>
+                </a:lnTo>
+                <a:lnTo>
+                  <a:pt x="1150" y="1377"/>
+                </a:lnTo>
+                <a:lnTo>
+                  <a:pt x="1155" y="1374"/>
+                </a:lnTo>
+                <a:lnTo>
+                  <a:pt x="1161" y="1371"/>
+                </a:lnTo>
+                <a:lnTo>
+                  <a:pt x="1165" y="1369"/>
+                </a:lnTo>
+                <a:lnTo>
+                  <a:pt x="1345" y="1189"/>
+                </a:lnTo>
+                <a:lnTo>
+                  <a:pt x="5760" y="1189"/>
+                </a:lnTo>
+                <a:lnTo>
+                  <a:pt x="5760" y="0"/>
+                </a:lnTo>
+                <a:close/>
+              </a:path>
+            </a:pathLst>
+          </a:custGeom>
+          <a:ln/>
+          <a:extLst>
+            <a:ext uri="{91240B29-F687-4f45-9708-019B960494DF}">
+              <a14:hiddenLine xmlns:a14="http://schemas.microsoft.com/office/drawing/2010/main" xmlns:p14="http://schemas.microsoft.com/office/powerpoint/2010/main" xmlns:a16="http://schemas.microsoft.com/office/drawing/2014/main" xmlns="" w="9525">
+                <a:solidFill>
+                  <a:srgbClr val="000000"/>
+                </a:solidFill>
+                <a:round/>
+                <a:headEnd/>
+                <a:tailEnd/>
+              </a14:hiddenLine>
+            </a:ext>
+          </a:extLst>
+        </p:spPr>
+        <p:style>
+          <a:lnRef idx="1">
+            <a:schemeClr val="accent1"/>
+          </a:lnRef>
+          <a:fillRef idx="3">
+            <a:schemeClr val="accent1"/>
+          </a:fillRef>
+          <a:effectRef idx="2">
+            <a:schemeClr val="accent1"/>
+          </a:effectRef>
+          <a:fontRef idx="minor">
+            <a:schemeClr val="lt1"/>
+          </a:fontRef>
+        </p:style>
+      </p:sp>
+      <p:sp>
+        <p:nvSpPr>
+          <p:cNvPr id="35" name="Rectangle 27">
+            <a:extLst>
+              <a:ext uri="{FF2B5EF4-FFF2-40B4-BE49-F238E27FC236}">
+                <a16:creationId xmlns:a16="http://schemas.microsoft.com/office/drawing/2014/main" id="{27E4CA8E-5CC0-4B96-8E67-040FB5673FA6}"/>
+              </a:ext>
+              <a:ext uri="{C183D7F6-B498-43B3-948B-1728B52AA6E4}">
+                <adec:decorative xmlns:adec="http://schemas.microsoft.com/office/drawing/2017/decorative" val="1"/>
+              </a:ext>
+            </a:extLst>
+          </p:cNvPr>
+          <p:cNvSpPr>
+            <a:spLocks noGrp="1" noRot="1" noChangeAspect="1" noMove="1" noResize="1" noEditPoints="1" noAdjustHandles="1" noChangeArrowheads="1" noChangeShapeType="1" noTextEdit="1"/>
+          </p:cNvSpPr>
+          <p:nvPr>
+            <p:extLst>
+              <p:ext uri="{386F3935-93C4-4BCD-93E2-E3B085C9AB24}">
+                <p16:designElem xmlns:p16="http://schemas.microsoft.com/office/powerpoint/2015/main" val="1"/>
+              </p:ext>
+            </p:extLst>
+          </p:nvPr>
+        </p:nvSpPr>
+        <p:spPr>
+          <a:xfrm>
+            <a:off x="0" y="0"/>
+            <a:ext cx="12188952" cy="6858000"/>
+          </a:xfrm>
+          <a:prstGeom prst="rect">
+            <a:avLst/>
+          </a:prstGeom>
+          <a:solidFill>
+            <a:schemeClr val="tx1"/>
+          </a:solidFill>
+          <a:ln>
+            <a:noFill/>
+          </a:ln>
+        </p:spPr>
+        <p:style>
+          <a:lnRef idx="2">
+            <a:schemeClr val="accent1">
+              <a:shade val="50000"/>
+            </a:schemeClr>
+          </a:lnRef>
+          <a:fillRef idx="1">
+            <a:schemeClr val="accent1"/>
+          </a:fillRef>
+          <a:effectRef idx="0">
+            <a:schemeClr val="accent1"/>
+          </a:effectRef>
+          <a:fontRef idx="minor">
+            <a:schemeClr val="lt1"/>
+          </a:fontRef>
+        </p:style>
+        <p:txBody>
+          <a:bodyPr rtlCol="0" anchor="ctr"/>
+          <a:lstStyle/>
+          <a:p>
+            <a:pPr algn="ctr"/>
+            <a:endParaRPr lang="en-US"/>
+          </a:p>
+        </p:txBody>
+      </p:sp>
+      <p:sp>
+        <p:nvSpPr>
+          <p:cNvPr id="36" name="Freeform 9">
+            <a:extLst>
+              <a:ext uri="{FF2B5EF4-FFF2-40B4-BE49-F238E27FC236}">
+                <a16:creationId xmlns:a16="http://schemas.microsoft.com/office/drawing/2014/main" id="{E9E16A42-F4F8-425E-9DA6-3237A0CBDC1D}"/>
+              </a:ext>
+              <a:ext uri="{C183D7F6-B498-43B3-948B-1728B52AA6E4}">
+                <adec:decorative xmlns:adec="http://schemas.microsoft.com/office/drawing/2017/decorative" val="1"/>
+              </a:ext>
+            </a:extLst>
+          </p:cNvPr>
+          <p:cNvSpPr>
+            <a:spLocks noGrp="1" noRot="1" noChangeAspect="1" noMove="1" noResize="1" noEditPoints="1" noAdjustHandles="1" noChangeArrowheads="1" noChangeShapeType="1" noTextEdit="1"/>
+          </p:cNvSpPr>
+          <p:nvPr>
+            <p:extLst>
+              <p:ext uri="{386F3935-93C4-4BCD-93E2-E3B085C9AB24}">
+                <p16:designElem xmlns:p16="http://schemas.microsoft.com/office/powerpoint/2015/main" val="1"/>
+              </p:ext>
+            </p:extLst>
+          </p:nvPr>
+        </p:nvSpPr>
+        <p:spPr bwMode="white">
+          <a:xfrm>
+            <a:off x="0" y="0"/>
+            <a:ext cx="6485467" cy="6858000"/>
+          </a:xfrm>
+          <a:custGeom>
+            <a:avLst/>
+            <a:gdLst>
+              <a:gd name="connsiteX0" fmla="*/ 0 w 6485467"/>
+              <a:gd name="connsiteY0" fmla="*/ 0 h 6858000"/>
+              <a:gd name="connsiteX1" fmla="*/ 6485467 w 6485467"/>
+              <a:gd name="connsiteY1" fmla="*/ 0 h 6858000"/>
+              <a:gd name="connsiteX2" fmla="*/ 6485467 w 6485467"/>
+              <a:gd name="connsiteY2" fmla="*/ 1900238 h 6858000"/>
+              <a:gd name="connsiteX3" fmla="*/ 6115051 w 6485467"/>
+              <a:gd name="connsiteY3" fmla="*/ 2178050 h 6858000"/>
+              <a:gd name="connsiteX4" fmla="*/ 6110817 w 6485467"/>
+              <a:gd name="connsiteY4" fmla="*/ 2184400 h 6858000"/>
+              <a:gd name="connsiteX5" fmla="*/ 6104467 w 6485467"/>
+              <a:gd name="connsiteY5" fmla="*/ 2193925 h 6858000"/>
+              <a:gd name="connsiteX6" fmla="*/ 6098117 w 6485467"/>
+              <a:gd name="connsiteY6" fmla="*/ 2201863 h 6858000"/>
+              <a:gd name="connsiteX7" fmla="*/ 6098117 w 6485467"/>
+              <a:gd name="connsiteY7" fmla="*/ 2211388 h 6858000"/>
+              <a:gd name="connsiteX8" fmla="*/ 6098117 w 6485467"/>
+              <a:gd name="connsiteY8" fmla="*/ 2220913 h 6858000"/>
+              <a:gd name="connsiteX9" fmla="*/ 6104467 w 6485467"/>
+              <a:gd name="connsiteY9" fmla="*/ 2228850 h 6858000"/>
+              <a:gd name="connsiteX10" fmla="*/ 6110817 w 6485467"/>
+              <a:gd name="connsiteY10" fmla="*/ 2238375 h 6858000"/>
+              <a:gd name="connsiteX11" fmla="*/ 6115051 w 6485467"/>
+              <a:gd name="connsiteY11" fmla="*/ 2244725 h 6858000"/>
+              <a:gd name="connsiteX12" fmla="*/ 6485467 w 6485467"/>
+              <a:gd name="connsiteY12" fmla="*/ 2522538 h 6858000"/>
+              <a:gd name="connsiteX13" fmla="*/ 6485467 w 6485467"/>
+              <a:gd name="connsiteY13" fmla="*/ 6858000 h 6858000"/>
+              <a:gd name="connsiteX14" fmla="*/ 0 w 6485467"/>
+              <a:gd name="connsiteY14" fmla="*/ 6858000 h 6858000"/>
+            </a:gdLst>
+            <a:ahLst/>
+            <a:cxnLst>
+              <a:cxn ang="0">
+                <a:pos x="connsiteX0" y="connsiteY0"/>
+              </a:cxn>
+              <a:cxn ang="0">
+                <a:pos x="connsiteX1" y="connsiteY1"/>
+              </a:cxn>
+              <a:cxn ang="0">
+                <a:pos x="connsiteX2" y="connsiteY2"/>
+              </a:cxn>
+              <a:cxn ang="0">
+                <a:pos x="connsiteX3" y="connsiteY3"/>
+              </a:cxn>
+              <a:cxn ang="0">
+                <a:pos x="connsiteX4" y="connsiteY4"/>
+              </a:cxn>
+              <a:cxn ang="0">
+                <a:pos x="connsiteX5" y="connsiteY5"/>
+              </a:cxn>
+              <a:cxn ang="0">
+                <a:pos x="connsiteX6" y="connsiteY6"/>
+              </a:cxn>
+              <a:cxn ang="0">
+                <a:pos x="connsiteX7" y="connsiteY7"/>
+              </a:cxn>
+              <a:cxn ang="0">
+                <a:pos x="connsiteX8" y="connsiteY8"/>
+              </a:cxn>
+              <a:cxn ang="0">
+                <a:pos x="connsiteX9" y="connsiteY9"/>
+              </a:cxn>
+              <a:cxn ang="0">
+                <a:pos x="connsiteX10" y="connsiteY10"/>
+              </a:cxn>
+              <a:cxn ang="0">
+                <a:pos x="connsiteX11" y="connsiteY11"/>
+              </a:cxn>
+              <a:cxn ang="0">
+                <a:pos x="connsiteX12" y="connsiteY12"/>
+              </a:cxn>
+              <a:cxn ang="0">
+                <a:pos x="connsiteX13" y="connsiteY13"/>
+              </a:cxn>
+              <a:cxn ang="0">
+                <a:pos x="connsiteX14" y="connsiteY14"/>
+              </a:cxn>
+            </a:cxnLst>
+            <a:rect l="l" t="t" r="r" b="b"/>
+            <a:pathLst>
+              <a:path w="6485467" h="6858000">
+                <a:moveTo>
+                  <a:pt x="0" y="0"/>
+                </a:moveTo>
+                <a:lnTo>
+                  <a:pt x="6485467" y="0"/>
+                </a:lnTo>
+                <a:lnTo>
+                  <a:pt x="6485467" y="1900238"/>
+                </a:lnTo>
+                <a:lnTo>
+                  <a:pt x="6115051" y="2178050"/>
+                </a:lnTo>
+                <a:lnTo>
+                  <a:pt x="6110817" y="2184400"/>
+                </a:lnTo>
+                <a:lnTo>
+                  <a:pt x="6104467" y="2193925"/>
+                </a:lnTo>
+                <a:lnTo>
+                  <a:pt x="6098117" y="2201863"/>
+                </a:lnTo>
+                <a:lnTo>
+                  <a:pt x="6098117" y="2211388"/>
+                </a:lnTo>
+                <a:lnTo>
+                  <a:pt x="6098117" y="2220913"/>
+                </a:lnTo>
+                <a:lnTo>
+                  <a:pt x="6104467" y="2228850"/>
+                </a:lnTo>
+                <a:lnTo>
+                  <a:pt x="6110817" y="2238375"/>
+                </a:lnTo>
+                <a:lnTo>
+                  <a:pt x="6115051" y="2244725"/>
+                </a:lnTo>
+                <a:lnTo>
+                  <a:pt x="6485467" y="2522538"/>
+                </a:lnTo>
+                <a:lnTo>
+                  <a:pt x="6485467" y="6858000"/>
+                </a:lnTo>
+                <a:lnTo>
+                  <a:pt x="0" y="6858000"/>
+                </a:lnTo>
+                <a:close/>
+              </a:path>
+            </a:pathLst>
+          </a:custGeom>
+          <a:solidFill>
+            <a:schemeClr val="bg1">
+              <a:lumMod val="85000"/>
+              <a:lumOff val="15000"/>
+            </a:schemeClr>
+          </a:solidFill>
+          <a:ln>
+            <a:noFill/>
+          </a:ln>
+        </p:spPr>
+        <p:style>
+          <a:lnRef idx="2">
+            <a:schemeClr val="accent1">
+              <a:shade val="50000"/>
+            </a:schemeClr>
+          </a:lnRef>
+          <a:fillRef idx="1">
+            <a:schemeClr val="accent1"/>
+          </a:fillRef>
+          <a:effectRef idx="0">
+            <a:schemeClr val="accent1"/>
+          </a:effectRef>
+          <a:fontRef idx="minor">
+            <a:schemeClr val="lt1"/>
+          </a:fontRef>
+        </p:style>
+        <p:txBody>
+          <a:bodyPr rtlCol="0" anchor="ctr"/>
+          <a:lstStyle/>
+          <a:p>
+            <a:pPr algn="ctr"/>
+            <a:endParaRPr lang="en-US"/>
+          </a:p>
+        </p:txBody>
+      </p:sp>
+      <p:sp>
+        <p:nvSpPr>
+          <p:cNvPr id="2" name="Title 1">
+            <a:extLst>
+              <a:ext uri="{FF2B5EF4-FFF2-40B4-BE49-F238E27FC236}">
+                <a16:creationId xmlns:a16="http://schemas.microsoft.com/office/drawing/2014/main" id="{D2F0C450-C043-493E-B842-86F876D0E592}"/>
+              </a:ext>
+            </a:extLst>
+          </p:cNvPr>
+          <p:cNvSpPr>
+            <a:spLocks noGrp="1"/>
+          </p:cNvSpPr>
+          <p:nvPr>
+            <p:ph type="title"/>
+          </p:nvPr>
+        </p:nvSpPr>
+        <p:spPr>
+          <a:xfrm>
+            <a:off x="810000" y="447188"/>
+            <a:ext cx="5039035" cy="1559412"/>
+          </a:xfrm>
+        </p:spPr>
+        <p:txBody>
+          <a:bodyPr vert="horz" lIns="91440" tIns="45720" rIns="91440" bIns="45720" rtlCol="0" anchor="b">
+            <a:normAutofit/>
+          </a:bodyPr>
+          <a:lstStyle/>
+          <a:p>
+            <a:r>
+              <a:rPr lang="en-US"/>
+              <a:t>Deep Neural Network</a:t>
+            </a:r>
+          </a:p>
+        </p:txBody>
+      </p:sp>
+      <p:sp>
+        <p:nvSpPr>
+          <p:cNvPr id="37" name="Content Placeholder 22">
+            <a:extLst>
+              <a:ext uri="{FF2B5EF4-FFF2-40B4-BE49-F238E27FC236}">
+                <a16:creationId xmlns:a16="http://schemas.microsoft.com/office/drawing/2014/main" id="{BB036B6C-8527-4A78-A345-DF7D3CBD38DE}"/>
+              </a:ext>
+            </a:extLst>
+          </p:cNvPr>
+          <p:cNvSpPr>
+            <a:spLocks noGrp="1"/>
+          </p:cNvSpPr>
+          <p:nvPr>
+            <p:ph sz="half" idx="1"/>
+          </p:nvPr>
+        </p:nvSpPr>
+        <p:spPr>
+          <a:xfrm>
+            <a:off x="818712" y="2413000"/>
+            <a:ext cx="5016259" cy="3632200"/>
+          </a:xfrm>
+        </p:spPr>
+        <p:txBody>
+          <a:bodyPr vert="horz" lIns="91440" tIns="45720" rIns="91440" bIns="45720" rtlCol="0" anchor="ctr">
+            <a:normAutofit lnSpcReduction="10000"/>
+          </a:bodyPr>
+          <a:lstStyle/>
+          <a:p>
+            <a:r>
+              <a:rPr lang="en-US" dirty="0"/>
+              <a:t>Our second Neural Model has 2 hidden layers</a:t>
+            </a:r>
+          </a:p>
+          <a:p>
+            <a:r>
+              <a:rPr lang="en-US" dirty="0"/>
+              <a:t>We used the same distribution of data for both models </a:t>
+            </a:r>
+          </a:p>
+          <a:p>
+            <a:r>
+              <a:rPr lang="en-US" dirty="0"/>
+              <a:t>The Deep Model’s predictive accuracy rounded out to 95.1%</a:t>
+            </a:r>
+          </a:p>
+          <a:p>
+            <a:r>
+              <a:rPr lang="en-US" dirty="0"/>
+              <a:t>Compared to the actual values, the Deep Model did not return any False Positives and missed 12 cases of fraud</a:t>
+            </a:r>
+          </a:p>
+          <a:p>
+            <a:r>
+              <a:rPr lang="en-US" dirty="0"/>
+              <a:t>Despite higher accuracy than the first model, this model missed more cases of actual fraud</a:t>
+            </a:r>
+          </a:p>
+        </p:txBody>
+      </p:sp>
+      <p:sp>
+        <p:nvSpPr>
+          <p:cNvPr id="38" name="Rounded Rectangle 17">
+            <a:extLst>
+              <a:ext uri="{FF2B5EF4-FFF2-40B4-BE49-F238E27FC236}">
+                <a16:creationId xmlns:a16="http://schemas.microsoft.com/office/drawing/2014/main" id="{15285B77-8322-4381-BE3F-F6FE0271B955}"/>
+              </a:ext>
+              <a:ext uri="{C183D7F6-B498-43B3-948B-1728B52AA6E4}">
+                <adec:decorative xmlns:adec="http://schemas.microsoft.com/office/drawing/2017/decorative" val="1"/>
+              </a:ext>
+            </a:extLst>
+          </p:cNvPr>
+          <p:cNvSpPr>
+            <a:spLocks noGrp="1" noRot="1" noChangeAspect="1" noMove="1" noResize="1" noEditPoints="1" noAdjustHandles="1" noChangeArrowheads="1" noChangeShapeType="1" noTextEdit="1"/>
+          </p:cNvSpPr>
+          <p:nvPr>
+            <p:extLst>
+              <p:ext uri="{386F3935-93C4-4BCD-93E2-E3B085C9AB24}">
+                <p16:designElem xmlns:p16="http://schemas.microsoft.com/office/powerpoint/2015/main" val="1"/>
+              </p:ext>
+            </p:extLst>
+          </p:nvPr>
+        </p:nvSpPr>
+        <p:spPr>
+          <a:xfrm>
+            <a:off x="7128932" y="958640"/>
+            <a:ext cx="4419604" cy="4945244"/>
+          </a:xfrm>
+          <a:prstGeom prst="roundRect">
+            <a:avLst>
+              <a:gd name="adj" fmla="val 3513"/>
+            </a:avLst>
+          </a:prstGeom>
+          <a:solidFill>
+            <a:schemeClr val="tx1"/>
+          </a:solidFill>
+          <a:ln>
+            <a:solidFill>
+              <a:schemeClr val="accent1"/>
+            </a:solidFill>
+          </a:ln>
+          <a:effectLst/>
+        </p:spPr>
+        <p:style>
+          <a:lnRef idx="2">
+            <a:schemeClr val="accent1">
+              <a:shade val="50000"/>
+            </a:schemeClr>
+          </a:lnRef>
+          <a:fillRef idx="1">
+            <a:schemeClr val="accent1"/>
+          </a:fillRef>
+          <a:effectRef idx="0">
+            <a:schemeClr val="accent1"/>
+          </a:effectRef>
+          <a:fontRef idx="minor">
+            <a:schemeClr val="lt1"/>
+          </a:fontRef>
+        </p:style>
+        <p:txBody>
+          <a:bodyPr rtlCol="0" anchor="ctr"/>
+          <a:lstStyle/>
+          <a:p>
+            <a:pPr algn="ctr"/>
+            <a:endParaRPr lang="en-US"/>
+          </a:p>
+        </p:txBody>
+      </p:sp>
+      <p:pic>
+        <p:nvPicPr>
+          <p:cNvPr id="4" name="Content Placeholder 3" descr="A screenshot of a cell phone&#10;&#10;Description automatically generated">
+            <a:extLst>
+              <a:ext uri="{FF2B5EF4-FFF2-40B4-BE49-F238E27FC236}">
+                <a16:creationId xmlns:a16="http://schemas.microsoft.com/office/drawing/2014/main" id="{DE3F69BA-3BB1-3C41-9928-BE8096AAB0F2}"/>
+              </a:ext>
+            </a:extLst>
+          </p:cNvPr>
+          <p:cNvPicPr>
+            <a:picLocks noGrp="1" noChangeAspect="1"/>
+          </p:cNvPicPr>
+          <p:nvPr>
+            <p:ph sz="half" idx="2"/>
+          </p:nvPr>
+        </p:nvPicPr>
+        <p:blipFill>
+          <a:blip r:embed="rId2"/>
+          <a:stretch>
+            <a:fillRect/>
+          </a:stretch>
+        </p:blipFill>
+        <p:spPr>
+          <a:xfrm>
+            <a:off x="7448056" y="3649334"/>
+            <a:ext cx="3778306" cy="1936381"/>
+          </a:xfrm>
+          <a:prstGeom prst="rect">
+            <a:avLst/>
+          </a:prstGeom>
+        </p:spPr>
+      </p:pic>
+      <p:pic>
+        <p:nvPicPr>
+          <p:cNvPr id="6" name="Content Placeholder 5" descr="A screenshot of a cell phone&#10;&#10;Description automatically generated">
+            <a:extLst>
+              <a:ext uri="{FF2B5EF4-FFF2-40B4-BE49-F238E27FC236}">
+                <a16:creationId xmlns:a16="http://schemas.microsoft.com/office/drawing/2014/main" id="{33DA14DE-3334-9C41-BB1F-2F5378BBC0CC}"/>
+              </a:ext>
+            </a:extLst>
+          </p:cNvPr>
+          <p:cNvPicPr>
+            <a:picLocks noChangeAspect="1"/>
+          </p:cNvPicPr>
+          <p:nvPr/>
+        </p:nvPicPr>
+        <p:blipFill>
+          <a:blip r:embed="rId3"/>
+          <a:stretch>
+            <a:fillRect/>
+          </a:stretch>
+        </p:blipFill>
+        <p:spPr>
+          <a:xfrm>
+            <a:off x="8211924" y="1272285"/>
+            <a:ext cx="2262993" cy="2058880"/>
+          </a:xfrm>
+          <a:prstGeom prst="rect">
+            <a:avLst/>
+          </a:prstGeom>
+        </p:spPr>
+      </p:pic>
+    </p:spTree>
+    <p:extLst>
+      <p:ext uri="{BB962C8B-B14F-4D97-AF65-F5344CB8AC3E}">
+        <p14:creationId xmlns:p14="http://schemas.microsoft.com/office/powerpoint/2010/main" val="3207258468"/>
+      </p:ext>
+    </p:extLst>
+  </p:cSld>
+  <p:clrMapOvr>
+    <a:masterClrMapping/>
+  </p:clrMapOvr>
+</p:sld>
+</file>
+
+<file path=ppt/slides/slide11.xml><?xml version="1.0" encoding="utf-8"?>
+<p:sld xmlns:a="http://schemas.openxmlformats.org/drawingml/2006/main" xmlns:r="http://schemas.openxmlformats.org/officeDocument/2006/relationships" xmlns:p="http://schemas.openxmlformats.org/presentationml/2006/main">
+  <p:cSld>
     <p:spTree>
       <p:nvGrpSpPr>
         <p:cNvPr id="1" name=""/>
@@ -5748,7 +6391,7 @@
 </p:sld>
 </file>
 
-<file path=ppt/slides/slide11.xml><?xml version="1.0" encoding="utf-8"?>
+<file path=ppt/slides/slide12.xml><?xml version="1.0" encoding="utf-8"?>
 <p:sld xmlns:a="http://schemas.openxmlformats.org/drawingml/2006/main" xmlns:r="http://schemas.openxmlformats.org/officeDocument/2006/relationships" xmlns:p="http://schemas.openxmlformats.org/presentationml/2006/main">
   <p:cSld>
     <p:spTree>
@@ -5954,7 +6597,7 @@
 </p:sld>
 </file>
 
-<file path=ppt/slides/slide12.xml><?xml version="1.0" encoding="utf-8"?>
+<file path=ppt/slides/slide13.xml><?xml version="1.0" encoding="utf-8"?>
 <p:sld xmlns:a="http://schemas.openxmlformats.org/drawingml/2006/main" xmlns:r="http://schemas.openxmlformats.org/officeDocument/2006/relationships" xmlns:p="http://schemas.openxmlformats.org/presentationml/2006/main">
   <p:cSld>
     <p:spTree>
@@ -6159,7 +6802,7 @@
           <a:ln/>
           <a:extLst>
             <a:ext uri="{91240B29-F687-4f45-9708-019B960494DF}">
-              <a14:hiddenLine xmlns="" xmlns:a16="http://schemas.microsoft.com/office/drawing/2014/main" xmlns:p14="http://schemas.microsoft.com/office/powerpoint/2010/main" xmlns:a14="http://schemas.microsoft.com/office/drawing/2010/main" w="9525">
+              <a14:hiddenLine xmlns:a14="http://schemas.microsoft.com/office/drawing/2010/main" xmlns:p14="http://schemas.microsoft.com/office/powerpoint/2010/main" xmlns:a16="http://schemas.microsoft.com/office/drawing/2014/main" xmlns="" w="9525">
                 <a:solidFill>
                   <a:srgbClr val="000000"/>
                 </a:solidFill>
@@ -6828,7 +7471,7 @@
           <a:ln/>
           <a:extLst>
             <a:ext uri="{91240B29-F687-4f45-9708-019B960494DF}">
-              <a14:hiddenLine xmlns="" xmlns:a16="http://schemas.microsoft.com/office/drawing/2014/main" xmlns:p14="http://schemas.microsoft.com/office/powerpoint/2010/main" xmlns:a14="http://schemas.microsoft.com/office/drawing/2010/main" w="9525">
+              <a14:hiddenLine xmlns:a14="http://schemas.microsoft.com/office/drawing/2010/main" xmlns:p14="http://schemas.microsoft.com/office/powerpoint/2010/main" xmlns:a16="http://schemas.microsoft.com/office/drawing/2014/main" xmlns="" w="9525">
                 <a:solidFill>
                   <a:srgbClr val="000000"/>
                 </a:solidFill>
@@ -7134,7 +7777,7 @@
           <a:ln/>
           <a:extLst>
             <a:ext uri="{91240B29-F687-4f45-9708-019B960494DF}">
-              <a14:hiddenLine xmlns="" xmlns:a16="http://schemas.microsoft.com/office/drawing/2014/main" xmlns:p14="http://schemas.microsoft.com/office/powerpoint/2010/main" xmlns:a14="http://schemas.microsoft.com/office/drawing/2010/main" w="9525">
+              <a14:hiddenLine xmlns:a14="http://schemas.microsoft.com/office/drawing/2010/main" xmlns:p14="http://schemas.microsoft.com/office/powerpoint/2010/main" xmlns:a16="http://schemas.microsoft.com/office/drawing/2014/main" xmlns="" w="9525">
                 <a:solidFill>
                   <a:srgbClr val="000000"/>
                 </a:solidFill>
@@ -7481,11 +8124,38 @@
         </p:spPr>
         <p:txBody>
           <a:bodyPr vert="horz" lIns="91440" tIns="45720" rIns="91440" bIns="45720" rtlCol="0" anchor="ctr">
-            <a:normAutofit/>
+            <a:normAutofit lnSpcReduction="10000"/>
           </a:bodyPr>
           <a:lstStyle/>
           <a:p>
-            <a:endParaRPr lang="en-US" sz="1600"/>
+            <a:r>
+              <a:rPr lang="en-US" sz="1600" dirty="0"/>
+              <a:t>Tested a 75/25 train/test split of balanced fraud to not fraud transactions</a:t>
+            </a:r>
+          </a:p>
+          <a:p>
+            <a:r>
+              <a:rPr lang="en-US" sz="1600" dirty="0"/>
+              <a:t>Plotted X1 &amp; X2 (2 features)</a:t>
+            </a:r>
+          </a:p>
+          <a:p>
+            <a:r>
+              <a:rPr lang="en-US" sz="1600" dirty="0"/>
+              <a:t>Plotted X1, X2 &amp; X3 (3 Features)</a:t>
+            </a:r>
+          </a:p>
+          <a:p>
+            <a:r>
+              <a:rPr lang="en-US" sz="1600" dirty="0"/>
+              <a:t>Because our dataset has 29 Features, we are not able to see the separation in a 2D Graph or a 3D Graph</a:t>
+            </a:r>
+          </a:p>
+          <a:p>
+            <a:r>
+              <a:rPr lang="en-US" sz="1600" dirty="0"/>
+              <a:t>Achieved a .919 Test Accuracy with the SVM Model</a:t>
+            </a:r>
           </a:p>
         </p:txBody>
       </p:sp>
@@ -7589,10 +8259,10 @@
       </p:pic>
       <p:pic>
         <p:nvPicPr>
-          <p:cNvPr id="6" name="Content Placeholder 5" descr="A close up of a map&#10;&#10;Description automatically generated">
+          <p:cNvPr id="9" name="Content Placeholder 8">
             <a:extLst>
               <a:ext uri="{FF2B5EF4-FFF2-40B4-BE49-F238E27FC236}">
-                <a16:creationId xmlns:a16="http://schemas.microsoft.com/office/drawing/2014/main" id="{3DB59171-2B55-214D-A121-F5BC72308DB9}"/>
+                <a16:creationId xmlns:a16="http://schemas.microsoft.com/office/drawing/2014/main" id="{92910953-36A2-4994-9F73-A59242EDC298}"/>
               </a:ext>
             </a:extLst>
           </p:cNvPr>
@@ -7611,8 +8281,35 @@
         </p:blipFill>
         <p:spPr>
           <a:xfrm>
-            <a:off x="8501865" y="2519581"/>
-            <a:ext cx="2726022" cy="1817347"/>
+            <a:off x="8668064" y="1853146"/>
+            <a:ext cx="2724939" cy="1816626"/>
+          </a:xfrm>
+        </p:spPr>
+      </p:pic>
+      <p:pic>
+        <p:nvPicPr>
+          <p:cNvPr id="12" name="Picture 11">
+            <a:extLst>
+              <a:ext uri="{FF2B5EF4-FFF2-40B4-BE49-F238E27FC236}">
+                <a16:creationId xmlns:a16="http://schemas.microsoft.com/office/drawing/2014/main" id="{FEF7A9C2-5F31-496E-B90E-4A118CD0FF1C}"/>
+              </a:ext>
+            </a:extLst>
+          </p:cNvPr>
+          <p:cNvPicPr>
+            <a:picLocks noChangeAspect="1"/>
+          </p:cNvPicPr>
+          <p:nvPr/>
+        </p:nvPicPr>
+        <p:blipFill>
+          <a:blip r:embed="rId4"/>
+          <a:stretch>
+            <a:fillRect/>
+          </a:stretch>
+        </p:blipFill>
+        <p:spPr>
+          <a:xfrm>
+            <a:off x="8668064" y="3669772"/>
+            <a:ext cx="2724939" cy="1816626"/>
           </a:xfrm>
           <a:prstGeom prst="rect">
             <a:avLst/>
@@ -7659,7 +8356,7 @@
       </p:grpSpPr>
       <p:sp>
         <p:nvSpPr>
-          <p:cNvPr id="15" name="Freeform 6">
+          <p:cNvPr id="29" name="Freeform 6">
             <a:extLst>
               <a:ext uri="{FF2B5EF4-FFF2-40B4-BE49-F238E27FC236}">
                 <a16:creationId xmlns:a16="http://schemas.microsoft.com/office/drawing/2014/main" id="{1FCF5244-C62C-4E27-B395-14F26DFB1373}"/>
@@ -7751,7 +8448,7 @@
           <a:ln/>
           <a:extLst>
             <a:ext uri="{91240B29-F687-4f45-9708-019B960494DF}">
-              <a14:hiddenLine xmlns="" xmlns:a16="http://schemas.microsoft.com/office/drawing/2014/main" xmlns:p14="http://schemas.microsoft.com/office/powerpoint/2010/main" xmlns:a14="http://schemas.microsoft.com/office/drawing/2010/main" w="9525">
+              <a14:hiddenLine xmlns:a14="http://schemas.microsoft.com/office/drawing/2010/main" xmlns:p14="http://schemas.microsoft.com/office/powerpoint/2010/main" xmlns:a16="http://schemas.microsoft.com/office/drawing/2014/main" xmlns="" w="9525">
                 <a:solidFill>
                   <a:srgbClr val="000000"/>
                 </a:solidFill>
@@ -7779,7 +8476,7 @@
       </p:sp>
       <p:sp>
         <p:nvSpPr>
-          <p:cNvPr id="17" name="Rectangle 16">
+          <p:cNvPr id="19" name="Rectangle 18">
             <a:extLst>
               <a:ext uri="{FF2B5EF4-FFF2-40B4-BE49-F238E27FC236}">
                 <a16:creationId xmlns:a16="http://schemas.microsoft.com/office/drawing/2014/main" id="{E158B155-2870-4844-B295-BF04F38497F2}"/>
@@ -7842,7 +8539,7 @@
       </p:sp>
       <p:sp>
         <p:nvSpPr>
-          <p:cNvPr id="19" name="Freeform 23">
+          <p:cNvPr id="21" name="Freeform 23">
             <a:extLst>
               <a:ext uri="{FF2B5EF4-FFF2-40B4-BE49-F238E27FC236}">
                 <a16:creationId xmlns:a16="http://schemas.microsoft.com/office/drawing/2014/main" id="{8EC6859F-6DE0-454C-AF7C-3CEC5E54120D}"/>
@@ -8044,6 +8741,635 @@
           <p:cNvPr id="2" name="Title 1">
             <a:extLst>
               <a:ext uri="{FF2B5EF4-FFF2-40B4-BE49-F238E27FC236}">
+                <a16:creationId xmlns:a16="http://schemas.microsoft.com/office/drawing/2014/main" id="{70D6A617-608B-A548-9AB8-CC939F4A8205}"/>
+              </a:ext>
+            </a:extLst>
+          </p:cNvPr>
+          <p:cNvSpPr>
+            <a:spLocks noGrp="1"/>
+          </p:cNvSpPr>
+          <p:nvPr>
+            <p:ph type="title"/>
+          </p:nvPr>
+        </p:nvSpPr>
+        <p:spPr>
+          <a:xfrm>
+            <a:off x="810001" y="447188"/>
+            <a:ext cx="3413084" cy="1559412"/>
+          </a:xfrm>
+        </p:spPr>
+        <p:txBody>
+          <a:bodyPr vert="horz" lIns="91440" tIns="45720" rIns="91440" bIns="45720" rtlCol="0" anchor="b">
+            <a:normAutofit/>
+          </a:bodyPr>
+          <a:lstStyle/>
+          <a:p>
+            <a:r>
+              <a:rPr lang="en-US" sz="3200"/>
+              <a:t>SVM</a:t>
+            </a:r>
+          </a:p>
+        </p:txBody>
+      </p:sp>
+      <p:sp>
+        <p:nvSpPr>
+          <p:cNvPr id="14" name="Content Placeholder 13">
+            <a:extLst>
+              <a:ext uri="{FF2B5EF4-FFF2-40B4-BE49-F238E27FC236}">
+                <a16:creationId xmlns:a16="http://schemas.microsoft.com/office/drawing/2014/main" id="{86B54E83-B279-484C-9DFB-58353493980A}"/>
+              </a:ext>
+            </a:extLst>
+          </p:cNvPr>
+          <p:cNvSpPr>
+            <a:spLocks noGrp="1"/>
+          </p:cNvSpPr>
+          <p:nvPr>
+            <p:ph sz="half" idx="1"/>
+          </p:nvPr>
+        </p:nvSpPr>
+        <p:spPr>
+          <a:xfrm>
+            <a:off x="818713" y="2413000"/>
+            <a:ext cx="3404372" cy="3632200"/>
+          </a:xfrm>
+        </p:spPr>
+        <p:txBody>
+          <a:bodyPr vert="horz" lIns="91440" tIns="45720" rIns="91440" bIns="45720" rtlCol="0" anchor="ctr">
+            <a:normAutofit/>
+          </a:bodyPr>
+          <a:lstStyle/>
+          <a:p>
+            <a:r>
+              <a:rPr lang="en-US" sz="1600" dirty="0"/>
+              <a:t>Tested a 75/25 train/test split of balanced fraud to not fraud transactions</a:t>
+            </a:r>
+          </a:p>
+          <a:p>
+            <a:r>
+              <a:rPr lang="en-US" sz="1600" dirty="0"/>
+              <a:t>Achieved a .919 Test Accuracy with the SVM Model</a:t>
+            </a:r>
+          </a:p>
+          <a:p>
+            <a:r>
+              <a:rPr lang="en-US" sz="1600" dirty="0"/>
+              <a:t>All of our errors were “true negative” which means the model failed to catch 20 cases of fraud</a:t>
+            </a:r>
+          </a:p>
+        </p:txBody>
+      </p:sp>
+      <p:sp>
+        <p:nvSpPr>
+          <p:cNvPr id="30" name="Rounded Rectangle 17">
+            <a:extLst>
+              <a:ext uri="{FF2B5EF4-FFF2-40B4-BE49-F238E27FC236}">
+                <a16:creationId xmlns:a16="http://schemas.microsoft.com/office/drawing/2014/main" id="{B54A185E-16AF-4E1A-9E7F-1414E2A34920}"/>
+              </a:ext>
+              <a:ext uri="{C183D7F6-B498-43B3-948B-1728B52AA6E4}">
+                <adec:decorative xmlns:adec="http://schemas.microsoft.com/office/drawing/2017/decorative" val="1"/>
+              </a:ext>
+            </a:extLst>
+          </p:cNvPr>
+          <p:cNvSpPr>
+            <a:spLocks noGrp="1" noRot="1" noChangeAspect="1" noMove="1" noResize="1" noEditPoints="1" noAdjustHandles="1" noChangeArrowheads="1" noChangeShapeType="1" noTextEdit="1"/>
+          </p:cNvSpPr>
+          <p:nvPr>
+            <p:extLst>
+              <p:ext uri="{386F3935-93C4-4BCD-93E2-E3B085C9AB24}">
+                <p16:designElem xmlns:p16="http://schemas.microsoft.com/office/powerpoint/2015/main" val="1"/>
+              </p:ext>
+            </p:extLst>
+          </p:nvPr>
+        </p:nvSpPr>
+        <p:spPr>
+          <a:xfrm>
+            <a:off x="5278945" y="958640"/>
+            <a:ext cx="6269591" cy="4945244"/>
+          </a:xfrm>
+          <a:prstGeom prst="roundRect">
+            <a:avLst>
+              <a:gd name="adj" fmla="val 3513"/>
+            </a:avLst>
+          </a:prstGeom>
+          <a:solidFill>
+            <a:schemeClr val="tx1"/>
+          </a:solidFill>
+          <a:ln>
+            <a:solidFill>
+              <a:schemeClr val="accent1"/>
+            </a:solidFill>
+          </a:ln>
+          <a:effectLst/>
+        </p:spPr>
+        <p:style>
+          <a:lnRef idx="2">
+            <a:schemeClr val="accent1">
+              <a:shade val="50000"/>
+            </a:schemeClr>
+          </a:lnRef>
+          <a:fillRef idx="1">
+            <a:schemeClr val="accent1"/>
+          </a:fillRef>
+          <a:effectRef idx="0">
+            <a:schemeClr val="accent1"/>
+          </a:effectRef>
+          <a:fontRef idx="minor">
+            <a:schemeClr val="lt1"/>
+          </a:fontRef>
+        </p:style>
+        <p:txBody>
+          <a:bodyPr rtlCol="0" anchor="ctr"/>
+          <a:lstStyle/>
+          <a:p>
+            <a:pPr algn="ctr"/>
+            <a:endParaRPr lang="en-US"/>
+          </a:p>
+        </p:txBody>
+      </p:sp>
+      <p:pic>
+        <p:nvPicPr>
+          <p:cNvPr id="6" name="Content Placeholder 5">
+            <a:extLst>
+              <a:ext uri="{FF2B5EF4-FFF2-40B4-BE49-F238E27FC236}">
+                <a16:creationId xmlns:a16="http://schemas.microsoft.com/office/drawing/2014/main" id="{E3F8891D-DF7C-4478-A12A-EA3888E4B04B}"/>
+              </a:ext>
+            </a:extLst>
+          </p:cNvPr>
+          <p:cNvPicPr>
+            <a:picLocks noGrp="1" noChangeAspect="1"/>
+          </p:cNvPicPr>
+          <p:nvPr>
+            <p:ph sz="half" idx="2"/>
+          </p:nvPr>
+        </p:nvPicPr>
+        <p:blipFill>
+          <a:blip r:embed="rId2"/>
+          <a:stretch>
+            <a:fillRect/>
+          </a:stretch>
+        </p:blipFill>
+        <p:spPr>
+          <a:xfrm>
+            <a:off x="5873262" y="3206409"/>
+            <a:ext cx="5173379" cy="2586690"/>
+          </a:xfrm>
+        </p:spPr>
+      </p:pic>
+      <p:pic>
+        <p:nvPicPr>
+          <p:cNvPr id="8" name="Picture 7">
+            <a:extLst>
+              <a:ext uri="{FF2B5EF4-FFF2-40B4-BE49-F238E27FC236}">
+                <a16:creationId xmlns:a16="http://schemas.microsoft.com/office/drawing/2014/main" id="{120636A8-2D7F-4DDC-A7CA-7618ABE01BD8}"/>
+              </a:ext>
+            </a:extLst>
+          </p:cNvPr>
+          <p:cNvPicPr>
+            <a:picLocks noChangeAspect="1"/>
+          </p:cNvPicPr>
+          <p:nvPr/>
+        </p:nvPicPr>
+        <p:blipFill>
+          <a:blip r:embed="rId3"/>
+          <a:stretch>
+            <a:fillRect/>
+          </a:stretch>
+        </p:blipFill>
+        <p:spPr>
+          <a:xfrm>
+            <a:off x="5779316" y="1276350"/>
+            <a:ext cx="5267325" cy="1819275"/>
+          </a:xfrm>
+          <a:prstGeom prst="rect">
+            <a:avLst/>
+          </a:prstGeom>
+        </p:spPr>
+      </p:pic>
+    </p:spTree>
+    <p:extLst>
+      <p:ext uri="{BB962C8B-B14F-4D97-AF65-F5344CB8AC3E}">
+        <p14:creationId xmlns:p14="http://schemas.microsoft.com/office/powerpoint/2010/main" val="1795236447"/>
+      </p:ext>
+    </p:extLst>
+  </p:cSld>
+  <p:clrMapOvr>
+    <a:masterClrMapping/>
+  </p:clrMapOvr>
+</p:sld>
+</file>
+
+<file path=ppt/slides/slide7.xml><?xml version="1.0" encoding="utf-8"?>
+<p:sld xmlns:a="http://schemas.openxmlformats.org/drawingml/2006/main" xmlns:r="http://schemas.openxmlformats.org/officeDocument/2006/relationships" xmlns:p="http://schemas.openxmlformats.org/presentationml/2006/main">
+  <p:cSld>
+    <p:bg>
+      <p:bgPr>
+        <a:solidFill>
+          <a:schemeClr val="bg2"/>
+        </a:solidFill>
+        <a:effectLst/>
+      </p:bgPr>
+    </p:bg>
+    <p:spTree>
+      <p:nvGrpSpPr>
+        <p:cNvPr id="1" name=""/>
+        <p:cNvGrpSpPr/>
+        <p:nvPr/>
+      </p:nvGrpSpPr>
+      <p:grpSpPr>
+        <a:xfrm>
+          <a:off x="0" y="0"/>
+          <a:ext cx="0" cy="0"/>
+          <a:chOff x="0" y="0"/>
+          <a:chExt cx="0" cy="0"/>
+        </a:xfrm>
+      </p:grpSpPr>
+      <p:sp>
+        <p:nvSpPr>
+          <p:cNvPr id="15" name="Freeform 6">
+            <a:extLst>
+              <a:ext uri="{FF2B5EF4-FFF2-40B4-BE49-F238E27FC236}">
+                <a16:creationId xmlns:a16="http://schemas.microsoft.com/office/drawing/2014/main" id="{1FCF5244-C62C-4E27-B395-14F26DFB1373}"/>
+              </a:ext>
+              <a:ext uri="{C183D7F6-B498-43B3-948B-1728B52AA6E4}">
+                <adec:decorative xmlns:adec="http://schemas.microsoft.com/office/drawing/2017/decorative" val="1"/>
+              </a:ext>
+            </a:extLst>
+          </p:cNvPr>
+          <p:cNvSpPr>
+            <a:spLocks noGrp="1" noRot="1" noChangeAspect="1" noMove="1" noResize="1" noEditPoints="1" noAdjustHandles="1" noChangeArrowheads="1" noChangeShapeType="1" noTextEdit="1"/>
+          </p:cNvSpPr>
+          <p:nvPr>
+            <p:extLst>
+              <p:ext uri="{386F3935-93C4-4BCD-93E2-E3B085C9AB24}">
+                <p16:designElem xmlns:p16="http://schemas.microsoft.com/office/powerpoint/2015/main" val="1"/>
+              </p:ext>
+            </p:extLst>
+          </p:nvPr>
+        </p:nvSpPr>
+        <p:spPr bwMode="auto">
+          <a:xfrm>
+            <a:off x="0" y="0"/>
+            <a:ext cx="12192000" cy="2185988"/>
+          </a:xfrm>
+          <a:custGeom>
+            <a:avLst/>
+            <a:gdLst/>
+            <a:ahLst/>
+            <a:cxnLst/>
+            <a:rect l="0" t="0" r="r" b="b"/>
+            <a:pathLst>
+              <a:path w="5760" h="1377">
+                <a:moveTo>
+                  <a:pt x="5760" y="0"/>
+                </a:moveTo>
+                <a:lnTo>
+                  <a:pt x="0" y="0"/>
+                </a:lnTo>
+                <a:lnTo>
+                  <a:pt x="0" y="1189"/>
+                </a:lnTo>
+                <a:lnTo>
+                  <a:pt x="943" y="1189"/>
+                </a:lnTo>
+                <a:lnTo>
+                  <a:pt x="1123" y="1369"/>
+                </a:lnTo>
+                <a:lnTo>
+                  <a:pt x="1123" y="1369"/>
+                </a:lnTo>
+                <a:lnTo>
+                  <a:pt x="1127" y="1371"/>
+                </a:lnTo>
+                <a:lnTo>
+                  <a:pt x="1133" y="1374"/>
+                </a:lnTo>
+                <a:lnTo>
+                  <a:pt x="1139" y="1377"/>
+                </a:lnTo>
+                <a:lnTo>
+                  <a:pt x="1144" y="1377"/>
+                </a:lnTo>
+                <a:lnTo>
+                  <a:pt x="1150" y="1377"/>
+                </a:lnTo>
+                <a:lnTo>
+                  <a:pt x="1155" y="1374"/>
+                </a:lnTo>
+                <a:lnTo>
+                  <a:pt x="1161" y="1371"/>
+                </a:lnTo>
+                <a:lnTo>
+                  <a:pt x="1165" y="1369"/>
+                </a:lnTo>
+                <a:lnTo>
+                  <a:pt x="1345" y="1189"/>
+                </a:lnTo>
+                <a:lnTo>
+                  <a:pt x="5760" y="1189"/>
+                </a:lnTo>
+                <a:lnTo>
+                  <a:pt x="5760" y="0"/>
+                </a:lnTo>
+                <a:close/>
+              </a:path>
+            </a:pathLst>
+          </a:custGeom>
+          <a:ln/>
+          <a:extLst>
+            <a:ext uri="{91240B29-F687-4f45-9708-019B960494DF}">
+              <a14:hiddenLine xmlns:a14="http://schemas.microsoft.com/office/drawing/2010/main" xmlns:p14="http://schemas.microsoft.com/office/powerpoint/2010/main" xmlns:a16="http://schemas.microsoft.com/office/drawing/2014/main" xmlns="" w="9525">
+                <a:solidFill>
+                  <a:srgbClr val="000000"/>
+                </a:solidFill>
+                <a:round/>
+                <a:headEnd/>
+                <a:tailEnd/>
+              </a14:hiddenLine>
+            </a:ext>
+          </a:extLst>
+        </p:spPr>
+        <p:style>
+          <a:lnRef idx="1">
+            <a:schemeClr val="accent1"/>
+          </a:lnRef>
+          <a:fillRef idx="3">
+            <a:schemeClr val="accent1"/>
+          </a:fillRef>
+          <a:effectRef idx="2">
+            <a:schemeClr val="accent1"/>
+          </a:effectRef>
+          <a:fontRef idx="minor">
+            <a:schemeClr val="lt1"/>
+          </a:fontRef>
+        </p:style>
+      </p:sp>
+      <p:sp>
+        <p:nvSpPr>
+          <p:cNvPr id="17" name="Rectangle 16">
+            <a:extLst>
+              <a:ext uri="{FF2B5EF4-FFF2-40B4-BE49-F238E27FC236}">
+                <a16:creationId xmlns:a16="http://schemas.microsoft.com/office/drawing/2014/main" id="{E158B155-2870-4844-B295-BF04F38497F2}"/>
+              </a:ext>
+              <a:ext uri="{C183D7F6-B498-43B3-948B-1728B52AA6E4}">
+                <adec:decorative xmlns:adec="http://schemas.microsoft.com/office/drawing/2017/decorative" val="1"/>
+              </a:ext>
+            </a:extLst>
+          </p:cNvPr>
+          <p:cNvSpPr>
+            <a:spLocks noGrp="1" noRot="1" noChangeAspect="1" noMove="1" noResize="1" noEditPoints="1" noAdjustHandles="1" noChangeArrowheads="1" noChangeShapeType="1" noTextEdit="1"/>
+          </p:cNvSpPr>
+          <p:nvPr>
+            <p:extLst>
+              <p:ext uri="{386F3935-93C4-4BCD-93E2-E3B085C9AB24}">
+                <p16:designElem xmlns:p16="http://schemas.microsoft.com/office/powerpoint/2015/main" val="1"/>
+              </p:ext>
+            </p:extLst>
+          </p:nvPr>
+        </p:nvSpPr>
+        <p:spPr>
+          <a:xfrm>
+            <a:off x="0" y="0"/>
+            <a:ext cx="12188952" cy="6858000"/>
+          </a:xfrm>
+          <a:prstGeom prst="rect">
+            <a:avLst/>
+          </a:prstGeom>
+          <a:solidFill>
+            <a:schemeClr val="tx1"/>
+          </a:solidFill>
+          <a:ln>
+            <a:noFill/>
+          </a:ln>
+        </p:spPr>
+        <p:style>
+          <a:lnRef idx="2">
+            <a:schemeClr val="accent1">
+              <a:shade val="50000"/>
+            </a:schemeClr>
+          </a:lnRef>
+          <a:fillRef idx="1">
+            <a:schemeClr val="accent1"/>
+          </a:fillRef>
+          <a:effectRef idx="0">
+            <a:schemeClr val="accent1"/>
+          </a:effectRef>
+          <a:fontRef idx="minor">
+            <a:schemeClr val="lt1"/>
+          </a:fontRef>
+        </p:style>
+        <p:txBody>
+          <a:bodyPr rtlCol="0" anchor="ctr"/>
+          <a:lstStyle/>
+          <a:p>
+            <a:pPr algn="ctr"/>
+            <a:endParaRPr lang="en-US"/>
+          </a:p>
+        </p:txBody>
+      </p:sp>
+      <p:sp>
+        <p:nvSpPr>
+          <p:cNvPr id="19" name="Freeform 23">
+            <a:extLst>
+              <a:ext uri="{FF2B5EF4-FFF2-40B4-BE49-F238E27FC236}">
+                <a16:creationId xmlns:a16="http://schemas.microsoft.com/office/drawing/2014/main" id="{8EC6859F-6DE0-454C-AF7C-3CEC5E54120D}"/>
+              </a:ext>
+              <a:ext uri="{C183D7F6-B498-43B3-948B-1728B52AA6E4}">
+                <adec:decorative xmlns:adec="http://schemas.microsoft.com/office/drawing/2017/decorative" val="1"/>
+              </a:ext>
+            </a:extLst>
+          </p:cNvPr>
+          <p:cNvSpPr>
+            <a:spLocks noGrp="1" noRot="1" noChangeAspect="1" noMove="1" noResize="1" noEditPoints="1" noAdjustHandles="1" noChangeArrowheads="1" noChangeShapeType="1" noTextEdit="1"/>
+          </p:cNvSpPr>
+          <p:nvPr>
+            <p:extLst>
+              <p:ext uri="{386F3935-93C4-4BCD-93E2-E3B085C9AB24}">
+                <p16:designElem xmlns:p16="http://schemas.microsoft.com/office/powerpoint/2015/main" val="1"/>
+              </p:ext>
+            </p:extLst>
+          </p:nvPr>
+        </p:nvSpPr>
+        <p:spPr bwMode="white">
+          <a:xfrm>
+            <a:off x="0" y="0"/>
+            <a:ext cx="4637005" cy="6858000"/>
+          </a:xfrm>
+          <a:custGeom>
+            <a:avLst/>
+            <a:gdLst>
+              <a:gd name="connsiteX0" fmla="*/ 0 w 4637005"/>
+              <a:gd name="connsiteY0" fmla="*/ 0 h 6858000"/>
+              <a:gd name="connsiteX1" fmla="*/ 4637005 w 4637005"/>
+              <a:gd name="connsiteY1" fmla="*/ 0 h 6858000"/>
+              <a:gd name="connsiteX2" fmla="*/ 4637005 w 4637005"/>
+              <a:gd name="connsiteY2" fmla="*/ 1900238 h 6858000"/>
+              <a:gd name="connsiteX3" fmla="*/ 4266589 w 4637005"/>
+              <a:gd name="connsiteY3" fmla="*/ 2178050 h 6858000"/>
+              <a:gd name="connsiteX4" fmla="*/ 4262355 w 4637005"/>
+              <a:gd name="connsiteY4" fmla="*/ 2184400 h 6858000"/>
+              <a:gd name="connsiteX5" fmla="*/ 4256005 w 4637005"/>
+              <a:gd name="connsiteY5" fmla="*/ 2193925 h 6858000"/>
+              <a:gd name="connsiteX6" fmla="*/ 4249655 w 4637005"/>
+              <a:gd name="connsiteY6" fmla="*/ 2201863 h 6858000"/>
+              <a:gd name="connsiteX7" fmla="*/ 4249655 w 4637005"/>
+              <a:gd name="connsiteY7" fmla="*/ 2211388 h 6858000"/>
+              <a:gd name="connsiteX8" fmla="*/ 4249655 w 4637005"/>
+              <a:gd name="connsiteY8" fmla="*/ 2220913 h 6858000"/>
+              <a:gd name="connsiteX9" fmla="*/ 4256005 w 4637005"/>
+              <a:gd name="connsiteY9" fmla="*/ 2228850 h 6858000"/>
+              <a:gd name="connsiteX10" fmla="*/ 4262355 w 4637005"/>
+              <a:gd name="connsiteY10" fmla="*/ 2238375 h 6858000"/>
+              <a:gd name="connsiteX11" fmla="*/ 4266589 w 4637005"/>
+              <a:gd name="connsiteY11" fmla="*/ 2244725 h 6858000"/>
+              <a:gd name="connsiteX12" fmla="*/ 4637005 w 4637005"/>
+              <a:gd name="connsiteY12" fmla="*/ 2522538 h 6858000"/>
+              <a:gd name="connsiteX13" fmla="*/ 4637005 w 4637005"/>
+              <a:gd name="connsiteY13" fmla="*/ 6858000 h 6858000"/>
+              <a:gd name="connsiteX14" fmla="*/ 0 w 4637005"/>
+              <a:gd name="connsiteY14" fmla="*/ 6858000 h 6858000"/>
+            </a:gdLst>
+            <a:ahLst/>
+            <a:cxnLst>
+              <a:cxn ang="0">
+                <a:pos x="connsiteX0" y="connsiteY0"/>
+              </a:cxn>
+              <a:cxn ang="0">
+                <a:pos x="connsiteX1" y="connsiteY1"/>
+              </a:cxn>
+              <a:cxn ang="0">
+                <a:pos x="connsiteX2" y="connsiteY2"/>
+              </a:cxn>
+              <a:cxn ang="0">
+                <a:pos x="connsiteX3" y="connsiteY3"/>
+              </a:cxn>
+              <a:cxn ang="0">
+                <a:pos x="connsiteX4" y="connsiteY4"/>
+              </a:cxn>
+              <a:cxn ang="0">
+                <a:pos x="connsiteX5" y="connsiteY5"/>
+              </a:cxn>
+              <a:cxn ang="0">
+                <a:pos x="connsiteX6" y="connsiteY6"/>
+              </a:cxn>
+              <a:cxn ang="0">
+                <a:pos x="connsiteX7" y="connsiteY7"/>
+              </a:cxn>
+              <a:cxn ang="0">
+                <a:pos x="connsiteX8" y="connsiteY8"/>
+              </a:cxn>
+              <a:cxn ang="0">
+                <a:pos x="connsiteX9" y="connsiteY9"/>
+              </a:cxn>
+              <a:cxn ang="0">
+                <a:pos x="connsiteX10" y="connsiteY10"/>
+              </a:cxn>
+              <a:cxn ang="0">
+                <a:pos x="connsiteX11" y="connsiteY11"/>
+              </a:cxn>
+              <a:cxn ang="0">
+                <a:pos x="connsiteX12" y="connsiteY12"/>
+              </a:cxn>
+              <a:cxn ang="0">
+                <a:pos x="connsiteX13" y="connsiteY13"/>
+              </a:cxn>
+              <a:cxn ang="0">
+                <a:pos x="connsiteX14" y="connsiteY14"/>
+              </a:cxn>
+            </a:cxnLst>
+            <a:rect l="l" t="t" r="r" b="b"/>
+            <a:pathLst>
+              <a:path w="4637005" h="6858000">
+                <a:moveTo>
+                  <a:pt x="0" y="0"/>
+                </a:moveTo>
+                <a:lnTo>
+                  <a:pt x="4637005" y="0"/>
+                </a:lnTo>
+                <a:lnTo>
+                  <a:pt x="4637005" y="1900238"/>
+                </a:lnTo>
+                <a:lnTo>
+                  <a:pt x="4266589" y="2178050"/>
+                </a:lnTo>
+                <a:lnTo>
+                  <a:pt x="4262355" y="2184400"/>
+                </a:lnTo>
+                <a:lnTo>
+                  <a:pt x="4256005" y="2193925"/>
+                </a:lnTo>
+                <a:lnTo>
+                  <a:pt x="4249655" y="2201863"/>
+                </a:lnTo>
+                <a:lnTo>
+                  <a:pt x="4249655" y="2211388"/>
+                </a:lnTo>
+                <a:lnTo>
+                  <a:pt x="4249655" y="2220913"/>
+                </a:lnTo>
+                <a:lnTo>
+                  <a:pt x="4256005" y="2228850"/>
+                </a:lnTo>
+                <a:lnTo>
+                  <a:pt x="4262355" y="2238375"/>
+                </a:lnTo>
+                <a:lnTo>
+                  <a:pt x="4266589" y="2244725"/>
+                </a:lnTo>
+                <a:lnTo>
+                  <a:pt x="4637005" y="2522538"/>
+                </a:lnTo>
+                <a:lnTo>
+                  <a:pt x="4637005" y="6858000"/>
+                </a:lnTo>
+                <a:lnTo>
+                  <a:pt x="0" y="6858000"/>
+                </a:lnTo>
+                <a:close/>
+              </a:path>
+            </a:pathLst>
+          </a:custGeom>
+          <a:solidFill>
+            <a:schemeClr val="bg1">
+              <a:lumMod val="85000"/>
+              <a:lumOff val="15000"/>
+            </a:schemeClr>
+          </a:solidFill>
+          <a:ln>
+            <a:noFill/>
+          </a:ln>
+        </p:spPr>
+        <p:style>
+          <a:lnRef idx="2">
+            <a:schemeClr val="accent1">
+              <a:shade val="50000"/>
+            </a:schemeClr>
+          </a:lnRef>
+          <a:fillRef idx="1">
+            <a:schemeClr val="accent1"/>
+          </a:fillRef>
+          <a:effectRef idx="0">
+            <a:schemeClr val="accent1"/>
+          </a:effectRef>
+          <a:fontRef idx="minor">
+            <a:schemeClr val="lt1"/>
+          </a:fontRef>
+        </p:style>
+        <p:txBody>
+          <a:bodyPr wrap="square" rtlCol="0" anchor="ctr">
+            <a:noAutofit/>
+          </a:bodyPr>
+          <a:lstStyle/>
+          <a:p>
+            <a:pPr algn="ctr"/>
+            <a:endParaRPr lang="en-US"/>
+          </a:p>
+        </p:txBody>
+      </p:sp>
+      <p:sp>
+        <p:nvSpPr>
+          <p:cNvPr id="2" name="Title 1">
+            <a:extLst>
+              <a:ext uri="{FF2B5EF4-FFF2-40B4-BE49-F238E27FC236}">
                 <a16:creationId xmlns:a16="http://schemas.microsoft.com/office/drawing/2014/main" id="{89D703BD-4EF0-4C41-9DF8-D5BB4E4DCEA6}"/>
               </a:ext>
             </a:extLst>
@@ -8270,7 +9596,7 @@
 </p:sld>
 </file>
 
-<file path=ppt/slides/slide7.xml><?xml version="1.0" encoding="utf-8"?>
+<file path=ppt/slides/slide8.xml><?xml version="1.0" encoding="utf-8"?>
 <p:sld xmlns:a="http://schemas.openxmlformats.org/drawingml/2006/main" xmlns:r="http://schemas.openxmlformats.org/officeDocument/2006/relationships" xmlns:p="http://schemas.openxmlformats.org/presentationml/2006/main">
   <p:cSld>
     <p:bg>
@@ -8389,7 +9715,7 @@
           <a:ln/>
           <a:extLst>
             <a:ext uri="{91240B29-F687-4f45-9708-019B960494DF}">
-              <a14:hiddenLine xmlns="" xmlns:a16="http://schemas.microsoft.com/office/drawing/2014/main" xmlns:p14="http://schemas.microsoft.com/office/powerpoint/2010/main" xmlns:a14="http://schemas.microsoft.com/office/drawing/2010/main" w="9525">
+              <a14:hiddenLine xmlns:a14="http://schemas.microsoft.com/office/drawing/2010/main" xmlns:p14="http://schemas.microsoft.com/office/powerpoint/2010/main" xmlns:a16="http://schemas.microsoft.com/office/drawing/2014/main" xmlns="" w="9525">
                 <a:solidFill>
                   <a:srgbClr val="000000"/>
                 </a:solidFill>
@@ -8906,7 +10232,7 @@
 </p:sld>
 </file>
 
-<file path=ppt/slides/slide8.xml><?xml version="1.0" encoding="utf-8"?>
+<file path=ppt/slides/slide9.xml><?xml version="1.0" encoding="utf-8"?>
 <p:sld xmlns:a="http://schemas.openxmlformats.org/drawingml/2006/main" xmlns:r="http://schemas.openxmlformats.org/officeDocument/2006/relationships" xmlns:p="http://schemas.openxmlformats.org/presentationml/2006/main">
   <p:cSld>
     <p:bg>
@@ -9025,7 +10351,7 @@
           <a:ln/>
           <a:extLst>
             <a:ext uri="{91240B29-F687-4f45-9708-019B960494DF}">
-              <a14:hiddenLine xmlns="" xmlns:a16="http://schemas.microsoft.com/office/drawing/2014/main" xmlns:p14="http://schemas.microsoft.com/office/powerpoint/2010/main" xmlns:a14="http://schemas.microsoft.com/office/drawing/2010/main" w="9525">
+              <a14:hiddenLine xmlns:a14="http://schemas.microsoft.com/office/drawing/2010/main" xmlns:p14="http://schemas.microsoft.com/office/powerpoint/2010/main" xmlns:a16="http://schemas.microsoft.com/office/drawing/2014/main" xmlns="" w="9525">
                 <a:solidFill>
                   <a:srgbClr val="000000"/>
                 </a:solidFill>
@@ -9533,648 +10859,6 @@
     <p:extLst>
       <p:ext uri="{BB962C8B-B14F-4D97-AF65-F5344CB8AC3E}">
         <p14:creationId xmlns:p14="http://schemas.microsoft.com/office/powerpoint/2010/main" val="1163529302"/>
-      </p:ext>
-    </p:extLst>
-  </p:cSld>
-  <p:clrMapOvr>
-    <a:masterClrMapping/>
-  </p:clrMapOvr>
-</p:sld>
-</file>
-
-<file path=ppt/slides/slide9.xml><?xml version="1.0" encoding="utf-8"?>
-<p:sld xmlns:a="http://schemas.openxmlformats.org/drawingml/2006/main" xmlns:r="http://schemas.openxmlformats.org/officeDocument/2006/relationships" xmlns:p="http://schemas.openxmlformats.org/presentationml/2006/main">
-  <p:cSld>
-    <p:bg>
-      <p:bgPr>
-        <a:solidFill>
-          <a:schemeClr val="bg2"/>
-        </a:solidFill>
-        <a:effectLst/>
-      </p:bgPr>
-    </p:bg>
-    <p:spTree>
-      <p:nvGrpSpPr>
-        <p:cNvPr id="1" name=""/>
-        <p:cNvGrpSpPr/>
-        <p:nvPr/>
-      </p:nvGrpSpPr>
-      <p:grpSpPr>
-        <a:xfrm>
-          <a:off x="0" y="0"/>
-          <a:ext cx="0" cy="0"/>
-          <a:chOff x="0" y="0"/>
-          <a:chExt cx="0" cy="0"/>
-        </a:xfrm>
-      </p:grpSpPr>
-      <p:sp>
-        <p:nvSpPr>
-          <p:cNvPr id="34" name="Freeform 6">
-            <a:extLst>
-              <a:ext uri="{FF2B5EF4-FFF2-40B4-BE49-F238E27FC236}">
-                <a16:creationId xmlns:a16="http://schemas.microsoft.com/office/drawing/2014/main" id="{1FCF5244-C62C-4E27-B395-14F26DFB1373}"/>
-              </a:ext>
-              <a:ext uri="{C183D7F6-B498-43B3-948B-1728B52AA6E4}">
-                <adec:decorative xmlns:adec="http://schemas.microsoft.com/office/drawing/2017/decorative" val="1"/>
-              </a:ext>
-            </a:extLst>
-          </p:cNvPr>
-          <p:cNvSpPr>
-            <a:spLocks noGrp="1" noRot="1" noChangeAspect="1" noMove="1" noResize="1" noEditPoints="1" noAdjustHandles="1" noChangeArrowheads="1" noChangeShapeType="1" noTextEdit="1"/>
-          </p:cNvSpPr>
-          <p:nvPr>
-            <p:extLst>
-              <p:ext uri="{386F3935-93C4-4BCD-93E2-E3B085C9AB24}">
-                <p16:designElem xmlns:p16="http://schemas.microsoft.com/office/powerpoint/2015/main" val="1"/>
-              </p:ext>
-            </p:extLst>
-          </p:nvPr>
-        </p:nvSpPr>
-        <p:spPr bwMode="auto">
-          <a:xfrm>
-            <a:off x="0" y="0"/>
-            <a:ext cx="12192000" cy="2185988"/>
-          </a:xfrm>
-          <a:custGeom>
-            <a:avLst/>
-            <a:gdLst/>
-            <a:ahLst/>
-            <a:cxnLst/>
-            <a:rect l="0" t="0" r="r" b="b"/>
-            <a:pathLst>
-              <a:path w="5760" h="1377">
-                <a:moveTo>
-                  <a:pt x="5760" y="0"/>
-                </a:moveTo>
-                <a:lnTo>
-                  <a:pt x="0" y="0"/>
-                </a:lnTo>
-                <a:lnTo>
-                  <a:pt x="0" y="1189"/>
-                </a:lnTo>
-                <a:lnTo>
-                  <a:pt x="943" y="1189"/>
-                </a:lnTo>
-                <a:lnTo>
-                  <a:pt x="1123" y="1369"/>
-                </a:lnTo>
-                <a:lnTo>
-                  <a:pt x="1123" y="1369"/>
-                </a:lnTo>
-                <a:lnTo>
-                  <a:pt x="1127" y="1371"/>
-                </a:lnTo>
-                <a:lnTo>
-                  <a:pt x="1133" y="1374"/>
-                </a:lnTo>
-                <a:lnTo>
-                  <a:pt x="1139" y="1377"/>
-                </a:lnTo>
-                <a:lnTo>
-                  <a:pt x="1144" y="1377"/>
-                </a:lnTo>
-                <a:lnTo>
-                  <a:pt x="1150" y="1377"/>
-                </a:lnTo>
-                <a:lnTo>
-                  <a:pt x="1155" y="1374"/>
-                </a:lnTo>
-                <a:lnTo>
-                  <a:pt x="1161" y="1371"/>
-                </a:lnTo>
-                <a:lnTo>
-                  <a:pt x="1165" y="1369"/>
-                </a:lnTo>
-                <a:lnTo>
-                  <a:pt x="1345" y="1189"/>
-                </a:lnTo>
-                <a:lnTo>
-                  <a:pt x="5760" y="1189"/>
-                </a:lnTo>
-                <a:lnTo>
-                  <a:pt x="5760" y="0"/>
-                </a:lnTo>
-                <a:close/>
-              </a:path>
-            </a:pathLst>
-          </a:custGeom>
-          <a:ln/>
-          <a:extLst>
-            <a:ext uri="{91240B29-F687-4f45-9708-019B960494DF}">
-              <a14:hiddenLine xmlns="" xmlns:a16="http://schemas.microsoft.com/office/drawing/2014/main" xmlns:p14="http://schemas.microsoft.com/office/powerpoint/2010/main" xmlns:a14="http://schemas.microsoft.com/office/drawing/2010/main" w="9525">
-                <a:solidFill>
-                  <a:srgbClr val="000000"/>
-                </a:solidFill>
-                <a:round/>
-                <a:headEnd/>
-                <a:tailEnd/>
-              </a14:hiddenLine>
-            </a:ext>
-          </a:extLst>
-        </p:spPr>
-        <p:style>
-          <a:lnRef idx="1">
-            <a:schemeClr val="accent1"/>
-          </a:lnRef>
-          <a:fillRef idx="3">
-            <a:schemeClr val="accent1"/>
-          </a:fillRef>
-          <a:effectRef idx="2">
-            <a:schemeClr val="accent1"/>
-          </a:effectRef>
-          <a:fontRef idx="minor">
-            <a:schemeClr val="lt1"/>
-          </a:fontRef>
-        </p:style>
-      </p:sp>
-      <p:sp>
-        <p:nvSpPr>
-          <p:cNvPr id="35" name="Rectangle 27">
-            <a:extLst>
-              <a:ext uri="{FF2B5EF4-FFF2-40B4-BE49-F238E27FC236}">
-                <a16:creationId xmlns:a16="http://schemas.microsoft.com/office/drawing/2014/main" id="{27E4CA8E-5CC0-4B96-8E67-040FB5673FA6}"/>
-              </a:ext>
-              <a:ext uri="{C183D7F6-B498-43B3-948B-1728B52AA6E4}">
-                <adec:decorative xmlns:adec="http://schemas.microsoft.com/office/drawing/2017/decorative" val="1"/>
-              </a:ext>
-            </a:extLst>
-          </p:cNvPr>
-          <p:cNvSpPr>
-            <a:spLocks noGrp="1" noRot="1" noChangeAspect="1" noMove="1" noResize="1" noEditPoints="1" noAdjustHandles="1" noChangeArrowheads="1" noChangeShapeType="1" noTextEdit="1"/>
-          </p:cNvSpPr>
-          <p:nvPr>
-            <p:extLst>
-              <p:ext uri="{386F3935-93C4-4BCD-93E2-E3B085C9AB24}">
-                <p16:designElem xmlns:p16="http://schemas.microsoft.com/office/powerpoint/2015/main" val="1"/>
-              </p:ext>
-            </p:extLst>
-          </p:nvPr>
-        </p:nvSpPr>
-        <p:spPr>
-          <a:xfrm>
-            <a:off x="0" y="0"/>
-            <a:ext cx="12188952" cy="6858000"/>
-          </a:xfrm>
-          <a:prstGeom prst="rect">
-            <a:avLst/>
-          </a:prstGeom>
-          <a:solidFill>
-            <a:schemeClr val="tx1"/>
-          </a:solidFill>
-          <a:ln>
-            <a:noFill/>
-          </a:ln>
-        </p:spPr>
-        <p:style>
-          <a:lnRef idx="2">
-            <a:schemeClr val="accent1">
-              <a:shade val="50000"/>
-            </a:schemeClr>
-          </a:lnRef>
-          <a:fillRef idx="1">
-            <a:schemeClr val="accent1"/>
-          </a:fillRef>
-          <a:effectRef idx="0">
-            <a:schemeClr val="accent1"/>
-          </a:effectRef>
-          <a:fontRef idx="minor">
-            <a:schemeClr val="lt1"/>
-          </a:fontRef>
-        </p:style>
-        <p:txBody>
-          <a:bodyPr rtlCol="0" anchor="ctr"/>
-          <a:lstStyle/>
-          <a:p>
-            <a:pPr algn="ctr"/>
-            <a:endParaRPr lang="en-US"/>
-          </a:p>
-        </p:txBody>
-      </p:sp>
-      <p:sp>
-        <p:nvSpPr>
-          <p:cNvPr id="36" name="Freeform 9">
-            <a:extLst>
-              <a:ext uri="{FF2B5EF4-FFF2-40B4-BE49-F238E27FC236}">
-                <a16:creationId xmlns:a16="http://schemas.microsoft.com/office/drawing/2014/main" id="{E9E16A42-F4F8-425E-9DA6-3237A0CBDC1D}"/>
-              </a:ext>
-              <a:ext uri="{C183D7F6-B498-43B3-948B-1728B52AA6E4}">
-                <adec:decorative xmlns:adec="http://schemas.microsoft.com/office/drawing/2017/decorative" val="1"/>
-              </a:ext>
-            </a:extLst>
-          </p:cNvPr>
-          <p:cNvSpPr>
-            <a:spLocks noGrp="1" noRot="1" noChangeAspect="1" noMove="1" noResize="1" noEditPoints="1" noAdjustHandles="1" noChangeArrowheads="1" noChangeShapeType="1" noTextEdit="1"/>
-          </p:cNvSpPr>
-          <p:nvPr>
-            <p:extLst>
-              <p:ext uri="{386F3935-93C4-4BCD-93E2-E3B085C9AB24}">
-                <p16:designElem xmlns:p16="http://schemas.microsoft.com/office/powerpoint/2015/main" val="1"/>
-              </p:ext>
-            </p:extLst>
-          </p:nvPr>
-        </p:nvSpPr>
-        <p:spPr bwMode="white">
-          <a:xfrm>
-            <a:off x="0" y="0"/>
-            <a:ext cx="6485467" cy="6858000"/>
-          </a:xfrm>
-          <a:custGeom>
-            <a:avLst/>
-            <a:gdLst>
-              <a:gd name="connsiteX0" fmla="*/ 0 w 6485467"/>
-              <a:gd name="connsiteY0" fmla="*/ 0 h 6858000"/>
-              <a:gd name="connsiteX1" fmla="*/ 6485467 w 6485467"/>
-              <a:gd name="connsiteY1" fmla="*/ 0 h 6858000"/>
-              <a:gd name="connsiteX2" fmla="*/ 6485467 w 6485467"/>
-              <a:gd name="connsiteY2" fmla="*/ 1900238 h 6858000"/>
-              <a:gd name="connsiteX3" fmla="*/ 6115051 w 6485467"/>
-              <a:gd name="connsiteY3" fmla="*/ 2178050 h 6858000"/>
-              <a:gd name="connsiteX4" fmla="*/ 6110817 w 6485467"/>
-              <a:gd name="connsiteY4" fmla="*/ 2184400 h 6858000"/>
-              <a:gd name="connsiteX5" fmla="*/ 6104467 w 6485467"/>
-              <a:gd name="connsiteY5" fmla="*/ 2193925 h 6858000"/>
-              <a:gd name="connsiteX6" fmla="*/ 6098117 w 6485467"/>
-              <a:gd name="connsiteY6" fmla="*/ 2201863 h 6858000"/>
-              <a:gd name="connsiteX7" fmla="*/ 6098117 w 6485467"/>
-              <a:gd name="connsiteY7" fmla="*/ 2211388 h 6858000"/>
-              <a:gd name="connsiteX8" fmla="*/ 6098117 w 6485467"/>
-              <a:gd name="connsiteY8" fmla="*/ 2220913 h 6858000"/>
-              <a:gd name="connsiteX9" fmla="*/ 6104467 w 6485467"/>
-              <a:gd name="connsiteY9" fmla="*/ 2228850 h 6858000"/>
-              <a:gd name="connsiteX10" fmla="*/ 6110817 w 6485467"/>
-              <a:gd name="connsiteY10" fmla="*/ 2238375 h 6858000"/>
-              <a:gd name="connsiteX11" fmla="*/ 6115051 w 6485467"/>
-              <a:gd name="connsiteY11" fmla="*/ 2244725 h 6858000"/>
-              <a:gd name="connsiteX12" fmla="*/ 6485467 w 6485467"/>
-              <a:gd name="connsiteY12" fmla="*/ 2522538 h 6858000"/>
-              <a:gd name="connsiteX13" fmla="*/ 6485467 w 6485467"/>
-              <a:gd name="connsiteY13" fmla="*/ 6858000 h 6858000"/>
-              <a:gd name="connsiteX14" fmla="*/ 0 w 6485467"/>
-              <a:gd name="connsiteY14" fmla="*/ 6858000 h 6858000"/>
-            </a:gdLst>
-            <a:ahLst/>
-            <a:cxnLst>
-              <a:cxn ang="0">
-                <a:pos x="connsiteX0" y="connsiteY0"/>
-              </a:cxn>
-              <a:cxn ang="0">
-                <a:pos x="connsiteX1" y="connsiteY1"/>
-              </a:cxn>
-              <a:cxn ang="0">
-                <a:pos x="connsiteX2" y="connsiteY2"/>
-              </a:cxn>
-              <a:cxn ang="0">
-                <a:pos x="connsiteX3" y="connsiteY3"/>
-              </a:cxn>
-              <a:cxn ang="0">
-                <a:pos x="connsiteX4" y="connsiteY4"/>
-              </a:cxn>
-              <a:cxn ang="0">
-                <a:pos x="connsiteX5" y="connsiteY5"/>
-              </a:cxn>
-              <a:cxn ang="0">
-                <a:pos x="connsiteX6" y="connsiteY6"/>
-              </a:cxn>
-              <a:cxn ang="0">
-                <a:pos x="connsiteX7" y="connsiteY7"/>
-              </a:cxn>
-              <a:cxn ang="0">
-                <a:pos x="connsiteX8" y="connsiteY8"/>
-              </a:cxn>
-              <a:cxn ang="0">
-                <a:pos x="connsiteX9" y="connsiteY9"/>
-              </a:cxn>
-              <a:cxn ang="0">
-                <a:pos x="connsiteX10" y="connsiteY10"/>
-              </a:cxn>
-              <a:cxn ang="0">
-                <a:pos x="connsiteX11" y="connsiteY11"/>
-              </a:cxn>
-              <a:cxn ang="0">
-                <a:pos x="connsiteX12" y="connsiteY12"/>
-              </a:cxn>
-              <a:cxn ang="0">
-                <a:pos x="connsiteX13" y="connsiteY13"/>
-              </a:cxn>
-              <a:cxn ang="0">
-                <a:pos x="connsiteX14" y="connsiteY14"/>
-              </a:cxn>
-            </a:cxnLst>
-            <a:rect l="l" t="t" r="r" b="b"/>
-            <a:pathLst>
-              <a:path w="6485467" h="6858000">
-                <a:moveTo>
-                  <a:pt x="0" y="0"/>
-                </a:moveTo>
-                <a:lnTo>
-                  <a:pt x="6485467" y="0"/>
-                </a:lnTo>
-                <a:lnTo>
-                  <a:pt x="6485467" y="1900238"/>
-                </a:lnTo>
-                <a:lnTo>
-                  <a:pt x="6115051" y="2178050"/>
-                </a:lnTo>
-                <a:lnTo>
-                  <a:pt x="6110817" y="2184400"/>
-                </a:lnTo>
-                <a:lnTo>
-                  <a:pt x="6104467" y="2193925"/>
-                </a:lnTo>
-                <a:lnTo>
-                  <a:pt x="6098117" y="2201863"/>
-                </a:lnTo>
-                <a:lnTo>
-                  <a:pt x="6098117" y="2211388"/>
-                </a:lnTo>
-                <a:lnTo>
-                  <a:pt x="6098117" y="2220913"/>
-                </a:lnTo>
-                <a:lnTo>
-                  <a:pt x="6104467" y="2228850"/>
-                </a:lnTo>
-                <a:lnTo>
-                  <a:pt x="6110817" y="2238375"/>
-                </a:lnTo>
-                <a:lnTo>
-                  <a:pt x="6115051" y="2244725"/>
-                </a:lnTo>
-                <a:lnTo>
-                  <a:pt x="6485467" y="2522538"/>
-                </a:lnTo>
-                <a:lnTo>
-                  <a:pt x="6485467" y="6858000"/>
-                </a:lnTo>
-                <a:lnTo>
-                  <a:pt x="0" y="6858000"/>
-                </a:lnTo>
-                <a:close/>
-              </a:path>
-            </a:pathLst>
-          </a:custGeom>
-          <a:solidFill>
-            <a:schemeClr val="bg1">
-              <a:lumMod val="85000"/>
-              <a:lumOff val="15000"/>
-            </a:schemeClr>
-          </a:solidFill>
-          <a:ln>
-            <a:noFill/>
-          </a:ln>
-        </p:spPr>
-        <p:style>
-          <a:lnRef idx="2">
-            <a:schemeClr val="accent1">
-              <a:shade val="50000"/>
-            </a:schemeClr>
-          </a:lnRef>
-          <a:fillRef idx="1">
-            <a:schemeClr val="accent1"/>
-          </a:fillRef>
-          <a:effectRef idx="0">
-            <a:schemeClr val="accent1"/>
-          </a:effectRef>
-          <a:fontRef idx="minor">
-            <a:schemeClr val="lt1"/>
-          </a:fontRef>
-        </p:style>
-        <p:txBody>
-          <a:bodyPr rtlCol="0" anchor="ctr"/>
-          <a:lstStyle/>
-          <a:p>
-            <a:pPr algn="ctr"/>
-            <a:endParaRPr lang="en-US"/>
-          </a:p>
-        </p:txBody>
-      </p:sp>
-      <p:sp>
-        <p:nvSpPr>
-          <p:cNvPr id="2" name="Title 1">
-            <a:extLst>
-              <a:ext uri="{FF2B5EF4-FFF2-40B4-BE49-F238E27FC236}">
-                <a16:creationId xmlns:a16="http://schemas.microsoft.com/office/drawing/2014/main" id="{D2F0C450-C043-493E-B842-86F876D0E592}"/>
-              </a:ext>
-            </a:extLst>
-          </p:cNvPr>
-          <p:cNvSpPr>
-            <a:spLocks noGrp="1"/>
-          </p:cNvSpPr>
-          <p:nvPr>
-            <p:ph type="title"/>
-          </p:nvPr>
-        </p:nvSpPr>
-        <p:spPr>
-          <a:xfrm>
-            <a:off x="810000" y="447188"/>
-            <a:ext cx="5039035" cy="1559412"/>
-          </a:xfrm>
-        </p:spPr>
-        <p:txBody>
-          <a:bodyPr vert="horz" lIns="91440" tIns="45720" rIns="91440" bIns="45720" rtlCol="0" anchor="b">
-            <a:normAutofit/>
-          </a:bodyPr>
-          <a:lstStyle/>
-          <a:p>
-            <a:r>
-              <a:rPr lang="en-US"/>
-              <a:t>Deep Neural Network</a:t>
-            </a:r>
-          </a:p>
-        </p:txBody>
-      </p:sp>
-      <p:sp>
-        <p:nvSpPr>
-          <p:cNvPr id="37" name="Content Placeholder 22">
-            <a:extLst>
-              <a:ext uri="{FF2B5EF4-FFF2-40B4-BE49-F238E27FC236}">
-                <a16:creationId xmlns:a16="http://schemas.microsoft.com/office/drawing/2014/main" id="{BB036B6C-8527-4A78-A345-DF7D3CBD38DE}"/>
-              </a:ext>
-            </a:extLst>
-          </p:cNvPr>
-          <p:cNvSpPr>
-            <a:spLocks noGrp="1"/>
-          </p:cNvSpPr>
-          <p:nvPr>
-            <p:ph sz="half" idx="1"/>
-          </p:nvPr>
-        </p:nvSpPr>
-        <p:spPr>
-          <a:xfrm>
-            <a:off x="818712" y="2413000"/>
-            <a:ext cx="5016259" cy="3632200"/>
-          </a:xfrm>
-        </p:spPr>
-        <p:txBody>
-          <a:bodyPr vert="horz" lIns="91440" tIns="45720" rIns="91440" bIns="45720" rtlCol="0" anchor="ctr">
-            <a:normAutofit lnSpcReduction="10000"/>
-          </a:bodyPr>
-          <a:lstStyle/>
-          <a:p>
-            <a:r>
-              <a:rPr lang="en-US" dirty="0"/>
-              <a:t>Our second Neural Model has 2 hidden layers</a:t>
-            </a:r>
-          </a:p>
-          <a:p>
-            <a:r>
-              <a:rPr lang="en-US" dirty="0"/>
-              <a:t>We used the same distribution of data for both models </a:t>
-            </a:r>
-          </a:p>
-          <a:p>
-            <a:r>
-              <a:rPr lang="en-US" dirty="0"/>
-              <a:t>The Deep Model’s predictive accuracy rounded out to 95.1%</a:t>
-            </a:r>
-          </a:p>
-          <a:p>
-            <a:r>
-              <a:rPr lang="en-US" dirty="0"/>
-              <a:t>Compared to the actual values, the Deep Model did not return any False Positives and missed 12 cases of fraud</a:t>
-            </a:r>
-          </a:p>
-          <a:p>
-            <a:r>
-              <a:rPr lang="en-US" dirty="0"/>
-              <a:t>Despite higher accuracy than the first model, this model missed more cases of actual fraud</a:t>
-            </a:r>
-          </a:p>
-        </p:txBody>
-      </p:sp>
-      <p:sp>
-        <p:nvSpPr>
-          <p:cNvPr id="38" name="Rounded Rectangle 17">
-            <a:extLst>
-              <a:ext uri="{FF2B5EF4-FFF2-40B4-BE49-F238E27FC236}">
-                <a16:creationId xmlns:a16="http://schemas.microsoft.com/office/drawing/2014/main" id="{15285B77-8322-4381-BE3F-F6FE0271B955}"/>
-              </a:ext>
-              <a:ext uri="{C183D7F6-B498-43B3-948B-1728B52AA6E4}">
-                <adec:decorative xmlns:adec="http://schemas.microsoft.com/office/drawing/2017/decorative" val="1"/>
-              </a:ext>
-            </a:extLst>
-          </p:cNvPr>
-          <p:cNvSpPr>
-            <a:spLocks noGrp="1" noRot="1" noChangeAspect="1" noMove="1" noResize="1" noEditPoints="1" noAdjustHandles="1" noChangeArrowheads="1" noChangeShapeType="1" noTextEdit="1"/>
-          </p:cNvSpPr>
-          <p:nvPr>
-            <p:extLst>
-              <p:ext uri="{386F3935-93C4-4BCD-93E2-E3B085C9AB24}">
-                <p16:designElem xmlns:p16="http://schemas.microsoft.com/office/powerpoint/2015/main" val="1"/>
-              </p:ext>
-            </p:extLst>
-          </p:nvPr>
-        </p:nvSpPr>
-        <p:spPr>
-          <a:xfrm>
-            <a:off x="7128932" y="958640"/>
-            <a:ext cx="4419604" cy="4945244"/>
-          </a:xfrm>
-          <a:prstGeom prst="roundRect">
-            <a:avLst>
-              <a:gd name="adj" fmla="val 3513"/>
-            </a:avLst>
-          </a:prstGeom>
-          <a:solidFill>
-            <a:schemeClr val="tx1"/>
-          </a:solidFill>
-          <a:ln>
-            <a:solidFill>
-              <a:schemeClr val="accent1"/>
-            </a:solidFill>
-          </a:ln>
-          <a:effectLst/>
-        </p:spPr>
-        <p:style>
-          <a:lnRef idx="2">
-            <a:schemeClr val="accent1">
-              <a:shade val="50000"/>
-            </a:schemeClr>
-          </a:lnRef>
-          <a:fillRef idx="1">
-            <a:schemeClr val="accent1"/>
-          </a:fillRef>
-          <a:effectRef idx="0">
-            <a:schemeClr val="accent1"/>
-          </a:effectRef>
-          <a:fontRef idx="minor">
-            <a:schemeClr val="lt1"/>
-          </a:fontRef>
-        </p:style>
-        <p:txBody>
-          <a:bodyPr rtlCol="0" anchor="ctr"/>
-          <a:lstStyle/>
-          <a:p>
-            <a:pPr algn="ctr"/>
-            <a:endParaRPr lang="en-US"/>
-          </a:p>
-        </p:txBody>
-      </p:sp>
-      <p:pic>
-        <p:nvPicPr>
-          <p:cNvPr id="4" name="Content Placeholder 3" descr="A screenshot of a cell phone&#10;&#10;Description automatically generated">
-            <a:extLst>
-              <a:ext uri="{FF2B5EF4-FFF2-40B4-BE49-F238E27FC236}">
-                <a16:creationId xmlns:a16="http://schemas.microsoft.com/office/drawing/2014/main" id="{DE3F69BA-3BB1-3C41-9928-BE8096AAB0F2}"/>
-              </a:ext>
-            </a:extLst>
-          </p:cNvPr>
-          <p:cNvPicPr>
-            <a:picLocks noGrp="1" noChangeAspect="1"/>
-          </p:cNvPicPr>
-          <p:nvPr>
-            <p:ph sz="half" idx="2"/>
-          </p:nvPr>
-        </p:nvPicPr>
-        <p:blipFill>
-          <a:blip r:embed="rId2"/>
-          <a:stretch>
-            <a:fillRect/>
-          </a:stretch>
-        </p:blipFill>
-        <p:spPr>
-          <a:xfrm>
-            <a:off x="7448056" y="3649334"/>
-            <a:ext cx="3778306" cy="1936381"/>
-          </a:xfrm>
-          <a:prstGeom prst="rect">
-            <a:avLst/>
-          </a:prstGeom>
-        </p:spPr>
-      </p:pic>
-      <p:pic>
-        <p:nvPicPr>
-          <p:cNvPr id="6" name="Content Placeholder 5" descr="A screenshot of a cell phone&#10;&#10;Description automatically generated">
-            <a:extLst>
-              <a:ext uri="{FF2B5EF4-FFF2-40B4-BE49-F238E27FC236}">
-                <a16:creationId xmlns:a16="http://schemas.microsoft.com/office/drawing/2014/main" id="{33DA14DE-3334-9C41-BB1F-2F5378BBC0CC}"/>
-              </a:ext>
-            </a:extLst>
-          </p:cNvPr>
-          <p:cNvPicPr>
-            <a:picLocks noChangeAspect="1"/>
-          </p:cNvPicPr>
-          <p:nvPr/>
-        </p:nvPicPr>
-        <p:blipFill>
-          <a:blip r:embed="rId3"/>
-          <a:stretch>
-            <a:fillRect/>
-          </a:stretch>
-        </p:blipFill>
-        <p:spPr>
-          <a:xfrm>
-            <a:off x="8211924" y="1272285"/>
-            <a:ext cx="2262993" cy="2058880"/>
-          </a:xfrm>
-          <a:prstGeom prst="rect">
-            <a:avLst/>
-          </a:prstGeom>
-        </p:spPr>
-      </p:pic>
-    </p:spTree>
-    <p:extLst>
-      <p:ext uri="{BB962C8B-B14F-4D97-AF65-F5344CB8AC3E}">
-        <p14:creationId xmlns:p14="http://schemas.microsoft.com/office/powerpoint/2010/main" val="3207258468"/>
       </p:ext>
     </p:extLst>
   </p:cSld>

--- a/Credit_Card_Fraud_Presentation.pptx
+++ b/Credit_Card_Fraud_Presentation.pptx
@@ -10,14 +10,13 @@
     <p:sldId id="258" r:id="rId4"/>
     <p:sldId id="260" r:id="rId5"/>
     <p:sldId id="263" r:id="rId6"/>
-    <p:sldId id="271" r:id="rId7"/>
-    <p:sldId id="262" r:id="rId8"/>
-    <p:sldId id="264" r:id="rId9"/>
-    <p:sldId id="265" r:id="rId10"/>
-    <p:sldId id="268" r:id="rId11"/>
-    <p:sldId id="270" r:id="rId12"/>
-    <p:sldId id="269" r:id="rId13"/>
-    <p:sldId id="267" r:id="rId14"/>
+    <p:sldId id="262" r:id="rId7"/>
+    <p:sldId id="271" r:id="rId8"/>
+    <p:sldId id="272" r:id="rId9"/>
+    <p:sldId id="273" r:id="rId10"/>
+    <p:sldId id="270" r:id="rId11"/>
+    <p:sldId id="269" r:id="rId12"/>
+    <p:sldId id="267" r:id="rId13"/>
   </p:sldIdLst>
   <p:sldSz cx="12192000" cy="6858000"/>
   <p:notesSz cx="6858000" cy="9144000"/>
@@ -219,7 +218,7 @@
           <a:effectLst/>
           <a:extLst>
             <a:ext uri="{91240B29-F687-4f45-9708-019B960494DF}">
-              <a14:hiddenLine xmlns="" xmlns:a14="http://schemas.microsoft.com/office/drawing/2010/main" w="9525">
+              <a14:hiddenLine xmlns:a14="http://schemas.microsoft.com/office/drawing/2010/main" xmlns="" w="9525">
                 <a:solidFill>
                   <a:srgbClr val="000000"/>
                 </a:solidFill>
@@ -412,7 +411,7 @@
             <a:fld id="{08B9EBBA-996F-894A-B54A-D6246ED52CEA}" type="datetimeFigureOut">
               <a:rPr lang="en-US" dirty="0"/>
               <a:pPr/>
-              <a:t>7/23/2020</a:t>
+              <a:t>7/24/2020</a:t>
             </a:fld>
             <a:endParaRPr lang="en-US" dirty="0"/>
           </a:p>
@@ -727,7 +726,7 @@
             <a:fld id="{18C79C5D-2A6F-F04D-97DA-BEF2467B64E4}" type="datetimeFigureOut">
               <a:rPr lang="en-US" dirty="0"/>
               <a:pPr/>
-              <a:t>7/23/2020</a:t>
+              <a:t>7/24/2020</a:t>
             </a:fld>
             <a:endParaRPr lang="en-US" dirty="0"/>
           </a:p>
@@ -1212,7 +1211,7 @@
             <a:fld id="{8DFA1846-DA80-1C48-A609-854EA85C59AD}" type="datetimeFigureOut">
               <a:rPr lang="en-US" dirty="0"/>
               <a:pPr/>
-              <a:t>7/23/2020</a:t>
+              <a:t>7/24/2020</a:t>
             </a:fld>
             <a:endParaRPr lang="en-US" dirty="0"/>
           </a:p>
@@ -1578,7 +1577,7 @@
             <a:fld id="{FBF54567-0DE4-3F47-BF90-CB84690072F9}" type="datetimeFigureOut">
               <a:rPr lang="en-US" dirty="0"/>
               <a:pPr/>
-              <a:t>7/23/2020</a:t>
+              <a:t>7/24/2020</a:t>
             </a:fld>
             <a:endParaRPr lang="en-US" dirty="0"/>
           </a:p>
@@ -1729,7 +1728,7 @@
           <a:ln/>
           <a:extLst>
             <a:ext uri="{91240B29-F687-4f45-9708-019B960494DF}">
-              <a14:hiddenLine xmlns="" xmlns:a14="http://schemas.microsoft.com/office/drawing/2010/main" w="9525">
+              <a14:hiddenLine xmlns:a14="http://schemas.microsoft.com/office/drawing/2010/main" xmlns="" w="9525">
                 <a:solidFill>
                   <a:srgbClr val="000000"/>
                 </a:solidFill>
@@ -1848,7 +1847,7 @@
             <a:fld id="{C6C52C72-DE31-F449-A4ED-4C594FD91407}" type="datetimeFigureOut">
               <a:rPr lang="en-US" dirty="0"/>
               <a:pPr/>
-              <a:t>7/23/2020</a:t>
+              <a:t>7/24/2020</a:t>
             </a:fld>
             <a:endParaRPr lang="en-US" dirty="0"/>
           </a:p>
@@ -2001,7 +2000,7 @@
           <a:ln/>
           <a:extLst>
             <a:ext uri="{91240B29-F687-4f45-9708-019B960494DF}">
-              <a14:hiddenLine xmlns="" xmlns:a14="http://schemas.microsoft.com/office/drawing/2010/main" w="9525">
+              <a14:hiddenLine xmlns:a14="http://schemas.microsoft.com/office/drawing/2010/main" xmlns="" w="9525">
                 <a:solidFill>
                   <a:srgbClr val="000000"/>
                 </a:solidFill>
@@ -2130,7 +2129,7 @@
             <a:fld id="{ED62726E-379B-B349-9EED-81ED093FA806}" type="datetimeFigureOut">
               <a:rPr lang="en-US" dirty="0"/>
               <a:pPr/>
-              <a:t>7/23/2020</a:t>
+              <a:t>7/24/2020</a:t>
             </a:fld>
             <a:endParaRPr lang="en-US" dirty="0"/>
           </a:p>
@@ -2281,7 +2280,7 @@
           <a:ln/>
           <a:extLst>
             <a:ext uri="{91240B29-F687-4f45-9708-019B960494DF}">
-              <a14:hiddenLine xmlns="" xmlns:a14="http://schemas.microsoft.com/office/drawing/2010/main" w="9525">
+              <a14:hiddenLine xmlns:a14="http://schemas.microsoft.com/office/drawing/2010/main" xmlns="" w="9525">
                 <a:solidFill>
                   <a:srgbClr val="000000"/>
                 </a:solidFill>
@@ -2410,7 +2409,7 @@
             <a:fld id="{9B3A1323-8D79-1946-B0D7-40001CF92E9D}" type="datetimeFigureOut">
               <a:rPr lang="en-US" dirty="0"/>
               <a:pPr/>
-              <a:t>7/23/2020</a:t>
+              <a:t>7/24/2020</a:t>
             </a:fld>
             <a:endParaRPr lang="en-US" dirty="0"/>
           </a:p>
@@ -2750,7 +2749,7 @@
             <a:fld id="{8DFA1846-DA80-1C48-A609-854EA85C59AD}" type="datetimeFigureOut">
               <a:rPr lang="en-US" dirty="0"/>
               <a:pPr/>
-              <a:t>7/23/2020</a:t>
+              <a:t>7/24/2020</a:t>
             </a:fld>
             <a:endParaRPr lang="en-US" dirty="0"/>
           </a:p>
@@ -2901,7 +2900,7 @@
           <a:ln/>
           <a:extLst>
             <a:ext uri="{91240B29-F687-4f45-9708-019B960494DF}">
-              <a14:hiddenLine xmlns="" xmlns:a14="http://schemas.microsoft.com/office/drawing/2010/main" w="9525">
+              <a14:hiddenLine xmlns:a14="http://schemas.microsoft.com/office/drawing/2010/main" xmlns="" w="9525">
                 <a:solidFill>
                   <a:srgbClr val="000000"/>
                 </a:solidFill>
@@ -3086,7 +3085,7 @@
             <a:fld id="{57302355-E14B-8545-A8F8-0FE83CC9D524}" type="datetimeFigureOut">
               <a:rPr lang="en-US" dirty="0"/>
               <a:pPr/>
-              <a:t>7/23/2020</a:t>
+              <a:t>7/24/2020</a:t>
             </a:fld>
             <a:endParaRPr lang="en-US" dirty="0"/>
           </a:p>
@@ -3237,7 +3236,7 @@
           <a:ln/>
           <a:extLst>
             <a:ext uri="{91240B29-F687-4f45-9708-019B960494DF}">
-              <a14:hiddenLine xmlns="" xmlns:a14="http://schemas.microsoft.com/office/drawing/2010/main" w="9525">
+              <a14:hiddenLine xmlns:a14="http://schemas.microsoft.com/office/drawing/2010/main" xmlns="" w="9525">
                 <a:solidFill>
                   <a:srgbClr val="000000"/>
                 </a:solidFill>
@@ -3560,7 +3559,7 @@
             <a:fld id="{02640F58-564D-2B4F-AE67-E407BA4FCF45}" type="datetimeFigureOut">
               <a:rPr lang="en-US" dirty="0"/>
               <a:pPr/>
-              <a:t>7/23/2020</a:t>
+              <a:t>7/24/2020</a:t>
             </a:fld>
             <a:endParaRPr lang="en-US" dirty="0"/>
           </a:p>
@@ -3711,7 +3710,7 @@
           <a:ln/>
           <a:extLst>
             <a:ext uri="{91240B29-F687-4f45-9708-019B960494DF}">
-              <a14:hiddenLine xmlns="" xmlns:a14="http://schemas.microsoft.com/office/drawing/2010/main" w="9525">
+              <a14:hiddenLine xmlns:a14="http://schemas.microsoft.com/office/drawing/2010/main" xmlns="" w="9525">
                 <a:solidFill>
                   <a:srgbClr val="000000"/>
                 </a:solidFill>
@@ -3778,7 +3777,7 @@
             <a:fld id="{F13A34C8-038E-2045-AF43-DF7DBB8E0E9E}" type="datetimeFigureOut">
               <a:rPr lang="en-US" dirty="0"/>
               <a:pPr/>
-              <a:t>7/23/2020</a:t>
+              <a:t>7/24/2020</a:t>
             </a:fld>
             <a:endParaRPr lang="en-US" dirty="0"/>
           </a:p>
@@ -3870,7 +3869,7 @@
             <a:fld id="{8818C68F-D26B-8F47-958C-23B49CF8A634}" type="datetimeFigureOut">
               <a:rPr lang="en-US" dirty="0"/>
               <a:pPr/>
-              <a:t>7/23/2020</a:t>
+              <a:t>7/24/2020</a:t>
             </a:fld>
             <a:endParaRPr lang="en-US" dirty="0"/>
           </a:p>
@@ -4134,7 +4133,7 @@
           <a:ln/>
           <a:extLst>
             <a:ext uri="{91240B29-F687-4f45-9708-019B960494DF}">
-              <a14:hiddenLine xmlns="" xmlns:a14="http://schemas.microsoft.com/office/drawing/2010/main" w="9525">
+              <a14:hiddenLine xmlns:a14="http://schemas.microsoft.com/office/drawing/2010/main" xmlns="" w="9525">
                 <a:solidFill>
                   <a:srgbClr val="000000"/>
                 </a:solidFill>
@@ -4334,7 +4333,7 @@
             <a:fld id="{D0DF5E60-9974-AC48-9591-99C2BB44B7CF}" type="datetimeFigureOut">
               <a:rPr lang="en-US" dirty="0"/>
               <a:pPr/>
-              <a:t>7/23/2020</a:t>
+              <a:t>7/24/2020</a:t>
             </a:fld>
             <a:endParaRPr lang="en-US" dirty="0"/>
           </a:p>
@@ -4644,7 +4643,7 @@
             <a:fld id="{18C79C5D-2A6F-F04D-97DA-BEF2467B64E4}" type="datetimeFigureOut">
               <a:rPr lang="en-US" dirty="0"/>
               <a:pPr/>
-              <a:t>7/23/2020</a:t>
+              <a:t>7/24/2020</a:t>
             </a:fld>
             <a:endParaRPr lang="en-US" dirty="0"/>
           </a:p>
@@ -4911,7 +4910,7 @@
             <a:fld id="{09B482E8-6E0E-1B4F-B1FD-C69DB9E858D9}" type="datetimeFigureOut">
               <a:rPr lang="en-US" dirty="0"/>
               <a:pPr/>
-              <a:t>7/23/2020</a:t>
+              <a:t>7/24/2020</a:t>
             </a:fld>
             <a:endParaRPr lang="en-US" dirty="0"/>
           </a:p>
@@ -5437,648 +5436,6 @@
 <file path=ppt/slides/slide10.xml><?xml version="1.0" encoding="utf-8"?>
 <p:sld xmlns:a="http://schemas.openxmlformats.org/drawingml/2006/main" xmlns:r="http://schemas.openxmlformats.org/officeDocument/2006/relationships" xmlns:p="http://schemas.openxmlformats.org/presentationml/2006/main">
   <p:cSld>
-    <p:bg>
-      <p:bgPr>
-        <a:solidFill>
-          <a:schemeClr val="bg2"/>
-        </a:solidFill>
-        <a:effectLst/>
-      </p:bgPr>
-    </p:bg>
-    <p:spTree>
-      <p:nvGrpSpPr>
-        <p:cNvPr id="1" name=""/>
-        <p:cNvGrpSpPr/>
-        <p:nvPr/>
-      </p:nvGrpSpPr>
-      <p:grpSpPr>
-        <a:xfrm>
-          <a:off x="0" y="0"/>
-          <a:ext cx="0" cy="0"/>
-          <a:chOff x="0" y="0"/>
-          <a:chExt cx="0" cy="0"/>
-        </a:xfrm>
-      </p:grpSpPr>
-      <p:sp>
-        <p:nvSpPr>
-          <p:cNvPr id="34" name="Freeform 6">
-            <a:extLst>
-              <a:ext uri="{FF2B5EF4-FFF2-40B4-BE49-F238E27FC236}">
-                <a16:creationId xmlns:a16="http://schemas.microsoft.com/office/drawing/2014/main" id="{1FCF5244-C62C-4E27-B395-14F26DFB1373}"/>
-              </a:ext>
-              <a:ext uri="{C183D7F6-B498-43B3-948B-1728B52AA6E4}">
-                <adec:decorative xmlns:adec="http://schemas.microsoft.com/office/drawing/2017/decorative" val="1"/>
-              </a:ext>
-            </a:extLst>
-          </p:cNvPr>
-          <p:cNvSpPr>
-            <a:spLocks noGrp="1" noRot="1" noChangeAspect="1" noMove="1" noResize="1" noEditPoints="1" noAdjustHandles="1" noChangeArrowheads="1" noChangeShapeType="1" noTextEdit="1"/>
-          </p:cNvSpPr>
-          <p:nvPr>
-            <p:extLst>
-              <p:ext uri="{386F3935-93C4-4BCD-93E2-E3B085C9AB24}">
-                <p16:designElem xmlns:p16="http://schemas.microsoft.com/office/powerpoint/2015/main" val="1"/>
-              </p:ext>
-            </p:extLst>
-          </p:nvPr>
-        </p:nvSpPr>
-        <p:spPr bwMode="auto">
-          <a:xfrm>
-            <a:off x="0" y="0"/>
-            <a:ext cx="12192000" cy="2185988"/>
-          </a:xfrm>
-          <a:custGeom>
-            <a:avLst/>
-            <a:gdLst/>
-            <a:ahLst/>
-            <a:cxnLst/>
-            <a:rect l="0" t="0" r="r" b="b"/>
-            <a:pathLst>
-              <a:path w="5760" h="1377">
-                <a:moveTo>
-                  <a:pt x="5760" y="0"/>
-                </a:moveTo>
-                <a:lnTo>
-                  <a:pt x="0" y="0"/>
-                </a:lnTo>
-                <a:lnTo>
-                  <a:pt x="0" y="1189"/>
-                </a:lnTo>
-                <a:lnTo>
-                  <a:pt x="943" y="1189"/>
-                </a:lnTo>
-                <a:lnTo>
-                  <a:pt x="1123" y="1369"/>
-                </a:lnTo>
-                <a:lnTo>
-                  <a:pt x="1123" y="1369"/>
-                </a:lnTo>
-                <a:lnTo>
-                  <a:pt x="1127" y="1371"/>
-                </a:lnTo>
-                <a:lnTo>
-                  <a:pt x="1133" y="1374"/>
-                </a:lnTo>
-                <a:lnTo>
-                  <a:pt x="1139" y="1377"/>
-                </a:lnTo>
-                <a:lnTo>
-                  <a:pt x="1144" y="1377"/>
-                </a:lnTo>
-                <a:lnTo>
-                  <a:pt x="1150" y="1377"/>
-                </a:lnTo>
-                <a:lnTo>
-                  <a:pt x="1155" y="1374"/>
-                </a:lnTo>
-                <a:lnTo>
-                  <a:pt x="1161" y="1371"/>
-                </a:lnTo>
-                <a:lnTo>
-                  <a:pt x="1165" y="1369"/>
-                </a:lnTo>
-                <a:lnTo>
-                  <a:pt x="1345" y="1189"/>
-                </a:lnTo>
-                <a:lnTo>
-                  <a:pt x="5760" y="1189"/>
-                </a:lnTo>
-                <a:lnTo>
-                  <a:pt x="5760" y="0"/>
-                </a:lnTo>
-                <a:close/>
-              </a:path>
-            </a:pathLst>
-          </a:custGeom>
-          <a:ln/>
-          <a:extLst>
-            <a:ext uri="{91240B29-F687-4f45-9708-019B960494DF}">
-              <a14:hiddenLine xmlns:a14="http://schemas.microsoft.com/office/drawing/2010/main" xmlns:p14="http://schemas.microsoft.com/office/powerpoint/2010/main" xmlns:a16="http://schemas.microsoft.com/office/drawing/2014/main" xmlns="" w="9525">
-                <a:solidFill>
-                  <a:srgbClr val="000000"/>
-                </a:solidFill>
-                <a:round/>
-                <a:headEnd/>
-                <a:tailEnd/>
-              </a14:hiddenLine>
-            </a:ext>
-          </a:extLst>
-        </p:spPr>
-        <p:style>
-          <a:lnRef idx="1">
-            <a:schemeClr val="accent1"/>
-          </a:lnRef>
-          <a:fillRef idx="3">
-            <a:schemeClr val="accent1"/>
-          </a:fillRef>
-          <a:effectRef idx="2">
-            <a:schemeClr val="accent1"/>
-          </a:effectRef>
-          <a:fontRef idx="minor">
-            <a:schemeClr val="lt1"/>
-          </a:fontRef>
-        </p:style>
-      </p:sp>
-      <p:sp>
-        <p:nvSpPr>
-          <p:cNvPr id="35" name="Rectangle 27">
-            <a:extLst>
-              <a:ext uri="{FF2B5EF4-FFF2-40B4-BE49-F238E27FC236}">
-                <a16:creationId xmlns:a16="http://schemas.microsoft.com/office/drawing/2014/main" id="{27E4CA8E-5CC0-4B96-8E67-040FB5673FA6}"/>
-              </a:ext>
-              <a:ext uri="{C183D7F6-B498-43B3-948B-1728B52AA6E4}">
-                <adec:decorative xmlns:adec="http://schemas.microsoft.com/office/drawing/2017/decorative" val="1"/>
-              </a:ext>
-            </a:extLst>
-          </p:cNvPr>
-          <p:cNvSpPr>
-            <a:spLocks noGrp="1" noRot="1" noChangeAspect="1" noMove="1" noResize="1" noEditPoints="1" noAdjustHandles="1" noChangeArrowheads="1" noChangeShapeType="1" noTextEdit="1"/>
-          </p:cNvSpPr>
-          <p:nvPr>
-            <p:extLst>
-              <p:ext uri="{386F3935-93C4-4BCD-93E2-E3B085C9AB24}">
-                <p16:designElem xmlns:p16="http://schemas.microsoft.com/office/powerpoint/2015/main" val="1"/>
-              </p:ext>
-            </p:extLst>
-          </p:nvPr>
-        </p:nvSpPr>
-        <p:spPr>
-          <a:xfrm>
-            <a:off x="0" y="0"/>
-            <a:ext cx="12188952" cy="6858000"/>
-          </a:xfrm>
-          <a:prstGeom prst="rect">
-            <a:avLst/>
-          </a:prstGeom>
-          <a:solidFill>
-            <a:schemeClr val="tx1"/>
-          </a:solidFill>
-          <a:ln>
-            <a:noFill/>
-          </a:ln>
-        </p:spPr>
-        <p:style>
-          <a:lnRef idx="2">
-            <a:schemeClr val="accent1">
-              <a:shade val="50000"/>
-            </a:schemeClr>
-          </a:lnRef>
-          <a:fillRef idx="1">
-            <a:schemeClr val="accent1"/>
-          </a:fillRef>
-          <a:effectRef idx="0">
-            <a:schemeClr val="accent1"/>
-          </a:effectRef>
-          <a:fontRef idx="minor">
-            <a:schemeClr val="lt1"/>
-          </a:fontRef>
-        </p:style>
-        <p:txBody>
-          <a:bodyPr rtlCol="0" anchor="ctr"/>
-          <a:lstStyle/>
-          <a:p>
-            <a:pPr algn="ctr"/>
-            <a:endParaRPr lang="en-US"/>
-          </a:p>
-        </p:txBody>
-      </p:sp>
-      <p:sp>
-        <p:nvSpPr>
-          <p:cNvPr id="36" name="Freeform 9">
-            <a:extLst>
-              <a:ext uri="{FF2B5EF4-FFF2-40B4-BE49-F238E27FC236}">
-                <a16:creationId xmlns:a16="http://schemas.microsoft.com/office/drawing/2014/main" id="{E9E16A42-F4F8-425E-9DA6-3237A0CBDC1D}"/>
-              </a:ext>
-              <a:ext uri="{C183D7F6-B498-43B3-948B-1728B52AA6E4}">
-                <adec:decorative xmlns:adec="http://schemas.microsoft.com/office/drawing/2017/decorative" val="1"/>
-              </a:ext>
-            </a:extLst>
-          </p:cNvPr>
-          <p:cNvSpPr>
-            <a:spLocks noGrp="1" noRot="1" noChangeAspect="1" noMove="1" noResize="1" noEditPoints="1" noAdjustHandles="1" noChangeArrowheads="1" noChangeShapeType="1" noTextEdit="1"/>
-          </p:cNvSpPr>
-          <p:nvPr>
-            <p:extLst>
-              <p:ext uri="{386F3935-93C4-4BCD-93E2-E3B085C9AB24}">
-                <p16:designElem xmlns:p16="http://schemas.microsoft.com/office/powerpoint/2015/main" val="1"/>
-              </p:ext>
-            </p:extLst>
-          </p:nvPr>
-        </p:nvSpPr>
-        <p:spPr bwMode="white">
-          <a:xfrm>
-            <a:off x="0" y="0"/>
-            <a:ext cx="6485467" cy="6858000"/>
-          </a:xfrm>
-          <a:custGeom>
-            <a:avLst/>
-            <a:gdLst>
-              <a:gd name="connsiteX0" fmla="*/ 0 w 6485467"/>
-              <a:gd name="connsiteY0" fmla="*/ 0 h 6858000"/>
-              <a:gd name="connsiteX1" fmla="*/ 6485467 w 6485467"/>
-              <a:gd name="connsiteY1" fmla="*/ 0 h 6858000"/>
-              <a:gd name="connsiteX2" fmla="*/ 6485467 w 6485467"/>
-              <a:gd name="connsiteY2" fmla="*/ 1900238 h 6858000"/>
-              <a:gd name="connsiteX3" fmla="*/ 6115051 w 6485467"/>
-              <a:gd name="connsiteY3" fmla="*/ 2178050 h 6858000"/>
-              <a:gd name="connsiteX4" fmla="*/ 6110817 w 6485467"/>
-              <a:gd name="connsiteY4" fmla="*/ 2184400 h 6858000"/>
-              <a:gd name="connsiteX5" fmla="*/ 6104467 w 6485467"/>
-              <a:gd name="connsiteY5" fmla="*/ 2193925 h 6858000"/>
-              <a:gd name="connsiteX6" fmla="*/ 6098117 w 6485467"/>
-              <a:gd name="connsiteY6" fmla="*/ 2201863 h 6858000"/>
-              <a:gd name="connsiteX7" fmla="*/ 6098117 w 6485467"/>
-              <a:gd name="connsiteY7" fmla="*/ 2211388 h 6858000"/>
-              <a:gd name="connsiteX8" fmla="*/ 6098117 w 6485467"/>
-              <a:gd name="connsiteY8" fmla="*/ 2220913 h 6858000"/>
-              <a:gd name="connsiteX9" fmla="*/ 6104467 w 6485467"/>
-              <a:gd name="connsiteY9" fmla="*/ 2228850 h 6858000"/>
-              <a:gd name="connsiteX10" fmla="*/ 6110817 w 6485467"/>
-              <a:gd name="connsiteY10" fmla="*/ 2238375 h 6858000"/>
-              <a:gd name="connsiteX11" fmla="*/ 6115051 w 6485467"/>
-              <a:gd name="connsiteY11" fmla="*/ 2244725 h 6858000"/>
-              <a:gd name="connsiteX12" fmla="*/ 6485467 w 6485467"/>
-              <a:gd name="connsiteY12" fmla="*/ 2522538 h 6858000"/>
-              <a:gd name="connsiteX13" fmla="*/ 6485467 w 6485467"/>
-              <a:gd name="connsiteY13" fmla="*/ 6858000 h 6858000"/>
-              <a:gd name="connsiteX14" fmla="*/ 0 w 6485467"/>
-              <a:gd name="connsiteY14" fmla="*/ 6858000 h 6858000"/>
-            </a:gdLst>
-            <a:ahLst/>
-            <a:cxnLst>
-              <a:cxn ang="0">
-                <a:pos x="connsiteX0" y="connsiteY0"/>
-              </a:cxn>
-              <a:cxn ang="0">
-                <a:pos x="connsiteX1" y="connsiteY1"/>
-              </a:cxn>
-              <a:cxn ang="0">
-                <a:pos x="connsiteX2" y="connsiteY2"/>
-              </a:cxn>
-              <a:cxn ang="0">
-                <a:pos x="connsiteX3" y="connsiteY3"/>
-              </a:cxn>
-              <a:cxn ang="0">
-                <a:pos x="connsiteX4" y="connsiteY4"/>
-              </a:cxn>
-              <a:cxn ang="0">
-                <a:pos x="connsiteX5" y="connsiteY5"/>
-              </a:cxn>
-              <a:cxn ang="0">
-                <a:pos x="connsiteX6" y="connsiteY6"/>
-              </a:cxn>
-              <a:cxn ang="0">
-                <a:pos x="connsiteX7" y="connsiteY7"/>
-              </a:cxn>
-              <a:cxn ang="0">
-                <a:pos x="connsiteX8" y="connsiteY8"/>
-              </a:cxn>
-              <a:cxn ang="0">
-                <a:pos x="connsiteX9" y="connsiteY9"/>
-              </a:cxn>
-              <a:cxn ang="0">
-                <a:pos x="connsiteX10" y="connsiteY10"/>
-              </a:cxn>
-              <a:cxn ang="0">
-                <a:pos x="connsiteX11" y="connsiteY11"/>
-              </a:cxn>
-              <a:cxn ang="0">
-                <a:pos x="connsiteX12" y="connsiteY12"/>
-              </a:cxn>
-              <a:cxn ang="0">
-                <a:pos x="connsiteX13" y="connsiteY13"/>
-              </a:cxn>
-              <a:cxn ang="0">
-                <a:pos x="connsiteX14" y="connsiteY14"/>
-              </a:cxn>
-            </a:cxnLst>
-            <a:rect l="l" t="t" r="r" b="b"/>
-            <a:pathLst>
-              <a:path w="6485467" h="6858000">
-                <a:moveTo>
-                  <a:pt x="0" y="0"/>
-                </a:moveTo>
-                <a:lnTo>
-                  <a:pt x="6485467" y="0"/>
-                </a:lnTo>
-                <a:lnTo>
-                  <a:pt x="6485467" y="1900238"/>
-                </a:lnTo>
-                <a:lnTo>
-                  <a:pt x="6115051" y="2178050"/>
-                </a:lnTo>
-                <a:lnTo>
-                  <a:pt x="6110817" y="2184400"/>
-                </a:lnTo>
-                <a:lnTo>
-                  <a:pt x="6104467" y="2193925"/>
-                </a:lnTo>
-                <a:lnTo>
-                  <a:pt x="6098117" y="2201863"/>
-                </a:lnTo>
-                <a:lnTo>
-                  <a:pt x="6098117" y="2211388"/>
-                </a:lnTo>
-                <a:lnTo>
-                  <a:pt x="6098117" y="2220913"/>
-                </a:lnTo>
-                <a:lnTo>
-                  <a:pt x="6104467" y="2228850"/>
-                </a:lnTo>
-                <a:lnTo>
-                  <a:pt x="6110817" y="2238375"/>
-                </a:lnTo>
-                <a:lnTo>
-                  <a:pt x="6115051" y="2244725"/>
-                </a:lnTo>
-                <a:lnTo>
-                  <a:pt x="6485467" y="2522538"/>
-                </a:lnTo>
-                <a:lnTo>
-                  <a:pt x="6485467" y="6858000"/>
-                </a:lnTo>
-                <a:lnTo>
-                  <a:pt x="0" y="6858000"/>
-                </a:lnTo>
-                <a:close/>
-              </a:path>
-            </a:pathLst>
-          </a:custGeom>
-          <a:solidFill>
-            <a:schemeClr val="bg1">
-              <a:lumMod val="85000"/>
-              <a:lumOff val="15000"/>
-            </a:schemeClr>
-          </a:solidFill>
-          <a:ln>
-            <a:noFill/>
-          </a:ln>
-        </p:spPr>
-        <p:style>
-          <a:lnRef idx="2">
-            <a:schemeClr val="accent1">
-              <a:shade val="50000"/>
-            </a:schemeClr>
-          </a:lnRef>
-          <a:fillRef idx="1">
-            <a:schemeClr val="accent1"/>
-          </a:fillRef>
-          <a:effectRef idx="0">
-            <a:schemeClr val="accent1"/>
-          </a:effectRef>
-          <a:fontRef idx="minor">
-            <a:schemeClr val="lt1"/>
-          </a:fontRef>
-        </p:style>
-        <p:txBody>
-          <a:bodyPr rtlCol="0" anchor="ctr"/>
-          <a:lstStyle/>
-          <a:p>
-            <a:pPr algn="ctr"/>
-            <a:endParaRPr lang="en-US"/>
-          </a:p>
-        </p:txBody>
-      </p:sp>
-      <p:sp>
-        <p:nvSpPr>
-          <p:cNvPr id="2" name="Title 1">
-            <a:extLst>
-              <a:ext uri="{FF2B5EF4-FFF2-40B4-BE49-F238E27FC236}">
-                <a16:creationId xmlns:a16="http://schemas.microsoft.com/office/drawing/2014/main" id="{D2F0C450-C043-493E-B842-86F876D0E592}"/>
-              </a:ext>
-            </a:extLst>
-          </p:cNvPr>
-          <p:cNvSpPr>
-            <a:spLocks noGrp="1"/>
-          </p:cNvSpPr>
-          <p:nvPr>
-            <p:ph type="title"/>
-          </p:nvPr>
-        </p:nvSpPr>
-        <p:spPr>
-          <a:xfrm>
-            <a:off x="810000" y="447188"/>
-            <a:ext cx="5039035" cy="1559412"/>
-          </a:xfrm>
-        </p:spPr>
-        <p:txBody>
-          <a:bodyPr vert="horz" lIns="91440" tIns="45720" rIns="91440" bIns="45720" rtlCol="0" anchor="b">
-            <a:normAutofit/>
-          </a:bodyPr>
-          <a:lstStyle/>
-          <a:p>
-            <a:r>
-              <a:rPr lang="en-US"/>
-              <a:t>Deep Neural Network</a:t>
-            </a:r>
-          </a:p>
-        </p:txBody>
-      </p:sp>
-      <p:sp>
-        <p:nvSpPr>
-          <p:cNvPr id="37" name="Content Placeholder 22">
-            <a:extLst>
-              <a:ext uri="{FF2B5EF4-FFF2-40B4-BE49-F238E27FC236}">
-                <a16:creationId xmlns:a16="http://schemas.microsoft.com/office/drawing/2014/main" id="{BB036B6C-8527-4A78-A345-DF7D3CBD38DE}"/>
-              </a:ext>
-            </a:extLst>
-          </p:cNvPr>
-          <p:cNvSpPr>
-            <a:spLocks noGrp="1"/>
-          </p:cNvSpPr>
-          <p:nvPr>
-            <p:ph sz="half" idx="1"/>
-          </p:nvPr>
-        </p:nvSpPr>
-        <p:spPr>
-          <a:xfrm>
-            <a:off x="818712" y="2413000"/>
-            <a:ext cx="5016259" cy="3632200"/>
-          </a:xfrm>
-        </p:spPr>
-        <p:txBody>
-          <a:bodyPr vert="horz" lIns="91440" tIns="45720" rIns="91440" bIns="45720" rtlCol="0" anchor="ctr">
-            <a:normAutofit lnSpcReduction="10000"/>
-          </a:bodyPr>
-          <a:lstStyle/>
-          <a:p>
-            <a:r>
-              <a:rPr lang="en-US" dirty="0"/>
-              <a:t>Our second Neural Model has 2 hidden layers</a:t>
-            </a:r>
-          </a:p>
-          <a:p>
-            <a:r>
-              <a:rPr lang="en-US" dirty="0"/>
-              <a:t>We used the same distribution of data for both models </a:t>
-            </a:r>
-          </a:p>
-          <a:p>
-            <a:r>
-              <a:rPr lang="en-US" dirty="0"/>
-              <a:t>The Deep Model’s predictive accuracy rounded out to 95.1%</a:t>
-            </a:r>
-          </a:p>
-          <a:p>
-            <a:r>
-              <a:rPr lang="en-US" dirty="0"/>
-              <a:t>Compared to the actual values, the Deep Model did not return any False Positives and missed 12 cases of fraud</a:t>
-            </a:r>
-          </a:p>
-          <a:p>
-            <a:r>
-              <a:rPr lang="en-US" dirty="0"/>
-              <a:t>Despite higher accuracy than the first model, this model missed more cases of actual fraud</a:t>
-            </a:r>
-          </a:p>
-        </p:txBody>
-      </p:sp>
-      <p:sp>
-        <p:nvSpPr>
-          <p:cNvPr id="38" name="Rounded Rectangle 17">
-            <a:extLst>
-              <a:ext uri="{FF2B5EF4-FFF2-40B4-BE49-F238E27FC236}">
-                <a16:creationId xmlns:a16="http://schemas.microsoft.com/office/drawing/2014/main" id="{15285B77-8322-4381-BE3F-F6FE0271B955}"/>
-              </a:ext>
-              <a:ext uri="{C183D7F6-B498-43B3-948B-1728B52AA6E4}">
-                <adec:decorative xmlns:adec="http://schemas.microsoft.com/office/drawing/2017/decorative" val="1"/>
-              </a:ext>
-            </a:extLst>
-          </p:cNvPr>
-          <p:cNvSpPr>
-            <a:spLocks noGrp="1" noRot="1" noChangeAspect="1" noMove="1" noResize="1" noEditPoints="1" noAdjustHandles="1" noChangeArrowheads="1" noChangeShapeType="1" noTextEdit="1"/>
-          </p:cNvSpPr>
-          <p:nvPr>
-            <p:extLst>
-              <p:ext uri="{386F3935-93C4-4BCD-93E2-E3B085C9AB24}">
-                <p16:designElem xmlns:p16="http://schemas.microsoft.com/office/powerpoint/2015/main" val="1"/>
-              </p:ext>
-            </p:extLst>
-          </p:nvPr>
-        </p:nvSpPr>
-        <p:spPr>
-          <a:xfrm>
-            <a:off x="7128932" y="958640"/>
-            <a:ext cx="4419604" cy="4945244"/>
-          </a:xfrm>
-          <a:prstGeom prst="roundRect">
-            <a:avLst>
-              <a:gd name="adj" fmla="val 3513"/>
-            </a:avLst>
-          </a:prstGeom>
-          <a:solidFill>
-            <a:schemeClr val="tx1"/>
-          </a:solidFill>
-          <a:ln>
-            <a:solidFill>
-              <a:schemeClr val="accent1"/>
-            </a:solidFill>
-          </a:ln>
-          <a:effectLst/>
-        </p:spPr>
-        <p:style>
-          <a:lnRef idx="2">
-            <a:schemeClr val="accent1">
-              <a:shade val="50000"/>
-            </a:schemeClr>
-          </a:lnRef>
-          <a:fillRef idx="1">
-            <a:schemeClr val="accent1"/>
-          </a:fillRef>
-          <a:effectRef idx="0">
-            <a:schemeClr val="accent1"/>
-          </a:effectRef>
-          <a:fontRef idx="minor">
-            <a:schemeClr val="lt1"/>
-          </a:fontRef>
-        </p:style>
-        <p:txBody>
-          <a:bodyPr rtlCol="0" anchor="ctr"/>
-          <a:lstStyle/>
-          <a:p>
-            <a:pPr algn="ctr"/>
-            <a:endParaRPr lang="en-US"/>
-          </a:p>
-        </p:txBody>
-      </p:sp>
-      <p:pic>
-        <p:nvPicPr>
-          <p:cNvPr id="4" name="Content Placeholder 3" descr="A screenshot of a cell phone&#10;&#10;Description automatically generated">
-            <a:extLst>
-              <a:ext uri="{FF2B5EF4-FFF2-40B4-BE49-F238E27FC236}">
-                <a16:creationId xmlns:a16="http://schemas.microsoft.com/office/drawing/2014/main" id="{DE3F69BA-3BB1-3C41-9928-BE8096AAB0F2}"/>
-              </a:ext>
-            </a:extLst>
-          </p:cNvPr>
-          <p:cNvPicPr>
-            <a:picLocks noGrp="1" noChangeAspect="1"/>
-          </p:cNvPicPr>
-          <p:nvPr>
-            <p:ph sz="half" idx="2"/>
-          </p:nvPr>
-        </p:nvPicPr>
-        <p:blipFill>
-          <a:blip r:embed="rId2"/>
-          <a:stretch>
-            <a:fillRect/>
-          </a:stretch>
-        </p:blipFill>
-        <p:spPr>
-          <a:xfrm>
-            <a:off x="7448056" y="3649334"/>
-            <a:ext cx="3778306" cy="1936381"/>
-          </a:xfrm>
-          <a:prstGeom prst="rect">
-            <a:avLst/>
-          </a:prstGeom>
-        </p:spPr>
-      </p:pic>
-      <p:pic>
-        <p:nvPicPr>
-          <p:cNvPr id="6" name="Content Placeholder 5" descr="A screenshot of a cell phone&#10;&#10;Description automatically generated">
-            <a:extLst>
-              <a:ext uri="{FF2B5EF4-FFF2-40B4-BE49-F238E27FC236}">
-                <a16:creationId xmlns:a16="http://schemas.microsoft.com/office/drawing/2014/main" id="{33DA14DE-3334-9C41-BB1F-2F5378BBC0CC}"/>
-              </a:ext>
-            </a:extLst>
-          </p:cNvPr>
-          <p:cNvPicPr>
-            <a:picLocks noChangeAspect="1"/>
-          </p:cNvPicPr>
-          <p:nvPr/>
-        </p:nvPicPr>
-        <p:blipFill>
-          <a:blip r:embed="rId3"/>
-          <a:stretch>
-            <a:fillRect/>
-          </a:stretch>
-        </p:blipFill>
-        <p:spPr>
-          <a:xfrm>
-            <a:off x="8211924" y="1272285"/>
-            <a:ext cx="2262993" cy="2058880"/>
-          </a:xfrm>
-          <a:prstGeom prst="rect">
-            <a:avLst/>
-          </a:prstGeom>
-        </p:spPr>
-      </p:pic>
-    </p:spTree>
-    <p:extLst>
-      <p:ext uri="{BB962C8B-B14F-4D97-AF65-F5344CB8AC3E}">
-        <p14:creationId xmlns:p14="http://schemas.microsoft.com/office/powerpoint/2010/main" val="3207258468"/>
-      </p:ext>
-    </p:extLst>
-  </p:cSld>
-  <p:clrMapOvr>
-    <a:masterClrMapping/>
-  </p:clrMapOvr>
-</p:sld>
-</file>
-
-<file path=ppt/slides/slide11.xml><?xml version="1.0" encoding="utf-8"?>
-<p:sld xmlns:a="http://schemas.openxmlformats.org/drawingml/2006/main" xmlns:r="http://schemas.openxmlformats.org/officeDocument/2006/relationships" xmlns:p="http://schemas.openxmlformats.org/presentationml/2006/main">
-  <p:cSld>
     <p:spTree>
       <p:nvGrpSpPr>
         <p:cNvPr id="1" name=""/>
@@ -6391,7 +5748,7 @@
 </p:sld>
 </file>
 
-<file path=ppt/slides/slide12.xml><?xml version="1.0" encoding="utf-8"?>
+<file path=ppt/slides/slide11.xml><?xml version="1.0" encoding="utf-8"?>
 <p:sld xmlns:a="http://schemas.openxmlformats.org/drawingml/2006/main" xmlns:r="http://schemas.openxmlformats.org/officeDocument/2006/relationships" xmlns:p="http://schemas.openxmlformats.org/presentationml/2006/main">
   <p:cSld>
     <p:spTree>
@@ -6480,9 +5837,16 @@
             <p:ph sz="half" idx="2"/>
           </p:nvPr>
         </p:nvSpPr>
-        <p:spPr/>
-        <p:txBody>
-          <a:bodyPr/>
+        <p:spPr>
+          <a:xfrm>
+            <a:off x="814729" y="2751138"/>
+            <a:ext cx="5189856" cy="4106862"/>
+          </a:xfrm>
+        </p:spPr>
+        <p:txBody>
+          <a:bodyPr>
+            <a:normAutofit/>
+          </a:bodyPr>
           <a:lstStyle/>
           <a:p>
             <a:pPr marL="0" indent="0">
@@ -6505,7 +5869,13 @@
           <a:p>
             <a:r>
               <a:rPr lang="en-US" dirty="0"/>
-              <a:t>Apply &amp; train our models with datasets that contain more fraudulent transactions</a:t>
+              <a:t>Better train our models to prioritize errors being false positives rather than true negatives</a:t>
+            </a:r>
+          </a:p>
+          <a:p>
+            <a:r>
+              <a:rPr lang="en-US" dirty="0"/>
+              <a:t>More effectively deal with an unbalanced dataset</a:t>
             </a:r>
           </a:p>
           <a:p>
@@ -6557,9 +5927,16 @@
             <p:ph sz="quarter" idx="4"/>
           </p:nvPr>
         </p:nvSpPr>
-        <p:spPr/>
-        <p:txBody>
-          <a:bodyPr/>
+        <p:spPr>
+          <a:xfrm>
+            <a:off x="6187415" y="2751138"/>
+            <a:ext cx="5194583" cy="4106862"/>
+          </a:xfrm>
+        </p:spPr>
+        <p:txBody>
+          <a:bodyPr>
+            <a:normAutofit/>
+          </a:bodyPr>
           <a:lstStyle/>
           <a:p>
             <a:endParaRPr lang="en-US" dirty="0"/>
@@ -6572,15 +5949,6 @@
               <a:rPr lang="en-US" dirty="0"/>
               <a:t>Our features (V’s) came from sensitive information and therefore could not be backtracked to any values that would make sense to us</a:t>
             </a:r>
-          </a:p>
-          <a:p>
-            <a:r>
-              <a:rPr lang="en-US" dirty="0"/>
-              <a:t>Original data was unbalanced &amp; had to be trimmed down to be worked with</a:t>
-            </a:r>
-          </a:p>
-          <a:p>
-            <a:endParaRPr lang="en-US" dirty="0"/>
           </a:p>
         </p:txBody>
       </p:sp>
@@ -6597,7 +5965,7 @@
 </p:sld>
 </file>
 
-<file path=ppt/slides/slide13.xml><?xml version="1.0" encoding="utf-8"?>
+<file path=ppt/slides/slide12.xml><?xml version="1.0" encoding="utf-8"?>
 <p:sld xmlns:a="http://schemas.openxmlformats.org/drawingml/2006/main" xmlns:r="http://schemas.openxmlformats.org/officeDocument/2006/relationships" xmlns:p="http://schemas.openxmlformats.org/presentationml/2006/main">
   <p:cSld>
     <p:spTree>
@@ -6802,7 +6170,7 @@
           <a:ln/>
           <a:extLst>
             <a:ext uri="{91240B29-F687-4f45-9708-019B960494DF}">
-              <a14:hiddenLine xmlns:a14="http://schemas.microsoft.com/office/drawing/2010/main" xmlns:p14="http://schemas.microsoft.com/office/powerpoint/2010/main" xmlns:a16="http://schemas.microsoft.com/office/drawing/2014/main" xmlns="" w="9525">
+              <a14:hiddenLine xmlns="" xmlns:a16="http://schemas.microsoft.com/office/drawing/2014/main" xmlns:p14="http://schemas.microsoft.com/office/powerpoint/2010/main" xmlns:a14="http://schemas.microsoft.com/office/drawing/2010/main" w="9525">
                 <a:solidFill>
                   <a:srgbClr val="000000"/>
                 </a:solidFill>
@@ -7471,7 +6839,7 @@
           <a:ln/>
           <a:extLst>
             <a:ext uri="{91240B29-F687-4f45-9708-019B960494DF}">
-              <a14:hiddenLine xmlns:a14="http://schemas.microsoft.com/office/drawing/2010/main" xmlns:p14="http://schemas.microsoft.com/office/powerpoint/2010/main" xmlns:a16="http://schemas.microsoft.com/office/drawing/2014/main" xmlns="" w="9525">
+              <a14:hiddenLine xmlns="" xmlns:a16="http://schemas.microsoft.com/office/drawing/2014/main" xmlns:p14="http://schemas.microsoft.com/office/powerpoint/2010/main" xmlns:a14="http://schemas.microsoft.com/office/drawing/2010/main" w="9525">
                 <a:solidFill>
                   <a:srgbClr val="000000"/>
                 </a:solidFill>
@@ -7777,7 +7145,7 @@
           <a:ln/>
           <a:extLst>
             <a:ext uri="{91240B29-F687-4f45-9708-019B960494DF}">
-              <a14:hiddenLine xmlns:a14="http://schemas.microsoft.com/office/drawing/2010/main" xmlns:p14="http://schemas.microsoft.com/office/powerpoint/2010/main" xmlns:a16="http://schemas.microsoft.com/office/drawing/2014/main" xmlns="" w="9525">
+              <a14:hiddenLine xmlns="" xmlns:a16="http://schemas.microsoft.com/office/drawing/2014/main" xmlns:p14="http://schemas.microsoft.com/office/powerpoint/2010/main" xmlns:a14="http://schemas.microsoft.com/office/drawing/2010/main" w="9525">
                 <a:solidFill>
                   <a:srgbClr val="000000"/>
                 </a:solidFill>
@@ -8118,13 +7486,13 @@
         </p:nvSpPr>
         <p:spPr>
           <a:xfrm>
-            <a:off x="818713" y="2413000"/>
-            <a:ext cx="3404372" cy="3632200"/>
+            <a:off x="818713" y="2412999"/>
+            <a:ext cx="3404372" cy="4444999"/>
           </a:xfrm>
         </p:spPr>
         <p:txBody>
           <a:bodyPr vert="horz" lIns="91440" tIns="45720" rIns="91440" bIns="45720" rtlCol="0" anchor="ctr">
-            <a:normAutofit lnSpcReduction="10000"/>
+            <a:normAutofit/>
           </a:bodyPr>
           <a:lstStyle/>
           <a:p>
@@ -8142,20 +7510,17 @@
           <a:p>
             <a:r>
               <a:rPr lang="en-US" sz="1600" dirty="0"/>
-              <a:t>Plotted X1, X2 &amp; X3 (3 Features)</a:t>
+              <a:t>Achieved a .919 Test Accuracy with the SVM Model</a:t>
             </a:r>
           </a:p>
           <a:p>
             <a:r>
               <a:rPr lang="en-US" sz="1600" dirty="0"/>
-              <a:t>Because our dataset has 29 Features, we are not able to see the separation in a 2D Graph or a 3D Graph</a:t>
-            </a:r>
-          </a:p>
-          <a:p>
-            <a:r>
-              <a:rPr lang="en-US" sz="1600" dirty="0"/>
-              <a:t>Achieved a .919 Test Accuracy with the SVM Model</a:t>
-            </a:r>
+              <a:t>All of our errors were “true negative” which means the model failed to catch 20 cases of fraud</a:t>
+            </a:r>
+          </a:p>
+          <a:p>
+            <a:endParaRPr lang="en-US" sz="1600" dirty="0"/>
           </a:p>
         </p:txBody>
       </p:sp>
@@ -8229,10 +7594,10 @@
       </p:sp>
       <p:pic>
         <p:nvPicPr>
-          <p:cNvPr id="10" name="Content Placeholder 9" descr="A screenshot of a social media post&#10;&#10;Description automatically generated">
+          <p:cNvPr id="4" name="Picture 3">
             <a:extLst>
               <a:ext uri="{FF2B5EF4-FFF2-40B4-BE49-F238E27FC236}">
-                <a16:creationId xmlns:a16="http://schemas.microsoft.com/office/drawing/2014/main" id="{351F0B50-6E38-AB4A-A690-B7E4B630A1BB}"/>
+                <a16:creationId xmlns:a16="http://schemas.microsoft.com/office/drawing/2014/main" id="{37924CE6-C9E1-4FE3-B45A-A02F0D81BB0A}"/>
               </a:ext>
             </a:extLst>
           </p:cNvPr>
@@ -8249,8 +7614,8 @@
         </p:blipFill>
         <p:spPr>
           <a:xfrm>
-            <a:off x="5611035" y="1853145"/>
-            <a:ext cx="2724939" cy="3150218"/>
+            <a:off x="4637005" y="3144627"/>
+            <a:ext cx="7551946" cy="3713373"/>
           </a:xfrm>
           <a:prstGeom prst="rect">
             <a:avLst/>
@@ -8281,39 +7646,9 @@
         </p:blipFill>
         <p:spPr>
           <a:xfrm>
-            <a:off x="8668064" y="1853146"/>
-            <a:ext cx="2724939" cy="1816626"/>
+            <a:off x="4637004" y="1"/>
+            <a:ext cx="7551947" cy="3429000"/>
           </a:xfrm>
-        </p:spPr>
-      </p:pic>
-      <p:pic>
-        <p:nvPicPr>
-          <p:cNvPr id="12" name="Picture 11">
-            <a:extLst>
-              <a:ext uri="{FF2B5EF4-FFF2-40B4-BE49-F238E27FC236}">
-                <a16:creationId xmlns:a16="http://schemas.microsoft.com/office/drawing/2014/main" id="{FEF7A9C2-5F31-496E-B90E-4A118CD0FF1C}"/>
-              </a:ext>
-            </a:extLst>
-          </p:cNvPr>
-          <p:cNvPicPr>
-            <a:picLocks noChangeAspect="1"/>
-          </p:cNvPicPr>
-          <p:nvPr/>
-        </p:nvPicPr>
-        <p:blipFill>
-          <a:blip r:embed="rId4"/>
-          <a:stretch>
-            <a:fillRect/>
-          </a:stretch>
-        </p:blipFill>
-        <p:spPr>
-          <a:xfrm>
-            <a:off x="8668064" y="3669772"/>
-            <a:ext cx="2724939" cy="1816626"/>
-          </a:xfrm>
-          <a:prstGeom prst="rect">
-            <a:avLst/>
-          </a:prstGeom>
         </p:spPr>
       </p:pic>
     </p:spTree>
@@ -8356,7 +7691,7 @@
       </p:grpSpPr>
       <p:sp>
         <p:nvSpPr>
-          <p:cNvPr id="29" name="Freeform 6">
+          <p:cNvPr id="15" name="Freeform 6">
             <a:extLst>
               <a:ext uri="{FF2B5EF4-FFF2-40B4-BE49-F238E27FC236}">
                 <a16:creationId xmlns:a16="http://schemas.microsoft.com/office/drawing/2014/main" id="{1FCF5244-C62C-4E27-B395-14F26DFB1373}"/>
@@ -8448,7 +7783,7 @@
           <a:ln/>
           <a:extLst>
             <a:ext uri="{91240B29-F687-4f45-9708-019B960494DF}">
-              <a14:hiddenLine xmlns:a14="http://schemas.microsoft.com/office/drawing/2010/main" xmlns:p14="http://schemas.microsoft.com/office/powerpoint/2010/main" xmlns:a16="http://schemas.microsoft.com/office/drawing/2014/main" xmlns="" w="9525">
+              <a14:hiddenLine xmlns="" xmlns:a16="http://schemas.microsoft.com/office/drawing/2014/main" xmlns:p14="http://schemas.microsoft.com/office/powerpoint/2010/main" xmlns:a14="http://schemas.microsoft.com/office/drawing/2010/main" w="9525">
                 <a:solidFill>
                   <a:srgbClr val="000000"/>
                 </a:solidFill>
@@ -8476,7 +7811,7 @@
       </p:sp>
       <p:sp>
         <p:nvSpPr>
-          <p:cNvPr id="19" name="Rectangle 18">
+          <p:cNvPr id="17" name="Rectangle 16">
             <a:extLst>
               <a:ext uri="{FF2B5EF4-FFF2-40B4-BE49-F238E27FC236}">
                 <a16:creationId xmlns:a16="http://schemas.microsoft.com/office/drawing/2014/main" id="{E158B155-2870-4844-B295-BF04F38497F2}"/>
@@ -8539,7 +7874,7 @@
       </p:sp>
       <p:sp>
         <p:nvSpPr>
-          <p:cNvPr id="21" name="Freeform 23">
+          <p:cNvPr id="19" name="Freeform 23">
             <a:extLst>
               <a:ext uri="{FF2B5EF4-FFF2-40B4-BE49-F238E27FC236}">
                 <a16:creationId xmlns:a16="http://schemas.microsoft.com/office/drawing/2014/main" id="{8EC6859F-6DE0-454C-AF7C-3CEC5E54120D}"/>
@@ -8741,7 +8076,7 @@
           <p:cNvPr id="2" name="Title 1">
             <a:extLst>
               <a:ext uri="{FF2B5EF4-FFF2-40B4-BE49-F238E27FC236}">
-                <a16:creationId xmlns:a16="http://schemas.microsoft.com/office/drawing/2014/main" id="{70D6A617-608B-A548-9AB8-CC939F4A8205}"/>
+                <a16:creationId xmlns:a16="http://schemas.microsoft.com/office/drawing/2014/main" id="{89D703BD-4EF0-4C41-9DF8-D5BB4E4DCEA6}"/>
               </a:ext>
             </a:extLst>
           </p:cNvPr>
@@ -8765,18 +8100,18 @@
           <a:lstStyle/>
           <a:p>
             <a:r>
-              <a:rPr lang="en-US" sz="3200"/>
-              <a:t>SVM</a:t>
-            </a:r>
-          </a:p>
-        </p:txBody>
-      </p:sp>
-      <p:sp>
-        <p:nvSpPr>
-          <p:cNvPr id="14" name="Content Placeholder 13">
+              <a:rPr lang="en-US" sz="3200" dirty="0"/>
+              <a:t>K Nearest Neighbors</a:t>
+            </a:r>
+          </a:p>
+        </p:txBody>
+      </p:sp>
+      <p:sp>
+        <p:nvSpPr>
+          <p:cNvPr id="12" name="Content Placeholder 11">
             <a:extLst>
               <a:ext uri="{FF2B5EF4-FFF2-40B4-BE49-F238E27FC236}">
-                <a16:creationId xmlns:a16="http://schemas.microsoft.com/office/drawing/2014/main" id="{86B54E83-B279-484C-9DFB-58353493980A}"/>
+                <a16:creationId xmlns:a16="http://schemas.microsoft.com/office/drawing/2014/main" id="{32A026D1-174F-4BF9-A202-16A823FECE78}"/>
               </a:ext>
             </a:extLst>
           </p:cNvPr>
@@ -8807,20 +8142,26 @@
           <a:p>
             <a:r>
               <a:rPr lang="en-US" sz="1600" dirty="0"/>
-              <a:t>Achieved a .919 Test Accuracy with the SVM Model</a:t>
+              <a:t>Plotted K1-K19</a:t>
             </a:r>
           </a:p>
           <a:p>
             <a:r>
               <a:rPr lang="en-US" sz="1600" dirty="0"/>
-              <a:t>All of our errors were “true negative” which means the model failed to catch 20 cases of fraud</a:t>
-            </a:r>
-          </a:p>
-        </p:txBody>
-      </p:sp>
-      <p:sp>
-        <p:nvSpPr>
-          <p:cNvPr id="30" name="Rounded Rectangle 17">
+              <a:t>Closest accuracy was using K=3 at 0.944/0.947</a:t>
+            </a:r>
+          </a:p>
+          <a:p>
+            <a:r>
+              <a:rPr lang="en-US" sz="1600" dirty="0"/>
+              <a:t>Highest test accuracy was at K=5 with an accuracy of 0.951</a:t>
+            </a:r>
+          </a:p>
+        </p:txBody>
+      </p:sp>
+      <p:sp>
+        <p:nvSpPr>
+          <p:cNvPr id="21" name="Rounded Rectangle 17">
             <a:extLst>
               <a:ext uri="{FF2B5EF4-FFF2-40B4-BE49-F238E27FC236}">
                 <a16:creationId xmlns:a16="http://schemas.microsoft.com/office/drawing/2014/main" id="{B54A185E-16AF-4E1A-9E7F-1414E2A34920}"/>
@@ -8888,19 +8229,17 @@
       </p:sp>
       <p:pic>
         <p:nvPicPr>
-          <p:cNvPr id="6" name="Content Placeholder 5">
+          <p:cNvPr id="7" name="Picture 6">
             <a:extLst>
               <a:ext uri="{FF2B5EF4-FFF2-40B4-BE49-F238E27FC236}">
-                <a16:creationId xmlns:a16="http://schemas.microsoft.com/office/drawing/2014/main" id="{E3F8891D-DF7C-4478-A12A-EA3888E4B04B}"/>
+                <a16:creationId xmlns:a16="http://schemas.microsoft.com/office/drawing/2014/main" id="{2DD25BAF-3607-48C3-BE26-F4B0A61EBD01}"/>
               </a:ext>
             </a:extLst>
           </p:cNvPr>
           <p:cNvPicPr>
-            <a:picLocks noGrp="1" noChangeAspect="1"/>
+            <a:picLocks noChangeAspect="1"/>
           </p:cNvPicPr>
-          <p:nvPr>
-            <p:ph sz="half" idx="2"/>
-          </p:nvPr>
+          <p:nvPr/>
         </p:nvPicPr>
         <p:blipFill>
           <a:blip r:embed="rId2"/>
@@ -8910,24 +8249,29 @@
         </p:blipFill>
         <p:spPr>
           <a:xfrm>
-            <a:off x="5873262" y="3206409"/>
-            <a:ext cx="5173379" cy="2586690"/>
+            <a:off x="4637006" y="2984101"/>
+            <a:ext cx="7554994" cy="3873900"/>
           </a:xfrm>
+          <a:prstGeom prst="rect">
+            <a:avLst/>
+          </a:prstGeom>
         </p:spPr>
       </p:pic>
       <p:pic>
         <p:nvPicPr>
-          <p:cNvPr id="8" name="Picture 7">
+          <p:cNvPr id="6" name="Content Placeholder 5" descr="A close up of a map&#10;&#10;Description automatically generated">
             <a:extLst>
               <a:ext uri="{FF2B5EF4-FFF2-40B4-BE49-F238E27FC236}">
-                <a16:creationId xmlns:a16="http://schemas.microsoft.com/office/drawing/2014/main" id="{120636A8-2D7F-4DDC-A7CA-7618ABE01BD8}"/>
+                <a16:creationId xmlns:a16="http://schemas.microsoft.com/office/drawing/2014/main" id="{02251A04-79C5-3B43-84A6-9CA1F11BE87E}"/>
               </a:ext>
             </a:extLst>
           </p:cNvPr>
           <p:cNvPicPr>
-            <a:picLocks noChangeAspect="1"/>
+            <a:picLocks noGrp="1" noChangeAspect="1"/>
           </p:cNvPicPr>
-          <p:nvPr/>
+          <p:nvPr>
+            <p:ph sz="half" idx="2"/>
+          </p:nvPr>
         </p:nvPicPr>
         <p:blipFill>
           <a:blip r:embed="rId3"/>
@@ -8937,8 +8281,8 @@
         </p:blipFill>
         <p:spPr>
           <a:xfrm>
-            <a:off x="5779316" y="1276350"/>
-            <a:ext cx="5267325" cy="1819275"/>
+            <a:off x="4637005" y="0"/>
+            <a:ext cx="7554995" cy="3429000"/>
           </a:xfrm>
           <a:prstGeom prst="rect">
             <a:avLst/>
@@ -8948,7 +8292,7 @@
     </p:spTree>
     <p:extLst>
       <p:ext uri="{BB962C8B-B14F-4D97-AF65-F5344CB8AC3E}">
-        <p14:creationId xmlns:p14="http://schemas.microsoft.com/office/powerpoint/2010/main" val="1795236447"/>
+        <p14:creationId xmlns:p14="http://schemas.microsoft.com/office/powerpoint/2010/main" val="3955814935"/>
       </p:ext>
     </p:extLst>
   </p:cSld>
@@ -9077,7 +8421,7 @@
           <a:ln/>
           <a:extLst>
             <a:ext uri="{91240B29-F687-4f45-9708-019B960494DF}">
-              <a14:hiddenLine xmlns:a14="http://schemas.microsoft.com/office/drawing/2010/main" xmlns:p14="http://schemas.microsoft.com/office/powerpoint/2010/main" xmlns:a16="http://schemas.microsoft.com/office/drawing/2014/main" xmlns="" w="9525">
+              <a14:hiddenLine xmlns="" xmlns:a16="http://schemas.microsoft.com/office/drawing/2014/main" xmlns:p14="http://schemas.microsoft.com/office/powerpoint/2010/main" xmlns:a14="http://schemas.microsoft.com/office/drawing/2010/main" w="9525">
                 <a:solidFill>
                   <a:srgbClr val="000000"/>
                 </a:solidFill>
@@ -9395,7 +8739,7 @@
           <a:p>
             <a:r>
               <a:rPr lang="en-US" sz="3200" dirty="0"/>
-              <a:t>K Nearest Neighbors</a:t>
+              <a:t>Logistic Regression</a:t>
             </a:r>
           </a:p>
         </p:txBody>
@@ -9430,25 +8774,25 @@
           <a:p>
             <a:r>
               <a:rPr lang="en-US" sz="1600" dirty="0"/>
-              <a:t>Tested a 75/25 train/test split of balanced fraud to not fraud transactions</a:t>
+              <a:t>Used a balanced snippet of our dataset</a:t>
             </a:r>
           </a:p>
           <a:p>
             <a:r>
               <a:rPr lang="en-US" sz="1600" dirty="0"/>
-              <a:t>Plotted K1-K19</a:t>
+              <a:t>Confusion Matrix shows 8 false positives</a:t>
             </a:r>
           </a:p>
           <a:p>
             <a:r>
               <a:rPr lang="en-US" sz="1600" dirty="0"/>
-              <a:t>Closest accuracy was using K=3 at 0.944/0.947</a:t>
+              <a:t>Achieved an accuracy of 0.934 with a standard deviation of 0.012</a:t>
             </a:r>
           </a:p>
           <a:p>
             <a:r>
               <a:rPr lang="en-US" sz="1600" dirty="0"/>
-              <a:t>Highest test accuracy was at K=5 with an accuracy of 0.951</a:t>
+              <a:t>Heat map shows strong correlations between features 1 thru 20 but drops off after </a:t>
             </a:r>
           </a:p>
         </p:txBody>
@@ -9523,10 +8867,42 @@
       </p:sp>
       <p:pic>
         <p:nvPicPr>
-          <p:cNvPr id="8" name="Content Placeholder 7" descr="A screenshot of a social media post&#10;&#10;Description automatically generated">
+          <p:cNvPr id="14" name="Content Placeholder 5" descr="A screenshot of a cell phone&#10;&#10;Description automatically generated">
             <a:extLst>
               <a:ext uri="{FF2B5EF4-FFF2-40B4-BE49-F238E27FC236}">
-                <a16:creationId xmlns:a16="http://schemas.microsoft.com/office/drawing/2014/main" id="{7ABAFC6B-09E4-7049-9070-A9FB78633915}"/>
+                <a16:creationId xmlns:a16="http://schemas.microsoft.com/office/drawing/2014/main" id="{2E0B35AD-63C3-446E-B24D-59A90F155DF0}"/>
+              </a:ext>
+            </a:extLst>
+          </p:cNvPr>
+          <p:cNvPicPr>
+            <a:picLocks noGrp="1" noChangeAspect="1"/>
+          </p:cNvPicPr>
+          <p:nvPr>
+            <p:ph sz="half" idx="2"/>
+          </p:nvPr>
+        </p:nvPicPr>
+        <p:blipFill>
+          <a:blip r:embed="rId2"/>
+          <a:stretch>
+            <a:fillRect/>
+          </a:stretch>
+        </p:blipFill>
+        <p:spPr>
+          <a:xfrm>
+            <a:off x="4637004" y="2681654"/>
+            <a:ext cx="7563465" cy="4176346"/>
+          </a:xfrm>
+          <a:prstGeom prst="rect">
+            <a:avLst/>
+          </a:prstGeom>
+        </p:spPr>
+      </p:pic>
+      <p:pic>
+        <p:nvPicPr>
+          <p:cNvPr id="3" name="Picture 2">
+            <a:extLst>
+              <a:ext uri="{FF2B5EF4-FFF2-40B4-BE49-F238E27FC236}">
+                <a16:creationId xmlns:a16="http://schemas.microsoft.com/office/drawing/2014/main" id="{AE6D07EA-10FB-4D4B-90C9-B58C11F2F3FC}"/>
               </a:ext>
             </a:extLst>
           </p:cNvPr>
@@ -9536,38 +8912,6 @@
           <p:nvPr/>
         </p:nvPicPr>
         <p:blipFill>
-          <a:blip r:embed="rId2"/>
-          <a:stretch>
-            <a:fillRect/>
-          </a:stretch>
-        </p:blipFill>
-        <p:spPr>
-          <a:xfrm>
-            <a:off x="5611035" y="1848580"/>
-            <a:ext cx="2724939" cy="3159349"/>
-          </a:xfrm>
-          <a:prstGeom prst="rect">
-            <a:avLst/>
-          </a:prstGeom>
-        </p:spPr>
-      </p:pic>
-      <p:pic>
-        <p:nvPicPr>
-          <p:cNvPr id="6" name="Content Placeholder 5" descr="A close up of a map&#10;&#10;Description automatically generated">
-            <a:extLst>
-              <a:ext uri="{FF2B5EF4-FFF2-40B4-BE49-F238E27FC236}">
-                <a16:creationId xmlns:a16="http://schemas.microsoft.com/office/drawing/2014/main" id="{02251A04-79C5-3B43-84A6-9CA1F11BE87E}"/>
-              </a:ext>
-            </a:extLst>
-          </p:cNvPr>
-          <p:cNvPicPr>
-            <a:picLocks noGrp="1" noChangeAspect="1"/>
-          </p:cNvPicPr>
-          <p:nvPr>
-            <p:ph sz="half" idx="2"/>
-          </p:nvPr>
-        </p:nvPicPr>
-        <p:blipFill>
           <a:blip r:embed="rId3"/>
           <a:stretch>
             <a:fillRect/>
@@ -9575,8 +8919,8 @@
         </p:blipFill>
         <p:spPr>
           <a:xfrm>
-            <a:off x="8501865" y="2610448"/>
-            <a:ext cx="2726022" cy="1635613"/>
+            <a:off x="4637005" y="-1"/>
+            <a:ext cx="7563464" cy="3193461"/>
           </a:xfrm>
           <a:prstGeom prst="rect">
             <a:avLst/>
@@ -9586,7 +8930,7 @@
     </p:spTree>
     <p:extLst>
       <p:ext uri="{BB962C8B-B14F-4D97-AF65-F5344CB8AC3E}">
-        <p14:creationId xmlns:p14="http://schemas.microsoft.com/office/powerpoint/2010/main" val="3955814935"/>
+        <p14:creationId xmlns:p14="http://schemas.microsoft.com/office/powerpoint/2010/main" val="4195506087"/>
       </p:ext>
     </p:extLst>
   </p:cSld>
@@ -9715,7 +9059,7 @@
           <a:ln/>
           <a:extLst>
             <a:ext uri="{91240B29-F687-4f45-9708-019B960494DF}">
-              <a14:hiddenLine xmlns:a14="http://schemas.microsoft.com/office/drawing/2010/main" xmlns:p14="http://schemas.microsoft.com/office/powerpoint/2010/main" xmlns:a16="http://schemas.microsoft.com/office/drawing/2014/main" xmlns="" w="9525">
+              <a14:hiddenLine xmlns="" xmlns:a16="http://schemas.microsoft.com/office/drawing/2014/main" xmlns:p14="http://schemas.microsoft.com/office/powerpoint/2010/main" xmlns:a14="http://schemas.microsoft.com/office/drawing/2010/main" w="9525">
                 <a:solidFill>
                   <a:srgbClr val="000000"/>
                 </a:solidFill>
@@ -9746,7 +9090,7 @@
           <p:cNvPr id="17" name="Rectangle 16">
             <a:extLst>
               <a:ext uri="{FF2B5EF4-FFF2-40B4-BE49-F238E27FC236}">
-                <a16:creationId xmlns:a16="http://schemas.microsoft.com/office/drawing/2014/main" id="{27E4CA8E-5CC0-4B96-8E67-040FB5673FA6}"/>
+                <a16:creationId xmlns:a16="http://schemas.microsoft.com/office/drawing/2014/main" id="{E158B155-2870-4844-B295-BF04F38497F2}"/>
               </a:ext>
               <a:ext uri="{C183D7F6-B498-43B3-948B-1728B52AA6E4}">
                 <adec:decorative xmlns:adec="http://schemas.microsoft.com/office/drawing/2017/decorative" val="1"/>
@@ -9806,10 +9150,10 @@
       </p:sp>
       <p:sp>
         <p:nvSpPr>
-          <p:cNvPr id="19" name="Freeform 9">
+          <p:cNvPr id="19" name="Freeform 23">
             <a:extLst>
               <a:ext uri="{FF2B5EF4-FFF2-40B4-BE49-F238E27FC236}">
-                <a16:creationId xmlns:a16="http://schemas.microsoft.com/office/drawing/2014/main" id="{E9E16A42-F4F8-425E-9DA6-3237A0CBDC1D}"/>
+                <a16:creationId xmlns:a16="http://schemas.microsoft.com/office/drawing/2014/main" id="{8EC6859F-6DE0-454C-AF7C-3CEC5E54120D}"/>
               </a:ext>
               <a:ext uri="{C183D7F6-B498-43B3-948B-1728B52AA6E4}">
                 <adec:decorative xmlns:adec="http://schemas.microsoft.com/office/drawing/2017/decorative" val="1"/>
@@ -9830,40 +9174,40 @@
         <p:spPr bwMode="white">
           <a:xfrm>
             <a:off x="0" y="0"/>
-            <a:ext cx="6485467" cy="6858000"/>
+            <a:ext cx="4637005" cy="6858000"/>
           </a:xfrm>
           <a:custGeom>
             <a:avLst/>
             <a:gdLst>
-              <a:gd name="connsiteX0" fmla="*/ 0 w 6485467"/>
+              <a:gd name="connsiteX0" fmla="*/ 0 w 4637005"/>
               <a:gd name="connsiteY0" fmla="*/ 0 h 6858000"/>
-              <a:gd name="connsiteX1" fmla="*/ 6485467 w 6485467"/>
+              <a:gd name="connsiteX1" fmla="*/ 4637005 w 4637005"/>
               <a:gd name="connsiteY1" fmla="*/ 0 h 6858000"/>
-              <a:gd name="connsiteX2" fmla="*/ 6485467 w 6485467"/>
+              <a:gd name="connsiteX2" fmla="*/ 4637005 w 4637005"/>
               <a:gd name="connsiteY2" fmla="*/ 1900238 h 6858000"/>
-              <a:gd name="connsiteX3" fmla="*/ 6115051 w 6485467"/>
+              <a:gd name="connsiteX3" fmla="*/ 4266589 w 4637005"/>
               <a:gd name="connsiteY3" fmla="*/ 2178050 h 6858000"/>
-              <a:gd name="connsiteX4" fmla="*/ 6110817 w 6485467"/>
+              <a:gd name="connsiteX4" fmla="*/ 4262355 w 4637005"/>
               <a:gd name="connsiteY4" fmla="*/ 2184400 h 6858000"/>
-              <a:gd name="connsiteX5" fmla="*/ 6104467 w 6485467"/>
+              <a:gd name="connsiteX5" fmla="*/ 4256005 w 4637005"/>
               <a:gd name="connsiteY5" fmla="*/ 2193925 h 6858000"/>
-              <a:gd name="connsiteX6" fmla="*/ 6098117 w 6485467"/>
+              <a:gd name="connsiteX6" fmla="*/ 4249655 w 4637005"/>
               <a:gd name="connsiteY6" fmla="*/ 2201863 h 6858000"/>
-              <a:gd name="connsiteX7" fmla="*/ 6098117 w 6485467"/>
+              <a:gd name="connsiteX7" fmla="*/ 4249655 w 4637005"/>
               <a:gd name="connsiteY7" fmla="*/ 2211388 h 6858000"/>
-              <a:gd name="connsiteX8" fmla="*/ 6098117 w 6485467"/>
+              <a:gd name="connsiteX8" fmla="*/ 4249655 w 4637005"/>
               <a:gd name="connsiteY8" fmla="*/ 2220913 h 6858000"/>
-              <a:gd name="connsiteX9" fmla="*/ 6104467 w 6485467"/>
+              <a:gd name="connsiteX9" fmla="*/ 4256005 w 4637005"/>
               <a:gd name="connsiteY9" fmla="*/ 2228850 h 6858000"/>
-              <a:gd name="connsiteX10" fmla="*/ 6110817 w 6485467"/>
+              <a:gd name="connsiteX10" fmla="*/ 4262355 w 4637005"/>
               <a:gd name="connsiteY10" fmla="*/ 2238375 h 6858000"/>
-              <a:gd name="connsiteX11" fmla="*/ 6115051 w 6485467"/>
+              <a:gd name="connsiteX11" fmla="*/ 4266589 w 4637005"/>
               <a:gd name="connsiteY11" fmla="*/ 2244725 h 6858000"/>
-              <a:gd name="connsiteX12" fmla="*/ 6485467 w 6485467"/>
+              <a:gd name="connsiteX12" fmla="*/ 4637005 w 4637005"/>
               <a:gd name="connsiteY12" fmla="*/ 2522538 h 6858000"/>
-              <a:gd name="connsiteX13" fmla="*/ 6485467 w 6485467"/>
+              <a:gd name="connsiteX13" fmla="*/ 4637005 w 4637005"/>
               <a:gd name="connsiteY13" fmla="*/ 6858000 h 6858000"/>
-              <a:gd name="connsiteX14" fmla="*/ 0 w 6485467"/>
+              <a:gd name="connsiteX14" fmla="*/ 0 w 4637005"/>
               <a:gd name="connsiteY14" fmla="*/ 6858000 h 6858000"/>
             </a:gdLst>
             <a:ahLst/>
@@ -9916,48 +9260,48 @@
             </a:cxnLst>
             <a:rect l="l" t="t" r="r" b="b"/>
             <a:pathLst>
-              <a:path w="6485467" h="6858000">
+              <a:path w="4637005" h="6858000">
                 <a:moveTo>
                   <a:pt x="0" y="0"/>
                 </a:moveTo>
                 <a:lnTo>
-                  <a:pt x="6485467" y="0"/>
-                </a:lnTo>
-                <a:lnTo>
-                  <a:pt x="6485467" y="1900238"/>
-                </a:lnTo>
-                <a:lnTo>
-                  <a:pt x="6115051" y="2178050"/>
-                </a:lnTo>
-                <a:lnTo>
-                  <a:pt x="6110817" y="2184400"/>
-                </a:lnTo>
-                <a:lnTo>
-                  <a:pt x="6104467" y="2193925"/>
-                </a:lnTo>
-                <a:lnTo>
-                  <a:pt x="6098117" y="2201863"/>
-                </a:lnTo>
-                <a:lnTo>
-                  <a:pt x="6098117" y="2211388"/>
-                </a:lnTo>
-                <a:lnTo>
-                  <a:pt x="6098117" y="2220913"/>
-                </a:lnTo>
-                <a:lnTo>
-                  <a:pt x="6104467" y="2228850"/>
-                </a:lnTo>
-                <a:lnTo>
-                  <a:pt x="6110817" y="2238375"/>
-                </a:lnTo>
-                <a:lnTo>
-                  <a:pt x="6115051" y="2244725"/>
-                </a:lnTo>
-                <a:lnTo>
-                  <a:pt x="6485467" y="2522538"/>
-                </a:lnTo>
-                <a:lnTo>
-                  <a:pt x="6485467" y="6858000"/>
+                  <a:pt x="4637005" y="0"/>
+                </a:lnTo>
+                <a:lnTo>
+                  <a:pt x="4637005" y="1900238"/>
+                </a:lnTo>
+                <a:lnTo>
+                  <a:pt x="4266589" y="2178050"/>
+                </a:lnTo>
+                <a:lnTo>
+                  <a:pt x="4262355" y="2184400"/>
+                </a:lnTo>
+                <a:lnTo>
+                  <a:pt x="4256005" y="2193925"/>
+                </a:lnTo>
+                <a:lnTo>
+                  <a:pt x="4249655" y="2201863"/>
+                </a:lnTo>
+                <a:lnTo>
+                  <a:pt x="4249655" y="2211388"/>
+                </a:lnTo>
+                <a:lnTo>
+                  <a:pt x="4249655" y="2220913"/>
+                </a:lnTo>
+                <a:lnTo>
+                  <a:pt x="4256005" y="2228850"/>
+                </a:lnTo>
+                <a:lnTo>
+                  <a:pt x="4262355" y="2238375"/>
+                </a:lnTo>
+                <a:lnTo>
+                  <a:pt x="4266589" y="2244725"/>
+                </a:lnTo>
+                <a:lnTo>
+                  <a:pt x="4637005" y="2522538"/>
+                </a:lnTo>
+                <a:lnTo>
+                  <a:pt x="4637005" y="6858000"/>
                 </a:lnTo>
                 <a:lnTo>
                   <a:pt x="0" y="6858000"/>
@@ -9993,7 +9337,9 @@
           </a:fontRef>
         </p:style>
         <p:txBody>
-          <a:bodyPr rtlCol="0" anchor="ctr"/>
+          <a:bodyPr wrap="square" rtlCol="0" anchor="ctr">
+            <a:noAutofit/>
+          </a:bodyPr>
           <a:lstStyle/>
           <a:p>
             <a:pPr algn="ctr"/>
@@ -10006,7 +9352,7 @@
           <p:cNvPr id="2" name="Title 1">
             <a:extLst>
               <a:ext uri="{FF2B5EF4-FFF2-40B4-BE49-F238E27FC236}">
-                <a16:creationId xmlns:a16="http://schemas.microsoft.com/office/drawing/2014/main" id="{82C0AD1E-BE1E-9D42-A0CD-B238CED92A1F}"/>
+                <a16:creationId xmlns:a16="http://schemas.microsoft.com/office/drawing/2014/main" id="{89D703BD-4EF0-4C41-9DF8-D5BB4E4DCEA6}"/>
               </a:ext>
             </a:extLst>
           </p:cNvPr>
@@ -10019,8 +9365,8 @@
         </p:nvSpPr>
         <p:spPr>
           <a:xfrm>
-            <a:off x="810000" y="447188"/>
-            <a:ext cx="5039035" cy="1559412"/>
+            <a:off x="810001" y="447188"/>
+            <a:ext cx="3413084" cy="1559412"/>
           </a:xfrm>
         </p:spPr>
         <p:txBody>
@@ -10030,8 +9376,8 @@
           <a:lstStyle/>
           <a:p>
             <a:r>
-              <a:rPr lang="en-US" dirty="0"/>
-              <a:t>Logistic Regression</a:t>
+              <a:rPr lang="en-US" sz="3200" dirty="0"/>
+              <a:t>Neural Network</a:t>
             </a:r>
           </a:p>
         </p:txBody>
@@ -10041,7 +9387,7 @@
           <p:cNvPr id="12" name="Content Placeholder 11">
             <a:extLst>
               <a:ext uri="{FF2B5EF4-FFF2-40B4-BE49-F238E27FC236}">
-                <a16:creationId xmlns:a16="http://schemas.microsoft.com/office/drawing/2014/main" id="{5AB30B9B-BEDB-40DE-92A6-F7E6FA79C495}"/>
+                <a16:creationId xmlns:a16="http://schemas.microsoft.com/office/drawing/2014/main" id="{32A026D1-174F-4BF9-A202-16A823FECE78}"/>
               </a:ext>
             </a:extLst>
           </p:cNvPr>
@@ -10054,37 +9400,37 @@
         </p:nvSpPr>
         <p:spPr>
           <a:xfrm>
-            <a:off x="818712" y="2413000"/>
-            <a:ext cx="5016259" cy="3632200"/>
+            <a:off x="818713" y="2413000"/>
+            <a:ext cx="3404372" cy="3632200"/>
           </a:xfrm>
         </p:spPr>
         <p:txBody>
           <a:bodyPr vert="horz" lIns="91440" tIns="45720" rIns="91440" bIns="45720" rtlCol="0" anchor="ctr">
-            <a:normAutofit/>
+            <a:normAutofit lnSpcReduction="10000"/>
           </a:bodyPr>
           <a:lstStyle/>
           <a:p>
             <a:r>
-              <a:rPr lang="en-US" dirty="0"/>
-              <a:t>Used a balanced snippet of our dataset</a:t>
-            </a:r>
-          </a:p>
-          <a:p>
-            <a:r>
-              <a:rPr lang="en-US" dirty="0"/>
-              <a:t>Confusion Matrix shows 8 false positives</a:t>
-            </a:r>
-          </a:p>
-          <a:p>
-            <a:r>
-              <a:rPr lang="en-US" dirty="0"/>
-              <a:t>Achieved an accuracy of 0.934 with a standard deviation of 0.012</a:t>
-            </a:r>
-          </a:p>
-          <a:p>
-            <a:r>
-              <a:rPr lang="en-US" dirty="0"/>
-              <a:t>Heat map shows strong correlations between features 1 thru 20 but drops off after </a:t>
+              <a:rPr lang="en-US" sz="1600" dirty="0"/>
+              <a:t>Our first Neural Model has a single hidden layer</a:t>
+            </a:r>
+          </a:p>
+          <a:p>
+            <a:r>
+              <a:rPr lang="en-US" sz="1600" dirty="0"/>
+              <a:t>We used all 28 V values in our data and the Amount column</a:t>
+            </a:r>
+          </a:p>
+          <a:p>
+            <a:r>
+              <a:rPr lang="en-US" sz="1600" dirty="0"/>
+              <a:t>The model’s predictive accuracy rounded out to 94.7%</a:t>
+            </a:r>
+          </a:p>
+          <a:p>
+            <a:r>
+              <a:rPr lang="en-US" sz="1600" dirty="0"/>
+              <a:t>Compared to the actual values, the model returned 3 False Positive values and missed 10 cases of fraud out of 246 points of data</a:t>
             </a:r>
           </a:p>
         </p:txBody>
@@ -10094,7 +9440,7 @@
           <p:cNvPr id="21" name="Rounded Rectangle 17">
             <a:extLst>
               <a:ext uri="{FF2B5EF4-FFF2-40B4-BE49-F238E27FC236}">
-                <a16:creationId xmlns:a16="http://schemas.microsoft.com/office/drawing/2014/main" id="{15285B77-8322-4381-BE3F-F6FE0271B955}"/>
+                <a16:creationId xmlns:a16="http://schemas.microsoft.com/office/drawing/2014/main" id="{B54A185E-16AF-4E1A-9E7F-1414E2A34920}"/>
               </a:ext>
               <a:ext uri="{C183D7F6-B498-43B3-948B-1728B52AA6E4}">
                 <adec:decorative xmlns:adec="http://schemas.microsoft.com/office/drawing/2017/decorative" val="1"/>
@@ -10114,8 +9460,8 @@
         </p:nvSpPr>
         <p:spPr>
           <a:xfrm>
-            <a:off x="7128932" y="958640"/>
-            <a:ext cx="4419604" cy="4945244"/>
+            <a:off x="5278945" y="958640"/>
+            <a:ext cx="6269591" cy="4945244"/>
           </a:xfrm>
           <a:prstGeom prst="roundRect">
             <a:avLst>
@@ -10159,10 +9505,10 @@
       </p:sp>
       <p:pic>
         <p:nvPicPr>
-          <p:cNvPr id="8" name="Content Placeholder 7" descr="A screenshot of a social media post&#10;&#10;Description automatically generated">
+          <p:cNvPr id="14" name="Content Placeholder 17">
             <a:extLst>
               <a:ext uri="{FF2B5EF4-FFF2-40B4-BE49-F238E27FC236}">
-                <a16:creationId xmlns:a16="http://schemas.microsoft.com/office/drawing/2014/main" id="{68445591-F119-9B4A-B98D-ECD1DD289230}"/>
+                <a16:creationId xmlns:a16="http://schemas.microsoft.com/office/drawing/2014/main" id="{38557810-8260-4B5C-B487-8B67B7BB776D}"/>
               </a:ext>
             </a:extLst>
           </p:cNvPr>
@@ -10179,20 +9525,27 @@
         </p:blipFill>
         <p:spPr>
           <a:xfrm>
-            <a:off x="7679960" y="1274970"/>
-            <a:ext cx="3317547" cy="2056879"/>
+            <a:off x="4635285" y="2224949"/>
+            <a:ext cx="7559363" cy="848743"/>
           </a:xfrm>
           <a:prstGeom prst="rect">
             <a:avLst/>
           </a:prstGeom>
+          <a:effectLst>
+            <a:outerShdw blurRad="50800" dir="14400000">
+              <a:srgbClr val="000000">
+                <a:alpha val="40000"/>
+              </a:srgbClr>
+            </a:outerShdw>
+          </a:effectLst>
         </p:spPr>
       </p:pic>
       <p:pic>
         <p:nvPicPr>
-          <p:cNvPr id="6" name="Content Placeholder 5" descr="A screenshot of a cell phone&#10;&#10;Description automatically generated">
+          <p:cNvPr id="8" name="Content Placeholder 7">
             <a:extLst>
               <a:ext uri="{FF2B5EF4-FFF2-40B4-BE49-F238E27FC236}">
-                <a16:creationId xmlns:a16="http://schemas.microsoft.com/office/drawing/2014/main" id="{D62960FD-8EB1-F64E-8C2B-2F79A1498294}"/>
+                <a16:creationId xmlns:a16="http://schemas.microsoft.com/office/drawing/2014/main" id="{D33AA20F-372B-4576-8C79-C4EFF2C3FBAA}"/>
               </a:ext>
             </a:extLst>
           </p:cNvPr>
@@ -10211,8 +9564,38 @@
         </p:blipFill>
         <p:spPr>
           <a:xfrm>
-            <a:off x="8058361" y="3496441"/>
-            <a:ext cx="2560745" cy="2093408"/>
+            <a:off x="4650848" y="3073692"/>
+            <a:ext cx="7543800" cy="3771900"/>
+          </a:xfrm>
+          <a:prstGeom prst="rect">
+            <a:avLst/>
+          </a:prstGeom>
+        </p:spPr>
+      </p:pic>
+      <p:pic>
+        <p:nvPicPr>
+          <p:cNvPr id="10" name="Picture 9">
+            <a:extLst>
+              <a:ext uri="{FF2B5EF4-FFF2-40B4-BE49-F238E27FC236}">
+                <a16:creationId xmlns:a16="http://schemas.microsoft.com/office/drawing/2014/main" id="{811BAA74-8825-4BD0-A216-60735262D4B4}"/>
+              </a:ext>
+            </a:extLst>
+          </p:cNvPr>
+          <p:cNvPicPr>
+            <a:picLocks noChangeAspect="1"/>
+          </p:cNvPicPr>
+          <p:nvPr/>
+        </p:nvPicPr>
+        <p:blipFill>
+          <a:blip r:embed="rId4"/>
+          <a:stretch>
+            <a:fillRect/>
+          </a:stretch>
+        </p:blipFill>
+        <p:spPr>
+          <a:xfrm>
+            <a:off x="4648396" y="12408"/>
+            <a:ext cx="7528969" cy="2200133"/>
           </a:xfrm>
           <a:prstGeom prst="rect">
             <a:avLst/>
@@ -10222,7 +9605,7 @@
     </p:spTree>
     <p:extLst>
       <p:ext uri="{BB962C8B-B14F-4D97-AF65-F5344CB8AC3E}">
-        <p14:creationId xmlns:p14="http://schemas.microsoft.com/office/powerpoint/2010/main" val="1261629702"/>
+        <p14:creationId xmlns:p14="http://schemas.microsoft.com/office/powerpoint/2010/main" val="2622772744"/>
       </p:ext>
     </p:extLst>
   </p:cSld>
@@ -10259,7 +9642,7 @@
       </p:grpSpPr>
       <p:sp>
         <p:nvSpPr>
-          <p:cNvPr id="32" name="Freeform 6">
+          <p:cNvPr id="15" name="Freeform 6">
             <a:extLst>
               <a:ext uri="{FF2B5EF4-FFF2-40B4-BE49-F238E27FC236}">
                 <a16:creationId xmlns:a16="http://schemas.microsoft.com/office/drawing/2014/main" id="{1FCF5244-C62C-4E27-B395-14F26DFB1373}"/>
@@ -10351,7 +9734,7 @@
           <a:ln/>
           <a:extLst>
             <a:ext uri="{91240B29-F687-4f45-9708-019B960494DF}">
-              <a14:hiddenLine xmlns:a14="http://schemas.microsoft.com/office/drawing/2010/main" xmlns:p14="http://schemas.microsoft.com/office/powerpoint/2010/main" xmlns:a16="http://schemas.microsoft.com/office/drawing/2014/main" xmlns="" w="9525">
+              <a14:hiddenLine xmlns="" xmlns:a16="http://schemas.microsoft.com/office/drawing/2014/main" xmlns:p14="http://schemas.microsoft.com/office/powerpoint/2010/main" xmlns:a14="http://schemas.microsoft.com/office/drawing/2010/main" w="9525">
                 <a:solidFill>
                   <a:srgbClr val="000000"/>
                 </a:solidFill>
@@ -10379,10 +9762,10 @@
       </p:sp>
       <p:sp>
         <p:nvSpPr>
-          <p:cNvPr id="33" name="Rectangle 25">
+          <p:cNvPr id="17" name="Rectangle 16">
             <a:extLst>
               <a:ext uri="{FF2B5EF4-FFF2-40B4-BE49-F238E27FC236}">
-                <a16:creationId xmlns:a16="http://schemas.microsoft.com/office/drawing/2014/main" id="{27E4CA8E-5CC0-4B96-8E67-040FB5673FA6}"/>
+                <a16:creationId xmlns:a16="http://schemas.microsoft.com/office/drawing/2014/main" id="{E158B155-2870-4844-B295-BF04F38497F2}"/>
               </a:ext>
               <a:ext uri="{C183D7F6-B498-43B3-948B-1728B52AA6E4}">
                 <adec:decorative xmlns:adec="http://schemas.microsoft.com/office/drawing/2017/decorative" val="1"/>
@@ -10442,10 +9825,10 @@
       </p:sp>
       <p:sp>
         <p:nvSpPr>
-          <p:cNvPr id="34" name="Freeform 9">
+          <p:cNvPr id="19" name="Freeform 23">
             <a:extLst>
               <a:ext uri="{FF2B5EF4-FFF2-40B4-BE49-F238E27FC236}">
-                <a16:creationId xmlns:a16="http://schemas.microsoft.com/office/drawing/2014/main" id="{E9E16A42-F4F8-425E-9DA6-3237A0CBDC1D}"/>
+                <a16:creationId xmlns:a16="http://schemas.microsoft.com/office/drawing/2014/main" id="{8EC6859F-6DE0-454C-AF7C-3CEC5E54120D}"/>
               </a:ext>
               <a:ext uri="{C183D7F6-B498-43B3-948B-1728B52AA6E4}">
                 <adec:decorative xmlns:adec="http://schemas.microsoft.com/office/drawing/2017/decorative" val="1"/>
@@ -10466,40 +9849,40 @@
         <p:spPr bwMode="white">
           <a:xfrm>
             <a:off x="0" y="0"/>
-            <a:ext cx="6485467" cy="6858000"/>
+            <a:ext cx="4637005" cy="6858000"/>
           </a:xfrm>
           <a:custGeom>
             <a:avLst/>
             <a:gdLst>
-              <a:gd name="connsiteX0" fmla="*/ 0 w 6485467"/>
+              <a:gd name="connsiteX0" fmla="*/ 0 w 4637005"/>
               <a:gd name="connsiteY0" fmla="*/ 0 h 6858000"/>
-              <a:gd name="connsiteX1" fmla="*/ 6485467 w 6485467"/>
+              <a:gd name="connsiteX1" fmla="*/ 4637005 w 4637005"/>
               <a:gd name="connsiteY1" fmla="*/ 0 h 6858000"/>
-              <a:gd name="connsiteX2" fmla="*/ 6485467 w 6485467"/>
+              <a:gd name="connsiteX2" fmla="*/ 4637005 w 4637005"/>
               <a:gd name="connsiteY2" fmla="*/ 1900238 h 6858000"/>
-              <a:gd name="connsiteX3" fmla="*/ 6115051 w 6485467"/>
+              <a:gd name="connsiteX3" fmla="*/ 4266589 w 4637005"/>
               <a:gd name="connsiteY3" fmla="*/ 2178050 h 6858000"/>
-              <a:gd name="connsiteX4" fmla="*/ 6110817 w 6485467"/>
+              <a:gd name="connsiteX4" fmla="*/ 4262355 w 4637005"/>
               <a:gd name="connsiteY4" fmla="*/ 2184400 h 6858000"/>
-              <a:gd name="connsiteX5" fmla="*/ 6104467 w 6485467"/>
+              <a:gd name="connsiteX5" fmla="*/ 4256005 w 4637005"/>
               <a:gd name="connsiteY5" fmla="*/ 2193925 h 6858000"/>
-              <a:gd name="connsiteX6" fmla="*/ 6098117 w 6485467"/>
+              <a:gd name="connsiteX6" fmla="*/ 4249655 w 4637005"/>
               <a:gd name="connsiteY6" fmla="*/ 2201863 h 6858000"/>
-              <a:gd name="connsiteX7" fmla="*/ 6098117 w 6485467"/>
+              <a:gd name="connsiteX7" fmla="*/ 4249655 w 4637005"/>
               <a:gd name="connsiteY7" fmla="*/ 2211388 h 6858000"/>
-              <a:gd name="connsiteX8" fmla="*/ 6098117 w 6485467"/>
+              <a:gd name="connsiteX8" fmla="*/ 4249655 w 4637005"/>
               <a:gd name="connsiteY8" fmla="*/ 2220913 h 6858000"/>
-              <a:gd name="connsiteX9" fmla="*/ 6104467 w 6485467"/>
+              <a:gd name="connsiteX9" fmla="*/ 4256005 w 4637005"/>
               <a:gd name="connsiteY9" fmla="*/ 2228850 h 6858000"/>
-              <a:gd name="connsiteX10" fmla="*/ 6110817 w 6485467"/>
+              <a:gd name="connsiteX10" fmla="*/ 4262355 w 4637005"/>
               <a:gd name="connsiteY10" fmla="*/ 2238375 h 6858000"/>
-              <a:gd name="connsiteX11" fmla="*/ 6115051 w 6485467"/>
+              <a:gd name="connsiteX11" fmla="*/ 4266589 w 4637005"/>
               <a:gd name="connsiteY11" fmla="*/ 2244725 h 6858000"/>
-              <a:gd name="connsiteX12" fmla="*/ 6485467 w 6485467"/>
+              <a:gd name="connsiteX12" fmla="*/ 4637005 w 4637005"/>
               <a:gd name="connsiteY12" fmla="*/ 2522538 h 6858000"/>
-              <a:gd name="connsiteX13" fmla="*/ 6485467 w 6485467"/>
+              <a:gd name="connsiteX13" fmla="*/ 4637005 w 4637005"/>
               <a:gd name="connsiteY13" fmla="*/ 6858000 h 6858000"/>
-              <a:gd name="connsiteX14" fmla="*/ 0 w 6485467"/>
+              <a:gd name="connsiteX14" fmla="*/ 0 w 4637005"/>
               <a:gd name="connsiteY14" fmla="*/ 6858000 h 6858000"/>
             </a:gdLst>
             <a:ahLst/>
@@ -10552,48 +9935,48 @@
             </a:cxnLst>
             <a:rect l="l" t="t" r="r" b="b"/>
             <a:pathLst>
-              <a:path w="6485467" h="6858000">
+              <a:path w="4637005" h="6858000">
                 <a:moveTo>
                   <a:pt x="0" y="0"/>
                 </a:moveTo>
                 <a:lnTo>
-                  <a:pt x="6485467" y="0"/>
-                </a:lnTo>
-                <a:lnTo>
-                  <a:pt x="6485467" y="1900238"/>
-                </a:lnTo>
-                <a:lnTo>
-                  <a:pt x="6115051" y="2178050"/>
-                </a:lnTo>
-                <a:lnTo>
-                  <a:pt x="6110817" y="2184400"/>
-                </a:lnTo>
-                <a:lnTo>
-                  <a:pt x="6104467" y="2193925"/>
-                </a:lnTo>
-                <a:lnTo>
-                  <a:pt x="6098117" y="2201863"/>
-                </a:lnTo>
-                <a:lnTo>
-                  <a:pt x="6098117" y="2211388"/>
-                </a:lnTo>
-                <a:lnTo>
-                  <a:pt x="6098117" y="2220913"/>
-                </a:lnTo>
-                <a:lnTo>
-                  <a:pt x="6104467" y="2228850"/>
-                </a:lnTo>
-                <a:lnTo>
-                  <a:pt x="6110817" y="2238375"/>
-                </a:lnTo>
-                <a:lnTo>
-                  <a:pt x="6115051" y="2244725"/>
-                </a:lnTo>
-                <a:lnTo>
-                  <a:pt x="6485467" y="2522538"/>
-                </a:lnTo>
-                <a:lnTo>
-                  <a:pt x="6485467" y="6858000"/>
+                  <a:pt x="4637005" y="0"/>
+                </a:lnTo>
+                <a:lnTo>
+                  <a:pt x="4637005" y="1900238"/>
+                </a:lnTo>
+                <a:lnTo>
+                  <a:pt x="4266589" y="2178050"/>
+                </a:lnTo>
+                <a:lnTo>
+                  <a:pt x="4262355" y="2184400"/>
+                </a:lnTo>
+                <a:lnTo>
+                  <a:pt x="4256005" y="2193925"/>
+                </a:lnTo>
+                <a:lnTo>
+                  <a:pt x="4249655" y="2201863"/>
+                </a:lnTo>
+                <a:lnTo>
+                  <a:pt x="4249655" y="2211388"/>
+                </a:lnTo>
+                <a:lnTo>
+                  <a:pt x="4249655" y="2220913"/>
+                </a:lnTo>
+                <a:lnTo>
+                  <a:pt x="4256005" y="2228850"/>
+                </a:lnTo>
+                <a:lnTo>
+                  <a:pt x="4262355" y="2238375"/>
+                </a:lnTo>
+                <a:lnTo>
+                  <a:pt x="4266589" y="2244725"/>
+                </a:lnTo>
+                <a:lnTo>
+                  <a:pt x="4637005" y="2522538"/>
+                </a:lnTo>
+                <a:lnTo>
+                  <a:pt x="4637005" y="6858000"/>
                 </a:lnTo>
                 <a:lnTo>
                   <a:pt x="0" y="6858000"/>
@@ -10629,7 +10012,9 @@
           </a:fontRef>
         </p:style>
         <p:txBody>
-          <a:bodyPr rtlCol="0" anchor="ctr"/>
+          <a:bodyPr wrap="square" rtlCol="0" anchor="ctr">
+            <a:noAutofit/>
+          </a:bodyPr>
           <a:lstStyle/>
           <a:p>
             <a:pPr algn="ctr"/>
@@ -10642,7 +10027,7 @@
           <p:cNvPr id="2" name="Title 1">
             <a:extLst>
               <a:ext uri="{FF2B5EF4-FFF2-40B4-BE49-F238E27FC236}">
-                <a16:creationId xmlns:a16="http://schemas.microsoft.com/office/drawing/2014/main" id="{13DDFEF0-9EFF-D746-8DBC-FF21B944A40D}"/>
+                <a16:creationId xmlns:a16="http://schemas.microsoft.com/office/drawing/2014/main" id="{89D703BD-4EF0-4C41-9DF8-D5BB4E4DCEA6}"/>
               </a:ext>
             </a:extLst>
           </p:cNvPr>
@@ -10655,8 +10040,8 @@
         </p:nvSpPr>
         <p:spPr>
           <a:xfrm>
-            <a:off x="810000" y="447188"/>
-            <a:ext cx="5039035" cy="1559412"/>
+            <a:off x="810001" y="447188"/>
+            <a:ext cx="3413084" cy="1559412"/>
           </a:xfrm>
         </p:spPr>
         <p:txBody>
@@ -10666,18 +10051,18 @@
           <a:lstStyle/>
           <a:p>
             <a:r>
-              <a:rPr lang="en-US"/>
-              <a:t>Neural Network</a:t>
-            </a:r>
-          </a:p>
-        </p:txBody>
-      </p:sp>
-      <p:sp>
-        <p:nvSpPr>
-          <p:cNvPr id="35" name="Content Placeholder 20">
+              <a:rPr lang="en-US" sz="3200" dirty="0"/>
+              <a:t>Deep Neural Network</a:t>
+            </a:r>
+          </a:p>
+        </p:txBody>
+      </p:sp>
+      <p:sp>
+        <p:nvSpPr>
+          <p:cNvPr id="12" name="Content Placeholder 11">
             <a:extLst>
               <a:ext uri="{FF2B5EF4-FFF2-40B4-BE49-F238E27FC236}">
-                <a16:creationId xmlns:a16="http://schemas.microsoft.com/office/drawing/2014/main" id="{4C864DAF-6630-4C94-AC47-3F49F5B74566}"/>
+                <a16:creationId xmlns:a16="http://schemas.microsoft.com/office/drawing/2014/main" id="{32A026D1-174F-4BF9-A202-16A823FECE78}"/>
               </a:ext>
             </a:extLst>
           </p:cNvPr>
@@ -10690,47 +10075,53 @@
         </p:nvSpPr>
         <p:spPr>
           <a:xfrm>
-            <a:off x="818712" y="2413000"/>
-            <a:ext cx="5016259" cy="3632200"/>
+            <a:off x="818713" y="2413000"/>
+            <a:ext cx="3404372" cy="3632200"/>
           </a:xfrm>
         </p:spPr>
         <p:txBody>
           <a:bodyPr vert="horz" lIns="91440" tIns="45720" rIns="91440" bIns="45720" rtlCol="0" anchor="ctr">
-            <a:normAutofit/>
+            <a:normAutofit fontScale="92500" lnSpcReduction="20000"/>
           </a:bodyPr>
           <a:lstStyle/>
           <a:p>
             <a:r>
-              <a:rPr lang="en-US" dirty="0"/>
-              <a:t>Our first Neural Model has a single hidden layer</a:t>
-            </a:r>
-          </a:p>
-          <a:p>
-            <a:r>
-              <a:rPr lang="en-US" dirty="0"/>
-              <a:t>We used all 28 V values in our data and the Amount column</a:t>
-            </a:r>
-          </a:p>
-          <a:p>
-            <a:r>
-              <a:rPr lang="en-US" dirty="0"/>
-              <a:t>The model’s predictive accuracy rounded out to 94.7%</a:t>
-            </a:r>
-          </a:p>
-          <a:p>
-            <a:r>
-              <a:rPr lang="en-US" dirty="0"/>
-              <a:t>Compared to the actual values, the model returned 3 False Positive values and missed 10 cases of fraud out of 246 points of data</a:t>
-            </a:r>
-          </a:p>
-        </p:txBody>
-      </p:sp>
-      <p:sp>
-        <p:nvSpPr>
-          <p:cNvPr id="36" name="Rounded Rectangle 17">
+              <a:rPr lang="en-US" sz="1600" dirty="0"/>
+              <a:t>Our second Neural Model has 2 hidden layers</a:t>
+            </a:r>
+          </a:p>
+          <a:p>
+            <a:r>
+              <a:rPr lang="en-US" sz="1600" dirty="0"/>
+              <a:t>We used the same distribution of data for both models </a:t>
+            </a:r>
+          </a:p>
+          <a:p>
+            <a:r>
+              <a:rPr lang="en-US" sz="1600" dirty="0"/>
+              <a:t>The Deep Model’s predictive accuracy rounded out to 95.1%</a:t>
+            </a:r>
+          </a:p>
+          <a:p>
+            <a:r>
+              <a:rPr lang="en-US" sz="1600" dirty="0"/>
+              <a:t>Compared to the actual values, the Deep Model did not return any False Positives and missed 12 cases of fraud</a:t>
+            </a:r>
+          </a:p>
+          <a:p>
+            <a:r>
+              <a:rPr lang="en-US" sz="1600" dirty="0"/>
+              <a:t>Despite higher accuracy than the first model, this model missed more cases of actual fraud</a:t>
+            </a:r>
+          </a:p>
+        </p:txBody>
+      </p:sp>
+      <p:sp>
+        <p:nvSpPr>
+          <p:cNvPr id="21" name="Rounded Rectangle 17">
             <a:extLst>
               <a:ext uri="{FF2B5EF4-FFF2-40B4-BE49-F238E27FC236}">
-                <a16:creationId xmlns:a16="http://schemas.microsoft.com/office/drawing/2014/main" id="{15285B77-8322-4381-BE3F-F6FE0271B955}"/>
+                <a16:creationId xmlns:a16="http://schemas.microsoft.com/office/drawing/2014/main" id="{B54A185E-16AF-4E1A-9E7F-1414E2A34920}"/>
               </a:ext>
               <a:ext uri="{C183D7F6-B498-43B3-948B-1728B52AA6E4}">
                 <adec:decorative xmlns:adec="http://schemas.microsoft.com/office/drawing/2017/decorative" val="1"/>
@@ -10750,8 +10141,8 @@
         </p:nvSpPr>
         <p:spPr>
           <a:xfrm>
-            <a:off x="7128932" y="958640"/>
-            <a:ext cx="4419604" cy="4945244"/>
+            <a:off x="5278945" y="958640"/>
+            <a:ext cx="6269591" cy="4945244"/>
           </a:xfrm>
           <a:prstGeom prst="roundRect">
             <a:avLst>
@@ -10795,19 +10186,17 @@
       </p:sp>
       <p:pic>
         <p:nvPicPr>
-          <p:cNvPr id="14" name="Content Placeholder 13">
+          <p:cNvPr id="10" name="Picture 9">
             <a:extLst>
               <a:ext uri="{FF2B5EF4-FFF2-40B4-BE49-F238E27FC236}">
-                <a16:creationId xmlns:a16="http://schemas.microsoft.com/office/drawing/2014/main" id="{D40ED0DE-A141-48F6-B217-9904A0729940}"/>
+                <a16:creationId xmlns:a16="http://schemas.microsoft.com/office/drawing/2014/main" id="{811BAA74-8825-4BD0-A216-60735262D4B4}"/>
               </a:ext>
             </a:extLst>
           </p:cNvPr>
           <p:cNvPicPr>
-            <a:picLocks noGrp="1" noChangeAspect="1"/>
+            <a:picLocks noChangeAspect="1"/>
           </p:cNvPicPr>
-          <p:nvPr>
-            <p:ph sz="half" idx="2"/>
-          </p:nvPr>
+          <p:nvPr/>
         </p:nvPicPr>
         <p:blipFill>
           <a:blip r:embed="rId2"/>
@@ -10817,8 +10206,8 @@
         </p:blipFill>
         <p:spPr>
           <a:xfrm>
-            <a:off x="7448056" y="3757371"/>
-            <a:ext cx="3778306" cy="1832478"/>
+            <a:off x="4648396" y="12408"/>
+            <a:ext cx="7528969" cy="2269588"/>
           </a:xfrm>
           <a:prstGeom prst="rect">
             <a:avLst/>
@@ -10827,10 +10216,39 @@
       </p:pic>
       <p:pic>
         <p:nvPicPr>
-          <p:cNvPr id="5" name="Content Placeholder 4" descr="A screenshot of a cell phone&#10;&#10;Description automatically generated">
+          <p:cNvPr id="7" name="Content Placeholder 6">
             <a:extLst>
               <a:ext uri="{FF2B5EF4-FFF2-40B4-BE49-F238E27FC236}">
-                <a16:creationId xmlns:a16="http://schemas.microsoft.com/office/drawing/2014/main" id="{2B4A19D0-DC70-8541-A1B4-829B097476E7}"/>
+                <a16:creationId xmlns:a16="http://schemas.microsoft.com/office/drawing/2014/main" id="{19C2E2A4-487E-4772-9B99-51B61F63B6F8}"/>
+              </a:ext>
+            </a:extLst>
+          </p:cNvPr>
+          <p:cNvPicPr>
+            <a:picLocks noGrp="1" noChangeAspect="1"/>
+          </p:cNvPicPr>
+          <p:nvPr>
+            <p:ph sz="half" idx="2"/>
+          </p:nvPr>
+        </p:nvPicPr>
+        <p:blipFill>
+          <a:blip r:embed="rId3"/>
+          <a:stretch>
+            <a:fillRect/>
+          </a:stretch>
+        </p:blipFill>
+        <p:spPr>
+          <a:xfrm>
+            <a:off x="4648395" y="2283477"/>
+            <a:ext cx="7528969" cy="801240"/>
+          </a:xfrm>
+        </p:spPr>
+      </p:pic>
+      <p:pic>
+        <p:nvPicPr>
+          <p:cNvPr id="11" name="Picture 10">
+            <a:extLst>
+              <a:ext uri="{FF2B5EF4-FFF2-40B4-BE49-F238E27FC236}">
+                <a16:creationId xmlns:a16="http://schemas.microsoft.com/office/drawing/2014/main" id="{E471CEA6-4360-4329-85ED-D1C117554537}"/>
               </a:ext>
             </a:extLst>
           </p:cNvPr>
@@ -10840,15 +10258,15 @@
           <p:nvPr/>
         </p:nvPicPr>
         <p:blipFill>
-          <a:blip r:embed="rId3"/>
+          <a:blip r:embed="rId4"/>
           <a:stretch>
             <a:fillRect/>
           </a:stretch>
         </p:blipFill>
         <p:spPr>
           <a:xfrm>
-            <a:off x="8095280" y="1268151"/>
-            <a:ext cx="2483858" cy="2175185"/>
+            <a:off x="4648396" y="3084717"/>
+            <a:ext cx="7543604" cy="3771802"/>
           </a:xfrm>
           <a:prstGeom prst="rect">
             <a:avLst/>
@@ -10858,7 +10276,7 @@
     </p:spTree>
     <p:extLst>
       <p:ext uri="{BB962C8B-B14F-4D97-AF65-F5344CB8AC3E}">
-        <p14:creationId xmlns:p14="http://schemas.microsoft.com/office/powerpoint/2010/main" val="1163529302"/>
+        <p14:creationId xmlns:p14="http://schemas.microsoft.com/office/powerpoint/2010/main" val="978301857"/>
       </p:ext>
     </p:extLst>
   </p:cSld>

--- a/Credit_Card_Fraud_Presentation.pptx
+++ b/Credit_Card_Fraud_Presentation.pptx
@@ -218,7 +218,7 @@
           <a:effectLst/>
           <a:extLst>
             <a:ext uri="{91240B29-F687-4f45-9708-019B960494DF}">
-              <a14:hiddenLine xmlns:a14="http://schemas.microsoft.com/office/drawing/2010/main" xmlns="" w="9525">
+              <a14:hiddenLine xmlns="" xmlns:a14="http://schemas.microsoft.com/office/drawing/2010/main" w="9525">
                 <a:solidFill>
                   <a:srgbClr val="000000"/>
                 </a:solidFill>
@@ -411,7 +411,7 @@
             <a:fld id="{08B9EBBA-996F-894A-B54A-D6246ED52CEA}" type="datetimeFigureOut">
               <a:rPr lang="en-US" dirty="0"/>
               <a:pPr/>
-              <a:t>7/24/2020</a:t>
+              <a:t>7/25/20</a:t>
             </a:fld>
             <a:endParaRPr lang="en-US" dirty="0"/>
           </a:p>
@@ -726,7 +726,7 @@
             <a:fld id="{18C79C5D-2A6F-F04D-97DA-BEF2467B64E4}" type="datetimeFigureOut">
               <a:rPr lang="en-US" dirty="0"/>
               <a:pPr/>
-              <a:t>7/24/2020</a:t>
+              <a:t>7/25/20</a:t>
             </a:fld>
             <a:endParaRPr lang="en-US" dirty="0"/>
           </a:p>
@@ -1211,7 +1211,7 @@
             <a:fld id="{8DFA1846-DA80-1C48-A609-854EA85C59AD}" type="datetimeFigureOut">
               <a:rPr lang="en-US" dirty="0"/>
               <a:pPr/>
-              <a:t>7/24/2020</a:t>
+              <a:t>7/25/20</a:t>
             </a:fld>
             <a:endParaRPr lang="en-US" dirty="0"/>
           </a:p>
@@ -1577,7 +1577,7 @@
             <a:fld id="{FBF54567-0DE4-3F47-BF90-CB84690072F9}" type="datetimeFigureOut">
               <a:rPr lang="en-US" dirty="0"/>
               <a:pPr/>
-              <a:t>7/24/2020</a:t>
+              <a:t>7/25/20</a:t>
             </a:fld>
             <a:endParaRPr lang="en-US" dirty="0"/>
           </a:p>
@@ -1728,7 +1728,7 @@
           <a:ln/>
           <a:extLst>
             <a:ext uri="{91240B29-F687-4f45-9708-019B960494DF}">
-              <a14:hiddenLine xmlns:a14="http://schemas.microsoft.com/office/drawing/2010/main" xmlns="" w="9525">
+              <a14:hiddenLine xmlns="" xmlns:a14="http://schemas.microsoft.com/office/drawing/2010/main" w="9525">
                 <a:solidFill>
                   <a:srgbClr val="000000"/>
                 </a:solidFill>
@@ -1847,7 +1847,7 @@
             <a:fld id="{C6C52C72-DE31-F449-A4ED-4C594FD91407}" type="datetimeFigureOut">
               <a:rPr lang="en-US" dirty="0"/>
               <a:pPr/>
-              <a:t>7/24/2020</a:t>
+              <a:t>7/25/20</a:t>
             </a:fld>
             <a:endParaRPr lang="en-US" dirty="0"/>
           </a:p>
@@ -2000,7 +2000,7 @@
           <a:ln/>
           <a:extLst>
             <a:ext uri="{91240B29-F687-4f45-9708-019B960494DF}">
-              <a14:hiddenLine xmlns:a14="http://schemas.microsoft.com/office/drawing/2010/main" xmlns="" w="9525">
+              <a14:hiddenLine xmlns="" xmlns:a14="http://schemas.microsoft.com/office/drawing/2010/main" w="9525">
                 <a:solidFill>
                   <a:srgbClr val="000000"/>
                 </a:solidFill>
@@ -2129,7 +2129,7 @@
             <a:fld id="{ED62726E-379B-B349-9EED-81ED093FA806}" type="datetimeFigureOut">
               <a:rPr lang="en-US" dirty="0"/>
               <a:pPr/>
-              <a:t>7/24/2020</a:t>
+              <a:t>7/25/20</a:t>
             </a:fld>
             <a:endParaRPr lang="en-US" dirty="0"/>
           </a:p>
@@ -2280,7 +2280,7 @@
           <a:ln/>
           <a:extLst>
             <a:ext uri="{91240B29-F687-4f45-9708-019B960494DF}">
-              <a14:hiddenLine xmlns:a14="http://schemas.microsoft.com/office/drawing/2010/main" xmlns="" w="9525">
+              <a14:hiddenLine xmlns="" xmlns:a14="http://schemas.microsoft.com/office/drawing/2010/main" w="9525">
                 <a:solidFill>
                   <a:srgbClr val="000000"/>
                 </a:solidFill>
@@ -2409,7 +2409,7 @@
             <a:fld id="{9B3A1323-8D79-1946-B0D7-40001CF92E9D}" type="datetimeFigureOut">
               <a:rPr lang="en-US" dirty="0"/>
               <a:pPr/>
-              <a:t>7/24/2020</a:t>
+              <a:t>7/25/20</a:t>
             </a:fld>
             <a:endParaRPr lang="en-US" dirty="0"/>
           </a:p>
@@ -2749,7 +2749,7 @@
             <a:fld id="{8DFA1846-DA80-1C48-A609-854EA85C59AD}" type="datetimeFigureOut">
               <a:rPr lang="en-US" dirty="0"/>
               <a:pPr/>
-              <a:t>7/24/2020</a:t>
+              <a:t>7/25/20</a:t>
             </a:fld>
             <a:endParaRPr lang="en-US" dirty="0"/>
           </a:p>
@@ -2900,7 +2900,7 @@
           <a:ln/>
           <a:extLst>
             <a:ext uri="{91240B29-F687-4f45-9708-019B960494DF}">
-              <a14:hiddenLine xmlns:a14="http://schemas.microsoft.com/office/drawing/2010/main" xmlns="" w="9525">
+              <a14:hiddenLine xmlns="" xmlns:a14="http://schemas.microsoft.com/office/drawing/2010/main" w="9525">
                 <a:solidFill>
                   <a:srgbClr val="000000"/>
                 </a:solidFill>
@@ -3085,7 +3085,7 @@
             <a:fld id="{57302355-E14B-8545-A8F8-0FE83CC9D524}" type="datetimeFigureOut">
               <a:rPr lang="en-US" dirty="0"/>
               <a:pPr/>
-              <a:t>7/24/2020</a:t>
+              <a:t>7/25/20</a:t>
             </a:fld>
             <a:endParaRPr lang="en-US" dirty="0"/>
           </a:p>
@@ -3236,7 +3236,7 @@
           <a:ln/>
           <a:extLst>
             <a:ext uri="{91240B29-F687-4f45-9708-019B960494DF}">
-              <a14:hiddenLine xmlns:a14="http://schemas.microsoft.com/office/drawing/2010/main" xmlns="" w="9525">
+              <a14:hiddenLine xmlns="" xmlns:a14="http://schemas.microsoft.com/office/drawing/2010/main" w="9525">
                 <a:solidFill>
                   <a:srgbClr val="000000"/>
                 </a:solidFill>
@@ -3559,7 +3559,7 @@
             <a:fld id="{02640F58-564D-2B4F-AE67-E407BA4FCF45}" type="datetimeFigureOut">
               <a:rPr lang="en-US" dirty="0"/>
               <a:pPr/>
-              <a:t>7/24/2020</a:t>
+              <a:t>7/25/20</a:t>
             </a:fld>
             <a:endParaRPr lang="en-US" dirty="0"/>
           </a:p>
@@ -3710,7 +3710,7 @@
           <a:ln/>
           <a:extLst>
             <a:ext uri="{91240B29-F687-4f45-9708-019B960494DF}">
-              <a14:hiddenLine xmlns:a14="http://schemas.microsoft.com/office/drawing/2010/main" xmlns="" w="9525">
+              <a14:hiddenLine xmlns="" xmlns:a14="http://schemas.microsoft.com/office/drawing/2010/main" w="9525">
                 <a:solidFill>
                   <a:srgbClr val="000000"/>
                 </a:solidFill>
@@ -3777,7 +3777,7 @@
             <a:fld id="{F13A34C8-038E-2045-AF43-DF7DBB8E0E9E}" type="datetimeFigureOut">
               <a:rPr lang="en-US" dirty="0"/>
               <a:pPr/>
-              <a:t>7/24/2020</a:t>
+              <a:t>7/25/20</a:t>
             </a:fld>
             <a:endParaRPr lang="en-US" dirty="0"/>
           </a:p>
@@ -3869,7 +3869,7 @@
             <a:fld id="{8818C68F-D26B-8F47-958C-23B49CF8A634}" type="datetimeFigureOut">
               <a:rPr lang="en-US" dirty="0"/>
               <a:pPr/>
-              <a:t>7/24/2020</a:t>
+              <a:t>7/25/20</a:t>
             </a:fld>
             <a:endParaRPr lang="en-US" dirty="0"/>
           </a:p>
@@ -4133,7 +4133,7 @@
           <a:ln/>
           <a:extLst>
             <a:ext uri="{91240B29-F687-4f45-9708-019B960494DF}">
-              <a14:hiddenLine xmlns:a14="http://schemas.microsoft.com/office/drawing/2010/main" xmlns="" w="9525">
+              <a14:hiddenLine xmlns="" xmlns:a14="http://schemas.microsoft.com/office/drawing/2010/main" w="9525">
                 <a:solidFill>
                   <a:srgbClr val="000000"/>
                 </a:solidFill>
@@ -4333,7 +4333,7 @@
             <a:fld id="{D0DF5E60-9974-AC48-9591-99C2BB44B7CF}" type="datetimeFigureOut">
               <a:rPr lang="en-US" dirty="0"/>
               <a:pPr/>
-              <a:t>7/24/2020</a:t>
+              <a:t>7/25/20</a:t>
             </a:fld>
             <a:endParaRPr lang="en-US" dirty="0"/>
           </a:p>
@@ -4643,7 +4643,7 @@
             <a:fld id="{18C79C5D-2A6F-F04D-97DA-BEF2467B64E4}" type="datetimeFigureOut">
               <a:rPr lang="en-US" dirty="0"/>
               <a:pPr/>
-              <a:t>7/24/2020</a:t>
+              <a:t>7/25/20</a:t>
             </a:fld>
             <a:endParaRPr lang="en-US" dirty="0"/>
           </a:p>
@@ -4910,7 +4910,7 @@
             <a:fld id="{09B482E8-6E0E-1B4F-B1FD-C69DB9E858D9}" type="datetimeFigureOut">
               <a:rPr lang="en-US" dirty="0"/>
               <a:pPr/>
-              <a:t>7/24/2020</a:t>
+              <a:t>7/25/20</a:t>
             </a:fld>
             <a:endParaRPr lang="en-US" dirty="0"/>
           </a:p>
@@ -5493,7 +5493,7 @@
           <p:nvPr>
             <p:extLst>
               <p:ext uri="{D42A27DB-BD31-4B8C-83A1-F6EECF244321}">
-                <p14:modId xmlns:p14="http://schemas.microsoft.com/office/powerpoint/2010/main" val="1586622494"/>
+                <p14:modId xmlns:p14="http://schemas.microsoft.com/office/powerpoint/2010/main" val="1690288082"/>
               </p:ext>
             </p:extLst>
           </p:nvPr>
@@ -5677,7 +5677,7 @@
                       <a:pPr algn="ctr"/>
                       <a:r>
                         <a:rPr lang="en-US" dirty="0"/>
-                        <a:t>0.951</a:t>
+                        <a:t>0.943</a:t>
                       </a:r>
                     </a:p>
                   </a:txBody>
@@ -6170,7 +6170,7 @@
           <a:ln/>
           <a:extLst>
             <a:ext uri="{91240B29-F687-4f45-9708-019B960494DF}">
-              <a14:hiddenLine xmlns="" xmlns:a16="http://schemas.microsoft.com/office/drawing/2014/main" xmlns:p14="http://schemas.microsoft.com/office/powerpoint/2010/main" xmlns:a14="http://schemas.microsoft.com/office/drawing/2010/main" w="9525">
+              <a14:hiddenLine xmlns:a14="http://schemas.microsoft.com/office/drawing/2010/main" xmlns:p14="http://schemas.microsoft.com/office/powerpoint/2010/main" xmlns:a16="http://schemas.microsoft.com/office/drawing/2014/main" xmlns="" w="9525">
                 <a:solidFill>
                   <a:srgbClr val="000000"/>
                 </a:solidFill>
@@ -6839,7 +6839,7 @@
           <a:ln/>
           <a:extLst>
             <a:ext uri="{91240B29-F687-4f45-9708-019B960494DF}">
-              <a14:hiddenLine xmlns="" xmlns:a16="http://schemas.microsoft.com/office/drawing/2014/main" xmlns:p14="http://schemas.microsoft.com/office/powerpoint/2010/main" xmlns:a14="http://schemas.microsoft.com/office/drawing/2010/main" w="9525">
+              <a14:hiddenLine xmlns:a14="http://schemas.microsoft.com/office/drawing/2010/main" xmlns:p14="http://schemas.microsoft.com/office/powerpoint/2010/main" xmlns:a16="http://schemas.microsoft.com/office/drawing/2014/main" xmlns="" w="9525">
                 <a:solidFill>
                   <a:srgbClr val="000000"/>
                 </a:solidFill>
@@ -6968,7 +6968,7 @@
             </a:pPr>
             <a:r>
               <a:rPr lang="en-US" sz="1600" dirty="0"/>
-              <a:t>V1-V28 were produced through an obfuscation process. For security reasons, we cannot backtrack these numbers to any values that would make sense to us, so our model will only be specific to the non-sensitive data here</a:t>
+              <a:t>V1-V28 were produced through an obfuscation process called Principal Component Analysis (PCA). For security reasons, we cannot backtrack these numbers to any values that would make sense to us, so our model will only be specific to the non-sensitive data here</a:t>
             </a:r>
           </a:p>
         </p:txBody>
@@ -7145,7 +7145,7 @@
           <a:ln/>
           <a:extLst>
             <a:ext uri="{91240B29-F687-4f45-9708-019B960494DF}">
-              <a14:hiddenLine xmlns="" xmlns:a16="http://schemas.microsoft.com/office/drawing/2014/main" xmlns:p14="http://schemas.microsoft.com/office/powerpoint/2010/main" xmlns:a14="http://schemas.microsoft.com/office/drawing/2010/main" w="9525">
+              <a14:hiddenLine xmlns:a14="http://schemas.microsoft.com/office/drawing/2010/main" xmlns:p14="http://schemas.microsoft.com/office/powerpoint/2010/main" xmlns:a16="http://schemas.microsoft.com/office/drawing/2014/main" xmlns="" w="9525">
                 <a:solidFill>
                   <a:srgbClr val="000000"/>
                 </a:solidFill>
@@ -7783,7 +7783,7 @@
           <a:ln/>
           <a:extLst>
             <a:ext uri="{91240B29-F687-4f45-9708-019B960494DF}">
-              <a14:hiddenLine xmlns="" xmlns:a16="http://schemas.microsoft.com/office/drawing/2014/main" xmlns:p14="http://schemas.microsoft.com/office/powerpoint/2010/main" xmlns:a14="http://schemas.microsoft.com/office/drawing/2010/main" w="9525">
+              <a14:hiddenLine xmlns:a14="http://schemas.microsoft.com/office/drawing/2010/main" xmlns:p14="http://schemas.microsoft.com/office/powerpoint/2010/main" xmlns:a16="http://schemas.microsoft.com/office/drawing/2014/main" xmlns="" w="9525">
                 <a:solidFill>
                   <a:srgbClr val="000000"/>
                 </a:solidFill>
@@ -8148,13 +8148,13 @@
           <a:p>
             <a:r>
               <a:rPr lang="en-US" sz="1600" dirty="0"/>
-              <a:t>Closest accuracy was using K=3 at 0.944/0.947</a:t>
+              <a:t>Closest accuracy was using K=5 at 0.936/0.935</a:t>
             </a:r>
           </a:p>
           <a:p>
             <a:r>
               <a:rPr lang="en-US" sz="1600" dirty="0"/>
-              <a:t>Highest test accuracy was at K=5 with an accuracy of 0.951</a:t>
+              <a:t>Highest test accuracy was at K=13 with an accuracy of 0.943</a:t>
             </a:r>
           </a:p>
         </p:txBody>
@@ -8421,7 +8421,7 @@
           <a:ln/>
           <a:extLst>
             <a:ext uri="{91240B29-F687-4f45-9708-019B960494DF}">
-              <a14:hiddenLine xmlns="" xmlns:a16="http://schemas.microsoft.com/office/drawing/2014/main" xmlns:p14="http://schemas.microsoft.com/office/powerpoint/2010/main" xmlns:a14="http://schemas.microsoft.com/office/drawing/2010/main" w="9525">
+              <a14:hiddenLine xmlns:a14="http://schemas.microsoft.com/office/drawing/2010/main" xmlns:p14="http://schemas.microsoft.com/office/powerpoint/2010/main" xmlns:a16="http://schemas.microsoft.com/office/drawing/2014/main" xmlns="" w="9525">
                 <a:solidFill>
                   <a:srgbClr val="000000"/>
                 </a:solidFill>
@@ -9059,7 +9059,7 @@
           <a:ln/>
           <a:extLst>
             <a:ext uri="{91240B29-F687-4f45-9708-019B960494DF}">
-              <a14:hiddenLine xmlns="" xmlns:a16="http://schemas.microsoft.com/office/drawing/2014/main" xmlns:p14="http://schemas.microsoft.com/office/powerpoint/2010/main" xmlns:a14="http://schemas.microsoft.com/office/drawing/2010/main" w="9525">
+              <a14:hiddenLine xmlns:a14="http://schemas.microsoft.com/office/drawing/2010/main" xmlns:p14="http://schemas.microsoft.com/office/powerpoint/2010/main" xmlns:a16="http://schemas.microsoft.com/office/drawing/2014/main" xmlns="" w="9525">
                 <a:solidFill>
                   <a:srgbClr val="000000"/>
                 </a:solidFill>
@@ -9734,7 +9734,7 @@
           <a:ln/>
           <a:extLst>
             <a:ext uri="{91240B29-F687-4f45-9708-019B960494DF}">
-              <a14:hiddenLine xmlns="" xmlns:a16="http://schemas.microsoft.com/office/drawing/2014/main" xmlns:p14="http://schemas.microsoft.com/office/powerpoint/2010/main" xmlns:a14="http://schemas.microsoft.com/office/drawing/2010/main" w="9525">
+              <a14:hiddenLine xmlns:a14="http://schemas.microsoft.com/office/drawing/2010/main" xmlns:p14="http://schemas.microsoft.com/office/powerpoint/2010/main" xmlns:a16="http://schemas.microsoft.com/office/drawing/2014/main" xmlns="" w="9525">
                 <a:solidFill>
                   <a:srgbClr val="000000"/>
                 </a:solidFill>

--- a/Credit_Card_Fraud_Presentation.pptx
+++ b/Credit_Card_Fraud_Presentation.pptx
@@ -218,7 +218,7 @@
           <a:effectLst/>
           <a:extLst>
             <a:ext uri="{91240B29-F687-4f45-9708-019B960494DF}">
-              <a14:hiddenLine xmlns="" xmlns:a14="http://schemas.microsoft.com/office/drawing/2010/main" w="9525">
+              <a14:hiddenLine xmlns:a14="http://schemas.microsoft.com/office/drawing/2010/main" xmlns="" w="9525">
                 <a:solidFill>
                   <a:srgbClr val="000000"/>
                 </a:solidFill>
@@ -411,7 +411,7 @@
             <a:fld id="{08B9EBBA-996F-894A-B54A-D6246ED52CEA}" type="datetimeFigureOut">
               <a:rPr lang="en-US" dirty="0"/>
               <a:pPr/>
-              <a:t>7/25/20</a:t>
+              <a:t>7/25/2020</a:t>
             </a:fld>
             <a:endParaRPr lang="en-US" dirty="0"/>
           </a:p>
@@ -726,7 +726,7 @@
             <a:fld id="{18C79C5D-2A6F-F04D-97DA-BEF2467B64E4}" type="datetimeFigureOut">
               <a:rPr lang="en-US" dirty="0"/>
               <a:pPr/>
-              <a:t>7/25/20</a:t>
+              <a:t>7/25/2020</a:t>
             </a:fld>
             <a:endParaRPr lang="en-US" dirty="0"/>
           </a:p>
@@ -1211,7 +1211,7 @@
             <a:fld id="{8DFA1846-DA80-1C48-A609-854EA85C59AD}" type="datetimeFigureOut">
               <a:rPr lang="en-US" dirty="0"/>
               <a:pPr/>
-              <a:t>7/25/20</a:t>
+              <a:t>7/25/2020</a:t>
             </a:fld>
             <a:endParaRPr lang="en-US" dirty="0"/>
           </a:p>
@@ -1577,7 +1577,7 @@
             <a:fld id="{FBF54567-0DE4-3F47-BF90-CB84690072F9}" type="datetimeFigureOut">
               <a:rPr lang="en-US" dirty="0"/>
               <a:pPr/>
-              <a:t>7/25/20</a:t>
+              <a:t>7/25/2020</a:t>
             </a:fld>
             <a:endParaRPr lang="en-US" dirty="0"/>
           </a:p>
@@ -1728,7 +1728,7 @@
           <a:ln/>
           <a:extLst>
             <a:ext uri="{91240B29-F687-4f45-9708-019B960494DF}">
-              <a14:hiddenLine xmlns="" xmlns:a14="http://schemas.microsoft.com/office/drawing/2010/main" w="9525">
+              <a14:hiddenLine xmlns:a14="http://schemas.microsoft.com/office/drawing/2010/main" xmlns="" w="9525">
                 <a:solidFill>
                   <a:srgbClr val="000000"/>
                 </a:solidFill>
@@ -1847,7 +1847,7 @@
             <a:fld id="{C6C52C72-DE31-F449-A4ED-4C594FD91407}" type="datetimeFigureOut">
               <a:rPr lang="en-US" dirty="0"/>
               <a:pPr/>
-              <a:t>7/25/20</a:t>
+              <a:t>7/25/2020</a:t>
             </a:fld>
             <a:endParaRPr lang="en-US" dirty="0"/>
           </a:p>
@@ -2000,7 +2000,7 @@
           <a:ln/>
           <a:extLst>
             <a:ext uri="{91240B29-F687-4f45-9708-019B960494DF}">
-              <a14:hiddenLine xmlns="" xmlns:a14="http://schemas.microsoft.com/office/drawing/2010/main" w="9525">
+              <a14:hiddenLine xmlns:a14="http://schemas.microsoft.com/office/drawing/2010/main" xmlns="" w="9525">
                 <a:solidFill>
                   <a:srgbClr val="000000"/>
                 </a:solidFill>
@@ -2129,7 +2129,7 @@
             <a:fld id="{ED62726E-379B-B349-9EED-81ED093FA806}" type="datetimeFigureOut">
               <a:rPr lang="en-US" dirty="0"/>
               <a:pPr/>
-              <a:t>7/25/20</a:t>
+              <a:t>7/25/2020</a:t>
             </a:fld>
             <a:endParaRPr lang="en-US" dirty="0"/>
           </a:p>
@@ -2280,7 +2280,7 @@
           <a:ln/>
           <a:extLst>
             <a:ext uri="{91240B29-F687-4f45-9708-019B960494DF}">
-              <a14:hiddenLine xmlns="" xmlns:a14="http://schemas.microsoft.com/office/drawing/2010/main" w="9525">
+              <a14:hiddenLine xmlns:a14="http://schemas.microsoft.com/office/drawing/2010/main" xmlns="" w="9525">
                 <a:solidFill>
                   <a:srgbClr val="000000"/>
                 </a:solidFill>
@@ -2409,7 +2409,7 @@
             <a:fld id="{9B3A1323-8D79-1946-B0D7-40001CF92E9D}" type="datetimeFigureOut">
               <a:rPr lang="en-US" dirty="0"/>
               <a:pPr/>
-              <a:t>7/25/20</a:t>
+              <a:t>7/25/2020</a:t>
             </a:fld>
             <a:endParaRPr lang="en-US" dirty="0"/>
           </a:p>
@@ -2749,7 +2749,7 @@
             <a:fld id="{8DFA1846-DA80-1C48-A609-854EA85C59AD}" type="datetimeFigureOut">
               <a:rPr lang="en-US" dirty="0"/>
               <a:pPr/>
-              <a:t>7/25/20</a:t>
+              <a:t>7/25/2020</a:t>
             </a:fld>
             <a:endParaRPr lang="en-US" dirty="0"/>
           </a:p>
@@ -2900,7 +2900,7 @@
           <a:ln/>
           <a:extLst>
             <a:ext uri="{91240B29-F687-4f45-9708-019B960494DF}">
-              <a14:hiddenLine xmlns="" xmlns:a14="http://schemas.microsoft.com/office/drawing/2010/main" w="9525">
+              <a14:hiddenLine xmlns:a14="http://schemas.microsoft.com/office/drawing/2010/main" xmlns="" w="9525">
                 <a:solidFill>
                   <a:srgbClr val="000000"/>
                 </a:solidFill>
@@ -3085,7 +3085,7 @@
             <a:fld id="{57302355-E14B-8545-A8F8-0FE83CC9D524}" type="datetimeFigureOut">
               <a:rPr lang="en-US" dirty="0"/>
               <a:pPr/>
-              <a:t>7/25/20</a:t>
+              <a:t>7/25/2020</a:t>
             </a:fld>
             <a:endParaRPr lang="en-US" dirty="0"/>
           </a:p>
@@ -3236,7 +3236,7 @@
           <a:ln/>
           <a:extLst>
             <a:ext uri="{91240B29-F687-4f45-9708-019B960494DF}">
-              <a14:hiddenLine xmlns="" xmlns:a14="http://schemas.microsoft.com/office/drawing/2010/main" w="9525">
+              <a14:hiddenLine xmlns:a14="http://schemas.microsoft.com/office/drawing/2010/main" xmlns="" w="9525">
                 <a:solidFill>
                   <a:srgbClr val="000000"/>
                 </a:solidFill>
@@ -3559,7 +3559,7 @@
             <a:fld id="{02640F58-564D-2B4F-AE67-E407BA4FCF45}" type="datetimeFigureOut">
               <a:rPr lang="en-US" dirty="0"/>
               <a:pPr/>
-              <a:t>7/25/20</a:t>
+              <a:t>7/25/2020</a:t>
             </a:fld>
             <a:endParaRPr lang="en-US" dirty="0"/>
           </a:p>
@@ -3710,7 +3710,7 @@
           <a:ln/>
           <a:extLst>
             <a:ext uri="{91240B29-F687-4f45-9708-019B960494DF}">
-              <a14:hiddenLine xmlns="" xmlns:a14="http://schemas.microsoft.com/office/drawing/2010/main" w="9525">
+              <a14:hiddenLine xmlns:a14="http://schemas.microsoft.com/office/drawing/2010/main" xmlns="" w="9525">
                 <a:solidFill>
                   <a:srgbClr val="000000"/>
                 </a:solidFill>
@@ -3777,7 +3777,7 @@
             <a:fld id="{F13A34C8-038E-2045-AF43-DF7DBB8E0E9E}" type="datetimeFigureOut">
               <a:rPr lang="en-US" dirty="0"/>
               <a:pPr/>
-              <a:t>7/25/20</a:t>
+              <a:t>7/25/2020</a:t>
             </a:fld>
             <a:endParaRPr lang="en-US" dirty="0"/>
           </a:p>
@@ -3869,7 +3869,7 @@
             <a:fld id="{8818C68F-D26B-8F47-958C-23B49CF8A634}" type="datetimeFigureOut">
               <a:rPr lang="en-US" dirty="0"/>
               <a:pPr/>
-              <a:t>7/25/20</a:t>
+              <a:t>7/25/2020</a:t>
             </a:fld>
             <a:endParaRPr lang="en-US" dirty="0"/>
           </a:p>
@@ -4133,7 +4133,7 @@
           <a:ln/>
           <a:extLst>
             <a:ext uri="{91240B29-F687-4f45-9708-019B960494DF}">
-              <a14:hiddenLine xmlns="" xmlns:a14="http://schemas.microsoft.com/office/drawing/2010/main" w="9525">
+              <a14:hiddenLine xmlns:a14="http://schemas.microsoft.com/office/drawing/2010/main" xmlns="" w="9525">
                 <a:solidFill>
                   <a:srgbClr val="000000"/>
                 </a:solidFill>
@@ -4333,7 +4333,7 @@
             <a:fld id="{D0DF5E60-9974-AC48-9591-99C2BB44B7CF}" type="datetimeFigureOut">
               <a:rPr lang="en-US" dirty="0"/>
               <a:pPr/>
-              <a:t>7/25/20</a:t>
+              <a:t>7/25/2020</a:t>
             </a:fld>
             <a:endParaRPr lang="en-US" dirty="0"/>
           </a:p>
@@ -4643,7 +4643,7 @@
             <a:fld id="{18C79C5D-2A6F-F04D-97DA-BEF2467B64E4}" type="datetimeFigureOut">
               <a:rPr lang="en-US" dirty="0"/>
               <a:pPr/>
-              <a:t>7/25/20</a:t>
+              <a:t>7/25/2020</a:t>
             </a:fld>
             <a:endParaRPr lang="en-US" dirty="0"/>
           </a:p>
@@ -4910,7 +4910,7 @@
             <a:fld id="{09B482E8-6E0E-1B4F-B1FD-C69DB9E858D9}" type="datetimeFigureOut">
               <a:rPr lang="en-US" dirty="0"/>
               <a:pPr/>
-              <a:t>7/25/20</a:t>
+              <a:t>7/25/2020</a:t>
             </a:fld>
             <a:endParaRPr lang="en-US" dirty="0"/>
           </a:p>
@@ -6170,7 +6170,7 @@
           <a:ln/>
           <a:extLst>
             <a:ext uri="{91240B29-F687-4f45-9708-019B960494DF}">
-              <a14:hiddenLine xmlns:a14="http://schemas.microsoft.com/office/drawing/2010/main" xmlns:p14="http://schemas.microsoft.com/office/powerpoint/2010/main" xmlns:a16="http://schemas.microsoft.com/office/drawing/2014/main" xmlns="" w="9525">
+              <a14:hiddenLine xmlns="" xmlns:a16="http://schemas.microsoft.com/office/drawing/2014/main" xmlns:p14="http://schemas.microsoft.com/office/powerpoint/2010/main" xmlns:a14="http://schemas.microsoft.com/office/drawing/2010/main" w="9525">
                 <a:solidFill>
                   <a:srgbClr val="000000"/>
                 </a:solidFill>
@@ -6839,7 +6839,7 @@
           <a:ln/>
           <a:extLst>
             <a:ext uri="{91240B29-F687-4f45-9708-019B960494DF}">
-              <a14:hiddenLine xmlns:a14="http://schemas.microsoft.com/office/drawing/2010/main" xmlns:p14="http://schemas.microsoft.com/office/powerpoint/2010/main" xmlns:a16="http://schemas.microsoft.com/office/drawing/2014/main" xmlns="" w="9525">
+              <a14:hiddenLine xmlns="" xmlns:a16="http://schemas.microsoft.com/office/drawing/2014/main" xmlns:p14="http://schemas.microsoft.com/office/powerpoint/2010/main" xmlns:a14="http://schemas.microsoft.com/office/drawing/2010/main" w="9525">
                 <a:solidFill>
                   <a:srgbClr val="000000"/>
                 </a:solidFill>
@@ -7145,7 +7145,7 @@
           <a:ln/>
           <a:extLst>
             <a:ext uri="{91240B29-F687-4f45-9708-019B960494DF}">
-              <a14:hiddenLine xmlns:a14="http://schemas.microsoft.com/office/drawing/2010/main" xmlns:p14="http://schemas.microsoft.com/office/powerpoint/2010/main" xmlns:a16="http://schemas.microsoft.com/office/drawing/2014/main" xmlns="" w="9525">
+              <a14:hiddenLine xmlns="" xmlns:a16="http://schemas.microsoft.com/office/drawing/2014/main" xmlns:p14="http://schemas.microsoft.com/office/powerpoint/2010/main" xmlns:a14="http://schemas.microsoft.com/office/drawing/2010/main" w="9525">
                 <a:solidFill>
                   <a:srgbClr val="000000"/>
                 </a:solidFill>
@@ -7783,7 +7783,7 @@
           <a:ln/>
           <a:extLst>
             <a:ext uri="{91240B29-F687-4f45-9708-019B960494DF}">
-              <a14:hiddenLine xmlns:a14="http://schemas.microsoft.com/office/drawing/2010/main" xmlns:p14="http://schemas.microsoft.com/office/powerpoint/2010/main" xmlns:a16="http://schemas.microsoft.com/office/drawing/2014/main" xmlns="" w="9525">
+              <a14:hiddenLine xmlns="" xmlns:a16="http://schemas.microsoft.com/office/drawing/2014/main" xmlns:p14="http://schemas.microsoft.com/office/powerpoint/2010/main" xmlns:a14="http://schemas.microsoft.com/office/drawing/2010/main" w="9525">
                 <a:solidFill>
                   <a:srgbClr val="000000"/>
                 </a:solidFill>
@@ -8421,7 +8421,7 @@
           <a:ln/>
           <a:extLst>
             <a:ext uri="{91240B29-F687-4f45-9708-019B960494DF}">
-              <a14:hiddenLine xmlns:a14="http://schemas.microsoft.com/office/drawing/2010/main" xmlns:p14="http://schemas.microsoft.com/office/powerpoint/2010/main" xmlns:a16="http://schemas.microsoft.com/office/drawing/2014/main" xmlns="" w="9525">
+              <a14:hiddenLine xmlns="" xmlns:a16="http://schemas.microsoft.com/office/drawing/2014/main" xmlns:p14="http://schemas.microsoft.com/office/powerpoint/2010/main" xmlns:a14="http://schemas.microsoft.com/office/drawing/2010/main" w="9525">
                 <a:solidFill>
                   <a:srgbClr val="000000"/>
                 </a:solidFill>
@@ -9059,7 +9059,7 @@
           <a:ln/>
           <a:extLst>
             <a:ext uri="{91240B29-F687-4f45-9708-019B960494DF}">
-              <a14:hiddenLine xmlns:a14="http://schemas.microsoft.com/office/drawing/2010/main" xmlns:p14="http://schemas.microsoft.com/office/powerpoint/2010/main" xmlns:a16="http://schemas.microsoft.com/office/drawing/2014/main" xmlns="" w="9525">
+              <a14:hiddenLine xmlns="" xmlns:a16="http://schemas.microsoft.com/office/drawing/2014/main" xmlns:p14="http://schemas.microsoft.com/office/powerpoint/2010/main" xmlns:a14="http://schemas.microsoft.com/office/drawing/2010/main" w="9525">
                 <a:solidFill>
                   <a:srgbClr val="000000"/>
                 </a:solidFill>
@@ -9558,9 +9558,8 @@
         </p:nvPicPr>
         <p:blipFill>
           <a:blip r:embed="rId3"/>
-          <a:stretch>
-            <a:fillRect/>
-          </a:stretch>
+          <a:srcRect/>
+          <a:stretch/>
         </p:blipFill>
         <p:spPr>
           <a:xfrm>
@@ -9734,7 +9733,7 @@
           <a:ln/>
           <a:extLst>
             <a:ext uri="{91240B29-F687-4f45-9708-019B960494DF}">
-              <a14:hiddenLine xmlns:a14="http://schemas.microsoft.com/office/drawing/2010/main" xmlns:p14="http://schemas.microsoft.com/office/powerpoint/2010/main" xmlns:a16="http://schemas.microsoft.com/office/drawing/2014/main" xmlns="" w="9525">
+              <a14:hiddenLine xmlns="" xmlns:a16="http://schemas.microsoft.com/office/drawing/2014/main" xmlns:p14="http://schemas.microsoft.com/office/powerpoint/2010/main" xmlns:a14="http://schemas.microsoft.com/office/drawing/2010/main" w="9525">
                 <a:solidFill>
                   <a:srgbClr val="000000"/>
                 </a:solidFill>

--- a/Credit_Card_Fraud_Presentation.pptx
+++ b/Credit_Card_Fraud_Presentation.pptx
@@ -5493,14 +5493,14 @@
           <p:nvPr>
             <p:extLst>
               <p:ext uri="{D42A27DB-BD31-4B8C-83A1-F6EECF244321}">
-                <p14:modId xmlns:p14="http://schemas.microsoft.com/office/powerpoint/2010/main" val="1690288082"/>
+                <p14:modId xmlns:p14="http://schemas.microsoft.com/office/powerpoint/2010/main" val="138556613"/>
               </p:ext>
             </p:extLst>
           </p:nvPr>
         </p:nvGraphicFramePr>
         <p:xfrm>
-          <a:off x="1141412" y="3443287"/>
-          <a:ext cx="9909173" cy="1225031"/>
+          <a:off x="1141412" y="2949251"/>
+          <a:ext cx="9909173" cy="2486879"/>
         </p:xfrm>
         <a:graphic>
           <a:graphicData uri="http://schemas.openxmlformats.org/drawingml/2006/table">
@@ -5552,7 +5552,7 @@
                   </a:extLst>
                 </a:gridCol>
               </a:tblGrid>
-              <a:tr h="685800">
+              <a:tr h="675549">
                 <a:tc>
                   <a:txBody>
                     <a:bodyPr/>
@@ -5640,7 +5640,7 @@
                   </a:ext>
                 </a:extLst>
               </a:tr>
-              <a:tr h="539231">
+              <a:tr h="531170">
                 <a:tc>
                   <a:txBody>
                     <a:bodyPr/>
@@ -5728,6 +5728,188 @@
                 <a:extLst>
                   <a:ext uri="{0D108BD9-81ED-4DB2-BD59-A6C34878D82A}">
                     <a16:rowId xmlns:a16="http://schemas.microsoft.com/office/drawing/2014/main" val="2598976169"/>
+                  </a:ext>
+                </a:extLst>
+              </a:tr>
+              <a:tr h="531170">
+                <a:tc>
+                  <a:txBody>
+                    <a:bodyPr/>
+                    <a:lstStyle/>
+                    <a:p>
+                      <a:pPr algn="ctr"/>
+                      <a:r>
+                        <a:rPr lang="en-US" dirty="0"/>
+                        <a:t>False Positives</a:t>
+                      </a:r>
+                    </a:p>
+                  </a:txBody>
+                  <a:tcPr/>
+                </a:tc>
+                <a:tc>
+                  <a:txBody>
+                    <a:bodyPr/>
+                    <a:lstStyle/>
+                    <a:p>
+                      <a:pPr algn="ctr"/>
+                      <a:r>
+                        <a:rPr lang="en-US" dirty="0"/>
+                        <a:t>0</a:t>
+                      </a:r>
+                    </a:p>
+                  </a:txBody>
+                  <a:tcPr/>
+                </a:tc>
+                <a:tc>
+                  <a:txBody>
+                    <a:bodyPr/>
+                    <a:lstStyle/>
+                    <a:p>
+                      <a:pPr algn="ctr"/>
+                      <a:r>
+                        <a:rPr lang="en-US" dirty="0"/>
+                        <a:t>0</a:t>
+                      </a:r>
+                    </a:p>
+                  </a:txBody>
+                  <a:tcPr/>
+                </a:tc>
+                <a:tc>
+                  <a:txBody>
+                    <a:bodyPr/>
+                    <a:lstStyle/>
+                    <a:p>
+                      <a:pPr algn="ctr"/>
+                      <a:r>
+                        <a:rPr lang="en-US" dirty="0"/>
+                        <a:t>1</a:t>
+                      </a:r>
+                    </a:p>
+                  </a:txBody>
+                  <a:tcPr/>
+                </a:tc>
+                <a:tc>
+                  <a:txBody>
+                    <a:bodyPr/>
+                    <a:lstStyle/>
+                    <a:p>
+                      <a:pPr algn="ctr"/>
+                      <a:r>
+                        <a:rPr lang="en-US" dirty="0"/>
+                        <a:t>3</a:t>
+                      </a:r>
+                    </a:p>
+                  </a:txBody>
+                  <a:tcPr/>
+                </a:tc>
+                <a:tc>
+                  <a:txBody>
+                    <a:bodyPr/>
+                    <a:lstStyle/>
+                    <a:p>
+                      <a:pPr algn="ctr"/>
+                      <a:r>
+                        <a:rPr lang="en-US" dirty="0"/>
+                        <a:t>0</a:t>
+                      </a:r>
+                    </a:p>
+                  </a:txBody>
+                  <a:tcPr/>
+                </a:tc>
+                <a:extLst>
+                  <a:ext uri="{0D108BD9-81ED-4DB2-BD59-A6C34878D82A}">
+                    <a16:rowId xmlns:a16="http://schemas.microsoft.com/office/drawing/2014/main" val="1655157647"/>
+                  </a:ext>
+                </a:extLst>
+              </a:tr>
+              <a:tr h="531170">
+                <a:tc>
+                  <a:txBody>
+                    <a:bodyPr/>
+                    <a:lstStyle/>
+                    <a:p>
+                      <a:pPr algn="ctr"/>
+                      <a:r>
+                        <a:rPr lang="en-US" dirty="0"/>
+                        <a:t>True Negatives</a:t>
+                      </a:r>
+                    </a:p>
+                  </a:txBody>
+                  <a:tcPr/>
+                </a:tc>
+                <a:tc>
+                  <a:txBody>
+                    <a:bodyPr/>
+                    <a:lstStyle/>
+                    <a:p>
+                      <a:pPr algn="ctr"/>
+                      <a:r>
+                        <a:rPr lang="en-US" dirty="0"/>
+                        <a:t>20</a:t>
+                      </a:r>
+                    </a:p>
+                  </a:txBody>
+                  <a:tcPr/>
+                </a:tc>
+                <a:tc>
+                  <a:txBody>
+                    <a:bodyPr/>
+                    <a:lstStyle/>
+                    <a:p>
+                      <a:pPr algn="ctr"/>
+                      <a:r>
+                        <a:rPr lang="en-US" dirty="0"/>
+                        <a:t>16</a:t>
+                      </a:r>
+                    </a:p>
+                  </a:txBody>
+                  <a:tcPr/>
+                </a:tc>
+                <a:tc>
+                  <a:txBody>
+                    <a:bodyPr/>
+                    <a:lstStyle/>
+                    <a:p>
+                      <a:pPr algn="ctr"/>
+                      <a:r>
+                        <a:rPr lang="en-US" dirty="0"/>
+                        <a:t>16</a:t>
+                      </a:r>
+                    </a:p>
+                  </a:txBody>
+                  <a:tcPr/>
+                </a:tc>
+                <a:tc>
+                  <a:txBody>
+                    <a:bodyPr/>
+                    <a:lstStyle/>
+                    <a:p>
+                      <a:pPr algn="ctr"/>
+                      <a:r>
+                        <a:rPr lang="en-US" dirty="0"/>
+                        <a:t>10</a:t>
+                      </a:r>
+                    </a:p>
+                  </a:txBody>
+                  <a:tcPr/>
+                </a:tc>
+                <a:tc>
+                  <a:txBody>
+                    <a:bodyPr/>
+                    <a:lstStyle/>
+                    <a:p>
+                      <a:pPr algn="ctr"/>
+                      <a:r>
+                        <a:rPr lang="en-US" dirty="0"/>
+                        <a:t>12</a:t>
+                      </a:r>
+                    </a:p>
+                  </a:txBody>
+                  <a:tcPr/>
+                </a:tc>
+                <a:extLst>
+                  <a:ext uri="{0D108BD9-81ED-4DB2-BD59-A6C34878D82A}">
+                    <a16:rowId xmlns:a16="http://schemas.microsoft.com/office/drawing/2014/main" val="2584319247"/>
                   </a:ext>
                 </a:extLst>
               </a:tr>
